--- a/House Price Prediction.pptx
+++ b/House Price Prediction.pptx
@@ -5,10 +5,10 @@
     <p:sldMasterId id="2147483648" r:id="rId4"/>
   </p:sldMasterIdLst>
   <p:notesMasterIdLst>
-    <p:notesMasterId r:id="rId14"/>
+    <p:notesMasterId r:id="rId15"/>
   </p:notesMasterIdLst>
   <p:handoutMasterIdLst>
-    <p:handoutMasterId r:id="rId15"/>
+    <p:handoutMasterId r:id="rId16"/>
   </p:handoutMasterIdLst>
   <p:sldIdLst>
     <p:sldId id="256" r:id="rId5"/>
@@ -19,7 +19,8 @@
     <p:sldId id="273" r:id="rId10"/>
     <p:sldId id="275" r:id="rId11"/>
     <p:sldId id="276" r:id="rId12"/>
-    <p:sldId id="271" r:id="rId13"/>
+    <p:sldId id="277" r:id="rId13"/>
+    <p:sldId id="271" r:id="rId14"/>
   </p:sldIdLst>
   <p:sldSz cx="12192000" cy="6858000"/>
   <p:notesSz cx="6858000" cy="9144000"/>
@@ -120,7 +121,7 @@
   </p:defaultTextStyle>
   <p:extLst>
     <p:ext uri="{EFAFB233-063F-42B5-8137-9DF3F51BA10A}">
-      <p15:sldGuideLst xmlns="" xmlns:p15="http://schemas.microsoft.com/office/powerpoint/2012/main">
+      <p15:sldGuideLst xmlns:p15="http://schemas.microsoft.com/office/powerpoint/2012/main" xmlns="">
         <p15:guide id="1" orient="horz" pos="2160" userDrawn="1">
           <p15:clr>
             <a:srgbClr val="A4A3A4"/>
@@ -134,7 +135,7 @@
       </p15:sldGuideLst>
     </p:ext>
     <p:ext uri="{2D200454-40CA-4A62-9FC3-DE9A4176ACB9}">
-      <p15:notesGuideLst xmlns="" xmlns:p15="http://schemas.microsoft.com/office/powerpoint/2012/main"/>
+      <p15:notesGuideLst xmlns:p15="http://schemas.microsoft.com/office/powerpoint/2012/main" xmlns=""/>
     </p:ext>
   </p:extLst>
 </p:presentation>
@@ -167,7 +168,7 @@
           <p:cNvPr id="2" name="Header Placeholder 1">
             <a:extLst>
               <a:ext uri="{FF2B5EF4-FFF2-40B4-BE49-F238E27FC236}">
-                <a16:creationId xmlns="" xmlns:a16="http://schemas.microsoft.com/office/drawing/2014/main" id="{E62FF6B6-4F8A-40F7-B5F4-FC3996824D73}"/>
+                <a16:creationId xmlns:a16="http://schemas.microsoft.com/office/drawing/2014/main" xmlns="" id="{E62FF6B6-4F8A-40F7-B5F4-FC3996824D73}"/>
               </a:ext>
             </a:extLst>
           </p:cNvPr>
@@ -204,7 +205,7 @@
           <p:cNvPr id="3" name="Date Placeholder 2">
             <a:extLst>
               <a:ext uri="{FF2B5EF4-FFF2-40B4-BE49-F238E27FC236}">
-                <a16:creationId xmlns="" xmlns:a16="http://schemas.microsoft.com/office/drawing/2014/main" id="{8910A999-F365-48DF-976A-0517FE045440}"/>
+                <a16:creationId xmlns:a16="http://schemas.microsoft.com/office/drawing/2014/main" xmlns="" id="{8910A999-F365-48DF-976A-0517FE045440}"/>
               </a:ext>
             </a:extLst>
           </p:cNvPr>
@@ -235,7 +236,7 @@
             <a:fld id="{1CA5457B-CDAE-4DEB-AEC8-C82DE2312E37}" type="datetimeFigureOut">
               <a:rPr lang="en-US" smtClean="0"/>
               <a:pPr/>
-              <a:t>10/22/2021</a:t>
+              <a:t>10/23/2021</a:t>
             </a:fld>
             <a:endParaRPr lang="en-US" dirty="0"/>
           </a:p>
@@ -246,7 +247,7 @@
           <p:cNvPr id="4" name="Footer Placeholder 3">
             <a:extLst>
               <a:ext uri="{FF2B5EF4-FFF2-40B4-BE49-F238E27FC236}">
-                <a16:creationId xmlns="" xmlns:a16="http://schemas.microsoft.com/office/drawing/2014/main" id="{F8735C90-ADBF-4B9E-BE88-E1C8F83EB4D2}"/>
+                <a16:creationId xmlns:a16="http://schemas.microsoft.com/office/drawing/2014/main" xmlns="" id="{F8735C90-ADBF-4B9E-BE88-E1C8F83EB4D2}"/>
               </a:ext>
             </a:extLst>
           </p:cNvPr>
@@ -283,7 +284,7 @@
           <p:cNvPr id="5" name="Slide Number Placeholder 4">
             <a:extLst>
               <a:ext uri="{FF2B5EF4-FFF2-40B4-BE49-F238E27FC236}">
-                <a16:creationId xmlns="" xmlns:a16="http://schemas.microsoft.com/office/drawing/2014/main" id="{82506A01-6D0A-45EF-A584-05A3361D66F7}"/>
+                <a16:creationId xmlns:a16="http://schemas.microsoft.com/office/drawing/2014/main" xmlns="" id="{82506A01-6D0A-45EF-A584-05A3361D66F7}"/>
               </a:ext>
             </a:extLst>
           </p:cNvPr>
@@ -323,7 +324,7 @@
     </p:spTree>
     <p:extLst>
       <p:ext uri="{BB962C8B-B14F-4D97-AF65-F5344CB8AC3E}">
-        <p14:creationId xmlns="" xmlns:p14="http://schemas.microsoft.com/office/powerpoint/2010/main" val="1059900972"/>
+        <p14:creationId xmlns:p14="http://schemas.microsoft.com/office/powerpoint/2010/main" xmlns="" val="1059900972"/>
       </p:ext>
     </p:extLst>
   </p:cSld>
@@ -414,7 +415,7 @@
             <a:fld id="{090B78EA-28CE-41D8-9043-90E391E5F567}" type="datetimeFigureOut">
               <a:rPr lang="en-US" noProof="0" smtClean="0"/>
               <a:pPr/>
-              <a:t>10/22/2021</a:t>
+              <a:t>10/23/2021</a:t>
             </a:fld>
             <a:endParaRPr lang="en-US" noProof="0" dirty="0"/>
           </a:p>
@@ -582,7 +583,7 @@
     </p:spTree>
     <p:extLst>
       <p:ext uri="{BB962C8B-B14F-4D97-AF65-F5344CB8AC3E}">
-        <p14:creationId xmlns="" xmlns:p14="http://schemas.microsoft.com/office/powerpoint/2010/main" val="3827727106"/>
+        <p14:creationId xmlns:p14="http://schemas.microsoft.com/office/powerpoint/2010/main" xmlns="" val="3827727106"/>
       </p:ext>
     </p:extLst>
   </p:cSld>
@@ -704,7 +705,7 @@
           <p:cNvPr id="21" name="Rectangle 20">
             <a:extLst>
               <a:ext uri="{FF2B5EF4-FFF2-40B4-BE49-F238E27FC236}">
-                <a16:creationId xmlns="" xmlns:a16="http://schemas.microsoft.com/office/drawing/2014/main" id="{6E739168-A5E8-443A-B392-7AD4CF8977AD}"/>
+                <a16:creationId xmlns:a16="http://schemas.microsoft.com/office/drawing/2014/main" xmlns="" id="{6E739168-A5E8-443A-B392-7AD4CF8977AD}"/>
               </a:ext>
             </a:extLst>
           </p:cNvPr>
@@ -756,7 +757,7 @@
           <p:cNvPr id="7" name="Group 6">
             <a:extLst>
               <a:ext uri="{FF2B5EF4-FFF2-40B4-BE49-F238E27FC236}">
-                <a16:creationId xmlns="" xmlns:a16="http://schemas.microsoft.com/office/drawing/2014/main" id="{4CA15AFD-4983-47DD-9ED0-D3B27E5A096F}"/>
+                <a16:creationId xmlns:a16="http://schemas.microsoft.com/office/drawing/2014/main" xmlns="" id="{4CA15AFD-4983-47DD-9ED0-D3B27E5A096F}"/>
               </a:ext>
             </a:extLst>
           </p:cNvPr>
@@ -776,7 +777,7 @@
             <p:cNvPr id="8" name="Group 7">
               <a:extLst>
                 <a:ext uri="{FF2B5EF4-FFF2-40B4-BE49-F238E27FC236}">
-                  <a16:creationId xmlns="" xmlns:a16="http://schemas.microsoft.com/office/drawing/2014/main" id="{2222D5E2-E9B4-4180-98B8-4E514C9ADB28}"/>
+                  <a16:creationId xmlns:a16="http://schemas.microsoft.com/office/drawing/2014/main" xmlns="" id="{2222D5E2-E9B4-4180-98B8-4E514C9ADB28}"/>
                 </a:ext>
               </a:extLst>
             </p:cNvPr>
@@ -796,7 +797,7 @@
               <p:cNvPr id="15" name="Freeform: Shape 14">
                 <a:extLst>
                   <a:ext uri="{FF2B5EF4-FFF2-40B4-BE49-F238E27FC236}">
-                    <a16:creationId xmlns="" xmlns:a16="http://schemas.microsoft.com/office/drawing/2014/main" id="{41E10E1E-5268-4F03-BA64-07E19DE26739}"/>
+                    <a16:creationId xmlns:a16="http://schemas.microsoft.com/office/drawing/2014/main" xmlns="" id="{41E10E1E-5268-4F03-BA64-07E19DE26739}"/>
                   </a:ext>
                 </a:extLst>
               </p:cNvPr>
@@ -933,7 +934,7 @@
               <p:cNvPr id="16" name="Freeform: Shape 15">
                 <a:extLst>
                   <a:ext uri="{FF2B5EF4-FFF2-40B4-BE49-F238E27FC236}">
-                    <a16:creationId xmlns="" xmlns:a16="http://schemas.microsoft.com/office/drawing/2014/main" id="{B989C45D-BDFF-418F-BE79-03FF70015770}"/>
+                    <a16:creationId xmlns:a16="http://schemas.microsoft.com/office/drawing/2014/main" xmlns="" id="{B989C45D-BDFF-418F-BE79-03FF70015770}"/>
                   </a:ext>
                 </a:extLst>
               </p:cNvPr>
@@ -1097,7 +1098,7 @@
               <p:cNvPr id="17" name="Right Triangle 16">
                 <a:extLst>
                   <a:ext uri="{FF2B5EF4-FFF2-40B4-BE49-F238E27FC236}">
-                    <a16:creationId xmlns="" xmlns:a16="http://schemas.microsoft.com/office/drawing/2014/main" id="{8DCD5806-2A2F-4ABF-8057-245681C498E6}"/>
+                    <a16:creationId xmlns:a16="http://schemas.microsoft.com/office/drawing/2014/main" xmlns="" id="{8DCD5806-2A2F-4ABF-8057-245681C498E6}"/>
                   </a:ext>
                 </a:extLst>
               </p:cNvPr>
@@ -1151,7 +1152,7 @@
               <p:cNvPr id="18" name="Right Triangle 17">
                 <a:extLst>
                   <a:ext uri="{FF2B5EF4-FFF2-40B4-BE49-F238E27FC236}">
-                    <a16:creationId xmlns="" xmlns:a16="http://schemas.microsoft.com/office/drawing/2014/main" id="{3A93038F-E9E4-4FFD-B3DF-28DB7C2C1490}"/>
+                    <a16:creationId xmlns:a16="http://schemas.microsoft.com/office/drawing/2014/main" xmlns="" id="{3A93038F-E9E4-4FFD-B3DF-28DB7C2C1490}"/>
                   </a:ext>
                 </a:extLst>
               </p:cNvPr>
@@ -1208,7 +1209,7 @@
               <p:cNvPr id="19" name="Right Triangle 18">
                 <a:extLst>
                   <a:ext uri="{FF2B5EF4-FFF2-40B4-BE49-F238E27FC236}">
-                    <a16:creationId xmlns="" xmlns:a16="http://schemas.microsoft.com/office/drawing/2014/main" id="{5DEA1E02-BBD0-4AE3-AF22-433B90272178}"/>
+                    <a16:creationId xmlns:a16="http://schemas.microsoft.com/office/drawing/2014/main" xmlns="" id="{5DEA1E02-BBD0-4AE3-AF22-433B90272178}"/>
                   </a:ext>
                 </a:extLst>
               </p:cNvPr>
@@ -1262,7 +1263,7 @@
               <p:cNvPr id="20" name="Freeform: Shape 19">
                 <a:extLst>
                   <a:ext uri="{FF2B5EF4-FFF2-40B4-BE49-F238E27FC236}">
-                    <a16:creationId xmlns="" xmlns:a16="http://schemas.microsoft.com/office/drawing/2014/main" id="{0027A677-9ACB-4264-B148-4806678FB83F}"/>
+                    <a16:creationId xmlns:a16="http://schemas.microsoft.com/office/drawing/2014/main" xmlns="" id="{0027A677-9ACB-4264-B148-4806678FB83F}"/>
                   </a:ext>
                 </a:extLst>
               </p:cNvPr>
@@ -1425,7 +1426,7 @@
             <p:cNvPr id="9" name="Freeform: Shape 12">
               <a:extLst>
                 <a:ext uri="{FF2B5EF4-FFF2-40B4-BE49-F238E27FC236}">
-                  <a16:creationId xmlns="" xmlns:a16="http://schemas.microsoft.com/office/drawing/2014/main" id="{E3AAB79D-382D-4A95-965E-526B6A681DA7}"/>
+                  <a16:creationId xmlns:a16="http://schemas.microsoft.com/office/drawing/2014/main" xmlns="" id="{E3AAB79D-382D-4A95-965E-526B6A681DA7}"/>
                 </a:ext>
               </a:extLst>
             </p:cNvPr>
@@ -1515,7 +1516,7 @@
             <p:cNvPr id="10" name="Freeform: Shape 9">
               <a:extLst>
                 <a:ext uri="{FF2B5EF4-FFF2-40B4-BE49-F238E27FC236}">
-                  <a16:creationId xmlns="" xmlns:a16="http://schemas.microsoft.com/office/drawing/2014/main" id="{C0A22127-2B4A-4B15-B0A9-F019A30347A1}"/>
+                  <a16:creationId xmlns:a16="http://schemas.microsoft.com/office/drawing/2014/main" xmlns="" id="{C0A22127-2B4A-4B15-B0A9-F019A30347A1}"/>
                 </a:ext>
               </a:extLst>
             </p:cNvPr>
@@ -1618,7 +1619,7 @@
             <p:cNvPr id="11" name="Freeform: Shape 12">
               <a:extLst>
                 <a:ext uri="{FF2B5EF4-FFF2-40B4-BE49-F238E27FC236}">
-                  <a16:creationId xmlns="" xmlns:a16="http://schemas.microsoft.com/office/drawing/2014/main" id="{F04D9FDC-1B67-4254-9535-CD32E81F0C3E}"/>
+                  <a16:creationId xmlns:a16="http://schemas.microsoft.com/office/drawing/2014/main" xmlns="" id="{F04D9FDC-1B67-4254-9535-CD32E81F0C3E}"/>
                 </a:ext>
               </a:extLst>
             </p:cNvPr>
@@ -1716,7 +1717,7 @@
             <p:cNvPr id="12" name="Group 11">
               <a:extLst>
                 <a:ext uri="{FF2B5EF4-FFF2-40B4-BE49-F238E27FC236}">
-                  <a16:creationId xmlns="" xmlns:a16="http://schemas.microsoft.com/office/drawing/2014/main" id="{0A86C4EA-4CF8-4531-845D-4FCB1E2F7422}"/>
+                  <a16:creationId xmlns:a16="http://schemas.microsoft.com/office/drawing/2014/main" xmlns="" id="{0A86C4EA-4CF8-4531-845D-4FCB1E2F7422}"/>
                 </a:ext>
               </a:extLst>
             </p:cNvPr>
@@ -1736,7 +1737,7 @@
               <p:cNvPr id="13" name="Freeform: Shape 12">
                 <a:extLst>
                   <a:ext uri="{FF2B5EF4-FFF2-40B4-BE49-F238E27FC236}">
-                    <a16:creationId xmlns="" xmlns:a16="http://schemas.microsoft.com/office/drawing/2014/main" id="{1101B195-C112-4D20-8D19-4D22479B150D}"/>
+                    <a16:creationId xmlns:a16="http://schemas.microsoft.com/office/drawing/2014/main" xmlns="" id="{1101B195-C112-4D20-8D19-4D22479B150D}"/>
                   </a:ext>
                 </a:extLst>
               </p:cNvPr>
@@ -1826,7 +1827,7 @@
               <p:cNvPr id="14" name="Freeform: Shape 12">
                 <a:extLst>
                   <a:ext uri="{FF2B5EF4-FFF2-40B4-BE49-F238E27FC236}">
-                    <a16:creationId xmlns="" xmlns:a16="http://schemas.microsoft.com/office/drawing/2014/main" id="{CA755F1F-9955-4CBB-8F34-F7801CA44CE7}"/>
+                    <a16:creationId xmlns:a16="http://schemas.microsoft.com/office/drawing/2014/main" xmlns="" id="{CA755F1F-9955-4CBB-8F34-F7801CA44CE7}"/>
                   </a:ext>
                 </a:extLst>
               </p:cNvPr>
@@ -1926,7 +1927,7 @@
           <p:cNvPr id="2" name="Title 1">
             <a:extLst>
               <a:ext uri="{FF2B5EF4-FFF2-40B4-BE49-F238E27FC236}">
-                <a16:creationId xmlns="" xmlns:a16="http://schemas.microsoft.com/office/drawing/2014/main" id="{9E597736-C478-4C26-9BAF-205FE31E977C}"/>
+                <a16:creationId xmlns:a16="http://schemas.microsoft.com/office/drawing/2014/main" xmlns="" id="{9E597736-C478-4C26-9BAF-205FE31E977C}"/>
               </a:ext>
             </a:extLst>
           </p:cNvPr>
@@ -1973,7 +1974,7 @@
           <p:cNvPr id="3" name="Subtitle 2">
             <a:extLst>
               <a:ext uri="{FF2B5EF4-FFF2-40B4-BE49-F238E27FC236}">
-                <a16:creationId xmlns="" xmlns:a16="http://schemas.microsoft.com/office/drawing/2014/main" id="{C3D2DEF0-A0B0-4CFE-B67D-A9D75E2368DC}"/>
+                <a16:creationId xmlns:a16="http://schemas.microsoft.com/office/drawing/2014/main" xmlns="" id="{C3D2DEF0-A0B0-4CFE-B67D-A9D75E2368DC}"/>
               </a:ext>
             </a:extLst>
           </p:cNvPr>
@@ -2018,7 +2019,7 @@
     </p:spTree>
     <p:extLst>
       <p:ext uri="{BB962C8B-B14F-4D97-AF65-F5344CB8AC3E}">
-        <p14:creationId xmlns="" xmlns:p14="http://schemas.microsoft.com/office/powerpoint/2010/main" val="436959625"/>
+        <p14:creationId xmlns:p14="http://schemas.microsoft.com/office/powerpoint/2010/main" xmlns="" val="436959625"/>
       </p:ext>
     </p:extLst>
   </p:cSld>
@@ -2058,7 +2059,7 @@
           <p:cNvPr id="11" name="Rectangle 10">
             <a:extLst>
               <a:ext uri="{FF2B5EF4-FFF2-40B4-BE49-F238E27FC236}">
-                <a16:creationId xmlns="" xmlns:a16="http://schemas.microsoft.com/office/drawing/2014/main" id="{EB3E033F-4449-40FA-BC85-BD2712D313DD}"/>
+                <a16:creationId xmlns:a16="http://schemas.microsoft.com/office/drawing/2014/main" xmlns="" id="{EB3E033F-4449-40FA-BC85-BD2712D313DD}"/>
               </a:ext>
             </a:extLst>
           </p:cNvPr>
@@ -2112,7 +2113,7 @@
           <p:cNvPr id="10" name="Freeform: Shape 9">
             <a:extLst>
               <a:ext uri="{FF2B5EF4-FFF2-40B4-BE49-F238E27FC236}">
-                <a16:creationId xmlns="" xmlns:a16="http://schemas.microsoft.com/office/drawing/2014/main" id="{63D26743-0505-444C-80B3-E88EE87DF72B}"/>
+                <a16:creationId xmlns:a16="http://schemas.microsoft.com/office/drawing/2014/main" xmlns="" id="{63D26743-0505-444C-80B3-E88EE87DF72B}"/>
               </a:ext>
             </a:extLst>
           </p:cNvPr>
@@ -2235,7 +2236,7 @@
           <p:cNvPr id="18" name="Freeform: Shape 17">
             <a:extLst>
               <a:ext uri="{FF2B5EF4-FFF2-40B4-BE49-F238E27FC236}">
-                <a16:creationId xmlns="" xmlns:a16="http://schemas.microsoft.com/office/drawing/2014/main" id="{E37145E9-AC61-47D5-9288-8789940F81B6}"/>
+                <a16:creationId xmlns:a16="http://schemas.microsoft.com/office/drawing/2014/main" xmlns="" id="{E37145E9-AC61-47D5-9288-8789940F81B6}"/>
               </a:ext>
             </a:extLst>
           </p:cNvPr>
@@ -2387,7 +2388,7 @@
           <p:cNvPr id="12" name="Freeform: Shape 11">
             <a:extLst>
               <a:ext uri="{FF2B5EF4-FFF2-40B4-BE49-F238E27FC236}">
-                <a16:creationId xmlns="" xmlns:a16="http://schemas.microsoft.com/office/drawing/2014/main" id="{A5E2B3ED-9A49-40A7-B8A3-62595FE513F9}"/>
+                <a16:creationId xmlns:a16="http://schemas.microsoft.com/office/drawing/2014/main" xmlns="" id="{A5E2B3ED-9A49-40A7-B8A3-62595FE513F9}"/>
               </a:ext>
             </a:extLst>
           </p:cNvPr>
@@ -2537,7 +2538,7 @@
           <p:cNvPr id="8" name="Freeform: Shape 7">
             <a:extLst>
               <a:ext uri="{FF2B5EF4-FFF2-40B4-BE49-F238E27FC236}">
-                <a16:creationId xmlns="" xmlns:a16="http://schemas.microsoft.com/office/drawing/2014/main" id="{1599AF7E-3E34-4597-AA72-9373A7FDB020}"/>
+                <a16:creationId xmlns:a16="http://schemas.microsoft.com/office/drawing/2014/main" xmlns="" id="{1599AF7E-3E34-4597-AA72-9373A7FDB020}"/>
               </a:ext>
             </a:extLst>
           </p:cNvPr>
@@ -2683,7 +2684,7 @@
           <p:cNvPr id="2" name="Title 1">
             <a:extLst>
               <a:ext uri="{FF2B5EF4-FFF2-40B4-BE49-F238E27FC236}">
-                <a16:creationId xmlns="" xmlns:a16="http://schemas.microsoft.com/office/drawing/2014/main" id="{4A2DF563-7FAC-46B3-B24C-7E45CD89DA2B}"/>
+                <a16:creationId xmlns:a16="http://schemas.microsoft.com/office/drawing/2014/main" xmlns="" id="{4A2DF563-7FAC-46B3-B24C-7E45CD89DA2B}"/>
               </a:ext>
             </a:extLst>
           </p:cNvPr>
@@ -2728,7 +2729,7 @@
           <p:cNvPr id="15" name="Group 14">
             <a:extLst>
               <a:ext uri="{FF2B5EF4-FFF2-40B4-BE49-F238E27FC236}">
-                <a16:creationId xmlns="" xmlns:a16="http://schemas.microsoft.com/office/drawing/2014/main" id="{7732E1E7-45E3-4264-8F26-66758696DD1E}"/>
+                <a16:creationId xmlns:a16="http://schemas.microsoft.com/office/drawing/2014/main" xmlns="" id="{7732E1E7-45E3-4264-8F26-66758696DD1E}"/>
               </a:ext>
             </a:extLst>
           </p:cNvPr>
@@ -2748,7 +2749,7 @@
             <p:cNvPr id="16" name="Freeform: Shape 15">
               <a:extLst>
                 <a:ext uri="{FF2B5EF4-FFF2-40B4-BE49-F238E27FC236}">
-                  <a16:creationId xmlns="" xmlns:a16="http://schemas.microsoft.com/office/drawing/2014/main" id="{2E3DF883-8093-49FA-81E1-E5D77F086A25}"/>
+                  <a16:creationId xmlns:a16="http://schemas.microsoft.com/office/drawing/2014/main" xmlns="" id="{2E3DF883-8093-49FA-81E1-E5D77F086A25}"/>
                 </a:ext>
               </a:extLst>
             </p:cNvPr>
@@ -2838,7 +2839,7 @@
             <p:cNvPr id="17" name="Freeform: Shape 16">
               <a:extLst>
                 <a:ext uri="{FF2B5EF4-FFF2-40B4-BE49-F238E27FC236}">
-                  <a16:creationId xmlns="" xmlns:a16="http://schemas.microsoft.com/office/drawing/2014/main" id="{18944C90-37E5-4BBE-89FF-060627168050}"/>
+                  <a16:creationId xmlns:a16="http://schemas.microsoft.com/office/drawing/2014/main" xmlns="" id="{18944C90-37E5-4BBE-89FF-060627168050}"/>
                 </a:ext>
               </a:extLst>
             </p:cNvPr>
@@ -2937,7 +2938,7 @@
           <p:cNvPr id="6" name="Group 5">
             <a:extLst>
               <a:ext uri="{FF2B5EF4-FFF2-40B4-BE49-F238E27FC236}">
-                <a16:creationId xmlns="" xmlns:a16="http://schemas.microsoft.com/office/drawing/2014/main" id="{D9EBF8BB-A805-4DDB-B459-082F99815B95}"/>
+                <a16:creationId xmlns:a16="http://schemas.microsoft.com/office/drawing/2014/main" xmlns="" id="{D9EBF8BB-A805-4DDB-B459-082F99815B95}"/>
               </a:ext>
             </a:extLst>
           </p:cNvPr>
@@ -2957,7 +2958,7 @@
             <p:cNvPr id="19" name="Rectangle: Single Corner Snipped 18">
               <a:extLst>
                 <a:ext uri="{FF2B5EF4-FFF2-40B4-BE49-F238E27FC236}">
-                  <a16:creationId xmlns="" xmlns:a16="http://schemas.microsoft.com/office/drawing/2014/main" id="{5D638788-DD47-45E7-939A-FA108A818173}"/>
+                  <a16:creationId xmlns:a16="http://schemas.microsoft.com/office/drawing/2014/main" xmlns="" id="{5D638788-DD47-45E7-939A-FA108A818173}"/>
                 </a:ext>
               </a:extLst>
             </p:cNvPr>
@@ -3023,7 +3024,7 @@
             <p:cNvPr id="3" name="Rectangle: Single Corner Snipped 2">
               <a:extLst>
                 <a:ext uri="{FF2B5EF4-FFF2-40B4-BE49-F238E27FC236}">
-                  <a16:creationId xmlns="" xmlns:a16="http://schemas.microsoft.com/office/drawing/2014/main" id="{74BDECEF-EEFE-4332-B3B2-BDE4F82C10FC}"/>
+                  <a16:creationId xmlns:a16="http://schemas.microsoft.com/office/drawing/2014/main" xmlns="" id="{74BDECEF-EEFE-4332-B3B2-BDE4F82C10FC}"/>
                 </a:ext>
               </a:extLst>
             </p:cNvPr>
@@ -3080,7 +3081,7 @@
           <p:cNvPr id="24" name="Freeform: Shape 23">
             <a:extLst>
               <a:ext uri="{FF2B5EF4-FFF2-40B4-BE49-F238E27FC236}">
-                <a16:creationId xmlns="" xmlns:a16="http://schemas.microsoft.com/office/drawing/2014/main" id="{18103E00-7E4A-44CD-81AC-06433CAE1110}"/>
+                <a16:creationId xmlns:a16="http://schemas.microsoft.com/office/drawing/2014/main" xmlns="" id="{18103E00-7E4A-44CD-81AC-06433CAE1110}"/>
               </a:ext>
             </a:extLst>
           </p:cNvPr>
@@ -3175,7 +3176,7 @@
           <p:cNvPr id="5" name="Slide Number Placeholder 4">
             <a:extLst>
               <a:ext uri="{FF2B5EF4-FFF2-40B4-BE49-F238E27FC236}">
-                <a16:creationId xmlns="" xmlns:a16="http://schemas.microsoft.com/office/drawing/2014/main" id="{87B51822-97FF-47A7-8E4E-A0F79B4EB237}"/>
+                <a16:creationId xmlns:a16="http://schemas.microsoft.com/office/drawing/2014/main" xmlns="" id="{87B51822-97FF-47A7-8E4E-A0F79B4EB237}"/>
               </a:ext>
             </a:extLst>
           </p:cNvPr>
@@ -3219,7 +3220,7 @@
           <p:cNvPr id="20" name="Content Placeholder 2">
             <a:extLst>
               <a:ext uri="{FF2B5EF4-FFF2-40B4-BE49-F238E27FC236}">
-                <a16:creationId xmlns="" xmlns:a16="http://schemas.microsoft.com/office/drawing/2014/main" id="{FE796BFF-6E5F-4DE7-B193-F501FC094D63}"/>
+                <a16:creationId xmlns:a16="http://schemas.microsoft.com/office/drawing/2014/main" xmlns="" id="{FE796BFF-6E5F-4DE7-B193-F501FC094D63}"/>
               </a:ext>
             </a:extLst>
           </p:cNvPr>
@@ -3329,7 +3330,7 @@
           <p:cNvPr id="21" name="Content Placeholder 3">
             <a:extLst>
               <a:ext uri="{FF2B5EF4-FFF2-40B4-BE49-F238E27FC236}">
-                <a16:creationId xmlns="" xmlns:a16="http://schemas.microsoft.com/office/drawing/2014/main" id="{78622754-CA4D-4C27-A37F-B26E7B4C9CA2}"/>
+                <a16:creationId xmlns:a16="http://schemas.microsoft.com/office/drawing/2014/main" xmlns="" id="{78622754-CA4D-4C27-A37F-B26E7B4C9CA2}"/>
               </a:ext>
             </a:extLst>
           </p:cNvPr>
@@ -3427,7 +3428,7 @@
     </p:spTree>
     <p:extLst>
       <p:ext uri="{BB962C8B-B14F-4D97-AF65-F5344CB8AC3E}">
-        <p14:creationId xmlns="" xmlns:p14="http://schemas.microsoft.com/office/powerpoint/2010/main" val="999597857"/>
+        <p14:creationId xmlns:p14="http://schemas.microsoft.com/office/powerpoint/2010/main" xmlns="" val="999597857"/>
       </p:ext>
     </p:extLst>
   </p:cSld>
@@ -3467,7 +3468,7 @@
           <p:cNvPr id="11" name="Rectangle 10">
             <a:extLst>
               <a:ext uri="{FF2B5EF4-FFF2-40B4-BE49-F238E27FC236}">
-                <a16:creationId xmlns="" xmlns:a16="http://schemas.microsoft.com/office/drawing/2014/main" id="{EB3E033F-4449-40FA-BC85-BD2712D313DD}"/>
+                <a16:creationId xmlns:a16="http://schemas.microsoft.com/office/drawing/2014/main" xmlns="" id="{EB3E033F-4449-40FA-BC85-BD2712D313DD}"/>
               </a:ext>
             </a:extLst>
           </p:cNvPr>
@@ -3521,7 +3522,7 @@
           <p:cNvPr id="10" name="Freeform: Shape 9">
             <a:extLst>
               <a:ext uri="{FF2B5EF4-FFF2-40B4-BE49-F238E27FC236}">
-                <a16:creationId xmlns="" xmlns:a16="http://schemas.microsoft.com/office/drawing/2014/main" id="{63D26743-0505-444C-80B3-E88EE87DF72B}"/>
+                <a16:creationId xmlns:a16="http://schemas.microsoft.com/office/drawing/2014/main" xmlns="" id="{63D26743-0505-444C-80B3-E88EE87DF72B}"/>
               </a:ext>
             </a:extLst>
           </p:cNvPr>
@@ -3644,7 +3645,7 @@
           <p:cNvPr id="18" name="Freeform: Shape 17">
             <a:extLst>
               <a:ext uri="{FF2B5EF4-FFF2-40B4-BE49-F238E27FC236}">
-                <a16:creationId xmlns="" xmlns:a16="http://schemas.microsoft.com/office/drawing/2014/main" id="{E37145E9-AC61-47D5-9288-8789940F81B6}"/>
+                <a16:creationId xmlns:a16="http://schemas.microsoft.com/office/drawing/2014/main" xmlns="" id="{E37145E9-AC61-47D5-9288-8789940F81B6}"/>
               </a:ext>
             </a:extLst>
           </p:cNvPr>
@@ -3796,7 +3797,7 @@
           <p:cNvPr id="12" name="Freeform: Shape 11">
             <a:extLst>
               <a:ext uri="{FF2B5EF4-FFF2-40B4-BE49-F238E27FC236}">
-                <a16:creationId xmlns="" xmlns:a16="http://schemas.microsoft.com/office/drawing/2014/main" id="{A5E2B3ED-9A49-40A7-B8A3-62595FE513F9}"/>
+                <a16:creationId xmlns:a16="http://schemas.microsoft.com/office/drawing/2014/main" xmlns="" id="{A5E2B3ED-9A49-40A7-B8A3-62595FE513F9}"/>
               </a:ext>
             </a:extLst>
           </p:cNvPr>
@@ -3946,7 +3947,7 @@
           <p:cNvPr id="8" name="Freeform: Shape 7">
             <a:extLst>
               <a:ext uri="{FF2B5EF4-FFF2-40B4-BE49-F238E27FC236}">
-                <a16:creationId xmlns="" xmlns:a16="http://schemas.microsoft.com/office/drawing/2014/main" id="{1599AF7E-3E34-4597-AA72-9373A7FDB020}"/>
+                <a16:creationId xmlns:a16="http://schemas.microsoft.com/office/drawing/2014/main" xmlns="" id="{1599AF7E-3E34-4597-AA72-9373A7FDB020}"/>
               </a:ext>
             </a:extLst>
           </p:cNvPr>
@@ -4092,7 +4093,7 @@
           <p:cNvPr id="2" name="Title 1">
             <a:extLst>
               <a:ext uri="{FF2B5EF4-FFF2-40B4-BE49-F238E27FC236}">
-                <a16:creationId xmlns="" xmlns:a16="http://schemas.microsoft.com/office/drawing/2014/main" id="{4A2DF563-7FAC-46B3-B24C-7E45CD89DA2B}"/>
+                <a16:creationId xmlns:a16="http://schemas.microsoft.com/office/drawing/2014/main" xmlns="" id="{4A2DF563-7FAC-46B3-B24C-7E45CD89DA2B}"/>
               </a:ext>
             </a:extLst>
           </p:cNvPr>
@@ -4137,7 +4138,7 @@
           <p:cNvPr id="15" name="Group 14">
             <a:extLst>
               <a:ext uri="{FF2B5EF4-FFF2-40B4-BE49-F238E27FC236}">
-                <a16:creationId xmlns="" xmlns:a16="http://schemas.microsoft.com/office/drawing/2014/main" id="{7732E1E7-45E3-4264-8F26-66758696DD1E}"/>
+                <a16:creationId xmlns:a16="http://schemas.microsoft.com/office/drawing/2014/main" xmlns="" id="{7732E1E7-45E3-4264-8F26-66758696DD1E}"/>
               </a:ext>
             </a:extLst>
           </p:cNvPr>
@@ -4157,7 +4158,7 @@
             <p:cNvPr id="16" name="Freeform: Shape 15">
               <a:extLst>
                 <a:ext uri="{FF2B5EF4-FFF2-40B4-BE49-F238E27FC236}">
-                  <a16:creationId xmlns="" xmlns:a16="http://schemas.microsoft.com/office/drawing/2014/main" id="{2E3DF883-8093-49FA-81E1-E5D77F086A25}"/>
+                  <a16:creationId xmlns:a16="http://schemas.microsoft.com/office/drawing/2014/main" xmlns="" id="{2E3DF883-8093-49FA-81E1-E5D77F086A25}"/>
                 </a:ext>
               </a:extLst>
             </p:cNvPr>
@@ -4247,7 +4248,7 @@
             <p:cNvPr id="17" name="Freeform: Shape 16">
               <a:extLst>
                 <a:ext uri="{FF2B5EF4-FFF2-40B4-BE49-F238E27FC236}">
-                  <a16:creationId xmlns="" xmlns:a16="http://schemas.microsoft.com/office/drawing/2014/main" id="{18944C90-37E5-4BBE-89FF-060627168050}"/>
+                  <a16:creationId xmlns:a16="http://schemas.microsoft.com/office/drawing/2014/main" xmlns="" id="{18944C90-37E5-4BBE-89FF-060627168050}"/>
                 </a:ext>
               </a:extLst>
             </p:cNvPr>
@@ -4346,7 +4347,7 @@
           <p:cNvPr id="6" name="Group 5">
             <a:extLst>
               <a:ext uri="{FF2B5EF4-FFF2-40B4-BE49-F238E27FC236}">
-                <a16:creationId xmlns="" xmlns:a16="http://schemas.microsoft.com/office/drawing/2014/main" id="{D9EBF8BB-A805-4DDB-B459-082F99815B95}"/>
+                <a16:creationId xmlns:a16="http://schemas.microsoft.com/office/drawing/2014/main" xmlns="" id="{D9EBF8BB-A805-4DDB-B459-082F99815B95}"/>
               </a:ext>
             </a:extLst>
           </p:cNvPr>
@@ -4366,7 +4367,7 @@
             <p:cNvPr id="19" name="Rectangle: Single Corner Snipped 18">
               <a:extLst>
                 <a:ext uri="{FF2B5EF4-FFF2-40B4-BE49-F238E27FC236}">
-                  <a16:creationId xmlns="" xmlns:a16="http://schemas.microsoft.com/office/drawing/2014/main" id="{5D638788-DD47-45E7-939A-FA108A818173}"/>
+                  <a16:creationId xmlns:a16="http://schemas.microsoft.com/office/drawing/2014/main" xmlns="" id="{5D638788-DD47-45E7-939A-FA108A818173}"/>
                 </a:ext>
               </a:extLst>
             </p:cNvPr>
@@ -4427,7 +4428,7 @@
             <p:cNvPr id="3" name="Rectangle: Single Corner Snipped 2">
               <a:extLst>
                 <a:ext uri="{FF2B5EF4-FFF2-40B4-BE49-F238E27FC236}">
-                  <a16:creationId xmlns="" xmlns:a16="http://schemas.microsoft.com/office/drawing/2014/main" id="{74BDECEF-EEFE-4332-B3B2-BDE4F82C10FC}"/>
+                  <a16:creationId xmlns:a16="http://schemas.microsoft.com/office/drawing/2014/main" xmlns="" id="{74BDECEF-EEFE-4332-B3B2-BDE4F82C10FC}"/>
                 </a:ext>
               </a:extLst>
             </p:cNvPr>
@@ -4484,7 +4485,7 @@
           <p:cNvPr id="20" name="Picture Placeholder 8">
             <a:extLst>
               <a:ext uri="{FF2B5EF4-FFF2-40B4-BE49-F238E27FC236}">
-                <a16:creationId xmlns="" xmlns:a16="http://schemas.microsoft.com/office/drawing/2014/main" id="{6D00E6B4-1CBE-404E-B943-5F1832320C1C}"/>
+                <a16:creationId xmlns:a16="http://schemas.microsoft.com/office/drawing/2014/main" xmlns="" id="{6D00E6B4-1CBE-404E-B943-5F1832320C1C}"/>
               </a:ext>
             </a:extLst>
           </p:cNvPr>
@@ -4546,7 +4547,7 @@
           <p:cNvPr id="21" name="Picture Placeholder 8">
             <a:extLst>
               <a:ext uri="{FF2B5EF4-FFF2-40B4-BE49-F238E27FC236}">
-                <a16:creationId xmlns="" xmlns:a16="http://schemas.microsoft.com/office/drawing/2014/main" id="{7CD59BFD-62BE-4E33-92A5-B84A2A9A8D3B}"/>
+                <a16:creationId xmlns:a16="http://schemas.microsoft.com/office/drawing/2014/main" xmlns="" id="{7CD59BFD-62BE-4E33-92A5-B84A2A9A8D3B}"/>
               </a:ext>
             </a:extLst>
           </p:cNvPr>
@@ -4608,7 +4609,7 @@
           <p:cNvPr id="22" name="Picture Placeholder 8">
             <a:extLst>
               <a:ext uri="{FF2B5EF4-FFF2-40B4-BE49-F238E27FC236}">
-                <a16:creationId xmlns="" xmlns:a16="http://schemas.microsoft.com/office/drawing/2014/main" id="{60DC5978-55B8-421D-91B4-29F8210A7B2C}"/>
+                <a16:creationId xmlns:a16="http://schemas.microsoft.com/office/drawing/2014/main" xmlns="" id="{60DC5978-55B8-421D-91B4-29F8210A7B2C}"/>
               </a:ext>
             </a:extLst>
           </p:cNvPr>
@@ -4670,7 +4671,7 @@
           <p:cNvPr id="23" name="Picture Placeholder 8">
             <a:extLst>
               <a:ext uri="{FF2B5EF4-FFF2-40B4-BE49-F238E27FC236}">
-                <a16:creationId xmlns="" xmlns:a16="http://schemas.microsoft.com/office/drawing/2014/main" id="{BE3FB8C3-2C7E-4C59-8BD5-53FA2772DB56}"/>
+                <a16:creationId xmlns:a16="http://schemas.microsoft.com/office/drawing/2014/main" xmlns="" id="{BE3FB8C3-2C7E-4C59-8BD5-53FA2772DB56}"/>
               </a:ext>
             </a:extLst>
           </p:cNvPr>
@@ -4732,7 +4733,7 @@
           <p:cNvPr id="24" name="Picture Placeholder 8">
             <a:extLst>
               <a:ext uri="{FF2B5EF4-FFF2-40B4-BE49-F238E27FC236}">
-                <a16:creationId xmlns="" xmlns:a16="http://schemas.microsoft.com/office/drawing/2014/main" id="{FD8FA9DA-C36B-4889-B88F-28B5829E53E2}"/>
+                <a16:creationId xmlns:a16="http://schemas.microsoft.com/office/drawing/2014/main" xmlns="" id="{FD8FA9DA-C36B-4889-B88F-28B5829E53E2}"/>
               </a:ext>
             </a:extLst>
           </p:cNvPr>
@@ -4794,7 +4795,7 @@
           <p:cNvPr id="26" name="Text Placeholder 22">
             <a:extLst>
               <a:ext uri="{FF2B5EF4-FFF2-40B4-BE49-F238E27FC236}">
-                <a16:creationId xmlns="" xmlns:a16="http://schemas.microsoft.com/office/drawing/2014/main" id="{2A19101D-7C37-42BF-8167-5391EA65EC3A}"/>
+                <a16:creationId xmlns:a16="http://schemas.microsoft.com/office/drawing/2014/main" xmlns="" id="{2A19101D-7C37-42BF-8167-5391EA65EC3A}"/>
               </a:ext>
             </a:extLst>
           </p:cNvPr>
@@ -4904,7 +4905,7 @@
           <p:cNvPr id="27" name="Text Placeholder 22">
             <a:extLst>
               <a:ext uri="{FF2B5EF4-FFF2-40B4-BE49-F238E27FC236}">
-                <a16:creationId xmlns="" xmlns:a16="http://schemas.microsoft.com/office/drawing/2014/main" id="{05F72315-51A9-431C-B80A-45E4FB1D6BD6}"/>
+                <a16:creationId xmlns:a16="http://schemas.microsoft.com/office/drawing/2014/main" xmlns="" id="{05F72315-51A9-431C-B80A-45E4FB1D6BD6}"/>
               </a:ext>
             </a:extLst>
           </p:cNvPr>
@@ -5014,7 +5015,7 @@
           <p:cNvPr id="28" name="Text Placeholder 22">
             <a:extLst>
               <a:ext uri="{FF2B5EF4-FFF2-40B4-BE49-F238E27FC236}">
-                <a16:creationId xmlns="" xmlns:a16="http://schemas.microsoft.com/office/drawing/2014/main" id="{883D1F0C-34F1-46E1-B178-E4AB82B14631}"/>
+                <a16:creationId xmlns:a16="http://schemas.microsoft.com/office/drawing/2014/main" xmlns="" id="{883D1F0C-34F1-46E1-B178-E4AB82B14631}"/>
               </a:ext>
             </a:extLst>
           </p:cNvPr>
@@ -5124,7 +5125,7 @@
           <p:cNvPr id="29" name="Text Placeholder 22">
             <a:extLst>
               <a:ext uri="{FF2B5EF4-FFF2-40B4-BE49-F238E27FC236}">
-                <a16:creationId xmlns="" xmlns:a16="http://schemas.microsoft.com/office/drawing/2014/main" id="{7202A849-DF14-40E7-B38D-1185F72603EC}"/>
+                <a16:creationId xmlns:a16="http://schemas.microsoft.com/office/drawing/2014/main" xmlns="" id="{7202A849-DF14-40E7-B38D-1185F72603EC}"/>
               </a:ext>
             </a:extLst>
           </p:cNvPr>
@@ -5234,7 +5235,7 @@
           <p:cNvPr id="30" name="Text Placeholder 22">
             <a:extLst>
               <a:ext uri="{FF2B5EF4-FFF2-40B4-BE49-F238E27FC236}">
-                <a16:creationId xmlns="" xmlns:a16="http://schemas.microsoft.com/office/drawing/2014/main" id="{CCFC1ADF-AC11-4CCD-AC2D-478B6FFEA5EA}"/>
+                <a16:creationId xmlns:a16="http://schemas.microsoft.com/office/drawing/2014/main" xmlns="" id="{CCFC1ADF-AC11-4CCD-AC2D-478B6FFEA5EA}"/>
               </a:ext>
             </a:extLst>
           </p:cNvPr>
@@ -5344,7 +5345,7 @@
           <p:cNvPr id="7" name="Straight Connector 6">
             <a:extLst>
               <a:ext uri="{FF2B5EF4-FFF2-40B4-BE49-F238E27FC236}">
-                <a16:creationId xmlns="" xmlns:a16="http://schemas.microsoft.com/office/drawing/2014/main" id="{2B4CB326-DA0E-488E-B236-7017E8438FBB}"/>
+                <a16:creationId xmlns:a16="http://schemas.microsoft.com/office/drawing/2014/main" xmlns="" id="{2B4CB326-DA0E-488E-B236-7017E8438FBB}"/>
               </a:ext>
             </a:extLst>
           </p:cNvPr>
@@ -5385,7 +5386,7 @@
           <p:cNvPr id="31" name="Straight Connector 30">
             <a:extLst>
               <a:ext uri="{FF2B5EF4-FFF2-40B4-BE49-F238E27FC236}">
-                <a16:creationId xmlns="" xmlns:a16="http://schemas.microsoft.com/office/drawing/2014/main" id="{9366B533-7212-4A36-9CE2-D6302E721F8F}"/>
+                <a16:creationId xmlns:a16="http://schemas.microsoft.com/office/drawing/2014/main" xmlns="" id="{9366B533-7212-4A36-9CE2-D6302E721F8F}"/>
               </a:ext>
             </a:extLst>
           </p:cNvPr>
@@ -5426,7 +5427,7 @@
           <p:cNvPr id="32" name="Straight Connector 31">
             <a:extLst>
               <a:ext uri="{FF2B5EF4-FFF2-40B4-BE49-F238E27FC236}">
-                <a16:creationId xmlns="" xmlns:a16="http://schemas.microsoft.com/office/drawing/2014/main" id="{AD7474CD-E230-4E14-8274-5E20F673F401}"/>
+                <a16:creationId xmlns:a16="http://schemas.microsoft.com/office/drawing/2014/main" xmlns="" id="{AD7474CD-E230-4E14-8274-5E20F673F401}"/>
               </a:ext>
             </a:extLst>
           </p:cNvPr>
@@ -5467,7 +5468,7 @@
           <p:cNvPr id="33" name="Straight Connector 32">
             <a:extLst>
               <a:ext uri="{FF2B5EF4-FFF2-40B4-BE49-F238E27FC236}">
-                <a16:creationId xmlns="" xmlns:a16="http://schemas.microsoft.com/office/drawing/2014/main" id="{6BF71FCE-6F39-4D2F-82BE-7D9F1D2ED59F}"/>
+                <a16:creationId xmlns:a16="http://schemas.microsoft.com/office/drawing/2014/main" xmlns="" id="{6BF71FCE-6F39-4D2F-82BE-7D9F1D2ED59F}"/>
               </a:ext>
             </a:extLst>
           </p:cNvPr>
@@ -5508,7 +5509,7 @@
           <p:cNvPr id="34" name="Straight Connector 33">
             <a:extLst>
               <a:ext uri="{FF2B5EF4-FFF2-40B4-BE49-F238E27FC236}">
-                <a16:creationId xmlns="" xmlns:a16="http://schemas.microsoft.com/office/drawing/2014/main" id="{AE97AC7A-17D9-4F42-9DD0-94FE4FC6BF19}"/>
+                <a16:creationId xmlns:a16="http://schemas.microsoft.com/office/drawing/2014/main" xmlns="" id="{AE97AC7A-17D9-4F42-9DD0-94FE4FC6BF19}"/>
               </a:ext>
             </a:extLst>
           </p:cNvPr>
@@ -5549,7 +5550,7 @@
           <p:cNvPr id="35" name="Freeform: Shape 34">
             <a:extLst>
               <a:ext uri="{FF2B5EF4-FFF2-40B4-BE49-F238E27FC236}">
-                <a16:creationId xmlns="" xmlns:a16="http://schemas.microsoft.com/office/drawing/2014/main" id="{62EEBF51-DCAD-4335-85E9-52801031A1BF}"/>
+                <a16:creationId xmlns:a16="http://schemas.microsoft.com/office/drawing/2014/main" xmlns="" id="{62EEBF51-DCAD-4335-85E9-52801031A1BF}"/>
               </a:ext>
             </a:extLst>
           </p:cNvPr>
@@ -5644,7 +5645,7 @@
           <p:cNvPr id="5" name="Slide Number Placeholder 4">
             <a:extLst>
               <a:ext uri="{FF2B5EF4-FFF2-40B4-BE49-F238E27FC236}">
-                <a16:creationId xmlns="" xmlns:a16="http://schemas.microsoft.com/office/drawing/2014/main" id="{87B51822-97FF-47A7-8E4E-A0F79B4EB237}"/>
+                <a16:creationId xmlns:a16="http://schemas.microsoft.com/office/drawing/2014/main" xmlns="" id="{87B51822-97FF-47A7-8E4E-A0F79B4EB237}"/>
               </a:ext>
             </a:extLst>
           </p:cNvPr>
@@ -5686,7 +5687,7 @@
     </p:spTree>
     <p:extLst>
       <p:ext uri="{BB962C8B-B14F-4D97-AF65-F5344CB8AC3E}">
-        <p14:creationId xmlns="" xmlns:p14="http://schemas.microsoft.com/office/powerpoint/2010/main" val="476266371"/>
+        <p14:creationId xmlns:p14="http://schemas.microsoft.com/office/powerpoint/2010/main" xmlns="" val="476266371"/>
       </p:ext>
     </p:extLst>
   </p:cSld>
@@ -5726,7 +5727,7 @@
           <p:cNvPr id="11" name="Rectangle 10">
             <a:extLst>
               <a:ext uri="{FF2B5EF4-FFF2-40B4-BE49-F238E27FC236}">
-                <a16:creationId xmlns="" xmlns:a16="http://schemas.microsoft.com/office/drawing/2014/main" id="{EB3E033F-4449-40FA-BC85-BD2712D313DD}"/>
+                <a16:creationId xmlns:a16="http://schemas.microsoft.com/office/drawing/2014/main" xmlns="" id="{EB3E033F-4449-40FA-BC85-BD2712D313DD}"/>
               </a:ext>
             </a:extLst>
           </p:cNvPr>
@@ -5780,7 +5781,7 @@
           <p:cNvPr id="10" name="Freeform: Shape 9">
             <a:extLst>
               <a:ext uri="{FF2B5EF4-FFF2-40B4-BE49-F238E27FC236}">
-                <a16:creationId xmlns="" xmlns:a16="http://schemas.microsoft.com/office/drawing/2014/main" id="{63D26743-0505-444C-80B3-E88EE87DF72B}"/>
+                <a16:creationId xmlns:a16="http://schemas.microsoft.com/office/drawing/2014/main" xmlns="" id="{63D26743-0505-444C-80B3-E88EE87DF72B}"/>
               </a:ext>
             </a:extLst>
           </p:cNvPr>
@@ -5903,7 +5904,7 @@
           <p:cNvPr id="18" name="Freeform: Shape 17">
             <a:extLst>
               <a:ext uri="{FF2B5EF4-FFF2-40B4-BE49-F238E27FC236}">
-                <a16:creationId xmlns="" xmlns:a16="http://schemas.microsoft.com/office/drawing/2014/main" id="{E37145E9-AC61-47D5-9288-8789940F81B6}"/>
+                <a16:creationId xmlns:a16="http://schemas.microsoft.com/office/drawing/2014/main" xmlns="" id="{E37145E9-AC61-47D5-9288-8789940F81B6}"/>
               </a:ext>
             </a:extLst>
           </p:cNvPr>
@@ -6055,7 +6056,7 @@
           <p:cNvPr id="12" name="Freeform: Shape 11">
             <a:extLst>
               <a:ext uri="{FF2B5EF4-FFF2-40B4-BE49-F238E27FC236}">
-                <a16:creationId xmlns="" xmlns:a16="http://schemas.microsoft.com/office/drawing/2014/main" id="{A5E2B3ED-9A49-40A7-B8A3-62595FE513F9}"/>
+                <a16:creationId xmlns:a16="http://schemas.microsoft.com/office/drawing/2014/main" xmlns="" id="{A5E2B3ED-9A49-40A7-B8A3-62595FE513F9}"/>
               </a:ext>
             </a:extLst>
           </p:cNvPr>
@@ -6205,7 +6206,7 @@
           <p:cNvPr id="8" name="Freeform: Shape 7">
             <a:extLst>
               <a:ext uri="{FF2B5EF4-FFF2-40B4-BE49-F238E27FC236}">
-                <a16:creationId xmlns="" xmlns:a16="http://schemas.microsoft.com/office/drawing/2014/main" id="{1599AF7E-3E34-4597-AA72-9373A7FDB020}"/>
+                <a16:creationId xmlns:a16="http://schemas.microsoft.com/office/drawing/2014/main" xmlns="" id="{1599AF7E-3E34-4597-AA72-9373A7FDB020}"/>
               </a:ext>
             </a:extLst>
           </p:cNvPr>
@@ -6351,7 +6352,7 @@
           <p:cNvPr id="2" name="Title 1">
             <a:extLst>
               <a:ext uri="{FF2B5EF4-FFF2-40B4-BE49-F238E27FC236}">
-                <a16:creationId xmlns="" xmlns:a16="http://schemas.microsoft.com/office/drawing/2014/main" id="{4A2DF563-7FAC-46B3-B24C-7E45CD89DA2B}"/>
+                <a16:creationId xmlns:a16="http://schemas.microsoft.com/office/drawing/2014/main" xmlns="" id="{4A2DF563-7FAC-46B3-B24C-7E45CD89DA2B}"/>
               </a:ext>
             </a:extLst>
           </p:cNvPr>
@@ -6396,7 +6397,7 @@
           <p:cNvPr id="15" name="Group 14">
             <a:extLst>
               <a:ext uri="{FF2B5EF4-FFF2-40B4-BE49-F238E27FC236}">
-                <a16:creationId xmlns="" xmlns:a16="http://schemas.microsoft.com/office/drawing/2014/main" id="{7732E1E7-45E3-4264-8F26-66758696DD1E}"/>
+                <a16:creationId xmlns:a16="http://schemas.microsoft.com/office/drawing/2014/main" xmlns="" id="{7732E1E7-45E3-4264-8F26-66758696DD1E}"/>
               </a:ext>
             </a:extLst>
           </p:cNvPr>
@@ -6416,7 +6417,7 @@
             <p:cNvPr id="16" name="Freeform: Shape 15">
               <a:extLst>
                 <a:ext uri="{FF2B5EF4-FFF2-40B4-BE49-F238E27FC236}">
-                  <a16:creationId xmlns="" xmlns:a16="http://schemas.microsoft.com/office/drawing/2014/main" id="{2E3DF883-8093-49FA-81E1-E5D77F086A25}"/>
+                  <a16:creationId xmlns:a16="http://schemas.microsoft.com/office/drawing/2014/main" xmlns="" id="{2E3DF883-8093-49FA-81E1-E5D77F086A25}"/>
                 </a:ext>
               </a:extLst>
             </p:cNvPr>
@@ -6506,7 +6507,7 @@
             <p:cNvPr id="17" name="Freeform: Shape 16">
               <a:extLst>
                 <a:ext uri="{FF2B5EF4-FFF2-40B4-BE49-F238E27FC236}">
-                  <a16:creationId xmlns="" xmlns:a16="http://schemas.microsoft.com/office/drawing/2014/main" id="{18944C90-37E5-4BBE-89FF-060627168050}"/>
+                  <a16:creationId xmlns:a16="http://schemas.microsoft.com/office/drawing/2014/main" xmlns="" id="{18944C90-37E5-4BBE-89FF-060627168050}"/>
                 </a:ext>
               </a:extLst>
             </p:cNvPr>
@@ -6605,7 +6606,7 @@
           <p:cNvPr id="6" name="Group 5">
             <a:extLst>
               <a:ext uri="{FF2B5EF4-FFF2-40B4-BE49-F238E27FC236}">
-                <a16:creationId xmlns="" xmlns:a16="http://schemas.microsoft.com/office/drawing/2014/main" id="{D9EBF8BB-A805-4DDB-B459-082F99815B95}"/>
+                <a16:creationId xmlns:a16="http://schemas.microsoft.com/office/drawing/2014/main" xmlns="" id="{D9EBF8BB-A805-4DDB-B459-082F99815B95}"/>
               </a:ext>
             </a:extLst>
           </p:cNvPr>
@@ -6625,7 +6626,7 @@
             <p:cNvPr id="19" name="Rectangle: Single Corner Snipped 18">
               <a:extLst>
                 <a:ext uri="{FF2B5EF4-FFF2-40B4-BE49-F238E27FC236}">
-                  <a16:creationId xmlns="" xmlns:a16="http://schemas.microsoft.com/office/drawing/2014/main" id="{5D638788-DD47-45E7-939A-FA108A818173}"/>
+                  <a16:creationId xmlns:a16="http://schemas.microsoft.com/office/drawing/2014/main" xmlns="" id="{5D638788-DD47-45E7-939A-FA108A818173}"/>
                 </a:ext>
               </a:extLst>
             </p:cNvPr>
@@ -6686,7 +6687,7 @@
             <p:cNvPr id="3" name="Rectangle: Single Corner Snipped 2">
               <a:extLst>
                 <a:ext uri="{FF2B5EF4-FFF2-40B4-BE49-F238E27FC236}">
-                  <a16:creationId xmlns="" xmlns:a16="http://schemas.microsoft.com/office/drawing/2014/main" id="{74BDECEF-EEFE-4332-B3B2-BDE4F82C10FC}"/>
+                  <a16:creationId xmlns:a16="http://schemas.microsoft.com/office/drawing/2014/main" xmlns="" id="{74BDECEF-EEFE-4332-B3B2-BDE4F82C10FC}"/>
                 </a:ext>
               </a:extLst>
             </p:cNvPr>
@@ -6743,7 +6744,7 @@
           <p:cNvPr id="26" name="Text Placeholder 22">
             <a:extLst>
               <a:ext uri="{FF2B5EF4-FFF2-40B4-BE49-F238E27FC236}">
-                <a16:creationId xmlns="" xmlns:a16="http://schemas.microsoft.com/office/drawing/2014/main" id="{2A19101D-7C37-42BF-8167-5391EA65EC3A}"/>
+                <a16:creationId xmlns:a16="http://schemas.microsoft.com/office/drawing/2014/main" xmlns="" id="{2A19101D-7C37-42BF-8167-5391EA65EC3A}"/>
               </a:ext>
             </a:extLst>
           </p:cNvPr>
@@ -6853,7 +6854,7 @@
           <p:cNvPr id="35" name="Freeform: Shape 34">
             <a:extLst>
               <a:ext uri="{FF2B5EF4-FFF2-40B4-BE49-F238E27FC236}">
-                <a16:creationId xmlns="" xmlns:a16="http://schemas.microsoft.com/office/drawing/2014/main" id="{62EEBF51-DCAD-4335-85E9-52801031A1BF}"/>
+                <a16:creationId xmlns:a16="http://schemas.microsoft.com/office/drawing/2014/main" xmlns="" id="{62EEBF51-DCAD-4335-85E9-52801031A1BF}"/>
               </a:ext>
             </a:extLst>
           </p:cNvPr>
@@ -6948,7 +6949,7 @@
           <p:cNvPr id="5" name="Slide Number Placeholder 4">
             <a:extLst>
               <a:ext uri="{FF2B5EF4-FFF2-40B4-BE49-F238E27FC236}">
-                <a16:creationId xmlns="" xmlns:a16="http://schemas.microsoft.com/office/drawing/2014/main" id="{87B51822-97FF-47A7-8E4E-A0F79B4EB237}"/>
+                <a16:creationId xmlns:a16="http://schemas.microsoft.com/office/drawing/2014/main" xmlns="" id="{87B51822-97FF-47A7-8E4E-A0F79B4EB237}"/>
               </a:ext>
             </a:extLst>
           </p:cNvPr>
@@ -6992,7 +6993,7 @@
           <p:cNvPr id="13" name="Picture Placeholder 12">
             <a:extLst>
               <a:ext uri="{FF2B5EF4-FFF2-40B4-BE49-F238E27FC236}">
-                <a16:creationId xmlns="" xmlns:a16="http://schemas.microsoft.com/office/drawing/2014/main" id="{231B97CF-FD24-4932-8459-893B1AC73D33}"/>
+                <a16:creationId xmlns:a16="http://schemas.microsoft.com/office/drawing/2014/main" xmlns="" id="{231B97CF-FD24-4932-8459-893B1AC73D33}"/>
               </a:ext>
             </a:extLst>
           </p:cNvPr>
@@ -7037,7 +7038,7 @@
           <p:cNvPr id="36" name="Text Placeholder 22">
             <a:extLst>
               <a:ext uri="{FF2B5EF4-FFF2-40B4-BE49-F238E27FC236}">
-                <a16:creationId xmlns="" xmlns:a16="http://schemas.microsoft.com/office/drawing/2014/main" id="{642D3CE0-C3B4-4F3F-A650-AB452B3AD4BA}"/>
+                <a16:creationId xmlns:a16="http://schemas.microsoft.com/office/drawing/2014/main" xmlns="" id="{642D3CE0-C3B4-4F3F-A650-AB452B3AD4BA}"/>
               </a:ext>
             </a:extLst>
           </p:cNvPr>
@@ -7147,7 +7148,7 @@
           <p:cNvPr id="37" name="Text Placeholder 22">
             <a:extLst>
               <a:ext uri="{FF2B5EF4-FFF2-40B4-BE49-F238E27FC236}">
-                <a16:creationId xmlns="" xmlns:a16="http://schemas.microsoft.com/office/drawing/2014/main" id="{DBED2BB0-CDAD-40EE-8B35-C66DF45EE29D}"/>
+                <a16:creationId xmlns:a16="http://schemas.microsoft.com/office/drawing/2014/main" xmlns="" id="{DBED2BB0-CDAD-40EE-8B35-C66DF45EE29D}"/>
               </a:ext>
             </a:extLst>
           </p:cNvPr>
@@ -7255,7 +7256,7 @@
     </p:spTree>
     <p:extLst>
       <p:ext uri="{BB962C8B-B14F-4D97-AF65-F5344CB8AC3E}">
-        <p14:creationId xmlns="" xmlns:p14="http://schemas.microsoft.com/office/powerpoint/2010/main" val="1544745716"/>
+        <p14:creationId xmlns:p14="http://schemas.microsoft.com/office/powerpoint/2010/main" xmlns="" val="1544745716"/>
       </p:ext>
     </p:extLst>
   </p:cSld>
@@ -7295,7 +7296,7 @@
           <p:cNvPr id="11" name="Rectangle 10">
             <a:extLst>
               <a:ext uri="{FF2B5EF4-FFF2-40B4-BE49-F238E27FC236}">
-                <a16:creationId xmlns="" xmlns:a16="http://schemas.microsoft.com/office/drawing/2014/main" id="{EB3E033F-4449-40FA-BC85-BD2712D313DD}"/>
+                <a16:creationId xmlns:a16="http://schemas.microsoft.com/office/drawing/2014/main" xmlns="" id="{EB3E033F-4449-40FA-BC85-BD2712D313DD}"/>
               </a:ext>
             </a:extLst>
           </p:cNvPr>
@@ -7349,7 +7350,7 @@
           <p:cNvPr id="10" name="Freeform: Shape 9">
             <a:extLst>
               <a:ext uri="{FF2B5EF4-FFF2-40B4-BE49-F238E27FC236}">
-                <a16:creationId xmlns="" xmlns:a16="http://schemas.microsoft.com/office/drawing/2014/main" id="{63D26743-0505-444C-80B3-E88EE87DF72B}"/>
+                <a16:creationId xmlns:a16="http://schemas.microsoft.com/office/drawing/2014/main" xmlns="" id="{63D26743-0505-444C-80B3-E88EE87DF72B}"/>
               </a:ext>
             </a:extLst>
           </p:cNvPr>
@@ -7472,7 +7473,7 @@
           <p:cNvPr id="18" name="Freeform: Shape 17">
             <a:extLst>
               <a:ext uri="{FF2B5EF4-FFF2-40B4-BE49-F238E27FC236}">
-                <a16:creationId xmlns="" xmlns:a16="http://schemas.microsoft.com/office/drawing/2014/main" id="{E37145E9-AC61-47D5-9288-8789940F81B6}"/>
+                <a16:creationId xmlns:a16="http://schemas.microsoft.com/office/drawing/2014/main" xmlns="" id="{E37145E9-AC61-47D5-9288-8789940F81B6}"/>
               </a:ext>
             </a:extLst>
           </p:cNvPr>
@@ -7624,7 +7625,7 @@
           <p:cNvPr id="12" name="Freeform: Shape 11">
             <a:extLst>
               <a:ext uri="{FF2B5EF4-FFF2-40B4-BE49-F238E27FC236}">
-                <a16:creationId xmlns="" xmlns:a16="http://schemas.microsoft.com/office/drawing/2014/main" id="{A5E2B3ED-9A49-40A7-B8A3-62595FE513F9}"/>
+                <a16:creationId xmlns:a16="http://schemas.microsoft.com/office/drawing/2014/main" xmlns="" id="{A5E2B3ED-9A49-40A7-B8A3-62595FE513F9}"/>
               </a:ext>
             </a:extLst>
           </p:cNvPr>
@@ -7774,7 +7775,7 @@
           <p:cNvPr id="8" name="Freeform: Shape 7">
             <a:extLst>
               <a:ext uri="{FF2B5EF4-FFF2-40B4-BE49-F238E27FC236}">
-                <a16:creationId xmlns="" xmlns:a16="http://schemas.microsoft.com/office/drawing/2014/main" id="{1599AF7E-3E34-4597-AA72-9373A7FDB020}"/>
+                <a16:creationId xmlns:a16="http://schemas.microsoft.com/office/drawing/2014/main" xmlns="" id="{1599AF7E-3E34-4597-AA72-9373A7FDB020}"/>
               </a:ext>
             </a:extLst>
           </p:cNvPr>
@@ -7920,7 +7921,7 @@
           <p:cNvPr id="2" name="Title 1">
             <a:extLst>
               <a:ext uri="{FF2B5EF4-FFF2-40B4-BE49-F238E27FC236}">
-                <a16:creationId xmlns="" xmlns:a16="http://schemas.microsoft.com/office/drawing/2014/main" id="{4A2DF563-7FAC-46B3-B24C-7E45CD89DA2B}"/>
+                <a16:creationId xmlns:a16="http://schemas.microsoft.com/office/drawing/2014/main" xmlns="" id="{4A2DF563-7FAC-46B3-B24C-7E45CD89DA2B}"/>
               </a:ext>
             </a:extLst>
           </p:cNvPr>
@@ -7965,7 +7966,7 @@
           <p:cNvPr id="15" name="Group 14">
             <a:extLst>
               <a:ext uri="{FF2B5EF4-FFF2-40B4-BE49-F238E27FC236}">
-                <a16:creationId xmlns="" xmlns:a16="http://schemas.microsoft.com/office/drawing/2014/main" id="{7732E1E7-45E3-4264-8F26-66758696DD1E}"/>
+                <a16:creationId xmlns:a16="http://schemas.microsoft.com/office/drawing/2014/main" xmlns="" id="{7732E1E7-45E3-4264-8F26-66758696DD1E}"/>
               </a:ext>
             </a:extLst>
           </p:cNvPr>
@@ -7985,7 +7986,7 @@
             <p:cNvPr id="16" name="Freeform: Shape 15">
               <a:extLst>
                 <a:ext uri="{FF2B5EF4-FFF2-40B4-BE49-F238E27FC236}">
-                  <a16:creationId xmlns="" xmlns:a16="http://schemas.microsoft.com/office/drawing/2014/main" id="{2E3DF883-8093-49FA-81E1-E5D77F086A25}"/>
+                  <a16:creationId xmlns:a16="http://schemas.microsoft.com/office/drawing/2014/main" xmlns="" id="{2E3DF883-8093-49FA-81E1-E5D77F086A25}"/>
                 </a:ext>
               </a:extLst>
             </p:cNvPr>
@@ -8075,7 +8076,7 @@
             <p:cNvPr id="17" name="Freeform: Shape 16">
               <a:extLst>
                 <a:ext uri="{FF2B5EF4-FFF2-40B4-BE49-F238E27FC236}">
-                  <a16:creationId xmlns="" xmlns:a16="http://schemas.microsoft.com/office/drawing/2014/main" id="{18944C90-37E5-4BBE-89FF-060627168050}"/>
+                  <a16:creationId xmlns:a16="http://schemas.microsoft.com/office/drawing/2014/main" xmlns="" id="{18944C90-37E5-4BBE-89FF-060627168050}"/>
                 </a:ext>
               </a:extLst>
             </p:cNvPr>
@@ -8174,7 +8175,7 @@
           <p:cNvPr id="6" name="Group 5">
             <a:extLst>
               <a:ext uri="{FF2B5EF4-FFF2-40B4-BE49-F238E27FC236}">
-                <a16:creationId xmlns="" xmlns:a16="http://schemas.microsoft.com/office/drawing/2014/main" id="{D9EBF8BB-A805-4DDB-B459-082F99815B95}"/>
+                <a16:creationId xmlns:a16="http://schemas.microsoft.com/office/drawing/2014/main" xmlns="" id="{D9EBF8BB-A805-4DDB-B459-082F99815B95}"/>
               </a:ext>
             </a:extLst>
           </p:cNvPr>
@@ -8194,7 +8195,7 @@
             <p:cNvPr id="19" name="Rectangle: Single Corner Snipped 18">
               <a:extLst>
                 <a:ext uri="{FF2B5EF4-FFF2-40B4-BE49-F238E27FC236}">
-                  <a16:creationId xmlns="" xmlns:a16="http://schemas.microsoft.com/office/drawing/2014/main" id="{5D638788-DD47-45E7-939A-FA108A818173}"/>
+                  <a16:creationId xmlns:a16="http://schemas.microsoft.com/office/drawing/2014/main" xmlns="" id="{5D638788-DD47-45E7-939A-FA108A818173}"/>
                 </a:ext>
               </a:extLst>
             </p:cNvPr>
@@ -8255,7 +8256,7 @@
             <p:cNvPr id="3" name="Rectangle: Single Corner Snipped 2">
               <a:extLst>
                 <a:ext uri="{FF2B5EF4-FFF2-40B4-BE49-F238E27FC236}">
-                  <a16:creationId xmlns="" xmlns:a16="http://schemas.microsoft.com/office/drawing/2014/main" id="{74BDECEF-EEFE-4332-B3B2-BDE4F82C10FC}"/>
+                  <a16:creationId xmlns:a16="http://schemas.microsoft.com/office/drawing/2014/main" xmlns="" id="{74BDECEF-EEFE-4332-B3B2-BDE4F82C10FC}"/>
                 </a:ext>
               </a:extLst>
             </p:cNvPr>
@@ -8312,7 +8313,7 @@
           <p:cNvPr id="26" name="Text Placeholder 22">
             <a:extLst>
               <a:ext uri="{FF2B5EF4-FFF2-40B4-BE49-F238E27FC236}">
-                <a16:creationId xmlns="" xmlns:a16="http://schemas.microsoft.com/office/drawing/2014/main" id="{2A19101D-7C37-42BF-8167-5391EA65EC3A}"/>
+                <a16:creationId xmlns:a16="http://schemas.microsoft.com/office/drawing/2014/main" xmlns="" id="{2A19101D-7C37-42BF-8167-5391EA65EC3A}"/>
               </a:ext>
             </a:extLst>
           </p:cNvPr>
@@ -8422,7 +8423,7 @@
           <p:cNvPr id="35" name="Freeform: Shape 34">
             <a:extLst>
               <a:ext uri="{FF2B5EF4-FFF2-40B4-BE49-F238E27FC236}">
-                <a16:creationId xmlns="" xmlns:a16="http://schemas.microsoft.com/office/drawing/2014/main" id="{62EEBF51-DCAD-4335-85E9-52801031A1BF}"/>
+                <a16:creationId xmlns:a16="http://schemas.microsoft.com/office/drawing/2014/main" xmlns="" id="{62EEBF51-DCAD-4335-85E9-52801031A1BF}"/>
               </a:ext>
             </a:extLst>
           </p:cNvPr>
@@ -8517,7 +8518,7 @@
           <p:cNvPr id="5" name="Slide Number Placeholder 4">
             <a:extLst>
               <a:ext uri="{FF2B5EF4-FFF2-40B4-BE49-F238E27FC236}">
-                <a16:creationId xmlns="" xmlns:a16="http://schemas.microsoft.com/office/drawing/2014/main" id="{87B51822-97FF-47A7-8E4E-A0F79B4EB237}"/>
+                <a16:creationId xmlns:a16="http://schemas.microsoft.com/office/drawing/2014/main" xmlns="" id="{87B51822-97FF-47A7-8E4E-A0F79B4EB237}"/>
               </a:ext>
             </a:extLst>
           </p:cNvPr>
@@ -8561,7 +8562,7 @@
           <p:cNvPr id="13" name="Picture Placeholder 12">
             <a:extLst>
               <a:ext uri="{FF2B5EF4-FFF2-40B4-BE49-F238E27FC236}">
-                <a16:creationId xmlns="" xmlns:a16="http://schemas.microsoft.com/office/drawing/2014/main" id="{231B97CF-FD24-4932-8459-893B1AC73D33}"/>
+                <a16:creationId xmlns:a16="http://schemas.microsoft.com/office/drawing/2014/main" xmlns="" id="{231B97CF-FD24-4932-8459-893B1AC73D33}"/>
               </a:ext>
             </a:extLst>
           </p:cNvPr>
@@ -8604,7 +8605,7 @@
     </p:spTree>
     <p:extLst>
       <p:ext uri="{BB962C8B-B14F-4D97-AF65-F5344CB8AC3E}">
-        <p14:creationId xmlns="" xmlns:p14="http://schemas.microsoft.com/office/powerpoint/2010/main" val="2486826778"/>
+        <p14:creationId xmlns:p14="http://schemas.microsoft.com/office/powerpoint/2010/main" xmlns="" val="2486826778"/>
       </p:ext>
     </p:extLst>
   </p:cSld>
@@ -8644,7 +8645,7 @@
           <p:cNvPr id="11" name="Rectangle 10">
             <a:extLst>
               <a:ext uri="{FF2B5EF4-FFF2-40B4-BE49-F238E27FC236}">
-                <a16:creationId xmlns="" xmlns:a16="http://schemas.microsoft.com/office/drawing/2014/main" id="{EB3E033F-4449-40FA-BC85-BD2712D313DD}"/>
+                <a16:creationId xmlns:a16="http://schemas.microsoft.com/office/drawing/2014/main" xmlns="" id="{EB3E033F-4449-40FA-BC85-BD2712D313DD}"/>
               </a:ext>
             </a:extLst>
           </p:cNvPr>
@@ -8698,7 +8699,7 @@
           <p:cNvPr id="10" name="Freeform: Shape 9">
             <a:extLst>
               <a:ext uri="{FF2B5EF4-FFF2-40B4-BE49-F238E27FC236}">
-                <a16:creationId xmlns="" xmlns:a16="http://schemas.microsoft.com/office/drawing/2014/main" id="{63D26743-0505-444C-80B3-E88EE87DF72B}"/>
+                <a16:creationId xmlns:a16="http://schemas.microsoft.com/office/drawing/2014/main" xmlns="" id="{63D26743-0505-444C-80B3-E88EE87DF72B}"/>
               </a:ext>
             </a:extLst>
           </p:cNvPr>
@@ -8821,7 +8822,7 @@
           <p:cNvPr id="18" name="Freeform: Shape 17">
             <a:extLst>
               <a:ext uri="{FF2B5EF4-FFF2-40B4-BE49-F238E27FC236}">
-                <a16:creationId xmlns="" xmlns:a16="http://schemas.microsoft.com/office/drawing/2014/main" id="{E37145E9-AC61-47D5-9288-8789940F81B6}"/>
+                <a16:creationId xmlns:a16="http://schemas.microsoft.com/office/drawing/2014/main" xmlns="" id="{E37145E9-AC61-47D5-9288-8789940F81B6}"/>
               </a:ext>
             </a:extLst>
           </p:cNvPr>
@@ -8973,7 +8974,7 @@
           <p:cNvPr id="12" name="Freeform: Shape 11">
             <a:extLst>
               <a:ext uri="{FF2B5EF4-FFF2-40B4-BE49-F238E27FC236}">
-                <a16:creationId xmlns="" xmlns:a16="http://schemas.microsoft.com/office/drawing/2014/main" id="{A5E2B3ED-9A49-40A7-B8A3-62595FE513F9}"/>
+                <a16:creationId xmlns:a16="http://schemas.microsoft.com/office/drawing/2014/main" xmlns="" id="{A5E2B3ED-9A49-40A7-B8A3-62595FE513F9}"/>
               </a:ext>
             </a:extLst>
           </p:cNvPr>
@@ -9123,7 +9124,7 @@
           <p:cNvPr id="8" name="Freeform: Shape 7">
             <a:extLst>
               <a:ext uri="{FF2B5EF4-FFF2-40B4-BE49-F238E27FC236}">
-                <a16:creationId xmlns="" xmlns:a16="http://schemas.microsoft.com/office/drawing/2014/main" id="{1599AF7E-3E34-4597-AA72-9373A7FDB020}"/>
+                <a16:creationId xmlns:a16="http://schemas.microsoft.com/office/drawing/2014/main" xmlns="" id="{1599AF7E-3E34-4597-AA72-9373A7FDB020}"/>
               </a:ext>
             </a:extLst>
           </p:cNvPr>
@@ -9269,7 +9270,7 @@
           <p:cNvPr id="2" name="Title 1">
             <a:extLst>
               <a:ext uri="{FF2B5EF4-FFF2-40B4-BE49-F238E27FC236}">
-                <a16:creationId xmlns="" xmlns:a16="http://schemas.microsoft.com/office/drawing/2014/main" id="{4A2DF563-7FAC-46B3-B24C-7E45CD89DA2B}"/>
+                <a16:creationId xmlns:a16="http://schemas.microsoft.com/office/drawing/2014/main" xmlns="" id="{4A2DF563-7FAC-46B3-B24C-7E45CD89DA2B}"/>
               </a:ext>
             </a:extLst>
           </p:cNvPr>
@@ -9314,7 +9315,7 @@
           <p:cNvPr id="15" name="Group 14">
             <a:extLst>
               <a:ext uri="{FF2B5EF4-FFF2-40B4-BE49-F238E27FC236}">
-                <a16:creationId xmlns="" xmlns:a16="http://schemas.microsoft.com/office/drawing/2014/main" id="{7732E1E7-45E3-4264-8F26-66758696DD1E}"/>
+                <a16:creationId xmlns:a16="http://schemas.microsoft.com/office/drawing/2014/main" xmlns="" id="{7732E1E7-45E3-4264-8F26-66758696DD1E}"/>
               </a:ext>
             </a:extLst>
           </p:cNvPr>
@@ -9334,7 +9335,7 @@
             <p:cNvPr id="16" name="Freeform: Shape 15">
               <a:extLst>
                 <a:ext uri="{FF2B5EF4-FFF2-40B4-BE49-F238E27FC236}">
-                  <a16:creationId xmlns="" xmlns:a16="http://schemas.microsoft.com/office/drawing/2014/main" id="{2E3DF883-8093-49FA-81E1-E5D77F086A25}"/>
+                  <a16:creationId xmlns:a16="http://schemas.microsoft.com/office/drawing/2014/main" xmlns="" id="{2E3DF883-8093-49FA-81E1-E5D77F086A25}"/>
                 </a:ext>
               </a:extLst>
             </p:cNvPr>
@@ -9424,7 +9425,7 @@
             <p:cNvPr id="17" name="Freeform: Shape 16">
               <a:extLst>
                 <a:ext uri="{FF2B5EF4-FFF2-40B4-BE49-F238E27FC236}">
-                  <a16:creationId xmlns="" xmlns:a16="http://schemas.microsoft.com/office/drawing/2014/main" id="{18944C90-37E5-4BBE-89FF-060627168050}"/>
+                  <a16:creationId xmlns:a16="http://schemas.microsoft.com/office/drawing/2014/main" xmlns="" id="{18944C90-37E5-4BBE-89FF-060627168050}"/>
                 </a:ext>
               </a:extLst>
             </p:cNvPr>
@@ -9523,7 +9524,7 @@
           <p:cNvPr id="6" name="Group 5">
             <a:extLst>
               <a:ext uri="{FF2B5EF4-FFF2-40B4-BE49-F238E27FC236}">
-                <a16:creationId xmlns="" xmlns:a16="http://schemas.microsoft.com/office/drawing/2014/main" id="{D9EBF8BB-A805-4DDB-B459-082F99815B95}"/>
+                <a16:creationId xmlns:a16="http://schemas.microsoft.com/office/drawing/2014/main" xmlns="" id="{D9EBF8BB-A805-4DDB-B459-082F99815B95}"/>
               </a:ext>
             </a:extLst>
           </p:cNvPr>
@@ -9543,7 +9544,7 @@
             <p:cNvPr id="19" name="Rectangle: Single Corner Snipped 18">
               <a:extLst>
                 <a:ext uri="{FF2B5EF4-FFF2-40B4-BE49-F238E27FC236}">
-                  <a16:creationId xmlns="" xmlns:a16="http://schemas.microsoft.com/office/drawing/2014/main" id="{5D638788-DD47-45E7-939A-FA108A818173}"/>
+                  <a16:creationId xmlns:a16="http://schemas.microsoft.com/office/drawing/2014/main" xmlns="" id="{5D638788-DD47-45E7-939A-FA108A818173}"/>
                 </a:ext>
               </a:extLst>
             </p:cNvPr>
@@ -9604,7 +9605,7 @@
             <p:cNvPr id="3" name="Rectangle: Single Corner Snipped 2">
               <a:extLst>
                 <a:ext uri="{FF2B5EF4-FFF2-40B4-BE49-F238E27FC236}">
-                  <a16:creationId xmlns="" xmlns:a16="http://schemas.microsoft.com/office/drawing/2014/main" id="{74BDECEF-EEFE-4332-B3B2-BDE4F82C10FC}"/>
+                  <a16:creationId xmlns:a16="http://schemas.microsoft.com/office/drawing/2014/main" xmlns="" id="{74BDECEF-EEFE-4332-B3B2-BDE4F82C10FC}"/>
                 </a:ext>
               </a:extLst>
             </p:cNvPr>
@@ -9661,7 +9662,7 @@
           <p:cNvPr id="35" name="Freeform: Shape 34">
             <a:extLst>
               <a:ext uri="{FF2B5EF4-FFF2-40B4-BE49-F238E27FC236}">
-                <a16:creationId xmlns="" xmlns:a16="http://schemas.microsoft.com/office/drawing/2014/main" id="{62EEBF51-DCAD-4335-85E9-52801031A1BF}"/>
+                <a16:creationId xmlns:a16="http://schemas.microsoft.com/office/drawing/2014/main" xmlns="" id="{62EEBF51-DCAD-4335-85E9-52801031A1BF}"/>
               </a:ext>
             </a:extLst>
           </p:cNvPr>
@@ -9756,7 +9757,7 @@
           <p:cNvPr id="5" name="Slide Number Placeholder 4">
             <a:extLst>
               <a:ext uri="{FF2B5EF4-FFF2-40B4-BE49-F238E27FC236}">
-                <a16:creationId xmlns="" xmlns:a16="http://schemas.microsoft.com/office/drawing/2014/main" id="{87B51822-97FF-47A7-8E4E-A0F79B4EB237}"/>
+                <a16:creationId xmlns:a16="http://schemas.microsoft.com/office/drawing/2014/main" xmlns="" id="{87B51822-97FF-47A7-8E4E-A0F79B4EB237}"/>
               </a:ext>
             </a:extLst>
           </p:cNvPr>
@@ -9800,7 +9801,7 @@
           <p:cNvPr id="20" name="Picture Placeholder 2">
             <a:extLst>
               <a:ext uri="{FF2B5EF4-FFF2-40B4-BE49-F238E27FC236}">
-                <a16:creationId xmlns="" xmlns:a16="http://schemas.microsoft.com/office/drawing/2014/main" id="{30B3A574-7940-4E35-857E-5CA35A5910E5}"/>
+                <a16:creationId xmlns:a16="http://schemas.microsoft.com/office/drawing/2014/main" xmlns="" id="{30B3A574-7940-4E35-857E-5CA35A5910E5}"/>
               </a:ext>
             </a:extLst>
           </p:cNvPr>
@@ -9876,7 +9877,7 @@
           <p:cNvPr id="21" name="Text Placeholder 3">
             <a:extLst>
               <a:ext uri="{FF2B5EF4-FFF2-40B4-BE49-F238E27FC236}">
-                <a16:creationId xmlns="" xmlns:a16="http://schemas.microsoft.com/office/drawing/2014/main" id="{912B51EA-3E6F-4BF6-BE48-62128AF32B85}"/>
+                <a16:creationId xmlns:a16="http://schemas.microsoft.com/office/drawing/2014/main" xmlns="" id="{912B51EA-3E6F-4BF6-BE48-62128AF32B85}"/>
               </a:ext>
             </a:extLst>
           </p:cNvPr>
@@ -9950,7 +9951,7 @@
     </p:spTree>
     <p:extLst>
       <p:ext uri="{BB962C8B-B14F-4D97-AF65-F5344CB8AC3E}">
-        <p14:creationId xmlns="" xmlns:p14="http://schemas.microsoft.com/office/powerpoint/2010/main" val="1540650178"/>
+        <p14:creationId xmlns:p14="http://schemas.microsoft.com/office/powerpoint/2010/main" xmlns="" val="1540650178"/>
       </p:ext>
     </p:extLst>
   </p:cSld>
@@ -9990,7 +9991,7 @@
           <p:cNvPr id="11" name="Rectangle 10">
             <a:extLst>
               <a:ext uri="{FF2B5EF4-FFF2-40B4-BE49-F238E27FC236}">
-                <a16:creationId xmlns="" xmlns:a16="http://schemas.microsoft.com/office/drawing/2014/main" id="{EB3E033F-4449-40FA-BC85-BD2712D313DD}"/>
+                <a16:creationId xmlns:a16="http://schemas.microsoft.com/office/drawing/2014/main" xmlns="" id="{EB3E033F-4449-40FA-BC85-BD2712D313DD}"/>
               </a:ext>
             </a:extLst>
           </p:cNvPr>
@@ -10044,7 +10045,7 @@
           <p:cNvPr id="10" name="Freeform: Shape 9">
             <a:extLst>
               <a:ext uri="{FF2B5EF4-FFF2-40B4-BE49-F238E27FC236}">
-                <a16:creationId xmlns="" xmlns:a16="http://schemas.microsoft.com/office/drawing/2014/main" id="{63D26743-0505-444C-80B3-E88EE87DF72B}"/>
+                <a16:creationId xmlns:a16="http://schemas.microsoft.com/office/drawing/2014/main" xmlns="" id="{63D26743-0505-444C-80B3-E88EE87DF72B}"/>
               </a:ext>
             </a:extLst>
           </p:cNvPr>
@@ -10167,7 +10168,7 @@
           <p:cNvPr id="18" name="Freeform: Shape 17">
             <a:extLst>
               <a:ext uri="{FF2B5EF4-FFF2-40B4-BE49-F238E27FC236}">
-                <a16:creationId xmlns="" xmlns:a16="http://schemas.microsoft.com/office/drawing/2014/main" id="{E37145E9-AC61-47D5-9288-8789940F81B6}"/>
+                <a16:creationId xmlns:a16="http://schemas.microsoft.com/office/drawing/2014/main" xmlns="" id="{E37145E9-AC61-47D5-9288-8789940F81B6}"/>
               </a:ext>
             </a:extLst>
           </p:cNvPr>
@@ -10319,7 +10320,7 @@
           <p:cNvPr id="12" name="Freeform: Shape 11">
             <a:extLst>
               <a:ext uri="{FF2B5EF4-FFF2-40B4-BE49-F238E27FC236}">
-                <a16:creationId xmlns="" xmlns:a16="http://schemas.microsoft.com/office/drawing/2014/main" id="{A5E2B3ED-9A49-40A7-B8A3-62595FE513F9}"/>
+                <a16:creationId xmlns:a16="http://schemas.microsoft.com/office/drawing/2014/main" xmlns="" id="{A5E2B3ED-9A49-40A7-B8A3-62595FE513F9}"/>
               </a:ext>
             </a:extLst>
           </p:cNvPr>
@@ -10469,7 +10470,7 @@
           <p:cNvPr id="8" name="Freeform: Shape 7">
             <a:extLst>
               <a:ext uri="{FF2B5EF4-FFF2-40B4-BE49-F238E27FC236}">
-                <a16:creationId xmlns="" xmlns:a16="http://schemas.microsoft.com/office/drawing/2014/main" id="{1599AF7E-3E34-4597-AA72-9373A7FDB020}"/>
+                <a16:creationId xmlns:a16="http://schemas.microsoft.com/office/drawing/2014/main" xmlns="" id="{1599AF7E-3E34-4597-AA72-9373A7FDB020}"/>
               </a:ext>
             </a:extLst>
           </p:cNvPr>
@@ -10615,7 +10616,7 @@
           <p:cNvPr id="2" name="Title 1">
             <a:extLst>
               <a:ext uri="{FF2B5EF4-FFF2-40B4-BE49-F238E27FC236}">
-                <a16:creationId xmlns="" xmlns:a16="http://schemas.microsoft.com/office/drawing/2014/main" id="{4A2DF563-7FAC-46B3-B24C-7E45CD89DA2B}"/>
+                <a16:creationId xmlns:a16="http://schemas.microsoft.com/office/drawing/2014/main" xmlns="" id="{4A2DF563-7FAC-46B3-B24C-7E45CD89DA2B}"/>
               </a:ext>
             </a:extLst>
           </p:cNvPr>
@@ -10660,7 +10661,7 @@
           <p:cNvPr id="15" name="Group 14">
             <a:extLst>
               <a:ext uri="{FF2B5EF4-FFF2-40B4-BE49-F238E27FC236}">
-                <a16:creationId xmlns="" xmlns:a16="http://schemas.microsoft.com/office/drawing/2014/main" id="{7732E1E7-45E3-4264-8F26-66758696DD1E}"/>
+                <a16:creationId xmlns:a16="http://schemas.microsoft.com/office/drawing/2014/main" xmlns="" id="{7732E1E7-45E3-4264-8F26-66758696DD1E}"/>
               </a:ext>
             </a:extLst>
           </p:cNvPr>
@@ -10680,7 +10681,7 @@
             <p:cNvPr id="16" name="Freeform: Shape 15">
               <a:extLst>
                 <a:ext uri="{FF2B5EF4-FFF2-40B4-BE49-F238E27FC236}">
-                  <a16:creationId xmlns="" xmlns:a16="http://schemas.microsoft.com/office/drawing/2014/main" id="{2E3DF883-8093-49FA-81E1-E5D77F086A25}"/>
+                  <a16:creationId xmlns:a16="http://schemas.microsoft.com/office/drawing/2014/main" xmlns="" id="{2E3DF883-8093-49FA-81E1-E5D77F086A25}"/>
                 </a:ext>
               </a:extLst>
             </p:cNvPr>
@@ -10770,7 +10771,7 @@
             <p:cNvPr id="17" name="Freeform: Shape 16">
               <a:extLst>
                 <a:ext uri="{FF2B5EF4-FFF2-40B4-BE49-F238E27FC236}">
-                  <a16:creationId xmlns="" xmlns:a16="http://schemas.microsoft.com/office/drawing/2014/main" id="{18944C90-37E5-4BBE-89FF-060627168050}"/>
+                  <a16:creationId xmlns:a16="http://schemas.microsoft.com/office/drawing/2014/main" xmlns="" id="{18944C90-37E5-4BBE-89FF-060627168050}"/>
                 </a:ext>
               </a:extLst>
             </p:cNvPr>
@@ -10869,7 +10870,7 @@
           <p:cNvPr id="6" name="Group 5">
             <a:extLst>
               <a:ext uri="{FF2B5EF4-FFF2-40B4-BE49-F238E27FC236}">
-                <a16:creationId xmlns="" xmlns:a16="http://schemas.microsoft.com/office/drawing/2014/main" id="{D9EBF8BB-A805-4DDB-B459-082F99815B95}"/>
+                <a16:creationId xmlns:a16="http://schemas.microsoft.com/office/drawing/2014/main" xmlns="" id="{D9EBF8BB-A805-4DDB-B459-082F99815B95}"/>
               </a:ext>
             </a:extLst>
           </p:cNvPr>
@@ -10889,7 +10890,7 @@
             <p:cNvPr id="19" name="Rectangle: Single Corner Snipped 18">
               <a:extLst>
                 <a:ext uri="{FF2B5EF4-FFF2-40B4-BE49-F238E27FC236}">
-                  <a16:creationId xmlns="" xmlns:a16="http://schemas.microsoft.com/office/drawing/2014/main" id="{5D638788-DD47-45E7-939A-FA108A818173}"/>
+                  <a16:creationId xmlns:a16="http://schemas.microsoft.com/office/drawing/2014/main" xmlns="" id="{5D638788-DD47-45E7-939A-FA108A818173}"/>
                 </a:ext>
               </a:extLst>
             </p:cNvPr>
@@ -10950,7 +10951,7 @@
             <p:cNvPr id="3" name="Rectangle: Single Corner Snipped 2">
               <a:extLst>
                 <a:ext uri="{FF2B5EF4-FFF2-40B4-BE49-F238E27FC236}">
-                  <a16:creationId xmlns="" xmlns:a16="http://schemas.microsoft.com/office/drawing/2014/main" id="{74BDECEF-EEFE-4332-B3B2-BDE4F82C10FC}"/>
+                  <a16:creationId xmlns:a16="http://schemas.microsoft.com/office/drawing/2014/main" xmlns="" id="{74BDECEF-EEFE-4332-B3B2-BDE4F82C10FC}"/>
                 </a:ext>
               </a:extLst>
             </p:cNvPr>
@@ -11007,7 +11008,7 @@
           <p:cNvPr id="35" name="Freeform: Shape 34">
             <a:extLst>
               <a:ext uri="{FF2B5EF4-FFF2-40B4-BE49-F238E27FC236}">
-                <a16:creationId xmlns="" xmlns:a16="http://schemas.microsoft.com/office/drawing/2014/main" id="{62EEBF51-DCAD-4335-85E9-52801031A1BF}"/>
+                <a16:creationId xmlns:a16="http://schemas.microsoft.com/office/drawing/2014/main" xmlns="" id="{62EEBF51-DCAD-4335-85E9-52801031A1BF}"/>
               </a:ext>
             </a:extLst>
           </p:cNvPr>
@@ -11102,7 +11103,7 @@
           <p:cNvPr id="5" name="Slide Number Placeholder 4">
             <a:extLst>
               <a:ext uri="{FF2B5EF4-FFF2-40B4-BE49-F238E27FC236}">
-                <a16:creationId xmlns="" xmlns:a16="http://schemas.microsoft.com/office/drawing/2014/main" id="{87B51822-97FF-47A7-8E4E-A0F79B4EB237}"/>
+                <a16:creationId xmlns:a16="http://schemas.microsoft.com/office/drawing/2014/main" xmlns="" id="{87B51822-97FF-47A7-8E4E-A0F79B4EB237}"/>
               </a:ext>
             </a:extLst>
           </p:cNvPr>
@@ -11146,7 +11147,7 @@
           <p:cNvPr id="21" name="Text Placeholder 3">
             <a:extLst>
               <a:ext uri="{FF2B5EF4-FFF2-40B4-BE49-F238E27FC236}">
-                <a16:creationId xmlns="" xmlns:a16="http://schemas.microsoft.com/office/drawing/2014/main" id="{912B51EA-3E6F-4BF6-BE48-62128AF32B85}"/>
+                <a16:creationId xmlns:a16="http://schemas.microsoft.com/office/drawing/2014/main" xmlns="" id="{912B51EA-3E6F-4BF6-BE48-62128AF32B85}"/>
               </a:ext>
             </a:extLst>
           </p:cNvPr>
@@ -11222,7 +11223,7 @@
           <p:cNvPr id="22" name="Content Placeholder 2">
             <a:extLst>
               <a:ext uri="{FF2B5EF4-FFF2-40B4-BE49-F238E27FC236}">
-                <a16:creationId xmlns="" xmlns:a16="http://schemas.microsoft.com/office/drawing/2014/main" id="{A015C605-1D30-48BC-A0D6-3B11AF56CC53}"/>
+                <a16:creationId xmlns:a16="http://schemas.microsoft.com/office/drawing/2014/main" xmlns="" id="{A015C605-1D30-48BC-A0D6-3B11AF56CC53}"/>
               </a:ext>
             </a:extLst>
           </p:cNvPr>
@@ -11332,7 +11333,7 @@
     </p:spTree>
     <p:extLst>
       <p:ext uri="{BB962C8B-B14F-4D97-AF65-F5344CB8AC3E}">
-        <p14:creationId xmlns="" xmlns:p14="http://schemas.microsoft.com/office/powerpoint/2010/main" val="1212989540"/>
+        <p14:creationId xmlns:p14="http://schemas.microsoft.com/office/powerpoint/2010/main" xmlns="" val="1212989540"/>
       </p:ext>
     </p:extLst>
   </p:cSld>
@@ -11364,7 +11365,7 @@
           <p:cNvPr id="18" name="Rectangle 17">
             <a:extLst>
               <a:ext uri="{FF2B5EF4-FFF2-40B4-BE49-F238E27FC236}">
-                <a16:creationId xmlns="" xmlns:a16="http://schemas.microsoft.com/office/drawing/2014/main" id="{D4494CD2-CCDD-0248-96F8-741002C44255}"/>
+                <a16:creationId xmlns:a16="http://schemas.microsoft.com/office/drawing/2014/main" xmlns="" id="{D4494CD2-CCDD-0248-96F8-741002C44255}"/>
               </a:ext>
             </a:extLst>
           </p:cNvPr>
@@ -11418,7 +11419,7 @@
           <p:cNvPr id="19" name="Freeform: Shape 9">
             <a:extLst>
               <a:ext uri="{FF2B5EF4-FFF2-40B4-BE49-F238E27FC236}">
-                <a16:creationId xmlns="" xmlns:a16="http://schemas.microsoft.com/office/drawing/2014/main" id="{07077B00-C1EE-7241-B441-7814F92A7EDF}"/>
+                <a16:creationId xmlns:a16="http://schemas.microsoft.com/office/drawing/2014/main" xmlns="" id="{07077B00-C1EE-7241-B441-7814F92A7EDF}"/>
               </a:ext>
             </a:extLst>
           </p:cNvPr>
@@ -11541,7 +11542,7 @@
           <p:cNvPr id="20" name="Freeform: Shape 17">
             <a:extLst>
               <a:ext uri="{FF2B5EF4-FFF2-40B4-BE49-F238E27FC236}">
-                <a16:creationId xmlns="" xmlns:a16="http://schemas.microsoft.com/office/drawing/2014/main" id="{3A1AEBC4-637E-F64C-9192-69AC4BB26D0C}"/>
+                <a16:creationId xmlns:a16="http://schemas.microsoft.com/office/drawing/2014/main" xmlns="" id="{3A1AEBC4-637E-F64C-9192-69AC4BB26D0C}"/>
               </a:ext>
             </a:extLst>
           </p:cNvPr>
@@ -11693,7 +11694,7 @@
           <p:cNvPr id="21" name="Freeform: Shape 11">
             <a:extLst>
               <a:ext uri="{FF2B5EF4-FFF2-40B4-BE49-F238E27FC236}">
-                <a16:creationId xmlns="" xmlns:a16="http://schemas.microsoft.com/office/drawing/2014/main" id="{669A7039-C54C-8E46-9A8B-DDB2547D989C}"/>
+                <a16:creationId xmlns:a16="http://schemas.microsoft.com/office/drawing/2014/main" xmlns="" id="{669A7039-C54C-8E46-9A8B-DDB2547D989C}"/>
               </a:ext>
             </a:extLst>
           </p:cNvPr>
@@ -11843,7 +11844,7 @@
           <p:cNvPr id="22" name="Freeform: Shape 7">
             <a:extLst>
               <a:ext uri="{FF2B5EF4-FFF2-40B4-BE49-F238E27FC236}">
-                <a16:creationId xmlns="" xmlns:a16="http://schemas.microsoft.com/office/drawing/2014/main" id="{4F173B32-87BB-9A40-8C91-4C1EED2B7ABF}"/>
+                <a16:creationId xmlns:a16="http://schemas.microsoft.com/office/drawing/2014/main" xmlns="" id="{4F173B32-87BB-9A40-8C91-4C1EED2B7ABF}"/>
               </a:ext>
             </a:extLst>
           </p:cNvPr>
@@ -11989,7 +11990,7 @@
           <p:cNvPr id="24" name="Group 23">
             <a:extLst>
               <a:ext uri="{FF2B5EF4-FFF2-40B4-BE49-F238E27FC236}">
-                <a16:creationId xmlns="" xmlns:a16="http://schemas.microsoft.com/office/drawing/2014/main" id="{4AC87F4E-12B5-1B42-AFD2-4DB39B7645C9}"/>
+                <a16:creationId xmlns:a16="http://schemas.microsoft.com/office/drawing/2014/main" xmlns="" id="{4AC87F4E-12B5-1B42-AFD2-4DB39B7645C9}"/>
               </a:ext>
             </a:extLst>
           </p:cNvPr>
@@ -12009,7 +12010,7 @@
             <p:cNvPr id="25" name="Freeform: Shape 15">
               <a:extLst>
                 <a:ext uri="{FF2B5EF4-FFF2-40B4-BE49-F238E27FC236}">
-                  <a16:creationId xmlns="" xmlns:a16="http://schemas.microsoft.com/office/drawing/2014/main" id="{03DD8765-59DF-A045-ADB5-E39FAEE153A0}"/>
+                  <a16:creationId xmlns:a16="http://schemas.microsoft.com/office/drawing/2014/main" xmlns="" id="{03DD8765-59DF-A045-ADB5-E39FAEE153A0}"/>
                 </a:ext>
               </a:extLst>
             </p:cNvPr>
@@ -12099,7 +12100,7 @@
             <p:cNvPr id="26" name="Freeform: Shape 16">
               <a:extLst>
                 <a:ext uri="{FF2B5EF4-FFF2-40B4-BE49-F238E27FC236}">
-                  <a16:creationId xmlns="" xmlns:a16="http://schemas.microsoft.com/office/drawing/2014/main" id="{B34B796C-A407-7B4D-B4F0-E58A44FE8DB4}"/>
+                  <a16:creationId xmlns:a16="http://schemas.microsoft.com/office/drawing/2014/main" xmlns="" id="{B34B796C-A407-7B4D-B4F0-E58A44FE8DB4}"/>
                 </a:ext>
               </a:extLst>
             </p:cNvPr>
@@ -12198,7 +12199,7 @@
           <p:cNvPr id="30" name="Freeform: Shape 23">
             <a:extLst>
               <a:ext uri="{FF2B5EF4-FFF2-40B4-BE49-F238E27FC236}">
-                <a16:creationId xmlns="" xmlns:a16="http://schemas.microsoft.com/office/drawing/2014/main" id="{CBE3FDC9-67CB-FA42-B127-A36BFF4678BB}"/>
+                <a16:creationId xmlns:a16="http://schemas.microsoft.com/office/drawing/2014/main" xmlns="" id="{CBE3FDC9-67CB-FA42-B127-A36BFF4678BB}"/>
               </a:ext>
             </a:extLst>
           </p:cNvPr>
@@ -12293,7 +12294,7 @@
           <p:cNvPr id="31" name="Slide Number Placeholder 4">
             <a:extLst>
               <a:ext uri="{FF2B5EF4-FFF2-40B4-BE49-F238E27FC236}">
-                <a16:creationId xmlns="" xmlns:a16="http://schemas.microsoft.com/office/drawing/2014/main" id="{1E902BFF-CA8F-D745-A819-A7BB38B30ED9}"/>
+                <a16:creationId xmlns:a16="http://schemas.microsoft.com/office/drawing/2014/main" xmlns="" id="{1E902BFF-CA8F-D745-A819-A7BB38B30ED9}"/>
               </a:ext>
             </a:extLst>
           </p:cNvPr>
@@ -12335,7 +12336,7 @@
     </p:spTree>
     <p:extLst>
       <p:ext uri="{BB962C8B-B14F-4D97-AF65-F5344CB8AC3E}">
-        <p14:creationId xmlns="" xmlns:p14="http://schemas.microsoft.com/office/powerpoint/2010/main" val="2672304746"/>
+        <p14:creationId xmlns:p14="http://schemas.microsoft.com/office/powerpoint/2010/main" xmlns="" val="2672304746"/>
       </p:ext>
     </p:extLst>
   </p:cSld>
@@ -12367,7 +12368,7 @@
           <p:cNvPr id="21" name="Rectangle 20">
             <a:extLst>
               <a:ext uri="{FF2B5EF4-FFF2-40B4-BE49-F238E27FC236}">
-                <a16:creationId xmlns="" xmlns:a16="http://schemas.microsoft.com/office/drawing/2014/main" id="{6E739168-A5E8-443A-B392-7AD4CF8977AD}"/>
+                <a16:creationId xmlns:a16="http://schemas.microsoft.com/office/drawing/2014/main" xmlns="" id="{6E739168-A5E8-443A-B392-7AD4CF8977AD}"/>
               </a:ext>
             </a:extLst>
           </p:cNvPr>
@@ -12419,7 +12420,7 @@
           <p:cNvPr id="15" name="Freeform: Shape 14">
             <a:extLst>
               <a:ext uri="{FF2B5EF4-FFF2-40B4-BE49-F238E27FC236}">
-                <a16:creationId xmlns="" xmlns:a16="http://schemas.microsoft.com/office/drawing/2014/main" id="{41E10E1E-5268-4F03-BA64-07E19DE26739}"/>
+                <a16:creationId xmlns:a16="http://schemas.microsoft.com/office/drawing/2014/main" xmlns="" id="{41E10E1E-5268-4F03-BA64-07E19DE26739}"/>
               </a:ext>
             </a:extLst>
           </p:cNvPr>
@@ -12556,7 +12557,7 @@
           <p:cNvPr id="16" name="Freeform: Shape 15">
             <a:extLst>
               <a:ext uri="{FF2B5EF4-FFF2-40B4-BE49-F238E27FC236}">
-                <a16:creationId xmlns="" xmlns:a16="http://schemas.microsoft.com/office/drawing/2014/main" id="{B989C45D-BDFF-418F-BE79-03FF70015770}"/>
+                <a16:creationId xmlns:a16="http://schemas.microsoft.com/office/drawing/2014/main" xmlns="" id="{B989C45D-BDFF-418F-BE79-03FF70015770}"/>
               </a:ext>
             </a:extLst>
           </p:cNvPr>
@@ -12720,7 +12721,7 @@
           <p:cNvPr id="20" name="Freeform: Shape 19">
             <a:extLst>
               <a:ext uri="{FF2B5EF4-FFF2-40B4-BE49-F238E27FC236}">
-                <a16:creationId xmlns="" xmlns:a16="http://schemas.microsoft.com/office/drawing/2014/main" id="{0027A677-9ACB-4264-B148-4806678FB83F}"/>
+                <a16:creationId xmlns:a16="http://schemas.microsoft.com/office/drawing/2014/main" xmlns="" id="{0027A677-9ACB-4264-B148-4806678FB83F}"/>
               </a:ext>
             </a:extLst>
           </p:cNvPr>
@@ -12882,7 +12883,7 @@
           <p:cNvPr id="6" name="Group 5">
             <a:extLst>
               <a:ext uri="{FF2B5EF4-FFF2-40B4-BE49-F238E27FC236}">
-                <a16:creationId xmlns="" xmlns:a16="http://schemas.microsoft.com/office/drawing/2014/main" id="{EA7FF9D7-8545-4547-AC77-A0421EEB9B99}"/>
+                <a16:creationId xmlns:a16="http://schemas.microsoft.com/office/drawing/2014/main" xmlns="" id="{EA7FF9D7-8545-4547-AC77-A0421EEB9B99}"/>
               </a:ext>
             </a:extLst>
           </p:cNvPr>
@@ -12902,7 +12903,7 @@
             <p:cNvPr id="17" name="Right Triangle 16">
               <a:extLst>
                 <a:ext uri="{FF2B5EF4-FFF2-40B4-BE49-F238E27FC236}">
-                  <a16:creationId xmlns="" xmlns:a16="http://schemas.microsoft.com/office/drawing/2014/main" id="{8DCD5806-2A2F-4ABF-8057-245681C498E6}"/>
+                  <a16:creationId xmlns:a16="http://schemas.microsoft.com/office/drawing/2014/main" xmlns="" id="{8DCD5806-2A2F-4ABF-8057-245681C498E6}"/>
                 </a:ext>
               </a:extLst>
             </p:cNvPr>
@@ -12956,7 +12957,7 @@
             <p:cNvPr id="18" name="Right Triangle 17">
               <a:extLst>
                 <a:ext uri="{FF2B5EF4-FFF2-40B4-BE49-F238E27FC236}">
-                  <a16:creationId xmlns="" xmlns:a16="http://schemas.microsoft.com/office/drawing/2014/main" id="{3A93038F-E9E4-4FFD-B3DF-28DB7C2C1490}"/>
+                  <a16:creationId xmlns:a16="http://schemas.microsoft.com/office/drawing/2014/main" xmlns="" id="{3A93038F-E9E4-4FFD-B3DF-28DB7C2C1490}"/>
                 </a:ext>
               </a:extLst>
             </p:cNvPr>
@@ -13013,7 +13014,7 @@
             <p:cNvPr id="19" name="Right Triangle 18">
               <a:extLst>
                 <a:ext uri="{FF2B5EF4-FFF2-40B4-BE49-F238E27FC236}">
-                  <a16:creationId xmlns="" xmlns:a16="http://schemas.microsoft.com/office/drawing/2014/main" id="{5DEA1E02-BBD0-4AE3-AF22-433B90272178}"/>
+                  <a16:creationId xmlns:a16="http://schemas.microsoft.com/office/drawing/2014/main" xmlns="" id="{5DEA1E02-BBD0-4AE3-AF22-433B90272178}"/>
                 </a:ext>
               </a:extLst>
             </p:cNvPr>
@@ -13068,7 +13069,7 @@
           <p:cNvPr id="2" name="Title 1">
             <a:extLst>
               <a:ext uri="{FF2B5EF4-FFF2-40B4-BE49-F238E27FC236}">
-                <a16:creationId xmlns="" xmlns:a16="http://schemas.microsoft.com/office/drawing/2014/main" id="{9E597736-C478-4C26-9BAF-205FE31E977C}"/>
+                <a16:creationId xmlns:a16="http://schemas.microsoft.com/office/drawing/2014/main" xmlns="" id="{9E597736-C478-4C26-9BAF-205FE31E977C}"/>
               </a:ext>
             </a:extLst>
           </p:cNvPr>
@@ -13113,7 +13114,7 @@
     </p:spTree>
     <p:extLst>
       <p:ext uri="{BB962C8B-B14F-4D97-AF65-F5344CB8AC3E}">
-        <p14:creationId xmlns="" xmlns:p14="http://schemas.microsoft.com/office/powerpoint/2010/main" val="2236386145"/>
+        <p14:creationId xmlns:p14="http://schemas.microsoft.com/office/powerpoint/2010/main" xmlns="" val="2236386145"/>
       </p:ext>
     </p:extLst>
   </p:cSld>
@@ -13145,7 +13146,7 @@
           <p:cNvPr id="21" name="Rectangle 20">
             <a:extLst>
               <a:ext uri="{FF2B5EF4-FFF2-40B4-BE49-F238E27FC236}">
-                <a16:creationId xmlns="" xmlns:a16="http://schemas.microsoft.com/office/drawing/2014/main" id="{6E739168-A5E8-443A-B392-7AD4CF8977AD}"/>
+                <a16:creationId xmlns:a16="http://schemas.microsoft.com/office/drawing/2014/main" xmlns="" id="{6E739168-A5E8-443A-B392-7AD4CF8977AD}"/>
               </a:ext>
             </a:extLst>
           </p:cNvPr>
@@ -13197,7 +13198,7 @@
           <p:cNvPr id="15" name="Freeform: Shape 14">
             <a:extLst>
               <a:ext uri="{FF2B5EF4-FFF2-40B4-BE49-F238E27FC236}">
-                <a16:creationId xmlns="" xmlns:a16="http://schemas.microsoft.com/office/drawing/2014/main" id="{41E10E1E-5268-4F03-BA64-07E19DE26739}"/>
+                <a16:creationId xmlns:a16="http://schemas.microsoft.com/office/drawing/2014/main" xmlns="" id="{41E10E1E-5268-4F03-BA64-07E19DE26739}"/>
               </a:ext>
             </a:extLst>
           </p:cNvPr>
@@ -13334,7 +13335,7 @@
           <p:cNvPr id="16" name="Freeform: Shape 15">
             <a:extLst>
               <a:ext uri="{FF2B5EF4-FFF2-40B4-BE49-F238E27FC236}">
-                <a16:creationId xmlns="" xmlns:a16="http://schemas.microsoft.com/office/drawing/2014/main" id="{B989C45D-BDFF-418F-BE79-03FF70015770}"/>
+                <a16:creationId xmlns:a16="http://schemas.microsoft.com/office/drawing/2014/main" xmlns="" id="{B989C45D-BDFF-418F-BE79-03FF70015770}"/>
               </a:ext>
             </a:extLst>
           </p:cNvPr>
@@ -13498,7 +13499,7 @@
           <p:cNvPr id="20" name="Freeform: Shape 19">
             <a:extLst>
               <a:ext uri="{FF2B5EF4-FFF2-40B4-BE49-F238E27FC236}">
-                <a16:creationId xmlns="" xmlns:a16="http://schemas.microsoft.com/office/drawing/2014/main" id="{0027A677-9ACB-4264-B148-4806678FB83F}"/>
+                <a16:creationId xmlns:a16="http://schemas.microsoft.com/office/drawing/2014/main" xmlns="" id="{0027A677-9ACB-4264-B148-4806678FB83F}"/>
               </a:ext>
             </a:extLst>
           </p:cNvPr>
@@ -13660,7 +13661,7 @@
           <p:cNvPr id="2" name="Title 1">
             <a:extLst>
               <a:ext uri="{FF2B5EF4-FFF2-40B4-BE49-F238E27FC236}">
-                <a16:creationId xmlns="" xmlns:a16="http://schemas.microsoft.com/office/drawing/2014/main" id="{9E597736-C478-4C26-9BAF-205FE31E977C}"/>
+                <a16:creationId xmlns:a16="http://schemas.microsoft.com/office/drawing/2014/main" xmlns="" id="{9E597736-C478-4C26-9BAF-205FE31E977C}"/>
               </a:ext>
             </a:extLst>
           </p:cNvPr>
@@ -13707,7 +13708,7 @@
           <p:cNvPr id="35" name="Freeform: Shape 34">
             <a:extLst>
               <a:ext uri="{FF2B5EF4-FFF2-40B4-BE49-F238E27FC236}">
-                <a16:creationId xmlns="" xmlns:a16="http://schemas.microsoft.com/office/drawing/2014/main" id="{C024DCDB-C6BF-455E-AAB8-EAF9DAB302A1}"/>
+                <a16:creationId xmlns:a16="http://schemas.microsoft.com/office/drawing/2014/main" xmlns="" id="{C024DCDB-C6BF-455E-AAB8-EAF9DAB302A1}"/>
               </a:ext>
             </a:extLst>
           </p:cNvPr>
@@ -13815,7 +13816,7 @@
           <p:cNvPr id="32" name="Freeform: Shape 31">
             <a:extLst>
               <a:ext uri="{FF2B5EF4-FFF2-40B4-BE49-F238E27FC236}">
-                <a16:creationId xmlns="" xmlns:a16="http://schemas.microsoft.com/office/drawing/2014/main" id="{26AFB47A-5D51-4F9C-B01B-977CE5E3C093}"/>
+                <a16:creationId xmlns:a16="http://schemas.microsoft.com/office/drawing/2014/main" xmlns="" id="{26AFB47A-5D51-4F9C-B01B-977CE5E3C093}"/>
               </a:ext>
             </a:extLst>
           </p:cNvPr>
@@ -13931,7 +13932,7 @@
           <p:cNvPr id="30" name="Freeform: Shape 29">
             <a:extLst>
               <a:ext uri="{FF2B5EF4-FFF2-40B4-BE49-F238E27FC236}">
-                <a16:creationId xmlns="" xmlns:a16="http://schemas.microsoft.com/office/drawing/2014/main" id="{6997A4FF-7390-4173-8ACD-6CF7145AACEC}"/>
+                <a16:creationId xmlns:a16="http://schemas.microsoft.com/office/drawing/2014/main" xmlns="" id="{6997A4FF-7390-4173-8ACD-6CF7145AACEC}"/>
               </a:ext>
             </a:extLst>
           </p:cNvPr>
@@ -14038,7 +14039,7 @@
     </p:spTree>
     <p:extLst>
       <p:ext uri="{BB962C8B-B14F-4D97-AF65-F5344CB8AC3E}">
-        <p14:creationId xmlns="" xmlns:p14="http://schemas.microsoft.com/office/powerpoint/2010/main" val="1218518015"/>
+        <p14:creationId xmlns:p14="http://schemas.microsoft.com/office/powerpoint/2010/main" xmlns="" val="1218518015"/>
       </p:ext>
     </p:extLst>
   </p:cSld>
@@ -14070,7 +14071,7 @@
           <p:cNvPr id="7" name="Rectangle 6">
             <a:extLst>
               <a:ext uri="{FF2B5EF4-FFF2-40B4-BE49-F238E27FC236}">
-                <a16:creationId xmlns="" xmlns:a16="http://schemas.microsoft.com/office/drawing/2014/main" id="{B2838D16-809E-4EB1-8C0C-0E63D8139112}"/>
+                <a16:creationId xmlns:a16="http://schemas.microsoft.com/office/drawing/2014/main" xmlns="" id="{B2838D16-809E-4EB1-8C0C-0E63D8139112}"/>
               </a:ext>
             </a:extLst>
           </p:cNvPr>
@@ -14122,7 +14123,7 @@
           <p:cNvPr id="8" name="Freeform: Shape 7">
             <a:extLst>
               <a:ext uri="{FF2B5EF4-FFF2-40B4-BE49-F238E27FC236}">
-                <a16:creationId xmlns="" xmlns:a16="http://schemas.microsoft.com/office/drawing/2014/main" id="{01FEB333-94B4-4E53-9019-D584810903BB}"/>
+                <a16:creationId xmlns:a16="http://schemas.microsoft.com/office/drawing/2014/main" xmlns="" id="{01FEB333-94B4-4E53-9019-D584810903BB}"/>
               </a:ext>
             </a:extLst>
           </p:cNvPr>
@@ -14243,7 +14244,7 @@
           <p:cNvPr id="9" name="Freeform: Shape 8">
             <a:extLst>
               <a:ext uri="{FF2B5EF4-FFF2-40B4-BE49-F238E27FC236}">
-                <a16:creationId xmlns="" xmlns:a16="http://schemas.microsoft.com/office/drawing/2014/main" id="{A59B9489-0CD9-4DB7-AC82-6E7867F91403}"/>
+                <a16:creationId xmlns:a16="http://schemas.microsoft.com/office/drawing/2014/main" xmlns="" id="{A59B9489-0CD9-4DB7-AC82-6E7867F91403}"/>
               </a:ext>
             </a:extLst>
           </p:cNvPr>
@@ -14383,7 +14384,7 @@
           <p:cNvPr id="10" name="Right Triangle 9">
             <a:extLst>
               <a:ext uri="{FF2B5EF4-FFF2-40B4-BE49-F238E27FC236}">
-                <a16:creationId xmlns="" xmlns:a16="http://schemas.microsoft.com/office/drawing/2014/main" id="{A55D1C76-C591-4FA5-9780-87AB6B37C0FA}"/>
+                <a16:creationId xmlns:a16="http://schemas.microsoft.com/office/drawing/2014/main" xmlns="" id="{A55D1C76-C591-4FA5-9780-87AB6B37C0FA}"/>
               </a:ext>
             </a:extLst>
           </p:cNvPr>
@@ -14437,7 +14438,7 @@
           <p:cNvPr id="11" name="Freeform: Shape 10">
             <a:extLst>
               <a:ext uri="{FF2B5EF4-FFF2-40B4-BE49-F238E27FC236}">
-                <a16:creationId xmlns="" xmlns:a16="http://schemas.microsoft.com/office/drawing/2014/main" id="{A7DC1D12-670F-4235-8791-FA8C2B330871}"/>
+                <a16:creationId xmlns:a16="http://schemas.microsoft.com/office/drawing/2014/main" xmlns="" id="{A7DC1D12-670F-4235-8791-FA8C2B330871}"/>
               </a:ext>
             </a:extLst>
           </p:cNvPr>
@@ -14583,7 +14584,7 @@
           <p:cNvPr id="12" name="Freeform: Shape 11">
             <a:extLst>
               <a:ext uri="{FF2B5EF4-FFF2-40B4-BE49-F238E27FC236}">
-                <a16:creationId xmlns="" xmlns:a16="http://schemas.microsoft.com/office/drawing/2014/main" id="{859569CF-FDAC-47C4-A0F5-296F7117C398}"/>
+                <a16:creationId xmlns:a16="http://schemas.microsoft.com/office/drawing/2014/main" xmlns="" id="{859569CF-FDAC-47C4-A0F5-296F7117C398}"/>
               </a:ext>
             </a:extLst>
           </p:cNvPr>
@@ -14683,7 +14684,7 @@
           <p:cNvPr id="13" name="Freeform: Shape 12">
             <a:extLst>
               <a:ext uri="{FF2B5EF4-FFF2-40B4-BE49-F238E27FC236}">
-                <a16:creationId xmlns="" xmlns:a16="http://schemas.microsoft.com/office/drawing/2014/main" id="{D68D0C72-2B2C-4C85-A091-157853C71784}"/>
+                <a16:creationId xmlns:a16="http://schemas.microsoft.com/office/drawing/2014/main" xmlns="" id="{D68D0C72-2B2C-4C85-A091-157853C71784}"/>
               </a:ext>
             </a:extLst>
           </p:cNvPr>
@@ -14791,7 +14792,7 @@
           <p:cNvPr id="14" name="Freeform: Shape 13">
             <a:extLst>
               <a:ext uri="{FF2B5EF4-FFF2-40B4-BE49-F238E27FC236}">
-                <a16:creationId xmlns="" xmlns:a16="http://schemas.microsoft.com/office/drawing/2014/main" id="{8E25334A-5FE3-4DDA-8D32-4796CCFCAA74}"/>
+                <a16:creationId xmlns:a16="http://schemas.microsoft.com/office/drawing/2014/main" xmlns="" id="{8E25334A-5FE3-4DDA-8D32-4796CCFCAA74}"/>
               </a:ext>
             </a:extLst>
           </p:cNvPr>
@@ -14883,7 +14884,7 @@
           <p:cNvPr id="15" name="Freeform: Shape 14">
             <a:extLst>
               <a:ext uri="{FF2B5EF4-FFF2-40B4-BE49-F238E27FC236}">
-                <a16:creationId xmlns="" xmlns:a16="http://schemas.microsoft.com/office/drawing/2014/main" id="{18818DF1-D7FD-4C0F-875D-7A07E8F75C06}"/>
+                <a16:creationId xmlns:a16="http://schemas.microsoft.com/office/drawing/2014/main" xmlns="" id="{18818DF1-D7FD-4C0F-875D-7A07E8F75C06}"/>
               </a:ext>
             </a:extLst>
           </p:cNvPr>
@@ -14983,7 +14984,7 @@
           <p:cNvPr id="16" name="Group 15">
             <a:extLst>
               <a:ext uri="{FF2B5EF4-FFF2-40B4-BE49-F238E27FC236}">
-                <a16:creationId xmlns="" xmlns:a16="http://schemas.microsoft.com/office/drawing/2014/main" id="{8F9BB384-9E14-4CEA-82C1-21837229D3EF}"/>
+                <a16:creationId xmlns:a16="http://schemas.microsoft.com/office/drawing/2014/main" xmlns="" id="{8F9BB384-9E14-4CEA-82C1-21837229D3EF}"/>
               </a:ext>
             </a:extLst>
           </p:cNvPr>
@@ -15003,7 +15004,7 @@
             <p:cNvPr id="17" name="Freeform: Shape 16">
               <a:extLst>
                 <a:ext uri="{FF2B5EF4-FFF2-40B4-BE49-F238E27FC236}">
-                  <a16:creationId xmlns="" xmlns:a16="http://schemas.microsoft.com/office/drawing/2014/main" id="{0862A81A-959D-4EAB-90ED-DB20759BB397}"/>
+                  <a16:creationId xmlns:a16="http://schemas.microsoft.com/office/drawing/2014/main" xmlns="" id="{0862A81A-959D-4EAB-90ED-DB20759BB397}"/>
                 </a:ext>
               </a:extLst>
             </p:cNvPr>
@@ -15093,7 +15094,7 @@
             <p:cNvPr id="18" name="Freeform: Shape 17">
               <a:extLst>
                 <a:ext uri="{FF2B5EF4-FFF2-40B4-BE49-F238E27FC236}">
-                  <a16:creationId xmlns="" xmlns:a16="http://schemas.microsoft.com/office/drawing/2014/main" id="{AAB9E28C-9422-42BD-AECE-29B44B5D63E2}"/>
+                  <a16:creationId xmlns:a16="http://schemas.microsoft.com/office/drawing/2014/main" xmlns="" id="{AAB9E28C-9422-42BD-AECE-29B44B5D63E2}"/>
                 </a:ext>
               </a:extLst>
             </p:cNvPr>
@@ -15192,7 +15193,7 @@
           <p:cNvPr id="19" name="Group 18">
             <a:extLst>
               <a:ext uri="{FF2B5EF4-FFF2-40B4-BE49-F238E27FC236}">
-                <a16:creationId xmlns="" xmlns:a16="http://schemas.microsoft.com/office/drawing/2014/main" id="{2772239B-C46D-4458-BB4B-DDB12FAB0172}"/>
+                <a16:creationId xmlns:a16="http://schemas.microsoft.com/office/drawing/2014/main" xmlns="" id="{2772239B-C46D-4458-BB4B-DDB12FAB0172}"/>
               </a:ext>
             </a:extLst>
           </p:cNvPr>
@@ -15212,7 +15213,7 @@
             <p:cNvPr id="20" name="Freeform: Shape 19">
               <a:extLst>
                 <a:ext uri="{FF2B5EF4-FFF2-40B4-BE49-F238E27FC236}">
-                  <a16:creationId xmlns="" xmlns:a16="http://schemas.microsoft.com/office/drawing/2014/main" id="{3C8A2A1A-1FB9-4CA1-B74E-B293187E51AA}"/>
+                  <a16:creationId xmlns:a16="http://schemas.microsoft.com/office/drawing/2014/main" xmlns="" id="{3C8A2A1A-1FB9-4CA1-B74E-B293187E51AA}"/>
                 </a:ext>
               </a:extLst>
             </p:cNvPr>
@@ -15302,7 +15303,7 @@
             <p:cNvPr id="21" name="Freeform: Shape 20">
               <a:extLst>
                 <a:ext uri="{FF2B5EF4-FFF2-40B4-BE49-F238E27FC236}">
-                  <a16:creationId xmlns="" xmlns:a16="http://schemas.microsoft.com/office/drawing/2014/main" id="{DF2B18BA-6B43-40FA-A23B-D894D6AB468B}"/>
+                  <a16:creationId xmlns:a16="http://schemas.microsoft.com/office/drawing/2014/main" xmlns="" id="{DF2B18BA-6B43-40FA-A23B-D894D6AB468B}"/>
                 </a:ext>
               </a:extLst>
             </p:cNvPr>
@@ -15401,7 +15402,7 @@
           <p:cNvPr id="3" name="Text Placeholder 2">
             <a:extLst>
               <a:ext uri="{FF2B5EF4-FFF2-40B4-BE49-F238E27FC236}">
-                <a16:creationId xmlns="" xmlns:a16="http://schemas.microsoft.com/office/drawing/2014/main" id="{5E194264-A3F5-42E2-9A63-DCCED0457E1B}"/>
+                <a16:creationId xmlns:a16="http://schemas.microsoft.com/office/drawing/2014/main" xmlns="" id="{5E194264-A3F5-42E2-9A63-DCCED0457E1B}"/>
               </a:ext>
             </a:extLst>
           </p:cNvPr>
@@ -15451,7 +15452,7 @@
           <p:cNvPr id="22" name="Slide Number Placeholder 4">
             <a:extLst>
               <a:ext uri="{FF2B5EF4-FFF2-40B4-BE49-F238E27FC236}">
-                <a16:creationId xmlns="" xmlns:a16="http://schemas.microsoft.com/office/drawing/2014/main" id="{0F332671-6296-47C8-BF26-B2D962F5D03D}"/>
+                <a16:creationId xmlns:a16="http://schemas.microsoft.com/office/drawing/2014/main" xmlns="" id="{0F332671-6296-47C8-BF26-B2D962F5D03D}"/>
               </a:ext>
             </a:extLst>
           </p:cNvPr>
@@ -15495,7 +15496,7 @@
           <p:cNvPr id="23" name="Title 1">
             <a:extLst>
               <a:ext uri="{FF2B5EF4-FFF2-40B4-BE49-F238E27FC236}">
-                <a16:creationId xmlns="" xmlns:a16="http://schemas.microsoft.com/office/drawing/2014/main" id="{7772A652-7229-2B42-B87B-298C31D6F0CB}"/>
+                <a16:creationId xmlns:a16="http://schemas.microsoft.com/office/drawing/2014/main" xmlns="" id="{7772A652-7229-2B42-B87B-298C31D6F0CB}"/>
               </a:ext>
             </a:extLst>
           </p:cNvPr>
@@ -15538,7 +15539,7 @@
     </p:spTree>
     <p:extLst>
       <p:ext uri="{BB962C8B-B14F-4D97-AF65-F5344CB8AC3E}">
-        <p14:creationId xmlns="" xmlns:p14="http://schemas.microsoft.com/office/powerpoint/2010/main" val="1675197494"/>
+        <p14:creationId xmlns:p14="http://schemas.microsoft.com/office/powerpoint/2010/main" xmlns="" val="1675197494"/>
       </p:ext>
     </p:extLst>
   </p:cSld>
@@ -15570,7 +15571,7 @@
           <p:cNvPr id="22" name="Rectangle 21">
             <a:extLst>
               <a:ext uri="{FF2B5EF4-FFF2-40B4-BE49-F238E27FC236}">
-                <a16:creationId xmlns="" xmlns:a16="http://schemas.microsoft.com/office/drawing/2014/main" id="{2CDBB6E5-B91E-4946-9390-E8693855103A}"/>
+                <a16:creationId xmlns:a16="http://schemas.microsoft.com/office/drawing/2014/main" xmlns="" id="{2CDBB6E5-B91E-4946-9390-E8693855103A}"/>
               </a:ext>
             </a:extLst>
           </p:cNvPr>
@@ -15624,7 +15625,7 @@
           <p:cNvPr id="34" name="Freeform: Shape 33">
             <a:extLst>
               <a:ext uri="{FF2B5EF4-FFF2-40B4-BE49-F238E27FC236}">
-                <a16:creationId xmlns="" xmlns:a16="http://schemas.microsoft.com/office/drawing/2014/main" id="{0C3CC1C9-1FA0-4FE4-8984-4A8B3728D674}"/>
+                <a16:creationId xmlns:a16="http://schemas.microsoft.com/office/drawing/2014/main" xmlns="" id="{0C3CC1C9-1FA0-4FE4-8984-4A8B3728D674}"/>
               </a:ext>
             </a:extLst>
           </p:cNvPr>
@@ -15769,7 +15770,7 @@
           <p:cNvPr id="24" name="Freeform: Shape 23">
             <a:extLst>
               <a:ext uri="{FF2B5EF4-FFF2-40B4-BE49-F238E27FC236}">
-                <a16:creationId xmlns="" xmlns:a16="http://schemas.microsoft.com/office/drawing/2014/main" id="{8E049265-431E-48DE-B7F7-4959930171DC}"/>
+                <a16:creationId xmlns:a16="http://schemas.microsoft.com/office/drawing/2014/main" xmlns="" id="{8E049265-431E-48DE-B7F7-4959930171DC}"/>
               </a:ext>
             </a:extLst>
           </p:cNvPr>
@@ -15909,7 +15910,7 @@
           <p:cNvPr id="25" name="Freeform: Shape 24">
             <a:extLst>
               <a:ext uri="{FF2B5EF4-FFF2-40B4-BE49-F238E27FC236}">
-                <a16:creationId xmlns="" xmlns:a16="http://schemas.microsoft.com/office/drawing/2014/main" id="{173E5F2D-1F8E-4DCC-857F-932C6C6539BB}"/>
+                <a16:creationId xmlns:a16="http://schemas.microsoft.com/office/drawing/2014/main" xmlns="" id="{173E5F2D-1F8E-4DCC-857F-932C6C6539BB}"/>
               </a:ext>
             </a:extLst>
           </p:cNvPr>
@@ -16055,7 +16056,7 @@
           <p:cNvPr id="26" name="Group 25">
             <a:extLst>
               <a:ext uri="{FF2B5EF4-FFF2-40B4-BE49-F238E27FC236}">
-                <a16:creationId xmlns="" xmlns:a16="http://schemas.microsoft.com/office/drawing/2014/main" id="{E9318B2B-E019-4078-9EF0-C9D6281AE31B}"/>
+                <a16:creationId xmlns:a16="http://schemas.microsoft.com/office/drawing/2014/main" xmlns="" id="{E9318B2B-E019-4078-9EF0-C9D6281AE31B}"/>
               </a:ext>
             </a:extLst>
           </p:cNvPr>
@@ -16075,7 +16076,7 @@
             <p:cNvPr id="27" name="Freeform: Shape 26">
               <a:extLst>
                 <a:ext uri="{FF2B5EF4-FFF2-40B4-BE49-F238E27FC236}">
-                  <a16:creationId xmlns="" xmlns:a16="http://schemas.microsoft.com/office/drawing/2014/main" id="{D3E625C0-9656-421F-861F-67C8F93362ED}"/>
+                  <a16:creationId xmlns:a16="http://schemas.microsoft.com/office/drawing/2014/main" xmlns="" id="{D3E625C0-9656-421F-861F-67C8F93362ED}"/>
                 </a:ext>
               </a:extLst>
             </p:cNvPr>
@@ -16175,7 +16176,7 @@
             <p:cNvPr id="28" name="Freeform: Shape 27">
               <a:extLst>
                 <a:ext uri="{FF2B5EF4-FFF2-40B4-BE49-F238E27FC236}">
-                  <a16:creationId xmlns="" xmlns:a16="http://schemas.microsoft.com/office/drawing/2014/main" id="{49F8E490-C6E3-4D00-866F-CD85DD88996E}"/>
+                  <a16:creationId xmlns:a16="http://schemas.microsoft.com/office/drawing/2014/main" xmlns="" id="{49F8E490-C6E3-4D00-866F-CD85DD88996E}"/>
                 </a:ext>
               </a:extLst>
             </p:cNvPr>
@@ -16284,7 +16285,7 @@
           <p:cNvPr id="29" name="Freeform: Shape 28">
             <a:extLst>
               <a:ext uri="{FF2B5EF4-FFF2-40B4-BE49-F238E27FC236}">
-                <a16:creationId xmlns="" xmlns:a16="http://schemas.microsoft.com/office/drawing/2014/main" id="{EE8F5B31-1523-46AE-9455-C33DFC1BDDE0}"/>
+                <a16:creationId xmlns:a16="http://schemas.microsoft.com/office/drawing/2014/main" xmlns="" id="{EE8F5B31-1523-46AE-9455-C33DFC1BDDE0}"/>
               </a:ext>
             </a:extLst>
           </p:cNvPr>
@@ -16376,7 +16377,7 @@
           <p:cNvPr id="30" name="Freeform: Shape 29">
             <a:extLst>
               <a:ext uri="{FF2B5EF4-FFF2-40B4-BE49-F238E27FC236}">
-                <a16:creationId xmlns="" xmlns:a16="http://schemas.microsoft.com/office/drawing/2014/main" id="{5D17048F-C2E1-4775-BC32-50BD6219F89D}"/>
+                <a16:creationId xmlns:a16="http://schemas.microsoft.com/office/drawing/2014/main" xmlns="" id="{5D17048F-C2E1-4775-BC32-50BD6219F89D}"/>
               </a:ext>
             </a:extLst>
           </p:cNvPr>
@@ -16476,7 +16477,7 @@
           <p:cNvPr id="31" name="Group 30">
             <a:extLst>
               <a:ext uri="{FF2B5EF4-FFF2-40B4-BE49-F238E27FC236}">
-                <a16:creationId xmlns="" xmlns:a16="http://schemas.microsoft.com/office/drawing/2014/main" id="{EAB002AA-4848-49C8-A834-036F860C79A3}"/>
+                <a16:creationId xmlns:a16="http://schemas.microsoft.com/office/drawing/2014/main" xmlns="" id="{EAB002AA-4848-49C8-A834-036F860C79A3}"/>
               </a:ext>
             </a:extLst>
           </p:cNvPr>
@@ -16496,7 +16497,7 @@
             <p:cNvPr id="32" name="Freeform: Shape 31">
               <a:extLst>
                 <a:ext uri="{FF2B5EF4-FFF2-40B4-BE49-F238E27FC236}">
-                  <a16:creationId xmlns="" xmlns:a16="http://schemas.microsoft.com/office/drawing/2014/main" id="{14B187A8-7F8D-469D-A03B-4F835A5746DE}"/>
+                  <a16:creationId xmlns:a16="http://schemas.microsoft.com/office/drawing/2014/main" xmlns="" id="{14B187A8-7F8D-469D-A03B-4F835A5746DE}"/>
                 </a:ext>
               </a:extLst>
             </p:cNvPr>
@@ -16586,7 +16587,7 @@
             <p:cNvPr id="33" name="Freeform: Shape 32">
               <a:extLst>
                 <a:ext uri="{FF2B5EF4-FFF2-40B4-BE49-F238E27FC236}">
-                  <a16:creationId xmlns="" xmlns:a16="http://schemas.microsoft.com/office/drawing/2014/main" id="{03D871D1-A11A-48FB-82A8-8D61AB5CB85C}"/>
+                  <a16:creationId xmlns:a16="http://schemas.microsoft.com/office/drawing/2014/main" xmlns="" id="{03D871D1-A11A-48FB-82A8-8D61AB5CB85C}"/>
                 </a:ext>
               </a:extLst>
             </p:cNvPr>
@@ -16685,7 +16686,7 @@
           <p:cNvPr id="2" name="Title 1">
             <a:extLst>
               <a:ext uri="{FF2B5EF4-FFF2-40B4-BE49-F238E27FC236}">
-                <a16:creationId xmlns="" xmlns:a16="http://schemas.microsoft.com/office/drawing/2014/main" id="{42374B20-3E42-44AF-BEF1-8AB33067395C}"/>
+                <a16:creationId xmlns:a16="http://schemas.microsoft.com/office/drawing/2014/main" xmlns="" id="{42374B20-3E42-44AF-BEF1-8AB33067395C}"/>
               </a:ext>
             </a:extLst>
           </p:cNvPr>
@@ -16730,7 +16731,7 @@
           <p:cNvPr id="3" name="Text Placeholder 2">
             <a:extLst>
               <a:ext uri="{FF2B5EF4-FFF2-40B4-BE49-F238E27FC236}">
-                <a16:creationId xmlns="" xmlns:a16="http://schemas.microsoft.com/office/drawing/2014/main" id="{5E194264-A3F5-42E2-9A63-DCCED0457E1B}"/>
+                <a16:creationId xmlns:a16="http://schemas.microsoft.com/office/drawing/2014/main" xmlns="" id="{5E194264-A3F5-42E2-9A63-DCCED0457E1B}"/>
               </a:ext>
             </a:extLst>
           </p:cNvPr>
@@ -16780,7 +16781,7 @@
           <p:cNvPr id="35" name="Slide Number Placeholder 4">
             <a:extLst>
               <a:ext uri="{FF2B5EF4-FFF2-40B4-BE49-F238E27FC236}">
-                <a16:creationId xmlns="" xmlns:a16="http://schemas.microsoft.com/office/drawing/2014/main" id="{6F73F836-940E-4B65-A29C-D0869263C935}"/>
+                <a16:creationId xmlns:a16="http://schemas.microsoft.com/office/drawing/2014/main" xmlns="" id="{6F73F836-940E-4B65-A29C-D0869263C935}"/>
               </a:ext>
             </a:extLst>
           </p:cNvPr>
@@ -16822,7 +16823,7 @@
     </p:spTree>
     <p:extLst>
       <p:ext uri="{BB962C8B-B14F-4D97-AF65-F5344CB8AC3E}">
-        <p14:creationId xmlns="" xmlns:p14="http://schemas.microsoft.com/office/powerpoint/2010/main" val="3511478827"/>
+        <p14:creationId xmlns:p14="http://schemas.microsoft.com/office/powerpoint/2010/main" xmlns="" val="3511478827"/>
       </p:ext>
     </p:extLst>
   </p:cSld>
@@ -16854,7 +16855,7 @@
           <p:cNvPr id="22" name="Rectangle 21">
             <a:extLst>
               <a:ext uri="{FF2B5EF4-FFF2-40B4-BE49-F238E27FC236}">
-                <a16:creationId xmlns="" xmlns:a16="http://schemas.microsoft.com/office/drawing/2014/main" id="{2CDBB6E5-B91E-4946-9390-E8693855103A}"/>
+                <a16:creationId xmlns:a16="http://schemas.microsoft.com/office/drawing/2014/main" xmlns="" id="{2CDBB6E5-B91E-4946-9390-E8693855103A}"/>
               </a:ext>
             </a:extLst>
           </p:cNvPr>
@@ -16908,7 +16909,7 @@
           <p:cNvPr id="34" name="Freeform: Shape 33">
             <a:extLst>
               <a:ext uri="{FF2B5EF4-FFF2-40B4-BE49-F238E27FC236}">
-                <a16:creationId xmlns="" xmlns:a16="http://schemas.microsoft.com/office/drawing/2014/main" id="{0C3CC1C9-1FA0-4FE4-8984-4A8B3728D674}"/>
+                <a16:creationId xmlns:a16="http://schemas.microsoft.com/office/drawing/2014/main" xmlns="" id="{0C3CC1C9-1FA0-4FE4-8984-4A8B3728D674}"/>
               </a:ext>
             </a:extLst>
           </p:cNvPr>
@@ -17053,7 +17054,7 @@
           <p:cNvPr id="24" name="Freeform: Shape 23">
             <a:extLst>
               <a:ext uri="{FF2B5EF4-FFF2-40B4-BE49-F238E27FC236}">
-                <a16:creationId xmlns="" xmlns:a16="http://schemas.microsoft.com/office/drawing/2014/main" id="{8E049265-431E-48DE-B7F7-4959930171DC}"/>
+                <a16:creationId xmlns:a16="http://schemas.microsoft.com/office/drawing/2014/main" xmlns="" id="{8E049265-431E-48DE-B7F7-4959930171DC}"/>
               </a:ext>
             </a:extLst>
           </p:cNvPr>
@@ -17193,7 +17194,7 @@
           <p:cNvPr id="25" name="Freeform: Shape 24">
             <a:extLst>
               <a:ext uri="{FF2B5EF4-FFF2-40B4-BE49-F238E27FC236}">
-                <a16:creationId xmlns="" xmlns:a16="http://schemas.microsoft.com/office/drawing/2014/main" id="{173E5F2D-1F8E-4DCC-857F-932C6C6539BB}"/>
+                <a16:creationId xmlns:a16="http://schemas.microsoft.com/office/drawing/2014/main" xmlns="" id="{173E5F2D-1F8E-4DCC-857F-932C6C6539BB}"/>
               </a:ext>
             </a:extLst>
           </p:cNvPr>
@@ -17339,7 +17340,7 @@
           <p:cNvPr id="4" name="Oval 3">
             <a:extLst>
               <a:ext uri="{FF2B5EF4-FFF2-40B4-BE49-F238E27FC236}">
-                <a16:creationId xmlns="" xmlns:a16="http://schemas.microsoft.com/office/drawing/2014/main" id="{ECB4C115-EFF9-405C-98BE-F4077B9730D0}"/>
+                <a16:creationId xmlns:a16="http://schemas.microsoft.com/office/drawing/2014/main" xmlns="" id="{ECB4C115-EFF9-405C-98BE-F4077B9730D0}"/>
               </a:ext>
             </a:extLst>
           </p:cNvPr>
@@ -17397,7 +17398,7 @@
           <p:cNvPr id="18" name="Title 1">
             <a:extLst>
               <a:ext uri="{FF2B5EF4-FFF2-40B4-BE49-F238E27FC236}">
-                <a16:creationId xmlns="" xmlns:a16="http://schemas.microsoft.com/office/drawing/2014/main" id="{C9A300DD-BB54-44ED-A7E4-01CD41EC930F}"/>
+                <a16:creationId xmlns:a16="http://schemas.microsoft.com/office/drawing/2014/main" xmlns="" id="{C9A300DD-BB54-44ED-A7E4-01CD41EC930F}"/>
               </a:ext>
             </a:extLst>
           </p:cNvPr>
@@ -17460,7 +17461,7 @@
           <p:cNvPr id="2" name="Title 1">
             <a:extLst>
               <a:ext uri="{FF2B5EF4-FFF2-40B4-BE49-F238E27FC236}">
-                <a16:creationId xmlns="" xmlns:a16="http://schemas.microsoft.com/office/drawing/2014/main" id="{42374B20-3E42-44AF-BEF1-8AB33067395C}"/>
+                <a16:creationId xmlns:a16="http://schemas.microsoft.com/office/drawing/2014/main" xmlns="" id="{42374B20-3E42-44AF-BEF1-8AB33067395C}"/>
               </a:ext>
             </a:extLst>
           </p:cNvPr>
@@ -17508,7 +17509,7 @@
           <p:cNvPr id="19" name="Slide Number Placeholder 4">
             <a:extLst>
               <a:ext uri="{FF2B5EF4-FFF2-40B4-BE49-F238E27FC236}">
-                <a16:creationId xmlns="" xmlns:a16="http://schemas.microsoft.com/office/drawing/2014/main" id="{A4E6C1FF-5925-42B3-B7F9-0A0031BDAD30}"/>
+                <a16:creationId xmlns:a16="http://schemas.microsoft.com/office/drawing/2014/main" xmlns="" id="{A4E6C1FF-5925-42B3-B7F9-0A0031BDAD30}"/>
               </a:ext>
             </a:extLst>
           </p:cNvPr>
@@ -17550,7 +17551,7 @@
     </p:spTree>
     <p:extLst>
       <p:ext uri="{BB962C8B-B14F-4D97-AF65-F5344CB8AC3E}">
-        <p14:creationId xmlns="" xmlns:p14="http://schemas.microsoft.com/office/powerpoint/2010/main" val="1753169891"/>
+        <p14:creationId xmlns:p14="http://schemas.microsoft.com/office/powerpoint/2010/main" xmlns="" val="1753169891"/>
       </p:ext>
     </p:extLst>
   </p:cSld>
@@ -17590,7 +17591,7 @@
           <p:cNvPr id="11" name="Rectangle 10">
             <a:extLst>
               <a:ext uri="{FF2B5EF4-FFF2-40B4-BE49-F238E27FC236}">
-                <a16:creationId xmlns="" xmlns:a16="http://schemas.microsoft.com/office/drawing/2014/main" id="{EB3E033F-4449-40FA-BC85-BD2712D313DD}"/>
+                <a16:creationId xmlns:a16="http://schemas.microsoft.com/office/drawing/2014/main" xmlns="" id="{EB3E033F-4449-40FA-BC85-BD2712D313DD}"/>
               </a:ext>
             </a:extLst>
           </p:cNvPr>
@@ -17644,7 +17645,7 @@
           <p:cNvPr id="10" name="Freeform: Shape 9">
             <a:extLst>
               <a:ext uri="{FF2B5EF4-FFF2-40B4-BE49-F238E27FC236}">
-                <a16:creationId xmlns="" xmlns:a16="http://schemas.microsoft.com/office/drawing/2014/main" id="{63D26743-0505-444C-80B3-E88EE87DF72B}"/>
+                <a16:creationId xmlns:a16="http://schemas.microsoft.com/office/drawing/2014/main" xmlns="" id="{63D26743-0505-444C-80B3-E88EE87DF72B}"/>
               </a:ext>
             </a:extLst>
           </p:cNvPr>
@@ -17767,7 +17768,7 @@
           <p:cNvPr id="8" name="Freeform: Shape 7">
             <a:extLst>
               <a:ext uri="{FF2B5EF4-FFF2-40B4-BE49-F238E27FC236}">
-                <a16:creationId xmlns="" xmlns:a16="http://schemas.microsoft.com/office/drawing/2014/main" id="{1599AF7E-3E34-4597-AA72-9373A7FDB020}"/>
+                <a16:creationId xmlns:a16="http://schemas.microsoft.com/office/drawing/2014/main" xmlns="" id="{1599AF7E-3E34-4597-AA72-9373A7FDB020}"/>
               </a:ext>
             </a:extLst>
           </p:cNvPr>
@@ -17913,7 +17914,7 @@
           <p:cNvPr id="2" name="Title 1">
             <a:extLst>
               <a:ext uri="{FF2B5EF4-FFF2-40B4-BE49-F238E27FC236}">
-                <a16:creationId xmlns="" xmlns:a16="http://schemas.microsoft.com/office/drawing/2014/main" id="{4A2DF563-7FAC-46B3-B24C-7E45CD89DA2B}"/>
+                <a16:creationId xmlns:a16="http://schemas.microsoft.com/office/drawing/2014/main" xmlns="" id="{4A2DF563-7FAC-46B3-B24C-7E45CD89DA2B}"/>
               </a:ext>
             </a:extLst>
           </p:cNvPr>
@@ -17958,7 +17959,7 @@
           <p:cNvPr id="5" name="Slide Number Placeholder 4">
             <a:extLst>
               <a:ext uri="{FF2B5EF4-FFF2-40B4-BE49-F238E27FC236}">
-                <a16:creationId xmlns="" xmlns:a16="http://schemas.microsoft.com/office/drawing/2014/main" id="{87B51822-97FF-47A7-8E4E-A0F79B4EB237}"/>
+                <a16:creationId xmlns:a16="http://schemas.microsoft.com/office/drawing/2014/main" xmlns="" id="{87B51822-97FF-47A7-8E4E-A0F79B4EB237}"/>
               </a:ext>
             </a:extLst>
           </p:cNvPr>
@@ -18002,7 +18003,7 @@
           <p:cNvPr id="15" name="Group 14">
             <a:extLst>
               <a:ext uri="{FF2B5EF4-FFF2-40B4-BE49-F238E27FC236}">
-                <a16:creationId xmlns="" xmlns:a16="http://schemas.microsoft.com/office/drawing/2014/main" id="{7732E1E7-45E3-4264-8F26-66758696DD1E}"/>
+                <a16:creationId xmlns:a16="http://schemas.microsoft.com/office/drawing/2014/main" xmlns="" id="{7732E1E7-45E3-4264-8F26-66758696DD1E}"/>
               </a:ext>
             </a:extLst>
           </p:cNvPr>
@@ -18022,7 +18023,7 @@
             <p:cNvPr id="16" name="Freeform: Shape 15">
               <a:extLst>
                 <a:ext uri="{FF2B5EF4-FFF2-40B4-BE49-F238E27FC236}">
-                  <a16:creationId xmlns="" xmlns:a16="http://schemas.microsoft.com/office/drawing/2014/main" id="{2E3DF883-8093-49FA-81E1-E5D77F086A25}"/>
+                  <a16:creationId xmlns:a16="http://schemas.microsoft.com/office/drawing/2014/main" xmlns="" id="{2E3DF883-8093-49FA-81E1-E5D77F086A25}"/>
                 </a:ext>
               </a:extLst>
             </p:cNvPr>
@@ -18112,7 +18113,7 @@
             <p:cNvPr id="17" name="Freeform: Shape 16">
               <a:extLst>
                 <a:ext uri="{FF2B5EF4-FFF2-40B4-BE49-F238E27FC236}">
-                  <a16:creationId xmlns="" xmlns:a16="http://schemas.microsoft.com/office/drawing/2014/main" id="{18944C90-37E5-4BBE-89FF-060627168050}"/>
+                  <a16:creationId xmlns:a16="http://schemas.microsoft.com/office/drawing/2014/main" xmlns="" id="{18944C90-37E5-4BBE-89FF-060627168050}"/>
                 </a:ext>
               </a:extLst>
             </p:cNvPr>
@@ -18211,7 +18212,7 @@
           <p:cNvPr id="23" name="Text Placeholder 22">
             <a:extLst>
               <a:ext uri="{FF2B5EF4-FFF2-40B4-BE49-F238E27FC236}">
-                <a16:creationId xmlns="" xmlns:a16="http://schemas.microsoft.com/office/drawing/2014/main" id="{03618670-D1E4-466C-BDB5-FC890AC31457}"/>
+                <a16:creationId xmlns:a16="http://schemas.microsoft.com/office/drawing/2014/main" xmlns="" id="{03618670-D1E4-466C-BDB5-FC890AC31457}"/>
               </a:ext>
             </a:extLst>
           </p:cNvPr>
@@ -18332,7 +18333,7 @@
     </p:spTree>
     <p:extLst>
       <p:ext uri="{BB962C8B-B14F-4D97-AF65-F5344CB8AC3E}">
-        <p14:creationId xmlns="" xmlns:p14="http://schemas.microsoft.com/office/powerpoint/2010/main" val="274574868"/>
+        <p14:creationId xmlns:p14="http://schemas.microsoft.com/office/powerpoint/2010/main" xmlns="" val="274574868"/>
       </p:ext>
     </p:extLst>
   </p:cSld>
@@ -18372,7 +18373,7 @@
           <p:cNvPr id="11" name="Rectangle 10">
             <a:extLst>
               <a:ext uri="{FF2B5EF4-FFF2-40B4-BE49-F238E27FC236}">
-                <a16:creationId xmlns="" xmlns:a16="http://schemas.microsoft.com/office/drawing/2014/main" id="{EB3E033F-4449-40FA-BC85-BD2712D313DD}"/>
+                <a16:creationId xmlns:a16="http://schemas.microsoft.com/office/drawing/2014/main" xmlns="" id="{EB3E033F-4449-40FA-BC85-BD2712D313DD}"/>
               </a:ext>
             </a:extLst>
           </p:cNvPr>
@@ -18426,7 +18427,7 @@
           <p:cNvPr id="10" name="Freeform: Shape 9">
             <a:extLst>
               <a:ext uri="{FF2B5EF4-FFF2-40B4-BE49-F238E27FC236}">
-                <a16:creationId xmlns="" xmlns:a16="http://schemas.microsoft.com/office/drawing/2014/main" id="{63D26743-0505-444C-80B3-E88EE87DF72B}"/>
+                <a16:creationId xmlns:a16="http://schemas.microsoft.com/office/drawing/2014/main" xmlns="" id="{63D26743-0505-444C-80B3-E88EE87DF72B}"/>
               </a:ext>
             </a:extLst>
           </p:cNvPr>
@@ -18549,7 +18550,7 @@
           <p:cNvPr id="18" name="Freeform: Shape 17">
             <a:extLst>
               <a:ext uri="{FF2B5EF4-FFF2-40B4-BE49-F238E27FC236}">
-                <a16:creationId xmlns="" xmlns:a16="http://schemas.microsoft.com/office/drawing/2014/main" id="{E37145E9-AC61-47D5-9288-8789940F81B6}"/>
+                <a16:creationId xmlns:a16="http://schemas.microsoft.com/office/drawing/2014/main" xmlns="" id="{E37145E9-AC61-47D5-9288-8789940F81B6}"/>
               </a:ext>
             </a:extLst>
           </p:cNvPr>
@@ -18701,7 +18702,7 @@
           <p:cNvPr id="12" name="Freeform: Shape 11">
             <a:extLst>
               <a:ext uri="{FF2B5EF4-FFF2-40B4-BE49-F238E27FC236}">
-                <a16:creationId xmlns="" xmlns:a16="http://schemas.microsoft.com/office/drawing/2014/main" id="{A5E2B3ED-9A49-40A7-B8A3-62595FE513F9}"/>
+                <a16:creationId xmlns:a16="http://schemas.microsoft.com/office/drawing/2014/main" xmlns="" id="{A5E2B3ED-9A49-40A7-B8A3-62595FE513F9}"/>
               </a:ext>
             </a:extLst>
           </p:cNvPr>
@@ -18851,7 +18852,7 @@
           <p:cNvPr id="8" name="Freeform: Shape 7">
             <a:extLst>
               <a:ext uri="{FF2B5EF4-FFF2-40B4-BE49-F238E27FC236}">
-                <a16:creationId xmlns="" xmlns:a16="http://schemas.microsoft.com/office/drawing/2014/main" id="{1599AF7E-3E34-4597-AA72-9373A7FDB020}"/>
+                <a16:creationId xmlns:a16="http://schemas.microsoft.com/office/drawing/2014/main" xmlns="" id="{1599AF7E-3E34-4597-AA72-9373A7FDB020}"/>
               </a:ext>
             </a:extLst>
           </p:cNvPr>
@@ -18997,7 +18998,7 @@
           <p:cNvPr id="2" name="Title 1">
             <a:extLst>
               <a:ext uri="{FF2B5EF4-FFF2-40B4-BE49-F238E27FC236}">
-                <a16:creationId xmlns="" xmlns:a16="http://schemas.microsoft.com/office/drawing/2014/main" id="{4A2DF563-7FAC-46B3-B24C-7E45CD89DA2B}"/>
+                <a16:creationId xmlns:a16="http://schemas.microsoft.com/office/drawing/2014/main" xmlns="" id="{4A2DF563-7FAC-46B3-B24C-7E45CD89DA2B}"/>
               </a:ext>
             </a:extLst>
           </p:cNvPr>
@@ -19042,7 +19043,7 @@
           <p:cNvPr id="15" name="Group 14">
             <a:extLst>
               <a:ext uri="{FF2B5EF4-FFF2-40B4-BE49-F238E27FC236}">
-                <a16:creationId xmlns="" xmlns:a16="http://schemas.microsoft.com/office/drawing/2014/main" id="{7732E1E7-45E3-4264-8F26-66758696DD1E}"/>
+                <a16:creationId xmlns:a16="http://schemas.microsoft.com/office/drawing/2014/main" xmlns="" id="{7732E1E7-45E3-4264-8F26-66758696DD1E}"/>
               </a:ext>
             </a:extLst>
           </p:cNvPr>
@@ -19062,7 +19063,7 @@
             <p:cNvPr id="16" name="Freeform: Shape 15">
               <a:extLst>
                 <a:ext uri="{FF2B5EF4-FFF2-40B4-BE49-F238E27FC236}">
-                  <a16:creationId xmlns="" xmlns:a16="http://schemas.microsoft.com/office/drawing/2014/main" id="{2E3DF883-8093-49FA-81E1-E5D77F086A25}"/>
+                  <a16:creationId xmlns:a16="http://schemas.microsoft.com/office/drawing/2014/main" xmlns="" id="{2E3DF883-8093-49FA-81E1-E5D77F086A25}"/>
                 </a:ext>
               </a:extLst>
             </p:cNvPr>
@@ -19152,7 +19153,7 @@
             <p:cNvPr id="17" name="Freeform: Shape 16">
               <a:extLst>
                 <a:ext uri="{FF2B5EF4-FFF2-40B4-BE49-F238E27FC236}">
-                  <a16:creationId xmlns="" xmlns:a16="http://schemas.microsoft.com/office/drawing/2014/main" id="{18944C90-37E5-4BBE-89FF-060627168050}"/>
+                  <a16:creationId xmlns:a16="http://schemas.microsoft.com/office/drawing/2014/main" xmlns="" id="{18944C90-37E5-4BBE-89FF-060627168050}"/>
                 </a:ext>
               </a:extLst>
             </p:cNvPr>
@@ -19251,7 +19252,7 @@
           <p:cNvPr id="6" name="Group 5">
             <a:extLst>
               <a:ext uri="{FF2B5EF4-FFF2-40B4-BE49-F238E27FC236}">
-                <a16:creationId xmlns="" xmlns:a16="http://schemas.microsoft.com/office/drawing/2014/main" id="{D9EBF8BB-A805-4DDB-B459-082F99815B95}"/>
+                <a16:creationId xmlns:a16="http://schemas.microsoft.com/office/drawing/2014/main" xmlns="" id="{D9EBF8BB-A805-4DDB-B459-082F99815B95}"/>
               </a:ext>
             </a:extLst>
           </p:cNvPr>
@@ -19271,7 +19272,7 @@
             <p:cNvPr id="19" name="Rectangle: Single Corner Snipped 18">
               <a:extLst>
                 <a:ext uri="{FF2B5EF4-FFF2-40B4-BE49-F238E27FC236}">
-                  <a16:creationId xmlns="" xmlns:a16="http://schemas.microsoft.com/office/drawing/2014/main" id="{5D638788-DD47-45E7-939A-FA108A818173}"/>
+                  <a16:creationId xmlns:a16="http://schemas.microsoft.com/office/drawing/2014/main" xmlns="" id="{5D638788-DD47-45E7-939A-FA108A818173}"/>
                 </a:ext>
               </a:extLst>
             </p:cNvPr>
@@ -19337,7 +19338,7 @@
             <p:cNvPr id="3" name="Rectangle: Single Corner Snipped 2">
               <a:extLst>
                 <a:ext uri="{FF2B5EF4-FFF2-40B4-BE49-F238E27FC236}">
-                  <a16:creationId xmlns="" xmlns:a16="http://schemas.microsoft.com/office/drawing/2014/main" id="{74BDECEF-EEFE-4332-B3B2-BDE4F82C10FC}"/>
+                  <a16:creationId xmlns:a16="http://schemas.microsoft.com/office/drawing/2014/main" xmlns="" id="{74BDECEF-EEFE-4332-B3B2-BDE4F82C10FC}"/>
                 </a:ext>
               </a:extLst>
             </p:cNvPr>
@@ -19394,7 +19395,7 @@
           <p:cNvPr id="24" name="Freeform: Shape 23">
             <a:extLst>
               <a:ext uri="{FF2B5EF4-FFF2-40B4-BE49-F238E27FC236}">
-                <a16:creationId xmlns="" xmlns:a16="http://schemas.microsoft.com/office/drawing/2014/main" id="{18103E00-7E4A-44CD-81AC-06433CAE1110}"/>
+                <a16:creationId xmlns:a16="http://schemas.microsoft.com/office/drawing/2014/main" xmlns="" id="{18103E00-7E4A-44CD-81AC-06433CAE1110}"/>
               </a:ext>
             </a:extLst>
           </p:cNvPr>
@@ -19489,7 +19490,7 @@
           <p:cNvPr id="5" name="Slide Number Placeholder 4">
             <a:extLst>
               <a:ext uri="{FF2B5EF4-FFF2-40B4-BE49-F238E27FC236}">
-                <a16:creationId xmlns="" xmlns:a16="http://schemas.microsoft.com/office/drawing/2014/main" id="{87B51822-97FF-47A7-8E4E-A0F79B4EB237}"/>
+                <a16:creationId xmlns:a16="http://schemas.microsoft.com/office/drawing/2014/main" xmlns="" id="{87B51822-97FF-47A7-8E4E-A0F79B4EB237}"/>
               </a:ext>
             </a:extLst>
           </p:cNvPr>
@@ -19531,7 +19532,7 @@
     </p:spTree>
     <p:extLst>
       <p:ext uri="{BB962C8B-B14F-4D97-AF65-F5344CB8AC3E}">
-        <p14:creationId xmlns="" xmlns:p14="http://schemas.microsoft.com/office/powerpoint/2010/main" val="4073704932"/>
+        <p14:creationId xmlns:p14="http://schemas.microsoft.com/office/powerpoint/2010/main" xmlns="" val="4073704932"/>
       </p:ext>
     </p:extLst>
   </p:cSld>
@@ -19571,7 +19572,7 @@
           <p:cNvPr id="11" name="Rectangle 10">
             <a:extLst>
               <a:ext uri="{FF2B5EF4-FFF2-40B4-BE49-F238E27FC236}">
-                <a16:creationId xmlns="" xmlns:a16="http://schemas.microsoft.com/office/drawing/2014/main" id="{EB3E033F-4449-40FA-BC85-BD2712D313DD}"/>
+                <a16:creationId xmlns:a16="http://schemas.microsoft.com/office/drawing/2014/main" xmlns="" id="{EB3E033F-4449-40FA-BC85-BD2712D313DD}"/>
               </a:ext>
             </a:extLst>
           </p:cNvPr>
@@ -19625,7 +19626,7 @@
           <p:cNvPr id="10" name="Freeform: Shape 9">
             <a:extLst>
               <a:ext uri="{FF2B5EF4-FFF2-40B4-BE49-F238E27FC236}">
-                <a16:creationId xmlns="" xmlns:a16="http://schemas.microsoft.com/office/drawing/2014/main" id="{63D26743-0505-444C-80B3-E88EE87DF72B}"/>
+                <a16:creationId xmlns:a16="http://schemas.microsoft.com/office/drawing/2014/main" xmlns="" id="{63D26743-0505-444C-80B3-E88EE87DF72B}"/>
               </a:ext>
             </a:extLst>
           </p:cNvPr>
@@ -19748,7 +19749,7 @@
           <p:cNvPr id="18" name="Freeform: Shape 17">
             <a:extLst>
               <a:ext uri="{FF2B5EF4-FFF2-40B4-BE49-F238E27FC236}">
-                <a16:creationId xmlns="" xmlns:a16="http://schemas.microsoft.com/office/drawing/2014/main" id="{E37145E9-AC61-47D5-9288-8789940F81B6}"/>
+                <a16:creationId xmlns:a16="http://schemas.microsoft.com/office/drawing/2014/main" xmlns="" id="{E37145E9-AC61-47D5-9288-8789940F81B6}"/>
               </a:ext>
             </a:extLst>
           </p:cNvPr>
@@ -19900,7 +19901,7 @@
           <p:cNvPr id="12" name="Freeform: Shape 11">
             <a:extLst>
               <a:ext uri="{FF2B5EF4-FFF2-40B4-BE49-F238E27FC236}">
-                <a16:creationId xmlns="" xmlns:a16="http://schemas.microsoft.com/office/drawing/2014/main" id="{A5E2B3ED-9A49-40A7-B8A3-62595FE513F9}"/>
+                <a16:creationId xmlns:a16="http://schemas.microsoft.com/office/drawing/2014/main" xmlns="" id="{A5E2B3ED-9A49-40A7-B8A3-62595FE513F9}"/>
               </a:ext>
             </a:extLst>
           </p:cNvPr>
@@ -20050,7 +20051,7 @@
           <p:cNvPr id="8" name="Freeform: Shape 7">
             <a:extLst>
               <a:ext uri="{FF2B5EF4-FFF2-40B4-BE49-F238E27FC236}">
-                <a16:creationId xmlns="" xmlns:a16="http://schemas.microsoft.com/office/drawing/2014/main" id="{1599AF7E-3E34-4597-AA72-9373A7FDB020}"/>
+                <a16:creationId xmlns:a16="http://schemas.microsoft.com/office/drawing/2014/main" xmlns="" id="{1599AF7E-3E34-4597-AA72-9373A7FDB020}"/>
               </a:ext>
             </a:extLst>
           </p:cNvPr>
@@ -20196,7 +20197,7 @@
           <p:cNvPr id="2" name="Title 1">
             <a:extLst>
               <a:ext uri="{FF2B5EF4-FFF2-40B4-BE49-F238E27FC236}">
-                <a16:creationId xmlns="" xmlns:a16="http://schemas.microsoft.com/office/drawing/2014/main" id="{4A2DF563-7FAC-46B3-B24C-7E45CD89DA2B}"/>
+                <a16:creationId xmlns:a16="http://schemas.microsoft.com/office/drawing/2014/main" xmlns="" id="{4A2DF563-7FAC-46B3-B24C-7E45CD89DA2B}"/>
               </a:ext>
             </a:extLst>
           </p:cNvPr>
@@ -20241,7 +20242,7 @@
           <p:cNvPr id="15" name="Group 14">
             <a:extLst>
               <a:ext uri="{FF2B5EF4-FFF2-40B4-BE49-F238E27FC236}">
-                <a16:creationId xmlns="" xmlns:a16="http://schemas.microsoft.com/office/drawing/2014/main" id="{7732E1E7-45E3-4264-8F26-66758696DD1E}"/>
+                <a16:creationId xmlns:a16="http://schemas.microsoft.com/office/drawing/2014/main" xmlns="" id="{7732E1E7-45E3-4264-8F26-66758696DD1E}"/>
               </a:ext>
             </a:extLst>
           </p:cNvPr>
@@ -20261,7 +20262,7 @@
             <p:cNvPr id="16" name="Freeform: Shape 15">
               <a:extLst>
                 <a:ext uri="{FF2B5EF4-FFF2-40B4-BE49-F238E27FC236}">
-                  <a16:creationId xmlns="" xmlns:a16="http://schemas.microsoft.com/office/drawing/2014/main" id="{2E3DF883-8093-49FA-81E1-E5D77F086A25}"/>
+                  <a16:creationId xmlns:a16="http://schemas.microsoft.com/office/drawing/2014/main" xmlns="" id="{2E3DF883-8093-49FA-81E1-E5D77F086A25}"/>
                 </a:ext>
               </a:extLst>
             </p:cNvPr>
@@ -20351,7 +20352,7 @@
             <p:cNvPr id="17" name="Freeform: Shape 16">
               <a:extLst>
                 <a:ext uri="{FF2B5EF4-FFF2-40B4-BE49-F238E27FC236}">
-                  <a16:creationId xmlns="" xmlns:a16="http://schemas.microsoft.com/office/drawing/2014/main" id="{18944C90-37E5-4BBE-89FF-060627168050}"/>
+                  <a16:creationId xmlns:a16="http://schemas.microsoft.com/office/drawing/2014/main" xmlns="" id="{18944C90-37E5-4BBE-89FF-060627168050}"/>
                 </a:ext>
               </a:extLst>
             </p:cNvPr>
@@ -20450,7 +20451,7 @@
           <p:cNvPr id="6" name="Group 5">
             <a:extLst>
               <a:ext uri="{FF2B5EF4-FFF2-40B4-BE49-F238E27FC236}">
-                <a16:creationId xmlns="" xmlns:a16="http://schemas.microsoft.com/office/drawing/2014/main" id="{D9EBF8BB-A805-4DDB-B459-082F99815B95}"/>
+                <a16:creationId xmlns:a16="http://schemas.microsoft.com/office/drawing/2014/main" xmlns="" id="{D9EBF8BB-A805-4DDB-B459-082F99815B95}"/>
               </a:ext>
             </a:extLst>
           </p:cNvPr>
@@ -20470,7 +20471,7 @@
             <p:cNvPr id="19" name="Rectangle: Single Corner Snipped 18">
               <a:extLst>
                 <a:ext uri="{FF2B5EF4-FFF2-40B4-BE49-F238E27FC236}">
-                  <a16:creationId xmlns="" xmlns:a16="http://schemas.microsoft.com/office/drawing/2014/main" id="{5D638788-DD47-45E7-939A-FA108A818173}"/>
+                  <a16:creationId xmlns:a16="http://schemas.microsoft.com/office/drawing/2014/main" xmlns="" id="{5D638788-DD47-45E7-939A-FA108A818173}"/>
                 </a:ext>
               </a:extLst>
             </p:cNvPr>
@@ -20536,7 +20537,7 @@
             <p:cNvPr id="3" name="Rectangle: Single Corner Snipped 2">
               <a:extLst>
                 <a:ext uri="{FF2B5EF4-FFF2-40B4-BE49-F238E27FC236}">
-                  <a16:creationId xmlns="" xmlns:a16="http://schemas.microsoft.com/office/drawing/2014/main" id="{74BDECEF-EEFE-4332-B3B2-BDE4F82C10FC}"/>
+                  <a16:creationId xmlns:a16="http://schemas.microsoft.com/office/drawing/2014/main" xmlns="" id="{74BDECEF-EEFE-4332-B3B2-BDE4F82C10FC}"/>
                 </a:ext>
               </a:extLst>
             </p:cNvPr>
@@ -20593,7 +20594,7 @@
           <p:cNvPr id="24" name="Freeform: Shape 23">
             <a:extLst>
               <a:ext uri="{FF2B5EF4-FFF2-40B4-BE49-F238E27FC236}">
-                <a16:creationId xmlns="" xmlns:a16="http://schemas.microsoft.com/office/drawing/2014/main" id="{18103E00-7E4A-44CD-81AC-06433CAE1110}"/>
+                <a16:creationId xmlns:a16="http://schemas.microsoft.com/office/drawing/2014/main" xmlns="" id="{18103E00-7E4A-44CD-81AC-06433CAE1110}"/>
               </a:ext>
             </a:extLst>
           </p:cNvPr>
@@ -20688,7 +20689,7 @@
           <p:cNvPr id="5" name="Slide Number Placeholder 4">
             <a:extLst>
               <a:ext uri="{FF2B5EF4-FFF2-40B4-BE49-F238E27FC236}">
-                <a16:creationId xmlns="" xmlns:a16="http://schemas.microsoft.com/office/drawing/2014/main" id="{87B51822-97FF-47A7-8E4E-A0F79B4EB237}"/>
+                <a16:creationId xmlns:a16="http://schemas.microsoft.com/office/drawing/2014/main" xmlns="" id="{87B51822-97FF-47A7-8E4E-A0F79B4EB237}"/>
               </a:ext>
             </a:extLst>
           </p:cNvPr>
@@ -20732,7 +20733,7 @@
           <p:cNvPr id="7" name="Text Placeholder 6">
             <a:extLst>
               <a:ext uri="{FF2B5EF4-FFF2-40B4-BE49-F238E27FC236}">
-                <a16:creationId xmlns="" xmlns:a16="http://schemas.microsoft.com/office/drawing/2014/main" id="{7E0C167E-2626-40DB-AACF-D02543E29BB3}"/>
+                <a16:creationId xmlns:a16="http://schemas.microsoft.com/office/drawing/2014/main" xmlns="" id="{7E0C167E-2626-40DB-AACF-D02543E29BB3}"/>
               </a:ext>
             </a:extLst>
           </p:cNvPr>
@@ -20775,7 +20776,7 @@
     </p:spTree>
     <p:extLst>
       <p:ext uri="{BB962C8B-B14F-4D97-AF65-F5344CB8AC3E}">
-        <p14:creationId xmlns="" xmlns:p14="http://schemas.microsoft.com/office/powerpoint/2010/main" val="2904744868"/>
+        <p14:creationId xmlns:p14="http://schemas.microsoft.com/office/powerpoint/2010/main" xmlns="" val="2904744868"/>
       </p:ext>
     </p:extLst>
   </p:cSld>
@@ -20815,7 +20816,7 @@
           <p:cNvPr id="11" name="Rectangle 10">
             <a:extLst>
               <a:ext uri="{FF2B5EF4-FFF2-40B4-BE49-F238E27FC236}">
-                <a16:creationId xmlns="" xmlns:a16="http://schemas.microsoft.com/office/drawing/2014/main" id="{EB3E033F-4449-40FA-BC85-BD2712D313DD}"/>
+                <a16:creationId xmlns:a16="http://schemas.microsoft.com/office/drawing/2014/main" xmlns="" id="{EB3E033F-4449-40FA-BC85-BD2712D313DD}"/>
               </a:ext>
             </a:extLst>
           </p:cNvPr>
@@ -20869,7 +20870,7 @@
           <p:cNvPr id="10" name="Freeform: Shape 9">
             <a:extLst>
               <a:ext uri="{FF2B5EF4-FFF2-40B4-BE49-F238E27FC236}">
-                <a16:creationId xmlns="" xmlns:a16="http://schemas.microsoft.com/office/drawing/2014/main" id="{63D26743-0505-444C-80B3-E88EE87DF72B}"/>
+                <a16:creationId xmlns:a16="http://schemas.microsoft.com/office/drawing/2014/main" xmlns="" id="{63D26743-0505-444C-80B3-E88EE87DF72B}"/>
               </a:ext>
             </a:extLst>
           </p:cNvPr>
@@ -20992,7 +20993,7 @@
           <p:cNvPr id="18" name="Freeform: Shape 17">
             <a:extLst>
               <a:ext uri="{FF2B5EF4-FFF2-40B4-BE49-F238E27FC236}">
-                <a16:creationId xmlns="" xmlns:a16="http://schemas.microsoft.com/office/drawing/2014/main" id="{E37145E9-AC61-47D5-9288-8789940F81B6}"/>
+                <a16:creationId xmlns:a16="http://schemas.microsoft.com/office/drawing/2014/main" xmlns="" id="{E37145E9-AC61-47D5-9288-8789940F81B6}"/>
               </a:ext>
             </a:extLst>
           </p:cNvPr>
@@ -21144,7 +21145,7 @@
           <p:cNvPr id="12" name="Freeform: Shape 11">
             <a:extLst>
               <a:ext uri="{FF2B5EF4-FFF2-40B4-BE49-F238E27FC236}">
-                <a16:creationId xmlns="" xmlns:a16="http://schemas.microsoft.com/office/drawing/2014/main" id="{A5E2B3ED-9A49-40A7-B8A3-62595FE513F9}"/>
+                <a16:creationId xmlns:a16="http://schemas.microsoft.com/office/drawing/2014/main" xmlns="" id="{A5E2B3ED-9A49-40A7-B8A3-62595FE513F9}"/>
               </a:ext>
             </a:extLst>
           </p:cNvPr>
@@ -21294,7 +21295,7 @@
           <p:cNvPr id="8" name="Freeform: Shape 7">
             <a:extLst>
               <a:ext uri="{FF2B5EF4-FFF2-40B4-BE49-F238E27FC236}">
-                <a16:creationId xmlns="" xmlns:a16="http://schemas.microsoft.com/office/drawing/2014/main" id="{1599AF7E-3E34-4597-AA72-9373A7FDB020}"/>
+                <a16:creationId xmlns:a16="http://schemas.microsoft.com/office/drawing/2014/main" xmlns="" id="{1599AF7E-3E34-4597-AA72-9373A7FDB020}"/>
               </a:ext>
             </a:extLst>
           </p:cNvPr>
@@ -21440,7 +21441,7 @@
           <p:cNvPr id="2" name="Title 1">
             <a:extLst>
               <a:ext uri="{FF2B5EF4-FFF2-40B4-BE49-F238E27FC236}">
-                <a16:creationId xmlns="" xmlns:a16="http://schemas.microsoft.com/office/drawing/2014/main" id="{4A2DF563-7FAC-46B3-B24C-7E45CD89DA2B}"/>
+                <a16:creationId xmlns:a16="http://schemas.microsoft.com/office/drawing/2014/main" xmlns="" id="{4A2DF563-7FAC-46B3-B24C-7E45CD89DA2B}"/>
               </a:ext>
             </a:extLst>
           </p:cNvPr>
@@ -21485,7 +21486,7 @@
           <p:cNvPr id="15" name="Group 14">
             <a:extLst>
               <a:ext uri="{FF2B5EF4-FFF2-40B4-BE49-F238E27FC236}">
-                <a16:creationId xmlns="" xmlns:a16="http://schemas.microsoft.com/office/drawing/2014/main" id="{7732E1E7-45E3-4264-8F26-66758696DD1E}"/>
+                <a16:creationId xmlns:a16="http://schemas.microsoft.com/office/drawing/2014/main" xmlns="" id="{7732E1E7-45E3-4264-8F26-66758696DD1E}"/>
               </a:ext>
             </a:extLst>
           </p:cNvPr>
@@ -21505,7 +21506,7 @@
             <p:cNvPr id="16" name="Freeform: Shape 15">
               <a:extLst>
                 <a:ext uri="{FF2B5EF4-FFF2-40B4-BE49-F238E27FC236}">
-                  <a16:creationId xmlns="" xmlns:a16="http://schemas.microsoft.com/office/drawing/2014/main" id="{2E3DF883-8093-49FA-81E1-E5D77F086A25}"/>
+                  <a16:creationId xmlns:a16="http://schemas.microsoft.com/office/drawing/2014/main" xmlns="" id="{2E3DF883-8093-49FA-81E1-E5D77F086A25}"/>
                 </a:ext>
               </a:extLst>
             </p:cNvPr>
@@ -21595,7 +21596,7 @@
             <p:cNvPr id="17" name="Freeform: Shape 16">
               <a:extLst>
                 <a:ext uri="{FF2B5EF4-FFF2-40B4-BE49-F238E27FC236}">
-                  <a16:creationId xmlns="" xmlns:a16="http://schemas.microsoft.com/office/drawing/2014/main" id="{18944C90-37E5-4BBE-89FF-060627168050}"/>
+                  <a16:creationId xmlns:a16="http://schemas.microsoft.com/office/drawing/2014/main" xmlns="" id="{18944C90-37E5-4BBE-89FF-060627168050}"/>
                 </a:ext>
               </a:extLst>
             </p:cNvPr>
@@ -21694,7 +21695,7 @@
           <p:cNvPr id="6" name="Group 5">
             <a:extLst>
               <a:ext uri="{FF2B5EF4-FFF2-40B4-BE49-F238E27FC236}">
-                <a16:creationId xmlns="" xmlns:a16="http://schemas.microsoft.com/office/drawing/2014/main" id="{D9EBF8BB-A805-4DDB-B459-082F99815B95}"/>
+                <a16:creationId xmlns:a16="http://schemas.microsoft.com/office/drawing/2014/main" xmlns="" id="{D9EBF8BB-A805-4DDB-B459-082F99815B95}"/>
               </a:ext>
             </a:extLst>
           </p:cNvPr>
@@ -21714,7 +21715,7 @@
             <p:cNvPr id="19" name="Rectangle: Single Corner Snipped 18">
               <a:extLst>
                 <a:ext uri="{FF2B5EF4-FFF2-40B4-BE49-F238E27FC236}">
-                  <a16:creationId xmlns="" xmlns:a16="http://schemas.microsoft.com/office/drawing/2014/main" id="{5D638788-DD47-45E7-939A-FA108A818173}"/>
+                  <a16:creationId xmlns:a16="http://schemas.microsoft.com/office/drawing/2014/main" xmlns="" id="{5D638788-DD47-45E7-939A-FA108A818173}"/>
                 </a:ext>
               </a:extLst>
             </p:cNvPr>
@@ -21780,7 +21781,7 @@
             <p:cNvPr id="3" name="Rectangle: Single Corner Snipped 2">
               <a:extLst>
                 <a:ext uri="{FF2B5EF4-FFF2-40B4-BE49-F238E27FC236}">
-                  <a16:creationId xmlns="" xmlns:a16="http://schemas.microsoft.com/office/drawing/2014/main" id="{74BDECEF-EEFE-4332-B3B2-BDE4F82C10FC}"/>
+                  <a16:creationId xmlns:a16="http://schemas.microsoft.com/office/drawing/2014/main" xmlns="" id="{74BDECEF-EEFE-4332-B3B2-BDE4F82C10FC}"/>
                 </a:ext>
               </a:extLst>
             </p:cNvPr>
@@ -21837,7 +21838,7 @@
           <p:cNvPr id="24" name="Freeform: Shape 23">
             <a:extLst>
               <a:ext uri="{FF2B5EF4-FFF2-40B4-BE49-F238E27FC236}">
-                <a16:creationId xmlns="" xmlns:a16="http://schemas.microsoft.com/office/drawing/2014/main" id="{18103E00-7E4A-44CD-81AC-06433CAE1110}"/>
+                <a16:creationId xmlns:a16="http://schemas.microsoft.com/office/drawing/2014/main" xmlns="" id="{18103E00-7E4A-44CD-81AC-06433CAE1110}"/>
               </a:ext>
             </a:extLst>
           </p:cNvPr>
@@ -21932,7 +21933,7 @@
           <p:cNvPr id="5" name="Slide Number Placeholder 4">
             <a:extLst>
               <a:ext uri="{FF2B5EF4-FFF2-40B4-BE49-F238E27FC236}">
-                <a16:creationId xmlns="" xmlns:a16="http://schemas.microsoft.com/office/drawing/2014/main" id="{87B51822-97FF-47A7-8E4E-A0F79B4EB237}"/>
+                <a16:creationId xmlns:a16="http://schemas.microsoft.com/office/drawing/2014/main" xmlns="" id="{87B51822-97FF-47A7-8E4E-A0F79B4EB237}"/>
               </a:ext>
             </a:extLst>
           </p:cNvPr>
@@ -21976,7 +21977,7 @@
           <p:cNvPr id="20" name="Content Placeholder 2">
             <a:extLst>
               <a:ext uri="{FF2B5EF4-FFF2-40B4-BE49-F238E27FC236}">
-                <a16:creationId xmlns="" xmlns:a16="http://schemas.microsoft.com/office/drawing/2014/main" id="{0103A49C-32FF-49E6-86F3-FC2E19517BD5}"/>
+                <a16:creationId xmlns:a16="http://schemas.microsoft.com/office/drawing/2014/main" xmlns="" id="{0103A49C-32FF-49E6-86F3-FC2E19517BD5}"/>
               </a:ext>
             </a:extLst>
           </p:cNvPr>
@@ -22072,7 +22073,7 @@
     </p:spTree>
     <p:extLst>
       <p:ext uri="{BB962C8B-B14F-4D97-AF65-F5344CB8AC3E}">
-        <p14:creationId xmlns="" xmlns:p14="http://schemas.microsoft.com/office/powerpoint/2010/main" val="2636708262"/>
+        <p14:creationId xmlns:p14="http://schemas.microsoft.com/office/powerpoint/2010/main" xmlns="" val="2636708262"/>
       </p:ext>
     </p:extLst>
   </p:cSld>
@@ -22112,7 +22113,7 @@
           <p:cNvPr id="11" name="Rectangle 10">
             <a:extLst>
               <a:ext uri="{FF2B5EF4-FFF2-40B4-BE49-F238E27FC236}">
-                <a16:creationId xmlns="" xmlns:a16="http://schemas.microsoft.com/office/drawing/2014/main" id="{EB3E033F-4449-40FA-BC85-BD2712D313DD}"/>
+                <a16:creationId xmlns:a16="http://schemas.microsoft.com/office/drawing/2014/main" xmlns="" id="{EB3E033F-4449-40FA-BC85-BD2712D313DD}"/>
               </a:ext>
             </a:extLst>
           </p:cNvPr>
@@ -22166,7 +22167,7 @@
           <p:cNvPr id="10" name="Freeform: Shape 9">
             <a:extLst>
               <a:ext uri="{FF2B5EF4-FFF2-40B4-BE49-F238E27FC236}">
-                <a16:creationId xmlns="" xmlns:a16="http://schemas.microsoft.com/office/drawing/2014/main" id="{63D26743-0505-444C-80B3-E88EE87DF72B}"/>
+                <a16:creationId xmlns:a16="http://schemas.microsoft.com/office/drawing/2014/main" xmlns="" id="{63D26743-0505-444C-80B3-E88EE87DF72B}"/>
               </a:ext>
             </a:extLst>
           </p:cNvPr>
@@ -22289,7 +22290,7 @@
           <p:cNvPr id="18" name="Freeform: Shape 17">
             <a:extLst>
               <a:ext uri="{FF2B5EF4-FFF2-40B4-BE49-F238E27FC236}">
-                <a16:creationId xmlns="" xmlns:a16="http://schemas.microsoft.com/office/drawing/2014/main" id="{E37145E9-AC61-47D5-9288-8789940F81B6}"/>
+                <a16:creationId xmlns:a16="http://schemas.microsoft.com/office/drawing/2014/main" xmlns="" id="{E37145E9-AC61-47D5-9288-8789940F81B6}"/>
               </a:ext>
             </a:extLst>
           </p:cNvPr>
@@ -22441,7 +22442,7 @@
           <p:cNvPr id="12" name="Freeform: Shape 11">
             <a:extLst>
               <a:ext uri="{FF2B5EF4-FFF2-40B4-BE49-F238E27FC236}">
-                <a16:creationId xmlns="" xmlns:a16="http://schemas.microsoft.com/office/drawing/2014/main" id="{A5E2B3ED-9A49-40A7-B8A3-62595FE513F9}"/>
+                <a16:creationId xmlns:a16="http://schemas.microsoft.com/office/drawing/2014/main" xmlns="" id="{A5E2B3ED-9A49-40A7-B8A3-62595FE513F9}"/>
               </a:ext>
             </a:extLst>
           </p:cNvPr>
@@ -22591,7 +22592,7 @@
           <p:cNvPr id="8" name="Freeform: Shape 7">
             <a:extLst>
               <a:ext uri="{FF2B5EF4-FFF2-40B4-BE49-F238E27FC236}">
-                <a16:creationId xmlns="" xmlns:a16="http://schemas.microsoft.com/office/drawing/2014/main" id="{1599AF7E-3E34-4597-AA72-9373A7FDB020}"/>
+                <a16:creationId xmlns:a16="http://schemas.microsoft.com/office/drawing/2014/main" xmlns="" id="{1599AF7E-3E34-4597-AA72-9373A7FDB020}"/>
               </a:ext>
             </a:extLst>
           </p:cNvPr>
@@ -22737,7 +22738,7 @@
           <p:cNvPr id="2" name="Title 1">
             <a:extLst>
               <a:ext uri="{FF2B5EF4-FFF2-40B4-BE49-F238E27FC236}">
-                <a16:creationId xmlns="" xmlns:a16="http://schemas.microsoft.com/office/drawing/2014/main" id="{4A2DF563-7FAC-46B3-B24C-7E45CD89DA2B}"/>
+                <a16:creationId xmlns:a16="http://schemas.microsoft.com/office/drawing/2014/main" xmlns="" id="{4A2DF563-7FAC-46B3-B24C-7E45CD89DA2B}"/>
               </a:ext>
             </a:extLst>
           </p:cNvPr>
@@ -22782,7 +22783,7 @@
           <p:cNvPr id="15" name="Group 14">
             <a:extLst>
               <a:ext uri="{FF2B5EF4-FFF2-40B4-BE49-F238E27FC236}">
-                <a16:creationId xmlns="" xmlns:a16="http://schemas.microsoft.com/office/drawing/2014/main" id="{7732E1E7-45E3-4264-8F26-66758696DD1E}"/>
+                <a16:creationId xmlns:a16="http://schemas.microsoft.com/office/drawing/2014/main" xmlns="" id="{7732E1E7-45E3-4264-8F26-66758696DD1E}"/>
               </a:ext>
             </a:extLst>
           </p:cNvPr>
@@ -22802,7 +22803,7 @@
             <p:cNvPr id="16" name="Freeform: Shape 15">
               <a:extLst>
                 <a:ext uri="{FF2B5EF4-FFF2-40B4-BE49-F238E27FC236}">
-                  <a16:creationId xmlns="" xmlns:a16="http://schemas.microsoft.com/office/drawing/2014/main" id="{2E3DF883-8093-49FA-81E1-E5D77F086A25}"/>
+                  <a16:creationId xmlns:a16="http://schemas.microsoft.com/office/drawing/2014/main" xmlns="" id="{2E3DF883-8093-49FA-81E1-E5D77F086A25}"/>
                 </a:ext>
               </a:extLst>
             </p:cNvPr>
@@ -22892,7 +22893,7 @@
             <p:cNvPr id="17" name="Freeform: Shape 16">
               <a:extLst>
                 <a:ext uri="{FF2B5EF4-FFF2-40B4-BE49-F238E27FC236}">
-                  <a16:creationId xmlns="" xmlns:a16="http://schemas.microsoft.com/office/drawing/2014/main" id="{18944C90-37E5-4BBE-89FF-060627168050}"/>
+                  <a16:creationId xmlns:a16="http://schemas.microsoft.com/office/drawing/2014/main" xmlns="" id="{18944C90-37E5-4BBE-89FF-060627168050}"/>
                 </a:ext>
               </a:extLst>
             </p:cNvPr>
@@ -22991,7 +22992,7 @@
           <p:cNvPr id="6" name="Group 5">
             <a:extLst>
               <a:ext uri="{FF2B5EF4-FFF2-40B4-BE49-F238E27FC236}">
-                <a16:creationId xmlns="" xmlns:a16="http://schemas.microsoft.com/office/drawing/2014/main" id="{D9EBF8BB-A805-4DDB-B459-082F99815B95}"/>
+                <a16:creationId xmlns:a16="http://schemas.microsoft.com/office/drawing/2014/main" xmlns="" id="{D9EBF8BB-A805-4DDB-B459-082F99815B95}"/>
               </a:ext>
             </a:extLst>
           </p:cNvPr>
@@ -23011,7 +23012,7 @@
             <p:cNvPr id="19" name="Rectangle: Single Corner Snipped 18">
               <a:extLst>
                 <a:ext uri="{FF2B5EF4-FFF2-40B4-BE49-F238E27FC236}">
-                  <a16:creationId xmlns="" xmlns:a16="http://schemas.microsoft.com/office/drawing/2014/main" id="{5D638788-DD47-45E7-939A-FA108A818173}"/>
+                  <a16:creationId xmlns:a16="http://schemas.microsoft.com/office/drawing/2014/main" xmlns="" id="{5D638788-DD47-45E7-939A-FA108A818173}"/>
                 </a:ext>
               </a:extLst>
             </p:cNvPr>
@@ -23077,7 +23078,7 @@
             <p:cNvPr id="3" name="Rectangle: Single Corner Snipped 2">
               <a:extLst>
                 <a:ext uri="{FF2B5EF4-FFF2-40B4-BE49-F238E27FC236}">
-                  <a16:creationId xmlns="" xmlns:a16="http://schemas.microsoft.com/office/drawing/2014/main" id="{74BDECEF-EEFE-4332-B3B2-BDE4F82C10FC}"/>
+                  <a16:creationId xmlns:a16="http://schemas.microsoft.com/office/drawing/2014/main" xmlns="" id="{74BDECEF-EEFE-4332-B3B2-BDE4F82C10FC}"/>
                 </a:ext>
               </a:extLst>
             </p:cNvPr>
@@ -23134,7 +23135,7 @@
           <p:cNvPr id="24" name="Freeform: Shape 23">
             <a:extLst>
               <a:ext uri="{FF2B5EF4-FFF2-40B4-BE49-F238E27FC236}">
-                <a16:creationId xmlns="" xmlns:a16="http://schemas.microsoft.com/office/drawing/2014/main" id="{18103E00-7E4A-44CD-81AC-06433CAE1110}"/>
+                <a16:creationId xmlns:a16="http://schemas.microsoft.com/office/drawing/2014/main" xmlns="" id="{18103E00-7E4A-44CD-81AC-06433CAE1110}"/>
               </a:ext>
             </a:extLst>
           </p:cNvPr>
@@ -23229,7 +23230,7 @@
           <p:cNvPr id="5" name="Slide Number Placeholder 4">
             <a:extLst>
               <a:ext uri="{FF2B5EF4-FFF2-40B4-BE49-F238E27FC236}">
-                <a16:creationId xmlns="" xmlns:a16="http://schemas.microsoft.com/office/drawing/2014/main" id="{87B51822-97FF-47A7-8E4E-A0F79B4EB237}"/>
+                <a16:creationId xmlns:a16="http://schemas.microsoft.com/office/drawing/2014/main" xmlns="" id="{87B51822-97FF-47A7-8E4E-A0F79B4EB237}"/>
               </a:ext>
             </a:extLst>
           </p:cNvPr>
@@ -23273,7 +23274,7 @@
           <p:cNvPr id="25" name="Text Placeholder 2">
             <a:extLst>
               <a:ext uri="{FF2B5EF4-FFF2-40B4-BE49-F238E27FC236}">
-                <a16:creationId xmlns="" xmlns:a16="http://schemas.microsoft.com/office/drawing/2014/main" id="{7FA80A70-18DE-4DB9-9982-BA75BE54CF93}"/>
+                <a16:creationId xmlns:a16="http://schemas.microsoft.com/office/drawing/2014/main" xmlns="" id="{7FA80A70-18DE-4DB9-9982-BA75BE54CF93}"/>
               </a:ext>
             </a:extLst>
           </p:cNvPr>
@@ -23351,7 +23352,7 @@
           <p:cNvPr id="26" name="Text Placeholder 4">
             <a:extLst>
               <a:ext uri="{FF2B5EF4-FFF2-40B4-BE49-F238E27FC236}">
-                <a16:creationId xmlns="" xmlns:a16="http://schemas.microsoft.com/office/drawing/2014/main" id="{2801C0EF-C078-44B0-AD01-4850E9A65EE0}"/>
+                <a16:creationId xmlns:a16="http://schemas.microsoft.com/office/drawing/2014/main" xmlns="" id="{2801C0EF-C078-44B0-AD01-4850E9A65EE0}"/>
               </a:ext>
             </a:extLst>
           </p:cNvPr>
@@ -23429,7 +23430,7 @@
           <p:cNvPr id="27" name="Content Placeholder 3">
             <a:extLst>
               <a:ext uri="{FF2B5EF4-FFF2-40B4-BE49-F238E27FC236}">
-                <a16:creationId xmlns="" xmlns:a16="http://schemas.microsoft.com/office/drawing/2014/main" id="{7C9DED91-45F6-4308-A085-1EFACA6468CF}"/>
+                <a16:creationId xmlns:a16="http://schemas.microsoft.com/office/drawing/2014/main" xmlns="" id="{7C9DED91-45F6-4308-A085-1EFACA6468CF}"/>
               </a:ext>
             </a:extLst>
           </p:cNvPr>
@@ -23529,7 +23530,7 @@
           <p:cNvPr id="28" name="Content Placeholder 5">
             <a:extLst>
               <a:ext uri="{FF2B5EF4-FFF2-40B4-BE49-F238E27FC236}">
-                <a16:creationId xmlns="" xmlns:a16="http://schemas.microsoft.com/office/drawing/2014/main" id="{0574B5E7-B666-439B-9278-67BE1EA6EBC5}"/>
+                <a16:creationId xmlns:a16="http://schemas.microsoft.com/office/drawing/2014/main" xmlns="" id="{0574B5E7-B666-439B-9278-67BE1EA6EBC5}"/>
               </a:ext>
             </a:extLst>
           </p:cNvPr>
@@ -23627,7 +23628,7 @@
     </p:spTree>
     <p:extLst>
       <p:ext uri="{BB962C8B-B14F-4D97-AF65-F5344CB8AC3E}">
-        <p14:creationId xmlns="" xmlns:p14="http://schemas.microsoft.com/office/powerpoint/2010/main" val="3219167126"/>
+        <p14:creationId xmlns:p14="http://schemas.microsoft.com/office/powerpoint/2010/main" xmlns="" val="3219167126"/>
       </p:ext>
     </p:extLst>
   </p:cSld>
@@ -23664,7 +23665,7 @@
           <p:cNvPr id="2" name="Title Placeholder 1">
             <a:extLst>
               <a:ext uri="{FF2B5EF4-FFF2-40B4-BE49-F238E27FC236}">
-                <a16:creationId xmlns="" xmlns:a16="http://schemas.microsoft.com/office/drawing/2014/main" id="{761B0E15-6FC5-434E-8780-B186D9DB0CD0}"/>
+                <a16:creationId xmlns:a16="http://schemas.microsoft.com/office/drawing/2014/main" xmlns="" id="{761B0E15-6FC5-434E-8780-B186D9DB0CD0}"/>
               </a:ext>
             </a:extLst>
           </p:cNvPr>
@@ -23702,7 +23703,7 @@
           <p:cNvPr id="3" name="Text Placeholder 2">
             <a:extLst>
               <a:ext uri="{FF2B5EF4-FFF2-40B4-BE49-F238E27FC236}">
-                <a16:creationId xmlns="" xmlns:a16="http://schemas.microsoft.com/office/drawing/2014/main" id="{A9C7B128-34F3-405C-B601-8BAFDB43499C}"/>
+                <a16:creationId xmlns:a16="http://schemas.microsoft.com/office/drawing/2014/main" xmlns="" id="{A9C7B128-34F3-405C-B601-8BAFDB43499C}"/>
               </a:ext>
             </a:extLst>
           </p:cNvPr>
@@ -23769,7 +23770,7 @@
           <p:cNvPr id="6" name="Slide Number Placeholder 5">
             <a:extLst>
               <a:ext uri="{FF2B5EF4-FFF2-40B4-BE49-F238E27FC236}">
-                <a16:creationId xmlns="" xmlns:a16="http://schemas.microsoft.com/office/drawing/2014/main" id="{9F5A7754-E8C7-438B-922D-9027C6CF58E2}"/>
+                <a16:creationId xmlns:a16="http://schemas.microsoft.com/office/drawing/2014/main" xmlns="" id="{9F5A7754-E8C7-438B-922D-9027C6CF58E2}"/>
               </a:ext>
             </a:extLst>
           </p:cNvPr>
@@ -23817,7 +23818,7 @@
           <p:cNvPr id="5" name="Rectangle 4">
             <a:extLst>
               <a:ext uri="{FF2B5EF4-FFF2-40B4-BE49-F238E27FC236}">
-                <a16:creationId xmlns="" xmlns:a16="http://schemas.microsoft.com/office/drawing/2014/main" id="{7CDDDB7D-9189-9548-A2B9-81DC62C3C1A3}"/>
+                <a16:creationId xmlns:a16="http://schemas.microsoft.com/office/drawing/2014/main" xmlns="" id="{7CDDDB7D-9189-9548-A2B9-81DC62C3C1A3}"/>
               </a:ext>
             </a:extLst>
           </p:cNvPr>
@@ -23871,7 +23872,7 @@
           <p:cNvPr id="7" name="Freeform: Shape 9">
             <a:extLst>
               <a:ext uri="{FF2B5EF4-FFF2-40B4-BE49-F238E27FC236}">
-                <a16:creationId xmlns="" xmlns:a16="http://schemas.microsoft.com/office/drawing/2014/main" id="{096D8877-6B4A-4540-8927-767DD7401718}"/>
+                <a16:creationId xmlns:a16="http://schemas.microsoft.com/office/drawing/2014/main" xmlns="" id="{096D8877-6B4A-4540-8927-767DD7401718}"/>
               </a:ext>
             </a:extLst>
           </p:cNvPr>
@@ -23994,7 +23995,7 @@
           <p:cNvPr id="8" name="Freeform: Shape 17">
             <a:extLst>
               <a:ext uri="{FF2B5EF4-FFF2-40B4-BE49-F238E27FC236}">
-                <a16:creationId xmlns="" xmlns:a16="http://schemas.microsoft.com/office/drawing/2014/main" id="{5AF2E123-FE0F-8541-8E36-5030C450AA7E}"/>
+                <a16:creationId xmlns:a16="http://schemas.microsoft.com/office/drawing/2014/main" xmlns="" id="{5AF2E123-FE0F-8541-8E36-5030C450AA7E}"/>
               </a:ext>
             </a:extLst>
           </p:cNvPr>
@@ -24146,7 +24147,7 @@
           <p:cNvPr id="9" name="Freeform: Shape 11">
             <a:extLst>
               <a:ext uri="{FF2B5EF4-FFF2-40B4-BE49-F238E27FC236}">
-                <a16:creationId xmlns="" xmlns:a16="http://schemas.microsoft.com/office/drawing/2014/main" id="{E5519D99-3B68-924A-9CD0-14B911711CA8}"/>
+                <a16:creationId xmlns:a16="http://schemas.microsoft.com/office/drawing/2014/main" xmlns="" id="{E5519D99-3B68-924A-9CD0-14B911711CA8}"/>
               </a:ext>
             </a:extLst>
           </p:cNvPr>
@@ -24296,7 +24297,7 @@
           <p:cNvPr id="10" name="Freeform: Shape 7">
             <a:extLst>
               <a:ext uri="{FF2B5EF4-FFF2-40B4-BE49-F238E27FC236}">
-                <a16:creationId xmlns="" xmlns:a16="http://schemas.microsoft.com/office/drawing/2014/main" id="{A09E21A9-FBEF-144C-A152-FE484F3C55C1}"/>
+                <a16:creationId xmlns:a16="http://schemas.microsoft.com/office/drawing/2014/main" xmlns="" id="{A09E21A9-FBEF-144C-A152-FE484F3C55C1}"/>
               </a:ext>
             </a:extLst>
           </p:cNvPr>
@@ -24442,7 +24443,7 @@
           <p:cNvPr id="11" name="Title 1">
             <a:extLst>
               <a:ext uri="{FF2B5EF4-FFF2-40B4-BE49-F238E27FC236}">
-                <a16:creationId xmlns="" xmlns:a16="http://schemas.microsoft.com/office/drawing/2014/main" id="{70C7F2CB-A8CE-1545-A08D-93592C4BAEEA}"/>
+                <a16:creationId xmlns:a16="http://schemas.microsoft.com/office/drawing/2014/main" xmlns="" id="{70C7F2CB-A8CE-1545-A08D-93592C4BAEEA}"/>
               </a:ext>
             </a:extLst>
           </p:cNvPr>
@@ -24498,7 +24499,7 @@
           <p:cNvPr id="12" name="Group 11">
             <a:extLst>
               <a:ext uri="{FF2B5EF4-FFF2-40B4-BE49-F238E27FC236}">
-                <a16:creationId xmlns="" xmlns:a16="http://schemas.microsoft.com/office/drawing/2014/main" id="{7068FCE4-1B47-3C4B-B091-013120A97D09}"/>
+                <a16:creationId xmlns:a16="http://schemas.microsoft.com/office/drawing/2014/main" xmlns="" id="{7068FCE4-1B47-3C4B-B091-013120A97D09}"/>
               </a:ext>
             </a:extLst>
           </p:cNvPr>
@@ -24518,7 +24519,7 @@
             <p:cNvPr id="13" name="Freeform: Shape 15">
               <a:extLst>
                 <a:ext uri="{FF2B5EF4-FFF2-40B4-BE49-F238E27FC236}">
-                  <a16:creationId xmlns="" xmlns:a16="http://schemas.microsoft.com/office/drawing/2014/main" id="{FEC3FDE7-F27E-5E4E-8752-287CAB7792D4}"/>
+                  <a16:creationId xmlns:a16="http://schemas.microsoft.com/office/drawing/2014/main" xmlns="" id="{FEC3FDE7-F27E-5E4E-8752-287CAB7792D4}"/>
                 </a:ext>
               </a:extLst>
             </p:cNvPr>
@@ -24608,7 +24609,7 @@
             <p:cNvPr id="14" name="Freeform: Shape 16">
               <a:extLst>
                 <a:ext uri="{FF2B5EF4-FFF2-40B4-BE49-F238E27FC236}">
-                  <a16:creationId xmlns="" xmlns:a16="http://schemas.microsoft.com/office/drawing/2014/main" id="{81C902DB-0D21-5044-82B6-9E7A70A1BF62}"/>
+                  <a16:creationId xmlns:a16="http://schemas.microsoft.com/office/drawing/2014/main" xmlns="" id="{81C902DB-0D21-5044-82B6-9E7A70A1BF62}"/>
                 </a:ext>
               </a:extLst>
             </p:cNvPr>
@@ -24707,7 +24708,7 @@
           <p:cNvPr id="15" name="Group 14">
             <a:extLst>
               <a:ext uri="{FF2B5EF4-FFF2-40B4-BE49-F238E27FC236}">
-                <a16:creationId xmlns="" xmlns:a16="http://schemas.microsoft.com/office/drawing/2014/main" id="{BE1E08A0-195D-694F-947B-986A76FBB93E}"/>
+                <a16:creationId xmlns:a16="http://schemas.microsoft.com/office/drawing/2014/main" xmlns="" id="{BE1E08A0-195D-694F-947B-986A76FBB93E}"/>
               </a:ext>
             </a:extLst>
           </p:cNvPr>
@@ -24727,7 +24728,7 @@
             <p:cNvPr id="16" name="Rectangle: Single Corner Snipped 18">
               <a:extLst>
                 <a:ext uri="{FF2B5EF4-FFF2-40B4-BE49-F238E27FC236}">
-                  <a16:creationId xmlns="" xmlns:a16="http://schemas.microsoft.com/office/drawing/2014/main" id="{ED5DFFCD-1EE3-E64E-B51F-BD7D72413E0B}"/>
+                  <a16:creationId xmlns:a16="http://schemas.microsoft.com/office/drawing/2014/main" xmlns="" id="{ED5DFFCD-1EE3-E64E-B51F-BD7D72413E0B}"/>
                 </a:ext>
               </a:extLst>
             </p:cNvPr>
@@ -24793,7 +24794,7 @@
             <p:cNvPr id="17" name="Rectangle: Single Corner Snipped 2">
               <a:extLst>
                 <a:ext uri="{FF2B5EF4-FFF2-40B4-BE49-F238E27FC236}">
-                  <a16:creationId xmlns="" xmlns:a16="http://schemas.microsoft.com/office/drawing/2014/main" id="{C12DB3CA-8E64-AA43-BFBE-A2CA9A816DBE}"/>
+                  <a16:creationId xmlns:a16="http://schemas.microsoft.com/office/drawing/2014/main" xmlns="" id="{C12DB3CA-8E64-AA43-BFBE-A2CA9A816DBE}"/>
                 </a:ext>
               </a:extLst>
             </p:cNvPr>
@@ -24850,7 +24851,7 @@
           <p:cNvPr id="18" name="Freeform: Shape 23">
             <a:extLst>
               <a:ext uri="{FF2B5EF4-FFF2-40B4-BE49-F238E27FC236}">
-                <a16:creationId xmlns="" xmlns:a16="http://schemas.microsoft.com/office/drawing/2014/main" id="{A587DEFD-D470-4142-8E0D-A71DDB147C92}"/>
+                <a16:creationId xmlns:a16="http://schemas.microsoft.com/office/drawing/2014/main" xmlns="" id="{A587DEFD-D470-4142-8E0D-A71DDB147C92}"/>
               </a:ext>
             </a:extLst>
           </p:cNvPr>
@@ -24945,7 +24946,7 @@
           <p:cNvPr id="19" name="Slide Number Placeholder 4">
             <a:extLst>
               <a:ext uri="{FF2B5EF4-FFF2-40B4-BE49-F238E27FC236}">
-                <a16:creationId xmlns="" xmlns:a16="http://schemas.microsoft.com/office/drawing/2014/main" id="{7D9BF857-7910-734D-A217-5E3344220AA2}"/>
+                <a16:creationId xmlns:a16="http://schemas.microsoft.com/office/drawing/2014/main" xmlns="" id="{7D9BF857-7910-734D-A217-5E3344220AA2}"/>
               </a:ext>
             </a:extLst>
           </p:cNvPr>
@@ -25073,7 +25074,7 @@
     </p:spTree>
     <p:extLst>
       <p:ext uri="{BB962C8B-B14F-4D97-AF65-F5344CB8AC3E}">
-        <p14:creationId xmlns="" xmlns:p14="http://schemas.microsoft.com/office/powerpoint/2010/main" val="666093331"/>
+        <p14:creationId xmlns:p14="http://schemas.microsoft.com/office/powerpoint/2010/main" xmlns="" val="666093331"/>
       </p:ext>
     </p:extLst>
   </p:cSld>
@@ -25396,7 +25397,7 @@
   </p:txStyles>
   <p:extLst mod="1">
     <p:ext uri="{27BBF7A9-308A-43DC-89C8-2F10F3537804}">
-      <p15:sldGuideLst xmlns="" xmlns:p15="http://schemas.microsoft.com/office/powerpoint/2012/main">
+      <p15:sldGuideLst xmlns:p15="http://schemas.microsoft.com/office/powerpoint/2012/main" xmlns="">
         <p15:guide id="1" orient="horz" pos="2160" userDrawn="1">
           <p15:clr>
             <a:srgbClr val="F26B43"/>
@@ -25537,18 +25538,7 @@
                 <a:ea typeface="Tahoma" panose="020B0604030504040204" pitchFamily="34" charset="0"/>
                 <a:cs typeface="Tahoma" panose="020B0604030504040204" pitchFamily="34" charset="0"/>
               </a:rPr>
-              <a:t>Kalp </a:t>
-            </a:r>
-            <a:r>
-              <a:rPr lang="en-IN" b="1" dirty="0" smtClean="0">
-                <a:solidFill>
-                  <a:schemeClr val="accent2"/>
-                </a:solidFill>
-                <a:latin typeface="+mj-lt"/>
-                <a:ea typeface="Tahoma" panose="020B0604030504040204" pitchFamily="34" charset="0"/>
-                <a:cs typeface="Tahoma" panose="020B0604030504040204" pitchFamily="34" charset="0"/>
-              </a:rPr>
-              <a:t>Gohil	18IT405</a:t>
+              <a:t>Kalp Gohil	18IT405</a:t>
             </a:r>
           </a:p>
           <a:p>
@@ -25574,8 +25564,10 @@
                 <a:ea typeface="Tahoma" panose="020B0604030504040204" pitchFamily="34" charset="0"/>
                 <a:cs typeface="Tahoma" panose="020B0604030504040204" pitchFamily="34" charset="0"/>
               </a:rPr>
-              <a:t>Man Desai           </a:t>
+              <a:t>Man Desai            18IT404</a:t>
             </a:r>
+          </a:p>
+          <a:p>
             <a:r>
               <a:rPr lang="en-IN" b="1" dirty="0" smtClean="0">
                 <a:solidFill>
@@ -25585,39 +25577,7 @@
                 <a:ea typeface="Tahoma" panose="020B0604030504040204" pitchFamily="34" charset="0"/>
                 <a:cs typeface="Tahoma" panose="020B0604030504040204" pitchFamily="34" charset="0"/>
               </a:rPr>
-              <a:t> 18IT404</a:t>
-            </a:r>
-            <a:endParaRPr lang="en-IN" b="1" dirty="0" smtClean="0">
-              <a:solidFill>
-                <a:schemeClr val="accent2"/>
-              </a:solidFill>
-              <a:latin typeface="+mj-lt"/>
-              <a:ea typeface="Tahoma" panose="020B0604030504040204" pitchFamily="34" charset="0"/>
-              <a:cs typeface="Tahoma" panose="020B0604030504040204" pitchFamily="34" charset="0"/>
-            </a:endParaRPr>
-          </a:p>
-          <a:p>
-            <a:r>
-              <a:rPr lang="en-IN" b="1" dirty="0" smtClean="0">
-                <a:solidFill>
-                  <a:schemeClr val="accent2"/>
-                </a:solidFill>
-                <a:latin typeface="+mj-lt"/>
-                <a:ea typeface="Tahoma" panose="020B0604030504040204" pitchFamily="34" charset="0"/>
-                <a:cs typeface="Tahoma" panose="020B0604030504040204" pitchFamily="34" charset="0"/>
-              </a:rPr>
-              <a:t>Jay Patel             </a:t>
-            </a:r>
-            <a:r>
-              <a:rPr lang="en-IN" b="1" dirty="0" smtClean="0">
-                <a:solidFill>
-                  <a:schemeClr val="accent2"/>
-                </a:solidFill>
-                <a:latin typeface="+mj-lt"/>
-                <a:ea typeface="Tahoma" panose="020B0604030504040204" pitchFamily="34" charset="0"/>
-                <a:cs typeface="Tahoma" panose="020B0604030504040204" pitchFamily="34" charset="0"/>
-              </a:rPr>
-              <a:t>17IT419</a:t>
+              <a:t>Jay Patel             17IT419</a:t>
             </a:r>
             <a:endParaRPr lang="en-US" b="1" dirty="0" smtClean="0">
               <a:solidFill>
@@ -25728,7 +25688,7 @@
     </p:spTree>
     <p:extLst>
       <p:ext uri="{BB962C8B-B14F-4D97-AF65-F5344CB8AC3E}">
-        <p14:creationId xmlns="" xmlns:p14="http://schemas.microsoft.com/office/powerpoint/2010/main" val="3946934594"/>
+        <p14:creationId xmlns:p14="http://schemas.microsoft.com/office/powerpoint/2010/main" xmlns="" val="3946934594"/>
       </p:ext>
     </p:extLst>
   </p:cSld>
@@ -25745,6 +25705,118 @@
       </p:par>
     </p:tnLst>
   </p:timing>
+</p:sld>
+</file>
+
+<file path=ppt/slides/slide10.xml><?xml version="1.0" encoding="utf-8"?>
+<p:sld xmlns:a="http://schemas.openxmlformats.org/drawingml/2006/main" xmlns:r="http://schemas.openxmlformats.org/officeDocument/2006/relationships" xmlns:p="http://schemas.openxmlformats.org/presentationml/2006/main">
+  <p:cSld>
+    <p:spTree>
+      <p:nvGrpSpPr>
+        <p:cNvPr id="1" name=""/>
+        <p:cNvGrpSpPr/>
+        <p:nvPr/>
+      </p:nvGrpSpPr>
+      <p:grpSpPr>
+        <a:xfrm>
+          <a:off x="0" y="0"/>
+          <a:ext cx="0" cy="0"/>
+          <a:chOff x="0" y="0"/>
+          <a:chExt cx="0" cy="0"/>
+        </a:xfrm>
+      </p:grpSpPr>
+      <p:sp>
+        <p:nvSpPr>
+          <p:cNvPr id="7" name="Title 6">
+            <a:extLst>
+              <a:ext uri="{FF2B5EF4-FFF2-40B4-BE49-F238E27FC236}">
+                <a16:creationId xmlns:a16="http://schemas.microsoft.com/office/drawing/2014/main" xmlns="" id="{7875C19A-1AAE-476A-A316-A2CF92D763D3}"/>
+              </a:ext>
+            </a:extLst>
+          </p:cNvPr>
+          <p:cNvSpPr>
+            <a:spLocks noGrp="1"/>
+          </p:cNvSpPr>
+          <p:nvPr>
+            <p:ph type="title"/>
+          </p:nvPr>
+        </p:nvSpPr>
+        <p:spPr>
+          <a:xfrm>
+            <a:off x="518160" y="2635885"/>
+            <a:ext cx="4612640" cy="840230"/>
+          </a:xfrm>
+        </p:spPr>
+        <p:txBody>
+          <a:bodyPr/>
+          <a:lstStyle/>
+          <a:p>
+            <a:r>
+              <a:rPr lang="en-US" sz="5400" dirty="0" smtClean="0">
+                <a:latin typeface="Times New Roman" pitchFamily="18" charset="0"/>
+                <a:cs typeface="Times New Roman" pitchFamily="18" charset="0"/>
+              </a:rPr>
+              <a:t>Thank You…!!</a:t>
+            </a:r>
+            <a:endParaRPr lang="en-US" sz="5400" dirty="0">
+              <a:latin typeface="Times New Roman" pitchFamily="18" charset="0"/>
+              <a:cs typeface="Times New Roman" pitchFamily="18" charset="0"/>
+            </a:endParaRPr>
+          </a:p>
+        </p:txBody>
+      </p:sp>
+      <p:sp>
+        <p:nvSpPr>
+          <p:cNvPr id="2" name="Slide Number Placeholder 1">
+            <a:extLst>
+              <a:ext uri="{FF2B5EF4-FFF2-40B4-BE49-F238E27FC236}">
+                <a16:creationId xmlns:a16="http://schemas.microsoft.com/office/drawing/2014/main" xmlns="" id="{BE9800F6-D571-48C4-8466-12AA1ADB6599}"/>
+              </a:ext>
+            </a:extLst>
+          </p:cNvPr>
+          <p:cNvSpPr>
+            <a:spLocks noGrp="1"/>
+          </p:cNvSpPr>
+          <p:nvPr>
+            <p:ph type="sldNum" sz="quarter" idx="12"/>
+          </p:nvPr>
+        </p:nvSpPr>
+        <p:spPr/>
+        <p:txBody>
+          <a:bodyPr/>
+          <a:lstStyle/>
+          <a:p>
+            <a:fld id="{C263D6C4-4840-40CC-AC84-17E24B3B7BDE}" type="slidenum">
+              <a:rPr lang="en-US" smtClean="0"/>
+              <a:pPr/>
+              <a:t>10</a:t>
+            </a:fld>
+            <a:endParaRPr lang="en-US" dirty="0"/>
+          </a:p>
+        </p:txBody>
+      </p:sp>
+    </p:spTree>
+    <p:extLst>
+      <p:ext uri="{BB962C8B-B14F-4D97-AF65-F5344CB8AC3E}">
+        <p14:creationId xmlns:p14="http://schemas.microsoft.com/office/powerpoint/2010/main" xmlns="" val="3733486012"/>
+      </p:ext>
+    </p:extLst>
+  </p:cSld>
+  <p:clrMapOvr>
+    <a:masterClrMapping/>
+  </p:clrMapOvr>
+  <mc:AlternateContent xmlns:mc="http://schemas.openxmlformats.org/markup-compatibility/2006">
+    <mc:Choice xmlns:p14="http://schemas.microsoft.com/office/powerpoint/2010/main" xmlns="" Requires="p14">
+      <p:transition spd="med" p14:dur="700">
+        <p:fade/>
+      </p:transition>
+    </mc:Choice>
+    <mc:Fallback>
+      <p:transition spd="med">
+        <p:fade/>
+      </p:transition>
+    </mc:Fallback>
+  </mc:AlternateContent>
 </p:sld>
 </file>
 
@@ -25770,7 +25842,7 @@
           <p:cNvPr id="7" name="Title 6">
             <a:extLst>
               <a:ext uri="{FF2B5EF4-FFF2-40B4-BE49-F238E27FC236}">
-                <a16:creationId xmlns="" xmlns:a16="http://schemas.microsoft.com/office/drawing/2014/main" id="{7875C19A-1AAE-476A-A316-A2CF92D763D3}"/>
+                <a16:creationId xmlns:a16="http://schemas.microsoft.com/office/drawing/2014/main" xmlns="" id="{7875C19A-1AAE-476A-A316-A2CF92D763D3}"/>
               </a:ext>
             </a:extLst>
           </p:cNvPr>
@@ -25822,7 +25894,7 @@
           <p:cNvPr id="10" name="Text Placeholder 9">
             <a:extLst>
               <a:ext uri="{FF2B5EF4-FFF2-40B4-BE49-F238E27FC236}">
-                <a16:creationId xmlns="" xmlns:a16="http://schemas.microsoft.com/office/drawing/2014/main" id="{EF2BC084-E6DB-4DE7-B309-042A85EBA700}"/>
+                <a16:creationId xmlns:a16="http://schemas.microsoft.com/office/drawing/2014/main" xmlns="" id="{EF2BC084-E6DB-4DE7-B309-042A85EBA700}"/>
               </a:ext>
             </a:extLst>
           </p:cNvPr>
@@ -25860,7 +25932,7 @@
           <p:cNvPr id="2" name="Slide Number Placeholder 1">
             <a:extLst>
               <a:ext uri="{FF2B5EF4-FFF2-40B4-BE49-F238E27FC236}">
-                <a16:creationId xmlns="" xmlns:a16="http://schemas.microsoft.com/office/drawing/2014/main" id="{BE9800F6-D571-48C4-8466-12AA1ADB6599}"/>
+                <a16:creationId xmlns:a16="http://schemas.microsoft.com/office/drawing/2014/main" xmlns="" id="{BE9800F6-D571-48C4-8466-12AA1ADB6599}"/>
               </a:ext>
             </a:extLst>
           </p:cNvPr>
@@ -25888,7 +25960,7 @@
     </p:spTree>
     <p:extLst>
       <p:ext uri="{BB962C8B-B14F-4D97-AF65-F5344CB8AC3E}">
-        <p14:creationId xmlns="" xmlns:p14="http://schemas.microsoft.com/office/powerpoint/2010/main" val="3733486012"/>
+        <p14:creationId xmlns:p14="http://schemas.microsoft.com/office/powerpoint/2010/main" xmlns="" val="3733486012"/>
       </p:ext>
     </p:extLst>
   </p:cSld>
@@ -25896,7 +25968,7 @@
     <a:masterClrMapping/>
   </p:clrMapOvr>
   <mc:AlternateContent xmlns:mc="http://schemas.openxmlformats.org/markup-compatibility/2006">
-    <mc:Choice xmlns="" xmlns:p14="http://schemas.microsoft.com/office/powerpoint/2010/main" Requires="p14">
+    <mc:Choice xmlns:p14="http://schemas.microsoft.com/office/powerpoint/2010/main" xmlns="" Requires="p14">
       <p:transition spd="med" p14:dur="700">
         <p:fade/>
       </p:transition>
@@ -25939,7 +26011,7 @@
           <p:cNvPr id="7" name="Title 6">
             <a:extLst>
               <a:ext uri="{FF2B5EF4-FFF2-40B4-BE49-F238E27FC236}">
-                <a16:creationId xmlns="" xmlns:a16="http://schemas.microsoft.com/office/drawing/2014/main" id="{7875C19A-1AAE-476A-A316-A2CF92D763D3}"/>
+                <a16:creationId xmlns:a16="http://schemas.microsoft.com/office/drawing/2014/main" xmlns="" id="{7875C19A-1AAE-476A-A316-A2CF92D763D3}"/>
               </a:ext>
             </a:extLst>
           </p:cNvPr>
@@ -25991,7 +26063,7 @@
           <p:cNvPr id="10" name="Text Placeholder 9">
             <a:extLst>
               <a:ext uri="{FF2B5EF4-FFF2-40B4-BE49-F238E27FC236}">
-                <a16:creationId xmlns="" xmlns:a16="http://schemas.microsoft.com/office/drawing/2014/main" id="{EF2BC084-E6DB-4DE7-B309-042A85EBA700}"/>
+                <a16:creationId xmlns:a16="http://schemas.microsoft.com/office/drawing/2014/main" xmlns="" id="{EF2BC084-E6DB-4DE7-B309-042A85EBA700}"/>
               </a:ext>
             </a:extLst>
           </p:cNvPr>
@@ -26034,7 +26106,7 @@
           <p:cNvPr id="2" name="Slide Number Placeholder 1">
             <a:extLst>
               <a:ext uri="{FF2B5EF4-FFF2-40B4-BE49-F238E27FC236}">
-                <a16:creationId xmlns="" xmlns:a16="http://schemas.microsoft.com/office/drawing/2014/main" id="{BE9800F6-D571-48C4-8466-12AA1ADB6599}"/>
+                <a16:creationId xmlns:a16="http://schemas.microsoft.com/office/drawing/2014/main" xmlns="" id="{BE9800F6-D571-48C4-8466-12AA1ADB6599}"/>
               </a:ext>
             </a:extLst>
           </p:cNvPr>
@@ -26088,7 +26160,7 @@
     </p:spTree>
     <p:extLst>
       <p:ext uri="{BB962C8B-B14F-4D97-AF65-F5344CB8AC3E}">
-        <p14:creationId xmlns="" xmlns:p14="http://schemas.microsoft.com/office/powerpoint/2010/main" val="3733486012"/>
+        <p14:creationId xmlns:p14="http://schemas.microsoft.com/office/powerpoint/2010/main" xmlns="" val="3733486012"/>
       </p:ext>
     </p:extLst>
   </p:cSld>
@@ -26096,7 +26168,7 @@
     <a:masterClrMapping/>
   </p:clrMapOvr>
   <mc:AlternateContent xmlns:mc="http://schemas.openxmlformats.org/markup-compatibility/2006">
-    <mc:Choice xmlns="" xmlns:p14="http://schemas.microsoft.com/office/powerpoint/2010/main" Requires="p14">
+    <mc:Choice xmlns:p14="http://schemas.microsoft.com/office/powerpoint/2010/main" xmlns="" Requires="p14">
       <p:transition spd="med" p14:dur="700">
         <p:fade/>
       </p:transition>
@@ -26163,7 +26235,7 @@
           <p:cNvPr id="5" name="Text Placeholder 9">
             <a:extLst>
               <a:ext uri="{FF2B5EF4-FFF2-40B4-BE49-F238E27FC236}">
-                <a16:creationId xmlns="" xmlns:a16="http://schemas.microsoft.com/office/drawing/2014/main" id="{EF2BC084-E6DB-4DE7-B309-042A85EBA700}"/>
+                <a16:creationId xmlns:a16="http://schemas.microsoft.com/office/drawing/2014/main" xmlns="" id="{EF2BC084-E6DB-4DE7-B309-042A85EBA700}"/>
               </a:ext>
             </a:extLst>
           </p:cNvPr>
@@ -26195,7 +26267,44 @@
                 <a:latin typeface="Times New Roman" panose="02020603050405020304" charset="0"/>
                 <a:cs typeface="Times New Roman" panose="02020603050405020304" charset="0"/>
               </a:rPr>
-              <a:t>Data Pre-Processing.</a:t>
+              <a:t>Data Pre-Processing</a:t>
+            </a:r>
+            <a:r>
+              <a:rPr lang="en-IN" sz="2600" dirty="0" smtClean="0">
+                <a:latin typeface="Times New Roman" panose="02020603050405020304" charset="0"/>
+                <a:cs typeface="Times New Roman" panose="02020603050405020304" charset="0"/>
+              </a:rPr>
+              <a:t>.</a:t>
+            </a:r>
+          </a:p>
+          <a:p>
+            <a:pPr lvl="2"/>
+            <a:r>
+              <a:rPr lang="en-IN" sz="2400" dirty="0" smtClean="0">
+                <a:latin typeface="Times New Roman" panose="02020603050405020304" charset="0"/>
+                <a:cs typeface="Times New Roman" panose="02020603050405020304" charset="0"/>
+              </a:rPr>
+              <a:t>Data Cleaning.</a:t>
+            </a:r>
+          </a:p>
+          <a:p>
+            <a:pPr lvl="3"/>
+            <a:r>
+              <a:rPr lang="en-IN" sz="2600" dirty="0" smtClean="0">
+                <a:latin typeface="Times New Roman" panose="02020603050405020304" charset="0"/>
+                <a:cs typeface="Times New Roman" panose="02020603050405020304" charset="0"/>
+              </a:rPr>
+              <a:t>Dealing with NULL values.</a:t>
+            </a:r>
+          </a:p>
+          <a:p>
+            <a:pPr lvl="2"/>
+            <a:r>
+              <a:rPr lang="en-IN" sz="2400" dirty="0" smtClean="0">
+                <a:latin typeface="Times New Roman" panose="02020603050405020304" charset="0"/>
+                <a:cs typeface="Times New Roman" panose="02020603050405020304" charset="0"/>
+              </a:rPr>
+              <a:t>Add new columns.</a:t>
             </a:r>
           </a:p>
           <a:p>
@@ -26205,17 +26314,14 @@
                 <a:latin typeface="Times New Roman" panose="02020603050405020304" charset="0"/>
                 <a:cs typeface="Times New Roman" panose="02020603050405020304" charset="0"/>
               </a:rPr>
-              <a:t>Data Transformation.</a:t>
+              <a:t>Register / </a:t>
             </a:r>
-          </a:p>
-          <a:p>
-            <a:pPr lvl="1"/>
             <a:r>
               <a:rPr lang="en-IN" sz="2600" dirty="0" smtClean="0">
                 <a:latin typeface="Times New Roman" panose="02020603050405020304" charset="0"/>
                 <a:cs typeface="Times New Roman" panose="02020603050405020304" charset="0"/>
               </a:rPr>
-              <a:t>Signup / Login.</a:t>
+              <a:t>Login.</a:t>
             </a:r>
           </a:p>
           <a:p>
@@ -26225,24 +26331,24 @@
                 <a:latin typeface="Times New Roman" panose="02020603050405020304" charset="0"/>
                 <a:cs typeface="Times New Roman" panose="02020603050405020304" charset="0"/>
               </a:rPr>
-              <a:t>Model </a:t>
+              <a:t>Model Training</a:t>
+            </a:r>
+          </a:p>
+          <a:p>
+            <a:pPr lvl="1"/>
+            <a:r>
+              <a:rPr lang="en-IN" sz="2400" dirty="0" smtClean="0">
+                <a:latin typeface="Times New Roman" panose="02020603050405020304" charset="0"/>
+                <a:cs typeface="Times New Roman" panose="02020603050405020304" charset="0"/>
+              </a:rPr>
+              <a:t>Designing for </a:t>
             </a:r>
             <a:r>
               <a:rPr lang="en-IN" sz="2400" dirty="0" smtClean="0">
                 <a:latin typeface="Times New Roman" panose="02020603050405020304" charset="0"/>
                 <a:cs typeface="Times New Roman" panose="02020603050405020304" charset="0"/>
               </a:rPr>
-              <a:t>Training</a:t>
-            </a:r>
-          </a:p>
-          <a:p>
-            <a:pPr lvl="1"/>
-            <a:r>
-              <a:rPr lang="en-IN" sz="2400" dirty="0" smtClean="0">
-                <a:latin typeface="Times New Roman" panose="02020603050405020304" charset="0"/>
-                <a:cs typeface="Times New Roman" panose="02020603050405020304" charset="0"/>
-              </a:rPr>
-              <a:t>Designing some html pages for website.</a:t>
+              <a:t>website.</a:t>
             </a:r>
           </a:p>
           <a:p>
@@ -26274,7 +26380,7 @@
           <p:cNvPr id="6" name="Title 6">
             <a:extLst>
               <a:ext uri="{FF2B5EF4-FFF2-40B4-BE49-F238E27FC236}">
-                <a16:creationId xmlns="" xmlns:a16="http://schemas.microsoft.com/office/drawing/2014/main" id="{7875C19A-1AAE-476A-A316-A2CF92D763D3}"/>
+                <a16:creationId xmlns:a16="http://schemas.microsoft.com/office/drawing/2014/main" xmlns="" id="{7875C19A-1AAE-476A-A316-A2CF92D763D3}"/>
               </a:ext>
             </a:extLst>
           </p:cNvPr>
@@ -26351,7 +26457,7 @@
           <p:cNvPr id="7" name="Title 6">
             <a:extLst>
               <a:ext uri="{FF2B5EF4-FFF2-40B4-BE49-F238E27FC236}">
-                <a16:creationId xmlns="" xmlns:a16="http://schemas.microsoft.com/office/drawing/2014/main" id="{7875C19A-1AAE-476A-A316-A2CF92D763D3}"/>
+                <a16:creationId xmlns:a16="http://schemas.microsoft.com/office/drawing/2014/main" xmlns="" id="{7875C19A-1AAE-476A-A316-A2CF92D763D3}"/>
               </a:ext>
             </a:extLst>
           </p:cNvPr>
@@ -26403,7 +26509,7 @@
           <p:cNvPr id="10" name="Text Placeholder 9">
             <a:extLst>
               <a:ext uri="{FF2B5EF4-FFF2-40B4-BE49-F238E27FC236}">
-                <a16:creationId xmlns="" xmlns:a16="http://schemas.microsoft.com/office/drawing/2014/main" id="{EF2BC084-E6DB-4DE7-B309-042A85EBA700}"/>
+                <a16:creationId xmlns:a16="http://schemas.microsoft.com/office/drawing/2014/main" xmlns="" id="{EF2BC084-E6DB-4DE7-B309-042A85EBA700}"/>
               </a:ext>
             </a:extLst>
           </p:cNvPr>
@@ -26459,7 +26565,7 @@
           <a:p>
             <a:pPr marL="1428750" lvl="2" indent="-514350"/>
             <a:r>
-              <a:rPr lang="en-IN" sz="2200" b="1" dirty="0" smtClean="0">
+              <a:rPr lang="en-IN" sz="2400" dirty="0" smtClean="0">
                 <a:latin typeface="Times New Roman" panose="02020603050405020304" charset="0"/>
                 <a:cs typeface="Times New Roman" panose="02020603050405020304" charset="0"/>
               </a:rPr>
@@ -26469,7 +26575,7 @@
           <a:p>
             <a:pPr marL="1885950" lvl="3" indent="-514350"/>
             <a:r>
-              <a:rPr lang="en-IN" sz="2400" b="1" dirty="0" smtClean="0">
+              <a:rPr lang="en-IN" sz="2400" dirty="0" smtClean="0">
                 <a:latin typeface="Times New Roman" panose="02020603050405020304" charset="0"/>
                 <a:cs typeface="Times New Roman" panose="02020603050405020304" charset="0"/>
               </a:rPr>
@@ -26479,7 +26585,7 @@
           <a:p>
             <a:pPr marL="1885950" lvl="3" indent="-514350"/>
             <a:r>
-              <a:rPr lang="en-IN" sz="2400" b="1" dirty="0" smtClean="0">
+              <a:rPr lang="en-IN" sz="2400" dirty="0" smtClean="0">
                 <a:latin typeface="Times New Roman" panose="02020603050405020304" charset="0"/>
                 <a:cs typeface="Times New Roman" panose="02020603050405020304" charset="0"/>
               </a:rPr>
@@ -26493,7 +26599,7 @@
           <p:cNvPr id="2" name="Slide Number Placeholder 1">
             <a:extLst>
               <a:ext uri="{FF2B5EF4-FFF2-40B4-BE49-F238E27FC236}">
-                <a16:creationId xmlns="" xmlns:a16="http://schemas.microsoft.com/office/drawing/2014/main" id="{BE9800F6-D571-48C4-8466-12AA1ADB6599}"/>
+                <a16:creationId xmlns:a16="http://schemas.microsoft.com/office/drawing/2014/main" xmlns="" id="{BE9800F6-D571-48C4-8466-12AA1ADB6599}"/>
               </a:ext>
             </a:extLst>
           </p:cNvPr>
@@ -26521,7 +26627,7 @@
     </p:spTree>
     <p:extLst>
       <p:ext uri="{BB962C8B-B14F-4D97-AF65-F5344CB8AC3E}">
-        <p14:creationId xmlns="" xmlns:p14="http://schemas.microsoft.com/office/powerpoint/2010/main" val="3733486012"/>
+        <p14:creationId xmlns:p14="http://schemas.microsoft.com/office/powerpoint/2010/main" xmlns="" val="3733486012"/>
       </p:ext>
     </p:extLst>
   </p:cSld>
@@ -26529,7 +26635,7 @@
     <a:masterClrMapping/>
   </p:clrMapOvr>
   <mc:AlternateContent xmlns:mc="http://schemas.openxmlformats.org/markup-compatibility/2006">
-    <mc:Choice xmlns="" xmlns:p14="http://schemas.microsoft.com/office/powerpoint/2010/main" Requires="p14">
+    <mc:Choice xmlns:p14="http://schemas.microsoft.com/office/powerpoint/2010/main" xmlns="" Requires="p14">
       <p:transition spd="med" p14:dur="700">
         <p:fade/>
       </p:transition>
@@ -26572,7 +26678,7 @@
           <p:cNvPr id="7" name="Title 6">
             <a:extLst>
               <a:ext uri="{FF2B5EF4-FFF2-40B4-BE49-F238E27FC236}">
-                <a16:creationId xmlns="" xmlns:a16="http://schemas.microsoft.com/office/drawing/2014/main" id="{7875C19A-1AAE-476A-A316-A2CF92D763D3}"/>
+                <a16:creationId xmlns:a16="http://schemas.microsoft.com/office/drawing/2014/main" xmlns="" id="{7875C19A-1AAE-476A-A316-A2CF92D763D3}"/>
               </a:ext>
             </a:extLst>
           </p:cNvPr>
@@ -26624,7 +26730,7 @@
           <p:cNvPr id="10" name="Text Placeholder 9">
             <a:extLst>
               <a:ext uri="{FF2B5EF4-FFF2-40B4-BE49-F238E27FC236}">
-                <a16:creationId xmlns="" xmlns:a16="http://schemas.microsoft.com/office/drawing/2014/main" id="{EF2BC084-E6DB-4DE7-B309-042A85EBA700}"/>
+                <a16:creationId xmlns:a16="http://schemas.microsoft.com/office/drawing/2014/main" xmlns="" id="{EF2BC084-E6DB-4DE7-B309-042A85EBA700}"/>
               </a:ext>
             </a:extLst>
           </p:cNvPr>
@@ -26713,7 +26819,7 @@
           <p:cNvPr id="2" name="Slide Number Placeholder 1">
             <a:extLst>
               <a:ext uri="{FF2B5EF4-FFF2-40B4-BE49-F238E27FC236}">
-                <a16:creationId xmlns="" xmlns:a16="http://schemas.microsoft.com/office/drawing/2014/main" id="{BE9800F6-D571-48C4-8466-12AA1ADB6599}"/>
+                <a16:creationId xmlns:a16="http://schemas.microsoft.com/office/drawing/2014/main" xmlns="" id="{BE9800F6-D571-48C4-8466-12AA1ADB6599}"/>
               </a:ext>
             </a:extLst>
           </p:cNvPr>
@@ -26741,7 +26847,7 @@
     </p:spTree>
     <p:extLst>
       <p:ext uri="{BB962C8B-B14F-4D97-AF65-F5344CB8AC3E}">
-        <p14:creationId xmlns="" xmlns:p14="http://schemas.microsoft.com/office/powerpoint/2010/main" val="3733486012"/>
+        <p14:creationId xmlns:p14="http://schemas.microsoft.com/office/powerpoint/2010/main" xmlns="" val="3733486012"/>
       </p:ext>
     </p:extLst>
   </p:cSld>
@@ -26749,7 +26855,7 @@
     <a:masterClrMapping/>
   </p:clrMapOvr>
   <mc:AlternateContent xmlns:mc="http://schemas.openxmlformats.org/markup-compatibility/2006">
-    <mc:Choice xmlns="" xmlns:p14="http://schemas.microsoft.com/office/powerpoint/2010/main" Requires="p14">
+    <mc:Choice xmlns:p14="http://schemas.microsoft.com/office/powerpoint/2010/main" xmlns="" Requires="p14">
       <p:transition spd="med" p14:dur="700">
         <p:fade/>
       </p:transition>
@@ -26792,7 +26898,7 @@
           <p:cNvPr id="7" name="Title 6">
             <a:extLst>
               <a:ext uri="{FF2B5EF4-FFF2-40B4-BE49-F238E27FC236}">
-                <a16:creationId xmlns="" xmlns:a16="http://schemas.microsoft.com/office/drawing/2014/main" id="{7875C19A-1AAE-476A-A316-A2CF92D763D3}"/>
+                <a16:creationId xmlns:a16="http://schemas.microsoft.com/office/drawing/2014/main" xmlns="" id="{7875C19A-1AAE-476A-A316-A2CF92D763D3}"/>
               </a:ext>
             </a:extLst>
           </p:cNvPr>
@@ -26844,7 +26950,7 @@
           <p:cNvPr id="10" name="Text Placeholder 9">
             <a:extLst>
               <a:ext uri="{FF2B5EF4-FFF2-40B4-BE49-F238E27FC236}">
-                <a16:creationId xmlns="" xmlns:a16="http://schemas.microsoft.com/office/drawing/2014/main" id="{EF2BC084-E6DB-4DE7-B309-042A85EBA700}"/>
+                <a16:creationId xmlns:a16="http://schemas.microsoft.com/office/drawing/2014/main" xmlns="" id="{EF2BC084-E6DB-4DE7-B309-042A85EBA700}"/>
               </a:ext>
             </a:extLst>
           </p:cNvPr>
@@ -26874,7 +26980,14 @@
                 <a:latin typeface="Times New Roman" panose="02020603050405020304" charset="0"/>
                 <a:cs typeface="Times New Roman" panose="02020603050405020304" charset="0"/>
               </a:rPr>
-              <a:t>Signup / Login.</a:t>
+              <a:t>Register / </a:t>
+            </a:r>
+            <a:r>
+              <a:rPr lang="en-IN" sz="2800" b="1" dirty="0" smtClean="0">
+                <a:latin typeface="Times New Roman" panose="02020603050405020304" charset="0"/>
+                <a:cs typeface="Times New Roman" panose="02020603050405020304" charset="0"/>
+              </a:rPr>
+              <a:t>Login.</a:t>
             </a:r>
           </a:p>
           <a:p>
@@ -26933,7 +27046,7 @@
           <p:cNvPr id="2" name="Slide Number Placeholder 1">
             <a:extLst>
               <a:ext uri="{FF2B5EF4-FFF2-40B4-BE49-F238E27FC236}">
-                <a16:creationId xmlns="" xmlns:a16="http://schemas.microsoft.com/office/drawing/2014/main" id="{BE9800F6-D571-48C4-8466-12AA1ADB6599}"/>
+                <a16:creationId xmlns:a16="http://schemas.microsoft.com/office/drawing/2014/main" xmlns="" id="{BE9800F6-D571-48C4-8466-12AA1ADB6599}"/>
               </a:ext>
             </a:extLst>
           </p:cNvPr>
@@ -26961,7 +27074,7 @@
     </p:spTree>
     <p:extLst>
       <p:ext uri="{BB962C8B-B14F-4D97-AF65-F5344CB8AC3E}">
-        <p14:creationId xmlns="" xmlns:p14="http://schemas.microsoft.com/office/powerpoint/2010/main" val="3733486012"/>
+        <p14:creationId xmlns:p14="http://schemas.microsoft.com/office/powerpoint/2010/main" xmlns="" val="3733486012"/>
       </p:ext>
     </p:extLst>
   </p:cSld>
@@ -26969,7 +27082,7 @@
     <a:masterClrMapping/>
   </p:clrMapOvr>
   <mc:AlternateContent xmlns:mc="http://schemas.openxmlformats.org/markup-compatibility/2006">
-    <mc:Choice xmlns="" xmlns:p14="http://schemas.microsoft.com/office/powerpoint/2010/main" Requires="p14">
+    <mc:Choice xmlns:p14="http://schemas.microsoft.com/office/powerpoint/2010/main" xmlns="" Requires="p14">
       <p:transition spd="med" p14:dur="700">
         <p:fade/>
       </p:transition>
@@ -27012,7 +27125,7 @@
           <p:cNvPr id="7" name="Title 6">
             <a:extLst>
               <a:ext uri="{FF2B5EF4-FFF2-40B4-BE49-F238E27FC236}">
-                <a16:creationId xmlns="" xmlns:a16="http://schemas.microsoft.com/office/drawing/2014/main" id="{7875C19A-1AAE-476A-A316-A2CF92D763D3}"/>
+                <a16:creationId xmlns:a16="http://schemas.microsoft.com/office/drawing/2014/main" xmlns="" id="{7875C19A-1AAE-476A-A316-A2CF92D763D3}"/>
               </a:ext>
             </a:extLst>
           </p:cNvPr>
@@ -27064,7 +27177,7 @@
           <p:cNvPr id="10" name="Text Placeholder 9">
             <a:extLst>
               <a:ext uri="{FF2B5EF4-FFF2-40B4-BE49-F238E27FC236}">
-                <a16:creationId xmlns="" xmlns:a16="http://schemas.microsoft.com/office/drawing/2014/main" id="{EF2BC084-E6DB-4DE7-B309-042A85EBA700}"/>
+                <a16:creationId xmlns:a16="http://schemas.microsoft.com/office/drawing/2014/main" xmlns="" id="{EF2BC084-E6DB-4DE7-B309-042A85EBA700}"/>
               </a:ext>
             </a:extLst>
           </p:cNvPr>
@@ -27185,7 +27298,7 @@
           <p:cNvPr id="2" name="Slide Number Placeholder 1">
             <a:extLst>
               <a:ext uri="{FF2B5EF4-FFF2-40B4-BE49-F238E27FC236}">
-                <a16:creationId xmlns="" xmlns:a16="http://schemas.microsoft.com/office/drawing/2014/main" id="{BE9800F6-D571-48C4-8466-12AA1ADB6599}"/>
+                <a16:creationId xmlns:a16="http://schemas.microsoft.com/office/drawing/2014/main" xmlns="" id="{BE9800F6-D571-48C4-8466-12AA1ADB6599}"/>
               </a:ext>
             </a:extLst>
           </p:cNvPr>
@@ -27213,7 +27326,7 @@
     </p:spTree>
     <p:extLst>
       <p:ext uri="{BB962C8B-B14F-4D97-AF65-F5344CB8AC3E}">
-        <p14:creationId xmlns="" xmlns:p14="http://schemas.microsoft.com/office/powerpoint/2010/main" val="3733486012"/>
+        <p14:creationId xmlns:p14="http://schemas.microsoft.com/office/powerpoint/2010/main" xmlns="" val="3733486012"/>
       </p:ext>
     </p:extLst>
   </p:cSld>
@@ -27221,7 +27334,7 @@
     <a:masterClrMapping/>
   </p:clrMapOvr>
   <mc:AlternateContent xmlns:mc="http://schemas.openxmlformats.org/markup-compatibility/2006">
-    <mc:Choice xmlns="" xmlns:p14="http://schemas.microsoft.com/office/powerpoint/2010/main" Requires="p14">
+    <mc:Choice xmlns:p14="http://schemas.microsoft.com/office/powerpoint/2010/main" xmlns="" Requires="p14">
       <p:transition spd="med" p14:dur="700">
         <p:fade/>
       </p:transition>
@@ -27261,10 +27374,60 @@
       </p:grpSpPr>
       <p:sp>
         <p:nvSpPr>
-          <p:cNvPr id="7" name="Title 6">
+          <p:cNvPr id="3" name="Slide Number Placeholder 2"/>
+          <p:cNvSpPr>
+            <a:spLocks noGrp="1"/>
+          </p:cNvSpPr>
+          <p:nvPr>
+            <p:ph type="sldNum" sz="quarter" idx="12"/>
+          </p:nvPr>
+        </p:nvSpPr>
+        <p:spPr/>
+        <p:txBody>
+          <a:bodyPr/>
+          <a:lstStyle/>
+          <a:p>
+            <a:fld id="{C263D6C4-4840-40CC-AC84-17E24B3B7BDE}" type="slidenum">
+              <a:rPr lang="en-US" noProof="0" smtClean="0"/>
+              <a:pPr/>
+              <a:t>9</a:t>
+            </a:fld>
+            <a:endParaRPr lang="en-US" noProof="0" dirty="0"/>
+          </a:p>
+        </p:txBody>
+      </p:sp>
+      <p:pic>
+        <p:nvPicPr>
+          <p:cNvPr id="1026" name="Picture 2" descr="G:\Sem - 7\4IT31 - PROJECT I\Diagrams\Diagram 05 Model View.PNG"/>
+          <p:cNvPicPr>
+            <a:picLocks noChangeAspect="1" noChangeArrowheads="1"/>
+          </p:cNvPicPr>
+          <p:nvPr/>
+        </p:nvPicPr>
+        <p:blipFill>
+          <a:blip r:embed="rId2"/>
+          <a:srcRect/>
+          <a:stretch>
+            <a:fillRect/>
+          </a:stretch>
+        </p:blipFill>
+        <p:spPr bwMode="auto">
+          <a:xfrm>
+            <a:off x="4013200" y="1444526"/>
+            <a:ext cx="7215188" cy="5126137"/>
+          </a:xfrm>
+          <a:prstGeom prst="rect">
+            <a:avLst/>
+          </a:prstGeom>
+          <a:noFill/>
+        </p:spPr>
+      </p:pic>
+      <p:sp>
+        <p:nvSpPr>
+          <p:cNvPr id="6" name="Title 6">
             <a:extLst>
               <a:ext uri="{FF2B5EF4-FFF2-40B4-BE49-F238E27FC236}">
-                <a16:creationId xmlns="" xmlns:a16="http://schemas.microsoft.com/office/drawing/2014/main" id="{7875C19A-1AAE-476A-A316-A2CF92D763D3}"/>
+                <a16:creationId xmlns:a16="http://schemas.microsoft.com/office/drawing/2014/main" xmlns="" id="{7875C19A-1AAE-476A-A316-A2CF92D763D3}"/>
               </a:ext>
             </a:extLst>
           </p:cNvPr>
@@ -27277,8 +27440,8 @@
         </p:nvSpPr>
         <p:spPr>
           <a:xfrm>
-            <a:off x="518160" y="2635885"/>
-            <a:ext cx="4612640" cy="840230"/>
+            <a:off x="345440" y="532765"/>
+            <a:ext cx="11214100" cy="590931"/>
           </a:xfrm>
         </p:spPr>
         <p:txBody>
@@ -27286,71 +27449,36 @@
           <a:lstStyle/>
           <a:p>
             <a:r>
-              <a:rPr lang="en-US" sz="5400" dirty="0" smtClean="0">
+              <a:rPr lang="en-IN" sz="3600" dirty="0" smtClean="0">
+                <a:solidFill>
+                  <a:schemeClr val="accent2">
+                    <a:lumMod val="20000"/>
+                    <a:lumOff val="80000"/>
+                  </a:schemeClr>
+                </a:solidFill>
                 <a:latin typeface="Times New Roman" pitchFamily="18" charset="0"/>
                 <a:cs typeface="Times New Roman" pitchFamily="18" charset="0"/>
               </a:rPr>
-              <a:t>Thank You…!!</a:t>
+              <a:t>Flow of Model Training</a:t>
             </a:r>
-            <a:endParaRPr lang="en-US" sz="5400" dirty="0">
+            <a:endParaRPr lang="en-US" sz="3600" dirty="0">
+              <a:solidFill>
+                <a:schemeClr val="accent2">
+                  <a:lumMod val="20000"/>
+                  <a:lumOff val="80000"/>
+                </a:schemeClr>
+              </a:solidFill>
               <a:latin typeface="Times New Roman" pitchFamily="18" charset="0"/>
               <a:cs typeface="Times New Roman" pitchFamily="18" charset="0"/>
             </a:endParaRPr>
           </a:p>
         </p:txBody>
       </p:sp>
-      <p:sp>
-        <p:nvSpPr>
-          <p:cNvPr id="2" name="Slide Number Placeholder 1">
-            <a:extLst>
-              <a:ext uri="{FF2B5EF4-FFF2-40B4-BE49-F238E27FC236}">
-                <a16:creationId xmlns="" xmlns:a16="http://schemas.microsoft.com/office/drawing/2014/main" id="{BE9800F6-D571-48C4-8466-12AA1ADB6599}"/>
-              </a:ext>
-            </a:extLst>
-          </p:cNvPr>
-          <p:cNvSpPr>
-            <a:spLocks noGrp="1"/>
-          </p:cNvSpPr>
-          <p:nvPr>
-            <p:ph type="sldNum" sz="quarter" idx="12"/>
-          </p:nvPr>
-        </p:nvSpPr>
-        <p:spPr/>
-        <p:txBody>
-          <a:bodyPr/>
-          <a:lstStyle/>
-          <a:p>
-            <a:fld id="{C263D6C4-4840-40CC-AC84-17E24B3B7BDE}" type="slidenum">
-              <a:rPr lang="en-US" smtClean="0"/>
-              <a:pPr/>
-              <a:t>9</a:t>
-            </a:fld>
-            <a:endParaRPr lang="en-US" dirty="0"/>
-          </a:p>
-        </p:txBody>
-      </p:sp>
     </p:spTree>
-    <p:extLst>
-      <p:ext uri="{BB962C8B-B14F-4D97-AF65-F5344CB8AC3E}">
-        <p14:creationId xmlns="" xmlns:p14="http://schemas.microsoft.com/office/powerpoint/2010/main" val="3733486012"/>
-      </p:ext>
-    </p:extLst>
   </p:cSld>
   <p:clrMapOvr>
     <a:masterClrMapping/>
   </p:clrMapOvr>
-  <mc:AlternateContent xmlns:mc="http://schemas.openxmlformats.org/markup-compatibility/2006">
-    <mc:Choice xmlns="" xmlns:p14="http://schemas.microsoft.com/office/powerpoint/2010/main" Requires="p14">
-      <p:transition spd="med" p14:dur="700">
-        <p:fade/>
-      </p:transition>
-    </mc:Choice>
-    <mc:Fallback>
-      <p:transition spd="med">
-        <p:fade/>
-      </p:transition>
-    </mc:Fallback>
-  </mc:AlternateContent>
 </p:sld>
 </file>
 
@@ -27549,7 +27677,7 @@
   <a:extraClrSchemeLst/>
   <a:extLst>
     <a:ext uri="{05A4C25C-085E-4340-85A3-A5531E510DB2}">
-      <thm15:themeFamily xmlns="" xmlns:thm15="http://schemas.microsoft.com/office/thememl/2012/main" name="TF66687569_Modern blue presentation_AAS_v5" id="{C7B59113-CD15-4341-96CA-86E715D5BE98}" vid="{5A8FDAEB-3DF3-4B3C-A708-49813F8D6F85}"/>
+      <thm15:themeFamily xmlns:thm15="http://schemas.microsoft.com/office/thememl/2012/main" xmlns="" name="TF66687569_Modern blue presentation_AAS_v5" id="{C7B59113-CD15-4341-96CA-86E715D5BE98}" vid="{5A8FDAEB-3DF3-4B3C-A708-49813F8D6F85}"/>
     </a:ext>
   </a:extLst>
 </a:theme>
@@ -27844,7 +27972,7 @@
   <a:extraClrSchemeLst/>
   <a:extLst>
     <a:ext uri="{05A4C25C-085E-4340-85A3-A5531E510DB2}">
-      <thm15:themeFamily xmlns="" xmlns:thm15="http://schemas.microsoft.com/office/thememl/2012/main" name="Office Theme" id="{62F939B6-93AF-4DB8-9C6B-D6C7DFDC589F}" vid="{4A3C46E8-61CC-4603-A589-7422A47A8E4A}"/>
+      <thm15:themeFamily xmlns:thm15="http://schemas.microsoft.com/office/thememl/2012/main" xmlns="" name="Office Theme" id="{62F939B6-93AF-4DB8-9C6B-D6C7DFDC589F}" vid="{4A3C46E8-61CC-4603-A589-7422A47A8E4A}"/>
     </a:ext>
   </a:extLst>
 </a:theme>
@@ -28139,13 +28267,30 @@
   <a:extraClrSchemeLst/>
   <a:extLst>
     <a:ext uri="{05A4C25C-085E-4340-85A3-A5531E510DB2}">
-      <thm15:themeFamily xmlns="" xmlns:thm15="http://schemas.microsoft.com/office/thememl/2012/main" name="Office Theme" id="{62F939B6-93AF-4DB8-9C6B-D6C7DFDC589F}" vid="{4A3C46E8-61CC-4603-A589-7422A47A8E4A}"/>
+      <thm15:themeFamily xmlns:thm15="http://schemas.microsoft.com/office/thememl/2012/main" xmlns="" name="Office Theme" id="{62F939B6-93AF-4DB8-9C6B-D6C7DFDC589F}" vid="{4A3C46E8-61CC-4603-A589-7422A47A8E4A}"/>
     </a:ext>
   </a:extLst>
 </a:theme>
 </file>
 
 <file path=customXml/item1.xml><?xml version="1.0" encoding="utf-8"?>
+<p:properties xmlns:p="http://schemas.microsoft.com/office/2006/metadata/properties" xmlns:xsi="http://www.w3.org/2001/XMLSchema-instance" xmlns:pc="http://schemas.microsoft.com/office/infopath/2007/PartnerControls">
+  <documentManagement>
+    <MediaServiceKeyPoints xmlns="71af3243-3dd4-4a8d-8c0d-dd76da1f02a5" xsi:nil="true"/>
+  </documentManagement>
+</p:properties>
+</file>
+
+<file path=customXml/item2.xml><?xml version="1.0" encoding="utf-8"?>
+<?mso-contentType ?>
+<FormTemplates xmlns="http://schemas.microsoft.com/sharepoint/v3/contenttype/forms">
+  <Display>DocumentLibraryForm</Display>
+  <Edit>DocumentLibraryForm</Edit>
+  <New>DocumentLibraryForm</New>
+</FormTemplates>
+</file>
+
+<file path=customXml/item3.xml><?xml version="1.0" encoding="utf-8"?>
 <ct:contentTypeSchema xmlns:ct="http://schemas.microsoft.com/office/2006/metadata/contentType" xmlns:ma="http://schemas.microsoft.com/office/2006/metadata/properties/metaAttributes" ct:_="" ma:_="" ma:contentTypeName="Document" ma:contentTypeID="0x01010079F111ED35F8CC479449609E8A0923A6" ma:contentTypeVersion="11" ma:contentTypeDescription="Create a new document." ma:contentTypeScope="" ma:versionID="96291512c1ee715ab617f4c07df79fc1">
   <xsd:schema xmlns:xsd="http://www.w3.org/2001/XMLSchema" xmlns:xs="http://www.w3.org/2001/XMLSchema" xmlns:p="http://schemas.microsoft.com/office/2006/metadata/properties" xmlns:ns2="71af3243-3dd4-4a8d-8c0d-dd76da1f02a5" xmlns:ns3="16c05727-aa75-4e4a-9b5f-8a80a1165891" targetNamespace="http://schemas.microsoft.com/office/2006/metadata/properties" ma:root="true" ma:fieldsID="8256c27c40ca5c40ce1cf6c44f0205df" ns2:_="" ns3:_="">
     <xsd:import namespace="71af3243-3dd4-4a8d-8c0d-dd76da1f02a5"/>
@@ -28356,24 +28501,25 @@
 </ct:contentTypeSchema>
 </file>
 
-<file path=customXml/item2.xml><?xml version="1.0" encoding="utf-8"?>
-<?mso-contentType ?>
-<FormTemplates xmlns="http://schemas.microsoft.com/sharepoint/v3/contenttype/forms">
-  <Display>DocumentLibraryForm</Display>
-  <Edit>DocumentLibraryForm</Edit>
-  <New>DocumentLibraryForm</New>
-</FormTemplates>
+<file path=customXml/itemProps1.xml><?xml version="1.0" encoding="utf-8"?>
+<ds:datastoreItem xmlns:ds="http://schemas.openxmlformats.org/officeDocument/2006/customXml" ds:itemID="{F5757914-1161-4661-9696-421FD6935CDD}">
+  <ds:schemaRefs>
+    <ds:schemaRef ds:uri="http://schemas.microsoft.com/office/2006/metadata/properties"/>
+    <ds:schemaRef ds:uri="http://schemas.microsoft.com/office/infopath/2007/PartnerControls"/>
+    <ds:schemaRef ds:uri="71af3243-3dd4-4a8d-8c0d-dd76da1f02a5"/>
+  </ds:schemaRefs>
+</ds:datastoreItem>
 </file>
 
-<file path=customXml/item3.xml><?xml version="1.0" encoding="utf-8"?>
-<p:properties xmlns:p="http://schemas.microsoft.com/office/2006/metadata/properties" xmlns:xsi="http://www.w3.org/2001/XMLSchema-instance" xmlns:pc="http://schemas.microsoft.com/office/infopath/2007/PartnerControls">
-  <documentManagement>
-    <MediaServiceKeyPoints xmlns="71af3243-3dd4-4a8d-8c0d-dd76da1f02a5" xsi:nil="true"/>
-  </documentManagement>
-</p:properties>
+<file path=customXml/itemProps2.xml><?xml version="1.0" encoding="utf-8"?>
+<ds:datastoreItem xmlns:ds="http://schemas.openxmlformats.org/officeDocument/2006/customXml" ds:itemID="{5B26E0C9-B2AA-42E6-97B6-E1B7D9EAF129}">
+  <ds:schemaRefs>
+    <ds:schemaRef ds:uri="http://schemas.microsoft.com/sharepoint/v3/contenttype/forms"/>
+  </ds:schemaRefs>
+</ds:datastoreItem>
 </file>
 
-<file path=customXml/itemProps1.xml><?xml version="1.0" encoding="utf-8"?>
+<file path=customXml/itemProps3.xml><?xml version="1.0" encoding="utf-8"?>
 <ds:datastoreItem xmlns:ds="http://schemas.openxmlformats.org/officeDocument/2006/customXml" ds:itemID="{4C103400-4A22-4E35-B588-4C4D42638959}">
   <ds:schemaRefs>
     <ds:schemaRef ds:uri="http://schemas.microsoft.com/office/2006/metadata/contentType"/>
@@ -28390,22 +28536,4 @@
     <ds:schemaRef ds:uri="http://schemas.microsoft.com/internal/obd"/>
   </ds:schemaRefs>
 </ds:datastoreItem>
-</file>
-
-<file path=customXml/itemProps2.xml><?xml version="1.0" encoding="utf-8"?>
-<ds:datastoreItem xmlns:ds="http://schemas.openxmlformats.org/officeDocument/2006/customXml" ds:itemID="{5B26E0C9-B2AA-42E6-97B6-E1B7D9EAF129}">
-  <ds:schemaRefs>
-    <ds:schemaRef ds:uri="http://schemas.microsoft.com/sharepoint/v3/contenttype/forms"/>
-  </ds:schemaRefs>
-</ds:datastoreItem>
-</file>
-
-<file path=customXml/itemProps3.xml><?xml version="1.0" encoding="utf-8"?>
-<ds:datastoreItem xmlns:ds="http://schemas.openxmlformats.org/officeDocument/2006/customXml" ds:itemID="{F5757914-1161-4661-9696-421FD6935CDD}">
-  <ds:schemaRefs>
-    <ds:schemaRef ds:uri="http://schemas.microsoft.com/office/2006/metadata/properties"/>
-    <ds:schemaRef ds:uri="http://schemas.microsoft.com/office/infopath/2007/PartnerControls"/>
-    <ds:schemaRef ds:uri="71af3243-3dd4-4a8d-8c0d-dd76da1f02a5"/>
-  </ds:schemaRefs>
-</ds:datastoreItem>
 </file>
--- a/House Price Prediction.pptx
+++ b/House Price Prediction.pptx
@@ -17,8 +17,8 @@
     <p:sldId id="272" r:id="rId8"/>
     <p:sldId id="260" r:id="rId9"/>
     <p:sldId id="273" r:id="rId10"/>
-    <p:sldId id="275" r:id="rId11"/>
-    <p:sldId id="276" r:id="rId12"/>
+    <p:sldId id="276" r:id="rId11"/>
+    <p:sldId id="275" r:id="rId12"/>
     <p:sldId id="277" r:id="rId13"/>
     <p:sldId id="271" r:id="rId14"/>
   </p:sldIdLst>
@@ -121,7 +121,7 @@
   </p:defaultTextStyle>
   <p:extLst>
     <p:ext uri="{EFAFB233-063F-42B5-8137-9DF3F51BA10A}">
-      <p15:sldGuideLst xmlns:p15="http://schemas.microsoft.com/office/powerpoint/2012/main" xmlns="">
+      <p15:sldGuideLst xmlns="" xmlns:p15="http://schemas.microsoft.com/office/powerpoint/2012/main">
         <p15:guide id="1" orient="horz" pos="2160" userDrawn="1">
           <p15:clr>
             <a:srgbClr val="A4A3A4"/>
@@ -135,7 +135,7 @@
       </p15:sldGuideLst>
     </p:ext>
     <p:ext uri="{2D200454-40CA-4A62-9FC3-DE9A4176ACB9}">
-      <p15:notesGuideLst xmlns:p15="http://schemas.microsoft.com/office/powerpoint/2012/main" xmlns=""/>
+      <p15:notesGuideLst xmlns="" xmlns:p15="http://schemas.microsoft.com/office/powerpoint/2012/main"/>
     </p:ext>
   </p:extLst>
 </p:presentation>
@@ -168,7 +168,7 @@
           <p:cNvPr id="2" name="Header Placeholder 1">
             <a:extLst>
               <a:ext uri="{FF2B5EF4-FFF2-40B4-BE49-F238E27FC236}">
-                <a16:creationId xmlns:a16="http://schemas.microsoft.com/office/drawing/2014/main" xmlns="" id="{E62FF6B6-4F8A-40F7-B5F4-FC3996824D73}"/>
+                <a16:creationId xmlns="" xmlns:a16="http://schemas.microsoft.com/office/drawing/2014/main" id="{E62FF6B6-4F8A-40F7-B5F4-FC3996824D73}"/>
               </a:ext>
             </a:extLst>
           </p:cNvPr>
@@ -205,7 +205,7 @@
           <p:cNvPr id="3" name="Date Placeholder 2">
             <a:extLst>
               <a:ext uri="{FF2B5EF4-FFF2-40B4-BE49-F238E27FC236}">
-                <a16:creationId xmlns:a16="http://schemas.microsoft.com/office/drawing/2014/main" xmlns="" id="{8910A999-F365-48DF-976A-0517FE045440}"/>
+                <a16:creationId xmlns="" xmlns:a16="http://schemas.microsoft.com/office/drawing/2014/main" id="{8910A999-F365-48DF-976A-0517FE045440}"/>
               </a:ext>
             </a:extLst>
           </p:cNvPr>
@@ -236,7 +236,7 @@
             <a:fld id="{1CA5457B-CDAE-4DEB-AEC8-C82DE2312E37}" type="datetimeFigureOut">
               <a:rPr lang="en-US" smtClean="0"/>
               <a:pPr/>
-              <a:t>10/23/2021</a:t>
+              <a:t>12/8/2021</a:t>
             </a:fld>
             <a:endParaRPr lang="en-US" dirty="0"/>
           </a:p>
@@ -247,7 +247,7 @@
           <p:cNvPr id="4" name="Footer Placeholder 3">
             <a:extLst>
               <a:ext uri="{FF2B5EF4-FFF2-40B4-BE49-F238E27FC236}">
-                <a16:creationId xmlns:a16="http://schemas.microsoft.com/office/drawing/2014/main" xmlns="" id="{F8735C90-ADBF-4B9E-BE88-E1C8F83EB4D2}"/>
+                <a16:creationId xmlns="" xmlns:a16="http://schemas.microsoft.com/office/drawing/2014/main" id="{F8735C90-ADBF-4B9E-BE88-E1C8F83EB4D2}"/>
               </a:ext>
             </a:extLst>
           </p:cNvPr>
@@ -284,7 +284,7 @@
           <p:cNvPr id="5" name="Slide Number Placeholder 4">
             <a:extLst>
               <a:ext uri="{FF2B5EF4-FFF2-40B4-BE49-F238E27FC236}">
-                <a16:creationId xmlns:a16="http://schemas.microsoft.com/office/drawing/2014/main" xmlns="" id="{82506A01-6D0A-45EF-A584-05A3361D66F7}"/>
+                <a16:creationId xmlns="" xmlns:a16="http://schemas.microsoft.com/office/drawing/2014/main" id="{82506A01-6D0A-45EF-A584-05A3361D66F7}"/>
               </a:ext>
             </a:extLst>
           </p:cNvPr>
@@ -324,7 +324,7 @@
     </p:spTree>
     <p:extLst>
       <p:ext uri="{BB962C8B-B14F-4D97-AF65-F5344CB8AC3E}">
-        <p14:creationId xmlns:p14="http://schemas.microsoft.com/office/powerpoint/2010/main" xmlns="" val="1059900972"/>
+        <p14:creationId xmlns="" xmlns:p14="http://schemas.microsoft.com/office/powerpoint/2010/main" val="1059900972"/>
       </p:ext>
     </p:extLst>
   </p:cSld>
@@ -415,7 +415,7 @@
             <a:fld id="{090B78EA-28CE-41D8-9043-90E391E5F567}" type="datetimeFigureOut">
               <a:rPr lang="en-US" noProof="0" smtClean="0"/>
               <a:pPr/>
-              <a:t>10/23/2021</a:t>
+              <a:t>12/8/2021</a:t>
             </a:fld>
             <a:endParaRPr lang="en-US" noProof="0" dirty="0"/>
           </a:p>
@@ -583,7 +583,7 @@
     </p:spTree>
     <p:extLst>
       <p:ext uri="{BB962C8B-B14F-4D97-AF65-F5344CB8AC3E}">
-        <p14:creationId xmlns:p14="http://schemas.microsoft.com/office/powerpoint/2010/main" xmlns="" val="3827727106"/>
+        <p14:creationId xmlns="" xmlns:p14="http://schemas.microsoft.com/office/powerpoint/2010/main" val="3827727106"/>
       </p:ext>
     </p:extLst>
   </p:cSld>
@@ -705,7 +705,7 @@
           <p:cNvPr id="21" name="Rectangle 20">
             <a:extLst>
               <a:ext uri="{FF2B5EF4-FFF2-40B4-BE49-F238E27FC236}">
-                <a16:creationId xmlns:a16="http://schemas.microsoft.com/office/drawing/2014/main" xmlns="" id="{6E739168-A5E8-443A-B392-7AD4CF8977AD}"/>
+                <a16:creationId xmlns="" xmlns:a16="http://schemas.microsoft.com/office/drawing/2014/main" id="{6E739168-A5E8-443A-B392-7AD4CF8977AD}"/>
               </a:ext>
             </a:extLst>
           </p:cNvPr>
@@ -757,7 +757,7 @@
           <p:cNvPr id="7" name="Group 6">
             <a:extLst>
               <a:ext uri="{FF2B5EF4-FFF2-40B4-BE49-F238E27FC236}">
-                <a16:creationId xmlns:a16="http://schemas.microsoft.com/office/drawing/2014/main" xmlns="" id="{4CA15AFD-4983-47DD-9ED0-D3B27E5A096F}"/>
+                <a16:creationId xmlns="" xmlns:a16="http://schemas.microsoft.com/office/drawing/2014/main" id="{4CA15AFD-4983-47DD-9ED0-D3B27E5A096F}"/>
               </a:ext>
             </a:extLst>
           </p:cNvPr>
@@ -777,7 +777,7 @@
             <p:cNvPr id="8" name="Group 7">
               <a:extLst>
                 <a:ext uri="{FF2B5EF4-FFF2-40B4-BE49-F238E27FC236}">
-                  <a16:creationId xmlns:a16="http://schemas.microsoft.com/office/drawing/2014/main" xmlns="" id="{2222D5E2-E9B4-4180-98B8-4E514C9ADB28}"/>
+                  <a16:creationId xmlns="" xmlns:a16="http://schemas.microsoft.com/office/drawing/2014/main" id="{2222D5E2-E9B4-4180-98B8-4E514C9ADB28}"/>
                 </a:ext>
               </a:extLst>
             </p:cNvPr>
@@ -797,7 +797,7 @@
               <p:cNvPr id="15" name="Freeform: Shape 14">
                 <a:extLst>
                   <a:ext uri="{FF2B5EF4-FFF2-40B4-BE49-F238E27FC236}">
-                    <a16:creationId xmlns:a16="http://schemas.microsoft.com/office/drawing/2014/main" xmlns="" id="{41E10E1E-5268-4F03-BA64-07E19DE26739}"/>
+                    <a16:creationId xmlns="" xmlns:a16="http://schemas.microsoft.com/office/drawing/2014/main" id="{41E10E1E-5268-4F03-BA64-07E19DE26739}"/>
                   </a:ext>
                 </a:extLst>
               </p:cNvPr>
@@ -934,7 +934,7 @@
               <p:cNvPr id="16" name="Freeform: Shape 15">
                 <a:extLst>
                   <a:ext uri="{FF2B5EF4-FFF2-40B4-BE49-F238E27FC236}">
-                    <a16:creationId xmlns:a16="http://schemas.microsoft.com/office/drawing/2014/main" xmlns="" id="{B989C45D-BDFF-418F-BE79-03FF70015770}"/>
+                    <a16:creationId xmlns="" xmlns:a16="http://schemas.microsoft.com/office/drawing/2014/main" id="{B989C45D-BDFF-418F-BE79-03FF70015770}"/>
                   </a:ext>
                 </a:extLst>
               </p:cNvPr>
@@ -1098,7 +1098,7 @@
               <p:cNvPr id="17" name="Right Triangle 16">
                 <a:extLst>
                   <a:ext uri="{FF2B5EF4-FFF2-40B4-BE49-F238E27FC236}">
-                    <a16:creationId xmlns:a16="http://schemas.microsoft.com/office/drawing/2014/main" xmlns="" id="{8DCD5806-2A2F-4ABF-8057-245681C498E6}"/>
+                    <a16:creationId xmlns="" xmlns:a16="http://schemas.microsoft.com/office/drawing/2014/main" id="{8DCD5806-2A2F-4ABF-8057-245681C498E6}"/>
                   </a:ext>
                 </a:extLst>
               </p:cNvPr>
@@ -1152,7 +1152,7 @@
               <p:cNvPr id="18" name="Right Triangle 17">
                 <a:extLst>
                   <a:ext uri="{FF2B5EF4-FFF2-40B4-BE49-F238E27FC236}">
-                    <a16:creationId xmlns:a16="http://schemas.microsoft.com/office/drawing/2014/main" xmlns="" id="{3A93038F-E9E4-4FFD-B3DF-28DB7C2C1490}"/>
+                    <a16:creationId xmlns="" xmlns:a16="http://schemas.microsoft.com/office/drawing/2014/main" id="{3A93038F-E9E4-4FFD-B3DF-28DB7C2C1490}"/>
                   </a:ext>
                 </a:extLst>
               </p:cNvPr>
@@ -1209,7 +1209,7 @@
               <p:cNvPr id="19" name="Right Triangle 18">
                 <a:extLst>
                   <a:ext uri="{FF2B5EF4-FFF2-40B4-BE49-F238E27FC236}">
-                    <a16:creationId xmlns:a16="http://schemas.microsoft.com/office/drawing/2014/main" xmlns="" id="{5DEA1E02-BBD0-4AE3-AF22-433B90272178}"/>
+                    <a16:creationId xmlns="" xmlns:a16="http://schemas.microsoft.com/office/drawing/2014/main" id="{5DEA1E02-BBD0-4AE3-AF22-433B90272178}"/>
                   </a:ext>
                 </a:extLst>
               </p:cNvPr>
@@ -1263,7 +1263,7 @@
               <p:cNvPr id="20" name="Freeform: Shape 19">
                 <a:extLst>
                   <a:ext uri="{FF2B5EF4-FFF2-40B4-BE49-F238E27FC236}">
-                    <a16:creationId xmlns:a16="http://schemas.microsoft.com/office/drawing/2014/main" xmlns="" id="{0027A677-9ACB-4264-B148-4806678FB83F}"/>
+                    <a16:creationId xmlns="" xmlns:a16="http://schemas.microsoft.com/office/drawing/2014/main" id="{0027A677-9ACB-4264-B148-4806678FB83F}"/>
                   </a:ext>
                 </a:extLst>
               </p:cNvPr>
@@ -1426,7 +1426,7 @@
             <p:cNvPr id="9" name="Freeform: Shape 12">
               <a:extLst>
                 <a:ext uri="{FF2B5EF4-FFF2-40B4-BE49-F238E27FC236}">
-                  <a16:creationId xmlns:a16="http://schemas.microsoft.com/office/drawing/2014/main" xmlns="" id="{E3AAB79D-382D-4A95-965E-526B6A681DA7}"/>
+                  <a16:creationId xmlns="" xmlns:a16="http://schemas.microsoft.com/office/drawing/2014/main" id="{E3AAB79D-382D-4A95-965E-526B6A681DA7}"/>
                 </a:ext>
               </a:extLst>
             </p:cNvPr>
@@ -1516,7 +1516,7 @@
             <p:cNvPr id="10" name="Freeform: Shape 9">
               <a:extLst>
                 <a:ext uri="{FF2B5EF4-FFF2-40B4-BE49-F238E27FC236}">
-                  <a16:creationId xmlns:a16="http://schemas.microsoft.com/office/drawing/2014/main" xmlns="" id="{C0A22127-2B4A-4B15-B0A9-F019A30347A1}"/>
+                  <a16:creationId xmlns="" xmlns:a16="http://schemas.microsoft.com/office/drawing/2014/main" id="{C0A22127-2B4A-4B15-B0A9-F019A30347A1}"/>
                 </a:ext>
               </a:extLst>
             </p:cNvPr>
@@ -1619,7 +1619,7 @@
             <p:cNvPr id="11" name="Freeform: Shape 12">
               <a:extLst>
                 <a:ext uri="{FF2B5EF4-FFF2-40B4-BE49-F238E27FC236}">
-                  <a16:creationId xmlns:a16="http://schemas.microsoft.com/office/drawing/2014/main" xmlns="" id="{F04D9FDC-1B67-4254-9535-CD32E81F0C3E}"/>
+                  <a16:creationId xmlns="" xmlns:a16="http://schemas.microsoft.com/office/drawing/2014/main" id="{F04D9FDC-1B67-4254-9535-CD32E81F0C3E}"/>
                 </a:ext>
               </a:extLst>
             </p:cNvPr>
@@ -1717,7 +1717,7 @@
             <p:cNvPr id="12" name="Group 11">
               <a:extLst>
                 <a:ext uri="{FF2B5EF4-FFF2-40B4-BE49-F238E27FC236}">
-                  <a16:creationId xmlns:a16="http://schemas.microsoft.com/office/drawing/2014/main" xmlns="" id="{0A86C4EA-4CF8-4531-845D-4FCB1E2F7422}"/>
+                  <a16:creationId xmlns="" xmlns:a16="http://schemas.microsoft.com/office/drawing/2014/main" id="{0A86C4EA-4CF8-4531-845D-4FCB1E2F7422}"/>
                 </a:ext>
               </a:extLst>
             </p:cNvPr>
@@ -1737,7 +1737,7 @@
               <p:cNvPr id="13" name="Freeform: Shape 12">
                 <a:extLst>
                   <a:ext uri="{FF2B5EF4-FFF2-40B4-BE49-F238E27FC236}">
-                    <a16:creationId xmlns:a16="http://schemas.microsoft.com/office/drawing/2014/main" xmlns="" id="{1101B195-C112-4D20-8D19-4D22479B150D}"/>
+                    <a16:creationId xmlns="" xmlns:a16="http://schemas.microsoft.com/office/drawing/2014/main" id="{1101B195-C112-4D20-8D19-4D22479B150D}"/>
                   </a:ext>
                 </a:extLst>
               </p:cNvPr>
@@ -1827,7 +1827,7 @@
               <p:cNvPr id="14" name="Freeform: Shape 12">
                 <a:extLst>
                   <a:ext uri="{FF2B5EF4-FFF2-40B4-BE49-F238E27FC236}">
-                    <a16:creationId xmlns:a16="http://schemas.microsoft.com/office/drawing/2014/main" xmlns="" id="{CA755F1F-9955-4CBB-8F34-F7801CA44CE7}"/>
+                    <a16:creationId xmlns="" xmlns:a16="http://schemas.microsoft.com/office/drawing/2014/main" id="{CA755F1F-9955-4CBB-8F34-F7801CA44CE7}"/>
                   </a:ext>
                 </a:extLst>
               </p:cNvPr>
@@ -1927,7 +1927,7 @@
           <p:cNvPr id="2" name="Title 1">
             <a:extLst>
               <a:ext uri="{FF2B5EF4-FFF2-40B4-BE49-F238E27FC236}">
-                <a16:creationId xmlns:a16="http://schemas.microsoft.com/office/drawing/2014/main" xmlns="" id="{9E597736-C478-4C26-9BAF-205FE31E977C}"/>
+                <a16:creationId xmlns="" xmlns:a16="http://schemas.microsoft.com/office/drawing/2014/main" id="{9E597736-C478-4C26-9BAF-205FE31E977C}"/>
               </a:ext>
             </a:extLst>
           </p:cNvPr>
@@ -1974,7 +1974,7 @@
           <p:cNvPr id="3" name="Subtitle 2">
             <a:extLst>
               <a:ext uri="{FF2B5EF4-FFF2-40B4-BE49-F238E27FC236}">
-                <a16:creationId xmlns:a16="http://schemas.microsoft.com/office/drawing/2014/main" xmlns="" id="{C3D2DEF0-A0B0-4CFE-B67D-A9D75E2368DC}"/>
+                <a16:creationId xmlns="" xmlns:a16="http://schemas.microsoft.com/office/drawing/2014/main" id="{C3D2DEF0-A0B0-4CFE-B67D-A9D75E2368DC}"/>
               </a:ext>
             </a:extLst>
           </p:cNvPr>
@@ -2019,7 +2019,7 @@
     </p:spTree>
     <p:extLst>
       <p:ext uri="{BB962C8B-B14F-4D97-AF65-F5344CB8AC3E}">
-        <p14:creationId xmlns:p14="http://schemas.microsoft.com/office/powerpoint/2010/main" xmlns="" val="436959625"/>
+        <p14:creationId xmlns="" xmlns:p14="http://schemas.microsoft.com/office/powerpoint/2010/main" val="436959625"/>
       </p:ext>
     </p:extLst>
   </p:cSld>
@@ -2059,7 +2059,7 @@
           <p:cNvPr id="11" name="Rectangle 10">
             <a:extLst>
               <a:ext uri="{FF2B5EF4-FFF2-40B4-BE49-F238E27FC236}">
-                <a16:creationId xmlns:a16="http://schemas.microsoft.com/office/drawing/2014/main" xmlns="" id="{EB3E033F-4449-40FA-BC85-BD2712D313DD}"/>
+                <a16:creationId xmlns="" xmlns:a16="http://schemas.microsoft.com/office/drawing/2014/main" id="{EB3E033F-4449-40FA-BC85-BD2712D313DD}"/>
               </a:ext>
             </a:extLst>
           </p:cNvPr>
@@ -2113,7 +2113,7 @@
           <p:cNvPr id="10" name="Freeform: Shape 9">
             <a:extLst>
               <a:ext uri="{FF2B5EF4-FFF2-40B4-BE49-F238E27FC236}">
-                <a16:creationId xmlns:a16="http://schemas.microsoft.com/office/drawing/2014/main" xmlns="" id="{63D26743-0505-444C-80B3-E88EE87DF72B}"/>
+                <a16:creationId xmlns="" xmlns:a16="http://schemas.microsoft.com/office/drawing/2014/main" id="{63D26743-0505-444C-80B3-E88EE87DF72B}"/>
               </a:ext>
             </a:extLst>
           </p:cNvPr>
@@ -2236,7 +2236,7 @@
           <p:cNvPr id="18" name="Freeform: Shape 17">
             <a:extLst>
               <a:ext uri="{FF2B5EF4-FFF2-40B4-BE49-F238E27FC236}">
-                <a16:creationId xmlns:a16="http://schemas.microsoft.com/office/drawing/2014/main" xmlns="" id="{E37145E9-AC61-47D5-9288-8789940F81B6}"/>
+                <a16:creationId xmlns="" xmlns:a16="http://schemas.microsoft.com/office/drawing/2014/main" id="{E37145E9-AC61-47D5-9288-8789940F81B6}"/>
               </a:ext>
             </a:extLst>
           </p:cNvPr>
@@ -2388,7 +2388,7 @@
           <p:cNvPr id="12" name="Freeform: Shape 11">
             <a:extLst>
               <a:ext uri="{FF2B5EF4-FFF2-40B4-BE49-F238E27FC236}">
-                <a16:creationId xmlns:a16="http://schemas.microsoft.com/office/drawing/2014/main" xmlns="" id="{A5E2B3ED-9A49-40A7-B8A3-62595FE513F9}"/>
+                <a16:creationId xmlns="" xmlns:a16="http://schemas.microsoft.com/office/drawing/2014/main" id="{A5E2B3ED-9A49-40A7-B8A3-62595FE513F9}"/>
               </a:ext>
             </a:extLst>
           </p:cNvPr>
@@ -2538,7 +2538,7 @@
           <p:cNvPr id="8" name="Freeform: Shape 7">
             <a:extLst>
               <a:ext uri="{FF2B5EF4-FFF2-40B4-BE49-F238E27FC236}">
-                <a16:creationId xmlns:a16="http://schemas.microsoft.com/office/drawing/2014/main" xmlns="" id="{1599AF7E-3E34-4597-AA72-9373A7FDB020}"/>
+                <a16:creationId xmlns="" xmlns:a16="http://schemas.microsoft.com/office/drawing/2014/main" id="{1599AF7E-3E34-4597-AA72-9373A7FDB020}"/>
               </a:ext>
             </a:extLst>
           </p:cNvPr>
@@ -2684,7 +2684,7 @@
           <p:cNvPr id="2" name="Title 1">
             <a:extLst>
               <a:ext uri="{FF2B5EF4-FFF2-40B4-BE49-F238E27FC236}">
-                <a16:creationId xmlns:a16="http://schemas.microsoft.com/office/drawing/2014/main" xmlns="" id="{4A2DF563-7FAC-46B3-B24C-7E45CD89DA2B}"/>
+                <a16:creationId xmlns="" xmlns:a16="http://schemas.microsoft.com/office/drawing/2014/main" id="{4A2DF563-7FAC-46B3-B24C-7E45CD89DA2B}"/>
               </a:ext>
             </a:extLst>
           </p:cNvPr>
@@ -2729,7 +2729,7 @@
           <p:cNvPr id="15" name="Group 14">
             <a:extLst>
               <a:ext uri="{FF2B5EF4-FFF2-40B4-BE49-F238E27FC236}">
-                <a16:creationId xmlns:a16="http://schemas.microsoft.com/office/drawing/2014/main" xmlns="" id="{7732E1E7-45E3-4264-8F26-66758696DD1E}"/>
+                <a16:creationId xmlns="" xmlns:a16="http://schemas.microsoft.com/office/drawing/2014/main" id="{7732E1E7-45E3-4264-8F26-66758696DD1E}"/>
               </a:ext>
             </a:extLst>
           </p:cNvPr>
@@ -2749,7 +2749,7 @@
             <p:cNvPr id="16" name="Freeform: Shape 15">
               <a:extLst>
                 <a:ext uri="{FF2B5EF4-FFF2-40B4-BE49-F238E27FC236}">
-                  <a16:creationId xmlns:a16="http://schemas.microsoft.com/office/drawing/2014/main" xmlns="" id="{2E3DF883-8093-49FA-81E1-E5D77F086A25}"/>
+                  <a16:creationId xmlns="" xmlns:a16="http://schemas.microsoft.com/office/drawing/2014/main" id="{2E3DF883-8093-49FA-81E1-E5D77F086A25}"/>
                 </a:ext>
               </a:extLst>
             </p:cNvPr>
@@ -2839,7 +2839,7 @@
             <p:cNvPr id="17" name="Freeform: Shape 16">
               <a:extLst>
                 <a:ext uri="{FF2B5EF4-FFF2-40B4-BE49-F238E27FC236}">
-                  <a16:creationId xmlns:a16="http://schemas.microsoft.com/office/drawing/2014/main" xmlns="" id="{18944C90-37E5-4BBE-89FF-060627168050}"/>
+                  <a16:creationId xmlns="" xmlns:a16="http://schemas.microsoft.com/office/drawing/2014/main" id="{18944C90-37E5-4BBE-89FF-060627168050}"/>
                 </a:ext>
               </a:extLst>
             </p:cNvPr>
@@ -2938,7 +2938,7 @@
           <p:cNvPr id="6" name="Group 5">
             <a:extLst>
               <a:ext uri="{FF2B5EF4-FFF2-40B4-BE49-F238E27FC236}">
-                <a16:creationId xmlns:a16="http://schemas.microsoft.com/office/drawing/2014/main" xmlns="" id="{D9EBF8BB-A805-4DDB-B459-082F99815B95}"/>
+                <a16:creationId xmlns="" xmlns:a16="http://schemas.microsoft.com/office/drawing/2014/main" id="{D9EBF8BB-A805-4DDB-B459-082F99815B95}"/>
               </a:ext>
             </a:extLst>
           </p:cNvPr>
@@ -2958,7 +2958,7 @@
             <p:cNvPr id="19" name="Rectangle: Single Corner Snipped 18">
               <a:extLst>
                 <a:ext uri="{FF2B5EF4-FFF2-40B4-BE49-F238E27FC236}">
-                  <a16:creationId xmlns:a16="http://schemas.microsoft.com/office/drawing/2014/main" xmlns="" id="{5D638788-DD47-45E7-939A-FA108A818173}"/>
+                  <a16:creationId xmlns="" xmlns:a16="http://schemas.microsoft.com/office/drawing/2014/main" id="{5D638788-DD47-45E7-939A-FA108A818173}"/>
                 </a:ext>
               </a:extLst>
             </p:cNvPr>
@@ -3024,7 +3024,7 @@
             <p:cNvPr id="3" name="Rectangle: Single Corner Snipped 2">
               <a:extLst>
                 <a:ext uri="{FF2B5EF4-FFF2-40B4-BE49-F238E27FC236}">
-                  <a16:creationId xmlns:a16="http://schemas.microsoft.com/office/drawing/2014/main" xmlns="" id="{74BDECEF-EEFE-4332-B3B2-BDE4F82C10FC}"/>
+                  <a16:creationId xmlns="" xmlns:a16="http://schemas.microsoft.com/office/drawing/2014/main" id="{74BDECEF-EEFE-4332-B3B2-BDE4F82C10FC}"/>
                 </a:ext>
               </a:extLst>
             </p:cNvPr>
@@ -3081,7 +3081,7 @@
           <p:cNvPr id="24" name="Freeform: Shape 23">
             <a:extLst>
               <a:ext uri="{FF2B5EF4-FFF2-40B4-BE49-F238E27FC236}">
-                <a16:creationId xmlns:a16="http://schemas.microsoft.com/office/drawing/2014/main" xmlns="" id="{18103E00-7E4A-44CD-81AC-06433CAE1110}"/>
+                <a16:creationId xmlns="" xmlns:a16="http://schemas.microsoft.com/office/drawing/2014/main" id="{18103E00-7E4A-44CD-81AC-06433CAE1110}"/>
               </a:ext>
             </a:extLst>
           </p:cNvPr>
@@ -3176,7 +3176,7 @@
           <p:cNvPr id="5" name="Slide Number Placeholder 4">
             <a:extLst>
               <a:ext uri="{FF2B5EF4-FFF2-40B4-BE49-F238E27FC236}">
-                <a16:creationId xmlns:a16="http://schemas.microsoft.com/office/drawing/2014/main" xmlns="" id="{87B51822-97FF-47A7-8E4E-A0F79B4EB237}"/>
+                <a16:creationId xmlns="" xmlns:a16="http://schemas.microsoft.com/office/drawing/2014/main" id="{87B51822-97FF-47A7-8E4E-A0F79B4EB237}"/>
               </a:ext>
             </a:extLst>
           </p:cNvPr>
@@ -3220,7 +3220,7 @@
           <p:cNvPr id="20" name="Content Placeholder 2">
             <a:extLst>
               <a:ext uri="{FF2B5EF4-FFF2-40B4-BE49-F238E27FC236}">
-                <a16:creationId xmlns:a16="http://schemas.microsoft.com/office/drawing/2014/main" xmlns="" id="{FE796BFF-6E5F-4DE7-B193-F501FC094D63}"/>
+                <a16:creationId xmlns="" xmlns:a16="http://schemas.microsoft.com/office/drawing/2014/main" id="{FE796BFF-6E5F-4DE7-B193-F501FC094D63}"/>
               </a:ext>
             </a:extLst>
           </p:cNvPr>
@@ -3330,7 +3330,7 @@
           <p:cNvPr id="21" name="Content Placeholder 3">
             <a:extLst>
               <a:ext uri="{FF2B5EF4-FFF2-40B4-BE49-F238E27FC236}">
-                <a16:creationId xmlns:a16="http://schemas.microsoft.com/office/drawing/2014/main" xmlns="" id="{78622754-CA4D-4C27-A37F-B26E7B4C9CA2}"/>
+                <a16:creationId xmlns="" xmlns:a16="http://schemas.microsoft.com/office/drawing/2014/main" id="{78622754-CA4D-4C27-A37F-B26E7B4C9CA2}"/>
               </a:ext>
             </a:extLst>
           </p:cNvPr>
@@ -3428,7 +3428,7 @@
     </p:spTree>
     <p:extLst>
       <p:ext uri="{BB962C8B-B14F-4D97-AF65-F5344CB8AC3E}">
-        <p14:creationId xmlns:p14="http://schemas.microsoft.com/office/powerpoint/2010/main" xmlns="" val="999597857"/>
+        <p14:creationId xmlns="" xmlns:p14="http://schemas.microsoft.com/office/powerpoint/2010/main" val="999597857"/>
       </p:ext>
     </p:extLst>
   </p:cSld>
@@ -3468,7 +3468,7 @@
           <p:cNvPr id="11" name="Rectangle 10">
             <a:extLst>
               <a:ext uri="{FF2B5EF4-FFF2-40B4-BE49-F238E27FC236}">
-                <a16:creationId xmlns:a16="http://schemas.microsoft.com/office/drawing/2014/main" xmlns="" id="{EB3E033F-4449-40FA-BC85-BD2712D313DD}"/>
+                <a16:creationId xmlns="" xmlns:a16="http://schemas.microsoft.com/office/drawing/2014/main" id="{EB3E033F-4449-40FA-BC85-BD2712D313DD}"/>
               </a:ext>
             </a:extLst>
           </p:cNvPr>
@@ -3522,7 +3522,7 @@
           <p:cNvPr id="10" name="Freeform: Shape 9">
             <a:extLst>
               <a:ext uri="{FF2B5EF4-FFF2-40B4-BE49-F238E27FC236}">
-                <a16:creationId xmlns:a16="http://schemas.microsoft.com/office/drawing/2014/main" xmlns="" id="{63D26743-0505-444C-80B3-E88EE87DF72B}"/>
+                <a16:creationId xmlns="" xmlns:a16="http://schemas.microsoft.com/office/drawing/2014/main" id="{63D26743-0505-444C-80B3-E88EE87DF72B}"/>
               </a:ext>
             </a:extLst>
           </p:cNvPr>
@@ -3645,7 +3645,7 @@
           <p:cNvPr id="18" name="Freeform: Shape 17">
             <a:extLst>
               <a:ext uri="{FF2B5EF4-FFF2-40B4-BE49-F238E27FC236}">
-                <a16:creationId xmlns:a16="http://schemas.microsoft.com/office/drawing/2014/main" xmlns="" id="{E37145E9-AC61-47D5-9288-8789940F81B6}"/>
+                <a16:creationId xmlns="" xmlns:a16="http://schemas.microsoft.com/office/drawing/2014/main" id="{E37145E9-AC61-47D5-9288-8789940F81B6}"/>
               </a:ext>
             </a:extLst>
           </p:cNvPr>
@@ -3797,7 +3797,7 @@
           <p:cNvPr id="12" name="Freeform: Shape 11">
             <a:extLst>
               <a:ext uri="{FF2B5EF4-FFF2-40B4-BE49-F238E27FC236}">
-                <a16:creationId xmlns:a16="http://schemas.microsoft.com/office/drawing/2014/main" xmlns="" id="{A5E2B3ED-9A49-40A7-B8A3-62595FE513F9}"/>
+                <a16:creationId xmlns="" xmlns:a16="http://schemas.microsoft.com/office/drawing/2014/main" id="{A5E2B3ED-9A49-40A7-B8A3-62595FE513F9}"/>
               </a:ext>
             </a:extLst>
           </p:cNvPr>
@@ -3947,7 +3947,7 @@
           <p:cNvPr id="8" name="Freeform: Shape 7">
             <a:extLst>
               <a:ext uri="{FF2B5EF4-FFF2-40B4-BE49-F238E27FC236}">
-                <a16:creationId xmlns:a16="http://schemas.microsoft.com/office/drawing/2014/main" xmlns="" id="{1599AF7E-3E34-4597-AA72-9373A7FDB020}"/>
+                <a16:creationId xmlns="" xmlns:a16="http://schemas.microsoft.com/office/drawing/2014/main" id="{1599AF7E-3E34-4597-AA72-9373A7FDB020}"/>
               </a:ext>
             </a:extLst>
           </p:cNvPr>
@@ -4093,7 +4093,7 @@
           <p:cNvPr id="2" name="Title 1">
             <a:extLst>
               <a:ext uri="{FF2B5EF4-FFF2-40B4-BE49-F238E27FC236}">
-                <a16:creationId xmlns:a16="http://schemas.microsoft.com/office/drawing/2014/main" xmlns="" id="{4A2DF563-7FAC-46B3-B24C-7E45CD89DA2B}"/>
+                <a16:creationId xmlns="" xmlns:a16="http://schemas.microsoft.com/office/drawing/2014/main" id="{4A2DF563-7FAC-46B3-B24C-7E45CD89DA2B}"/>
               </a:ext>
             </a:extLst>
           </p:cNvPr>
@@ -4138,7 +4138,7 @@
           <p:cNvPr id="15" name="Group 14">
             <a:extLst>
               <a:ext uri="{FF2B5EF4-FFF2-40B4-BE49-F238E27FC236}">
-                <a16:creationId xmlns:a16="http://schemas.microsoft.com/office/drawing/2014/main" xmlns="" id="{7732E1E7-45E3-4264-8F26-66758696DD1E}"/>
+                <a16:creationId xmlns="" xmlns:a16="http://schemas.microsoft.com/office/drawing/2014/main" id="{7732E1E7-45E3-4264-8F26-66758696DD1E}"/>
               </a:ext>
             </a:extLst>
           </p:cNvPr>
@@ -4158,7 +4158,7 @@
             <p:cNvPr id="16" name="Freeform: Shape 15">
               <a:extLst>
                 <a:ext uri="{FF2B5EF4-FFF2-40B4-BE49-F238E27FC236}">
-                  <a16:creationId xmlns:a16="http://schemas.microsoft.com/office/drawing/2014/main" xmlns="" id="{2E3DF883-8093-49FA-81E1-E5D77F086A25}"/>
+                  <a16:creationId xmlns="" xmlns:a16="http://schemas.microsoft.com/office/drawing/2014/main" id="{2E3DF883-8093-49FA-81E1-E5D77F086A25}"/>
                 </a:ext>
               </a:extLst>
             </p:cNvPr>
@@ -4248,7 +4248,7 @@
             <p:cNvPr id="17" name="Freeform: Shape 16">
               <a:extLst>
                 <a:ext uri="{FF2B5EF4-FFF2-40B4-BE49-F238E27FC236}">
-                  <a16:creationId xmlns:a16="http://schemas.microsoft.com/office/drawing/2014/main" xmlns="" id="{18944C90-37E5-4BBE-89FF-060627168050}"/>
+                  <a16:creationId xmlns="" xmlns:a16="http://schemas.microsoft.com/office/drawing/2014/main" id="{18944C90-37E5-4BBE-89FF-060627168050}"/>
                 </a:ext>
               </a:extLst>
             </p:cNvPr>
@@ -4347,7 +4347,7 @@
           <p:cNvPr id="6" name="Group 5">
             <a:extLst>
               <a:ext uri="{FF2B5EF4-FFF2-40B4-BE49-F238E27FC236}">
-                <a16:creationId xmlns:a16="http://schemas.microsoft.com/office/drawing/2014/main" xmlns="" id="{D9EBF8BB-A805-4DDB-B459-082F99815B95}"/>
+                <a16:creationId xmlns="" xmlns:a16="http://schemas.microsoft.com/office/drawing/2014/main" id="{D9EBF8BB-A805-4DDB-B459-082F99815B95}"/>
               </a:ext>
             </a:extLst>
           </p:cNvPr>
@@ -4367,7 +4367,7 @@
             <p:cNvPr id="19" name="Rectangle: Single Corner Snipped 18">
               <a:extLst>
                 <a:ext uri="{FF2B5EF4-FFF2-40B4-BE49-F238E27FC236}">
-                  <a16:creationId xmlns:a16="http://schemas.microsoft.com/office/drawing/2014/main" xmlns="" id="{5D638788-DD47-45E7-939A-FA108A818173}"/>
+                  <a16:creationId xmlns="" xmlns:a16="http://schemas.microsoft.com/office/drawing/2014/main" id="{5D638788-DD47-45E7-939A-FA108A818173}"/>
                 </a:ext>
               </a:extLst>
             </p:cNvPr>
@@ -4428,7 +4428,7 @@
             <p:cNvPr id="3" name="Rectangle: Single Corner Snipped 2">
               <a:extLst>
                 <a:ext uri="{FF2B5EF4-FFF2-40B4-BE49-F238E27FC236}">
-                  <a16:creationId xmlns:a16="http://schemas.microsoft.com/office/drawing/2014/main" xmlns="" id="{74BDECEF-EEFE-4332-B3B2-BDE4F82C10FC}"/>
+                  <a16:creationId xmlns="" xmlns:a16="http://schemas.microsoft.com/office/drawing/2014/main" id="{74BDECEF-EEFE-4332-B3B2-BDE4F82C10FC}"/>
                 </a:ext>
               </a:extLst>
             </p:cNvPr>
@@ -4485,7 +4485,7 @@
           <p:cNvPr id="20" name="Picture Placeholder 8">
             <a:extLst>
               <a:ext uri="{FF2B5EF4-FFF2-40B4-BE49-F238E27FC236}">
-                <a16:creationId xmlns:a16="http://schemas.microsoft.com/office/drawing/2014/main" xmlns="" id="{6D00E6B4-1CBE-404E-B943-5F1832320C1C}"/>
+                <a16:creationId xmlns="" xmlns:a16="http://schemas.microsoft.com/office/drawing/2014/main" id="{6D00E6B4-1CBE-404E-B943-5F1832320C1C}"/>
               </a:ext>
             </a:extLst>
           </p:cNvPr>
@@ -4547,7 +4547,7 @@
           <p:cNvPr id="21" name="Picture Placeholder 8">
             <a:extLst>
               <a:ext uri="{FF2B5EF4-FFF2-40B4-BE49-F238E27FC236}">
-                <a16:creationId xmlns:a16="http://schemas.microsoft.com/office/drawing/2014/main" xmlns="" id="{7CD59BFD-62BE-4E33-92A5-B84A2A9A8D3B}"/>
+                <a16:creationId xmlns="" xmlns:a16="http://schemas.microsoft.com/office/drawing/2014/main" id="{7CD59BFD-62BE-4E33-92A5-B84A2A9A8D3B}"/>
               </a:ext>
             </a:extLst>
           </p:cNvPr>
@@ -4609,7 +4609,7 @@
           <p:cNvPr id="22" name="Picture Placeholder 8">
             <a:extLst>
               <a:ext uri="{FF2B5EF4-FFF2-40B4-BE49-F238E27FC236}">
-                <a16:creationId xmlns:a16="http://schemas.microsoft.com/office/drawing/2014/main" xmlns="" id="{60DC5978-55B8-421D-91B4-29F8210A7B2C}"/>
+                <a16:creationId xmlns="" xmlns:a16="http://schemas.microsoft.com/office/drawing/2014/main" id="{60DC5978-55B8-421D-91B4-29F8210A7B2C}"/>
               </a:ext>
             </a:extLst>
           </p:cNvPr>
@@ -4671,7 +4671,7 @@
           <p:cNvPr id="23" name="Picture Placeholder 8">
             <a:extLst>
               <a:ext uri="{FF2B5EF4-FFF2-40B4-BE49-F238E27FC236}">
-                <a16:creationId xmlns:a16="http://schemas.microsoft.com/office/drawing/2014/main" xmlns="" id="{BE3FB8C3-2C7E-4C59-8BD5-53FA2772DB56}"/>
+                <a16:creationId xmlns="" xmlns:a16="http://schemas.microsoft.com/office/drawing/2014/main" id="{BE3FB8C3-2C7E-4C59-8BD5-53FA2772DB56}"/>
               </a:ext>
             </a:extLst>
           </p:cNvPr>
@@ -4733,7 +4733,7 @@
           <p:cNvPr id="24" name="Picture Placeholder 8">
             <a:extLst>
               <a:ext uri="{FF2B5EF4-FFF2-40B4-BE49-F238E27FC236}">
-                <a16:creationId xmlns:a16="http://schemas.microsoft.com/office/drawing/2014/main" xmlns="" id="{FD8FA9DA-C36B-4889-B88F-28B5829E53E2}"/>
+                <a16:creationId xmlns="" xmlns:a16="http://schemas.microsoft.com/office/drawing/2014/main" id="{FD8FA9DA-C36B-4889-B88F-28B5829E53E2}"/>
               </a:ext>
             </a:extLst>
           </p:cNvPr>
@@ -4795,7 +4795,7 @@
           <p:cNvPr id="26" name="Text Placeholder 22">
             <a:extLst>
               <a:ext uri="{FF2B5EF4-FFF2-40B4-BE49-F238E27FC236}">
-                <a16:creationId xmlns:a16="http://schemas.microsoft.com/office/drawing/2014/main" xmlns="" id="{2A19101D-7C37-42BF-8167-5391EA65EC3A}"/>
+                <a16:creationId xmlns="" xmlns:a16="http://schemas.microsoft.com/office/drawing/2014/main" id="{2A19101D-7C37-42BF-8167-5391EA65EC3A}"/>
               </a:ext>
             </a:extLst>
           </p:cNvPr>
@@ -4905,7 +4905,7 @@
           <p:cNvPr id="27" name="Text Placeholder 22">
             <a:extLst>
               <a:ext uri="{FF2B5EF4-FFF2-40B4-BE49-F238E27FC236}">
-                <a16:creationId xmlns:a16="http://schemas.microsoft.com/office/drawing/2014/main" xmlns="" id="{05F72315-51A9-431C-B80A-45E4FB1D6BD6}"/>
+                <a16:creationId xmlns="" xmlns:a16="http://schemas.microsoft.com/office/drawing/2014/main" id="{05F72315-51A9-431C-B80A-45E4FB1D6BD6}"/>
               </a:ext>
             </a:extLst>
           </p:cNvPr>
@@ -5015,7 +5015,7 @@
           <p:cNvPr id="28" name="Text Placeholder 22">
             <a:extLst>
               <a:ext uri="{FF2B5EF4-FFF2-40B4-BE49-F238E27FC236}">
-                <a16:creationId xmlns:a16="http://schemas.microsoft.com/office/drawing/2014/main" xmlns="" id="{883D1F0C-34F1-46E1-B178-E4AB82B14631}"/>
+                <a16:creationId xmlns="" xmlns:a16="http://schemas.microsoft.com/office/drawing/2014/main" id="{883D1F0C-34F1-46E1-B178-E4AB82B14631}"/>
               </a:ext>
             </a:extLst>
           </p:cNvPr>
@@ -5125,7 +5125,7 @@
           <p:cNvPr id="29" name="Text Placeholder 22">
             <a:extLst>
               <a:ext uri="{FF2B5EF4-FFF2-40B4-BE49-F238E27FC236}">
-                <a16:creationId xmlns:a16="http://schemas.microsoft.com/office/drawing/2014/main" xmlns="" id="{7202A849-DF14-40E7-B38D-1185F72603EC}"/>
+                <a16:creationId xmlns="" xmlns:a16="http://schemas.microsoft.com/office/drawing/2014/main" id="{7202A849-DF14-40E7-B38D-1185F72603EC}"/>
               </a:ext>
             </a:extLst>
           </p:cNvPr>
@@ -5235,7 +5235,7 @@
           <p:cNvPr id="30" name="Text Placeholder 22">
             <a:extLst>
               <a:ext uri="{FF2B5EF4-FFF2-40B4-BE49-F238E27FC236}">
-                <a16:creationId xmlns:a16="http://schemas.microsoft.com/office/drawing/2014/main" xmlns="" id="{CCFC1ADF-AC11-4CCD-AC2D-478B6FFEA5EA}"/>
+                <a16:creationId xmlns="" xmlns:a16="http://schemas.microsoft.com/office/drawing/2014/main" id="{CCFC1ADF-AC11-4CCD-AC2D-478B6FFEA5EA}"/>
               </a:ext>
             </a:extLst>
           </p:cNvPr>
@@ -5345,7 +5345,7 @@
           <p:cNvPr id="7" name="Straight Connector 6">
             <a:extLst>
               <a:ext uri="{FF2B5EF4-FFF2-40B4-BE49-F238E27FC236}">
-                <a16:creationId xmlns:a16="http://schemas.microsoft.com/office/drawing/2014/main" xmlns="" id="{2B4CB326-DA0E-488E-B236-7017E8438FBB}"/>
+                <a16:creationId xmlns="" xmlns:a16="http://schemas.microsoft.com/office/drawing/2014/main" id="{2B4CB326-DA0E-488E-B236-7017E8438FBB}"/>
               </a:ext>
             </a:extLst>
           </p:cNvPr>
@@ -5386,7 +5386,7 @@
           <p:cNvPr id="31" name="Straight Connector 30">
             <a:extLst>
               <a:ext uri="{FF2B5EF4-FFF2-40B4-BE49-F238E27FC236}">
-                <a16:creationId xmlns:a16="http://schemas.microsoft.com/office/drawing/2014/main" xmlns="" id="{9366B533-7212-4A36-9CE2-D6302E721F8F}"/>
+                <a16:creationId xmlns="" xmlns:a16="http://schemas.microsoft.com/office/drawing/2014/main" id="{9366B533-7212-4A36-9CE2-D6302E721F8F}"/>
               </a:ext>
             </a:extLst>
           </p:cNvPr>
@@ -5427,7 +5427,7 @@
           <p:cNvPr id="32" name="Straight Connector 31">
             <a:extLst>
               <a:ext uri="{FF2B5EF4-FFF2-40B4-BE49-F238E27FC236}">
-                <a16:creationId xmlns:a16="http://schemas.microsoft.com/office/drawing/2014/main" xmlns="" id="{AD7474CD-E230-4E14-8274-5E20F673F401}"/>
+                <a16:creationId xmlns="" xmlns:a16="http://schemas.microsoft.com/office/drawing/2014/main" id="{AD7474CD-E230-4E14-8274-5E20F673F401}"/>
               </a:ext>
             </a:extLst>
           </p:cNvPr>
@@ -5468,7 +5468,7 @@
           <p:cNvPr id="33" name="Straight Connector 32">
             <a:extLst>
               <a:ext uri="{FF2B5EF4-FFF2-40B4-BE49-F238E27FC236}">
-                <a16:creationId xmlns:a16="http://schemas.microsoft.com/office/drawing/2014/main" xmlns="" id="{6BF71FCE-6F39-4D2F-82BE-7D9F1D2ED59F}"/>
+                <a16:creationId xmlns="" xmlns:a16="http://schemas.microsoft.com/office/drawing/2014/main" id="{6BF71FCE-6F39-4D2F-82BE-7D9F1D2ED59F}"/>
               </a:ext>
             </a:extLst>
           </p:cNvPr>
@@ -5509,7 +5509,7 @@
           <p:cNvPr id="34" name="Straight Connector 33">
             <a:extLst>
               <a:ext uri="{FF2B5EF4-FFF2-40B4-BE49-F238E27FC236}">
-                <a16:creationId xmlns:a16="http://schemas.microsoft.com/office/drawing/2014/main" xmlns="" id="{AE97AC7A-17D9-4F42-9DD0-94FE4FC6BF19}"/>
+                <a16:creationId xmlns="" xmlns:a16="http://schemas.microsoft.com/office/drawing/2014/main" id="{AE97AC7A-17D9-4F42-9DD0-94FE4FC6BF19}"/>
               </a:ext>
             </a:extLst>
           </p:cNvPr>
@@ -5550,7 +5550,7 @@
           <p:cNvPr id="35" name="Freeform: Shape 34">
             <a:extLst>
               <a:ext uri="{FF2B5EF4-FFF2-40B4-BE49-F238E27FC236}">
-                <a16:creationId xmlns:a16="http://schemas.microsoft.com/office/drawing/2014/main" xmlns="" id="{62EEBF51-DCAD-4335-85E9-52801031A1BF}"/>
+                <a16:creationId xmlns="" xmlns:a16="http://schemas.microsoft.com/office/drawing/2014/main" id="{62EEBF51-DCAD-4335-85E9-52801031A1BF}"/>
               </a:ext>
             </a:extLst>
           </p:cNvPr>
@@ -5645,7 +5645,7 @@
           <p:cNvPr id="5" name="Slide Number Placeholder 4">
             <a:extLst>
               <a:ext uri="{FF2B5EF4-FFF2-40B4-BE49-F238E27FC236}">
-                <a16:creationId xmlns:a16="http://schemas.microsoft.com/office/drawing/2014/main" xmlns="" id="{87B51822-97FF-47A7-8E4E-A0F79B4EB237}"/>
+                <a16:creationId xmlns="" xmlns:a16="http://schemas.microsoft.com/office/drawing/2014/main" id="{87B51822-97FF-47A7-8E4E-A0F79B4EB237}"/>
               </a:ext>
             </a:extLst>
           </p:cNvPr>
@@ -5687,7 +5687,7 @@
     </p:spTree>
     <p:extLst>
       <p:ext uri="{BB962C8B-B14F-4D97-AF65-F5344CB8AC3E}">
-        <p14:creationId xmlns:p14="http://schemas.microsoft.com/office/powerpoint/2010/main" xmlns="" val="476266371"/>
+        <p14:creationId xmlns="" xmlns:p14="http://schemas.microsoft.com/office/powerpoint/2010/main" val="476266371"/>
       </p:ext>
     </p:extLst>
   </p:cSld>
@@ -5727,7 +5727,7 @@
           <p:cNvPr id="11" name="Rectangle 10">
             <a:extLst>
               <a:ext uri="{FF2B5EF4-FFF2-40B4-BE49-F238E27FC236}">
-                <a16:creationId xmlns:a16="http://schemas.microsoft.com/office/drawing/2014/main" xmlns="" id="{EB3E033F-4449-40FA-BC85-BD2712D313DD}"/>
+                <a16:creationId xmlns="" xmlns:a16="http://schemas.microsoft.com/office/drawing/2014/main" id="{EB3E033F-4449-40FA-BC85-BD2712D313DD}"/>
               </a:ext>
             </a:extLst>
           </p:cNvPr>
@@ -5781,7 +5781,7 @@
           <p:cNvPr id="10" name="Freeform: Shape 9">
             <a:extLst>
               <a:ext uri="{FF2B5EF4-FFF2-40B4-BE49-F238E27FC236}">
-                <a16:creationId xmlns:a16="http://schemas.microsoft.com/office/drawing/2014/main" xmlns="" id="{63D26743-0505-444C-80B3-E88EE87DF72B}"/>
+                <a16:creationId xmlns="" xmlns:a16="http://schemas.microsoft.com/office/drawing/2014/main" id="{63D26743-0505-444C-80B3-E88EE87DF72B}"/>
               </a:ext>
             </a:extLst>
           </p:cNvPr>
@@ -5904,7 +5904,7 @@
           <p:cNvPr id="18" name="Freeform: Shape 17">
             <a:extLst>
               <a:ext uri="{FF2B5EF4-FFF2-40B4-BE49-F238E27FC236}">
-                <a16:creationId xmlns:a16="http://schemas.microsoft.com/office/drawing/2014/main" xmlns="" id="{E37145E9-AC61-47D5-9288-8789940F81B6}"/>
+                <a16:creationId xmlns="" xmlns:a16="http://schemas.microsoft.com/office/drawing/2014/main" id="{E37145E9-AC61-47D5-9288-8789940F81B6}"/>
               </a:ext>
             </a:extLst>
           </p:cNvPr>
@@ -6056,7 +6056,7 @@
           <p:cNvPr id="12" name="Freeform: Shape 11">
             <a:extLst>
               <a:ext uri="{FF2B5EF4-FFF2-40B4-BE49-F238E27FC236}">
-                <a16:creationId xmlns:a16="http://schemas.microsoft.com/office/drawing/2014/main" xmlns="" id="{A5E2B3ED-9A49-40A7-B8A3-62595FE513F9}"/>
+                <a16:creationId xmlns="" xmlns:a16="http://schemas.microsoft.com/office/drawing/2014/main" id="{A5E2B3ED-9A49-40A7-B8A3-62595FE513F9}"/>
               </a:ext>
             </a:extLst>
           </p:cNvPr>
@@ -6206,7 +6206,7 @@
           <p:cNvPr id="8" name="Freeform: Shape 7">
             <a:extLst>
               <a:ext uri="{FF2B5EF4-FFF2-40B4-BE49-F238E27FC236}">
-                <a16:creationId xmlns:a16="http://schemas.microsoft.com/office/drawing/2014/main" xmlns="" id="{1599AF7E-3E34-4597-AA72-9373A7FDB020}"/>
+                <a16:creationId xmlns="" xmlns:a16="http://schemas.microsoft.com/office/drawing/2014/main" id="{1599AF7E-3E34-4597-AA72-9373A7FDB020}"/>
               </a:ext>
             </a:extLst>
           </p:cNvPr>
@@ -6352,7 +6352,7 @@
           <p:cNvPr id="2" name="Title 1">
             <a:extLst>
               <a:ext uri="{FF2B5EF4-FFF2-40B4-BE49-F238E27FC236}">
-                <a16:creationId xmlns:a16="http://schemas.microsoft.com/office/drawing/2014/main" xmlns="" id="{4A2DF563-7FAC-46B3-B24C-7E45CD89DA2B}"/>
+                <a16:creationId xmlns="" xmlns:a16="http://schemas.microsoft.com/office/drawing/2014/main" id="{4A2DF563-7FAC-46B3-B24C-7E45CD89DA2B}"/>
               </a:ext>
             </a:extLst>
           </p:cNvPr>
@@ -6397,7 +6397,7 @@
           <p:cNvPr id="15" name="Group 14">
             <a:extLst>
               <a:ext uri="{FF2B5EF4-FFF2-40B4-BE49-F238E27FC236}">
-                <a16:creationId xmlns:a16="http://schemas.microsoft.com/office/drawing/2014/main" xmlns="" id="{7732E1E7-45E3-4264-8F26-66758696DD1E}"/>
+                <a16:creationId xmlns="" xmlns:a16="http://schemas.microsoft.com/office/drawing/2014/main" id="{7732E1E7-45E3-4264-8F26-66758696DD1E}"/>
               </a:ext>
             </a:extLst>
           </p:cNvPr>
@@ -6417,7 +6417,7 @@
             <p:cNvPr id="16" name="Freeform: Shape 15">
               <a:extLst>
                 <a:ext uri="{FF2B5EF4-FFF2-40B4-BE49-F238E27FC236}">
-                  <a16:creationId xmlns:a16="http://schemas.microsoft.com/office/drawing/2014/main" xmlns="" id="{2E3DF883-8093-49FA-81E1-E5D77F086A25}"/>
+                  <a16:creationId xmlns="" xmlns:a16="http://schemas.microsoft.com/office/drawing/2014/main" id="{2E3DF883-8093-49FA-81E1-E5D77F086A25}"/>
                 </a:ext>
               </a:extLst>
             </p:cNvPr>
@@ -6507,7 +6507,7 @@
             <p:cNvPr id="17" name="Freeform: Shape 16">
               <a:extLst>
                 <a:ext uri="{FF2B5EF4-FFF2-40B4-BE49-F238E27FC236}">
-                  <a16:creationId xmlns:a16="http://schemas.microsoft.com/office/drawing/2014/main" xmlns="" id="{18944C90-37E5-4BBE-89FF-060627168050}"/>
+                  <a16:creationId xmlns="" xmlns:a16="http://schemas.microsoft.com/office/drawing/2014/main" id="{18944C90-37E5-4BBE-89FF-060627168050}"/>
                 </a:ext>
               </a:extLst>
             </p:cNvPr>
@@ -6606,7 +6606,7 @@
           <p:cNvPr id="6" name="Group 5">
             <a:extLst>
               <a:ext uri="{FF2B5EF4-FFF2-40B4-BE49-F238E27FC236}">
-                <a16:creationId xmlns:a16="http://schemas.microsoft.com/office/drawing/2014/main" xmlns="" id="{D9EBF8BB-A805-4DDB-B459-082F99815B95}"/>
+                <a16:creationId xmlns="" xmlns:a16="http://schemas.microsoft.com/office/drawing/2014/main" id="{D9EBF8BB-A805-4DDB-B459-082F99815B95}"/>
               </a:ext>
             </a:extLst>
           </p:cNvPr>
@@ -6626,7 +6626,7 @@
             <p:cNvPr id="19" name="Rectangle: Single Corner Snipped 18">
               <a:extLst>
                 <a:ext uri="{FF2B5EF4-FFF2-40B4-BE49-F238E27FC236}">
-                  <a16:creationId xmlns:a16="http://schemas.microsoft.com/office/drawing/2014/main" xmlns="" id="{5D638788-DD47-45E7-939A-FA108A818173}"/>
+                  <a16:creationId xmlns="" xmlns:a16="http://schemas.microsoft.com/office/drawing/2014/main" id="{5D638788-DD47-45E7-939A-FA108A818173}"/>
                 </a:ext>
               </a:extLst>
             </p:cNvPr>
@@ -6687,7 +6687,7 @@
             <p:cNvPr id="3" name="Rectangle: Single Corner Snipped 2">
               <a:extLst>
                 <a:ext uri="{FF2B5EF4-FFF2-40B4-BE49-F238E27FC236}">
-                  <a16:creationId xmlns:a16="http://schemas.microsoft.com/office/drawing/2014/main" xmlns="" id="{74BDECEF-EEFE-4332-B3B2-BDE4F82C10FC}"/>
+                  <a16:creationId xmlns="" xmlns:a16="http://schemas.microsoft.com/office/drawing/2014/main" id="{74BDECEF-EEFE-4332-B3B2-BDE4F82C10FC}"/>
                 </a:ext>
               </a:extLst>
             </p:cNvPr>
@@ -6744,7 +6744,7 @@
           <p:cNvPr id="26" name="Text Placeholder 22">
             <a:extLst>
               <a:ext uri="{FF2B5EF4-FFF2-40B4-BE49-F238E27FC236}">
-                <a16:creationId xmlns:a16="http://schemas.microsoft.com/office/drawing/2014/main" xmlns="" id="{2A19101D-7C37-42BF-8167-5391EA65EC3A}"/>
+                <a16:creationId xmlns="" xmlns:a16="http://schemas.microsoft.com/office/drawing/2014/main" id="{2A19101D-7C37-42BF-8167-5391EA65EC3A}"/>
               </a:ext>
             </a:extLst>
           </p:cNvPr>
@@ -6854,7 +6854,7 @@
           <p:cNvPr id="35" name="Freeform: Shape 34">
             <a:extLst>
               <a:ext uri="{FF2B5EF4-FFF2-40B4-BE49-F238E27FC236}">
-                <a16:creationId xmlns:a16="http://schemas.microsoft.com/office/drawing/2014/main" xmlns="" id="{62EEBF51-DCAD-4335-85E9-52801031A1BF}"/>
+                <a16:creationId xmlns="" xmlns:a16="http://schemas.microsoft.com/office/drawing/2014/main" id="{62EEBF51-DCAD-4335-85E9-52801031A1BF}"/>
               </a:ext>
             </a:extLst>
           </p:cNvPr>
@@ -6949,7 +6949,7 @@
           <p:cNvPr id="5" name="Slide Number Placeholder 4">
             <a:extLst>
               <a:ext uri="{FF2B5EF4-FFF2-40B4-BE49-F238E27FC236}">
-                <a16:creationId xmlns:a16="http://schemas.microsoft.com/office/drawing/2014/main" xmlns="" id="{87B51822-97FF-47A7-8E4E-A0F79B4EB237}"/>
+                <a16:creationId xmlns="" xmlns:a16="http://schemas.microsoft.com/office/drawing/2014/main" id="{87B51822-97FF-47A7-8E4E-A0F79B4EB237}"/>
               </a:ext>
             </a:extLst>
           </p:cNvPr>
@@ -6993,7 +6993,7 @@
           <p:cNvPr id="13" name="Picture Placeholder 12">
             <a:extLst>
               <a:ext uri="{FF2B5EF4-FFF2-40B4-BE49-F238E27FC236}">
-                <a16:creationId xmlns:a16="http://schemas.microsoft.com/office/drawing/2014/main" xmlns="" id="{231B97CF-FD24-4932-8459-893B1AC73D33}"/>
+                <a16:creationId xmlns="" xmlns:a16="http://schemas.microsoft.com/office/drawing/2014/main" id="{231B97CF-FD24-4932-8459-893B1AC73D33}"/>
               </a:ext>
             </a:extLst>
           </p:cNvPr>
@@ -7038,7 +7038,7 @@
           <p:cNvPr id="36" name="Text Placeholder 22">
             <a:extLst>
               <a:ext uri="{FF2B5EF4-FFF2-40B4-BE49-F238E27FC236}">
-                <a16:creationId xmlns:a16="http://schemas.microsoft.com/office/drawing/2014/main" xmlns="" id="{642D3CE0-C3B4-4F3F-A650-AB452B3AD4BA}"/>
+                <a16:creationId xmlns="" xmlns:a16="http://schemas.microsoft.com/office/drawing/2014/main" id="{642D3CE0-C3B4-4F3F-A650-AB452B3AD4BA}"/>
               </a:ext>
             </a:extLst>
           </p:cNvPr>
@@ -7148,7 +7148,7 @@
           <p:cNvPr id="37" name="Text Placeholder 22">
             <a:extLst>
               <a:ext uri="{FF2B5EF4-FFF2-40B4-BE49-F238E27FC236}">
-                <a16:creationId xmlns:a16="http://schemas.microsoft.com/office/drawing/2014/main" xmlns="" id="{DBED2BB0-CDAD-40EE-8B35-C66DF45EE29D}"/>
+                <a16:creationId xmlns="" xmlns:a16="http://schemas.microsoft.com/office/drawing/2014/main" id="{DBED2BB0-CDAD-40EE-8B35-C66DF45EE29D}"/>
               </a:ext>
             </a:extLst>
           </p:cNvPr>
@@ -7256,7 +7256,7 @@
     </p:spTree>
     <p:extLst>
       <p:ext uri="{BB962C8B-B14F-4D97-AF65-F5344CB8AC3E}">
-        <p14:creationId xmlns:p14="http://schemas.microsoft.com/office/powerpoint/2010/main" xmlns="" val="1544745716"/>
+        <p14:creationId xmlns="" xmlns:p14="http://schemas.microsoft.com/office/powerpoint/2010/main" val="1544745716"/>
       </p:ext>
     </p:extLst>
   </p:cSld>
@@ -7296,7 +7296,7 @@
           <p:cNvPr id="11" name="Rectangle 10">
             <a:extLst>
               <a:ext uri="{FF2B5EF4-FFF2-40B4-BE49-F238E27FC236}">
-                <a16:creationId xmlns:a16="http://schemas.microsoft.com/office/drawing/2014/main" xmlns="" id="{EB3E033F-4449-40FA-BC85-BD2712D313DD}"/>
+                <a16:creationId xmlns="" xmlns:a16="http://schemas.microsoft.com/office/drawing/2014/main" id="{EB3E033F-4449-40FA-BC85-BD2712D313DD}"/>
               </a:ext>
             </a:extLst>
           </p:cNvPr>
@@ -7350,7 +7350,7 @@
           <p:cNvPr id="10" name="Freeform: Shape 9">
             <a:extLst>
               <a:ext uri="{FF2B5EF4-FFF2-40B4-BE49-F238E27FC236}">
-                <a16:creationId xmlns:a16="http://schemas.microsoft.com/office/drawing/2014/main" xmlns="" id="{63D26743-0505-444C-80B3-E88EE87DF72B}"/>
+                <a16:creationId xmlns="" xmlns:a16="http://schemas.microsoft.com/office/drawing/2014/main" id="{63D26743-0505-444C-80B3-E88EE87DF72B}"/>
               </a:ext>
             </a:extLst>
           </p:cNvPr>
@@ -7473,7 +7473,7 @@
           <p:cNvPr id="18" name="Freeform: Shape 17">
             <a:extLst>
               <a:ext uri="{FF2B5EF4-FFF2-40B4-BE49-F238E27FC236}">
-                <a16:creationId xmlns:a16="http://schemas.microsoft.com/office/drawing/2014/main" xmlns="" id="{E37145E9-AC61-47D5-9288-8789940F81B6}"/>
+                <a16:creationId xmlns="" xmlns:a16="http://schemas.microsoft.com/office/drawing/2014/main" id="{E37145E9-AC61-47D5-9288-8789940F81B6}"/>
               </a:ext>
             </a:extLst>
           </p:cNvPr>
@@ -7625,7 +7625,7 @@
           <p:cNvPr id="12" name="Freeform: Shape 11">
             <a:extLst>
               <a:ext uri="{FF2B5EF4-FFF2-40B4-BE49-F238E27FC236}">
-                <a16:creationId xmlns:a16="http://schemas.microsoft.com/office/drawing/2014/main" xmlns="" id="{A5E2B3ED-9A49-40A7-B8A3-62595FE513F9}"/>
+                <a16:creationId xmlns="" xmlns:a16="http://schemas.microsoft.com/office/drawing/2014/main" id="{A5E2B3ED-9A49-40A7-B8A3-62595FE513F9}"/>
               </a:ext>
             </a:extLst>
           </p:cNvPr>
@@ -7775,7 +7775,7 @@
           <p:cNvPr id="8" name="Freeform: Shape 7">
             <a:extLst>
               <a:ext uri="{FF2B5EF4-FFF2-40B4-BE49-F238E27FC236}">
-                <a16:creationId xmlns:a16="http://schemas.microsoft.com/office/drawing/2014/main" xmlns="" id="{1599AF7E-3E34-4597-AA72-9373A7FDB020}"/>
+                <a16:creationId xmlns="" xmlns:a16="http://schemas.microsoft.com/office/drawing/2014/main" id="{1599AF7E-3E34-4597-AA72-9373A7FDB020}"/>
               </a:ext>
             </a:extLst>
           </p:cNvPr>
@@ -7921,7 +7921,7 @@
           <p:cNvPr id="2" name="Title 1">
             <a:extLst>
               <a:ext uri="{FF2B5EF4-FFF2-40B4-BE49-F238E27FC236}">
-                <a16:creationId xmlns:a16="http://schemas.microsoft.com/office/drawing/2014/main" xmlns="" id="{4A2DF563-7FAC-46B3-B24C-7E45CD89DA2B}"/>
+                <a16:creationId xmlns="" xmlns:a16="http://schemas.microsoft.com/office/drawing/2014/main" id="{4A2DF563-7FAC-46B3-B24C-7E45CD89DA2B}"/>
               </a:ext>
             </a:extLst>
           </p:cNvPr>
@@ -7966,7 +7966,7 @@
           <p:cNvPr id="15" name="Group 14">
             <a:extLst>
               <a:ext uri="{FF2B5EF4-FFF2-40B4-BE49-F238E27FC236}">
-                <a16:creationId xmlns:a16="http://schemas.microsoft.com/office/drawing/2014/main" xmlns="" id="{7732E1E7-45E3-4264-8F26-66758696DD1E}"/>
+                <a16:creationId xmlns="" xmlns:a16="http://schemas.microsoft.com/office/drawing/2014/main" id="{7732E1E7-45E3-4264-8F26-66758696DD1E}"/>
               </a:ext>
             </a:extLst>
           </p:cNvPr>
@@ -7986,7 +7986,7 @@
             <p:cNvPr id="16" name="Freeform: Shape 15">
               <a:extLst>
                 <a:ext uri="{FF2B5EF4-FFF2-40B4-BE49-F238E27FC236}">
-                  <a16:creationId xmlns:a16="http://schemas.microsoft.com/office/drawing/2014/main" xmlns="" id="{2E3DF883-8093-49FA-81E1-E5D77F086A25}"/>
+                  <a16:creationId xmlns="" xmlns:a16="http://schemas.microsoft.com/office/drawing/2014/main" id="{2E3DF883-8093-49FA-81E1-E5D77F086A25}"/>
                 </a:ext>
               </a:extLst>
             </p:cNvPr>
@@ -8076,7 +8076,7 @@
             <p:cNvPr id="17" name="Freeform: Shape 16">
               <a:extLst>
                 <a:ext uri="{FF2B5EF4-FFF2-40B4-BE49-F238E27FC236}">
-                  <a16:creationId xmlns:a16="http://schemas.microsoft.com/office/drawing/2014/main" xmlns="" id="{18944C90-37E5-4BBE-89FF-060627168050}"/>
+                  <a16:creationId xmlns="" xmlns:a16="http://schemas.microsoft.com/office/drawing/2014/main" id="{18944C90-37E5-4BBE-89FF-060627168050}"/>
                 </a:ext>
               </a:extLst>
             </p:cNvPr>
@@ -8175,7 +8175,7 @@
           <p:cNvPr id="6" name="Group 5">
             <a:extLst>
               <a:ext uri="{FF2B5EF4-FFF2-40B4-BE49-F238E27FC236}">
-                <a16:creationId xmlns:a16="http://schemas.microsoft.com/office/drawing/2014/main" xmlns="" id="{D9EBF8BB-A805-4DDB-B459-082F99815B95}"/>
+                <a16:creationId xmlns="" xmlns:a16="http://schemas.microsoft.com/office/drawing/2014/main" id="{D9EBF8BB-A805-4DDB-B459-082F99815B95}"/>
               </a:ext>
             </a:extLst>
           </p:cNvPr>
@@ -8195,7 +8195,7 @@
             <p:cNvPr id="19" name="Rectangle: Single Corner Snipped 18">
               <a:extLst>
                 <a:ext uri="{FF2B5EF4-FFF2-40B4-BE49-F238E27FC236}">
-                  <a16:creationId xmlns:a16="http://schemas.microsoft.com/office/drawing/2014/main" xmlns="" id="{5D638788-DD47-45E7-939A-FA108A818173}"/>
+                  <a16:creationId xmlns="" xmlns:a16="http://schemas.microsoft.com/office/drawing/2014/main" id="{5D638788-DD47-45E7-939A-FA108A818173}"/>
                 </a:ext>
               </a:extLst>
             </p:cNvPr>
@@ -8256,7 +8256,7 @@
             <p:cNvPr id="3" name="Rectangle: Single Corner Snipped 2">
               <a:extLst>
                 <a:ext uri="{FF2B5EF4-FFF2-40B4-BE49-F238E27FC236}">
-                  <a16:creationId xmlns:a16="http://schemas.microsoft.com/office/drawing/2014/main" xmlns="" id="{74BDECEF-EEFE-4332-B3B2-BDE4F82C10FC}"/>
+                  <a16:creationId xmlns="" xmlns:a16="http://schemas.microsoft.com/office/drawing/2014/main" id="{74BDECEF-EEFE-4332-B3B2-BDE4F82C10FC}"/>
                 </a:ext>
               </a:extLst>
             </p:cNvPr>
@@ -8313,7 +8313,7 @@
           <p:cNvPr id="26" name="Text Placeholder 22">
             <a:extLst>
               <a:ext uri="{FF2B5EF4-FFF2-40B4-BE49-F238E27FC236}">
-                <a16:creationId xmlns:a16="http://schemas.microsoft.com/office/drawing/2014/main" xmlns="" id="{2A19101D-7C37-42BF-8167-5391EA65EC3A}"/>
+                <a16:creationId xmlns="" xmlns:a16="http://schemas.microsoft.com/office/drawing/2014/main" id="{2A19101D-7C37-42BF-8167-5391EA65EC3A}"/>
               </a:ext>
             </a:extLst>
           </p:cNvPr>
@@ -8423,7 +8423,7 @@
           <p:cNvPr id="35" name="Freeform: Shape 34">
             <a:extLst>
               <a:ext uri="{FF2B5EF4-FFF2-40B4-BE49-F238E27FC236}">
-                <a16:creationId xmlns:a16="http://schemas.microsoft.com/office/drawing/2014/main" xmlns="" id="{62EEBF51-DCAD-4335-85E9-52801031A1BF}"/>
+                <a16:creationId xmlns="" xmlns:a16="http://schemas.microsoft.com/office/drawing/2014/main" id="{62EEBF51-DCAD-4335-85E9-52801031A1BF}"/>
               </a:ext>
             </a:extLst>
           </p:cNvPr>
@@ -8518,7 +8518,7 @@
           <p:cNvPr id="5" name="Slide Number Placeholder 4">
             <a:extLst>
               <a:ext uri="{FF2B5EF4-FFF2-40B4-BE49-F238E27FC236}">
-                <a16:creationId xmlns:a16="http://schemas.microsoft.com/office/drawing/2014/main" xmlns="" id="{87B51822-97FF-47A7-8E4E-A0F79B4EB237}"/>
+                <a16:creationId xmlns="" xmlns:a16="http://schemas.microsoft.com/office/drawing/2014/main" id="{87B51822-97FF-47A7-8E4E-A0F79B4EB237}"/>
               </a:ext>
             </a:extLst>
           </p:cNvPr>
@@ -8562,7 +8562,7 @@
           <p:cNvPr id="13" name="Picture Placeholder 12">
             <a:extLst>
               <a:ext uri="{FF2B5EF4-FFF2-40B4-BE49-F238E27FC236}">
-                <a16:creationId xmlns:a16="http://schemas.microsoft.com/office/drawing/2014/main" xmlns="" id="{231B97CF-FD24-4932-8459-893B1AC73D33}"/>
+                <a16:creationId xmlns="" xmlns:a16="http://schemas.microsoft.com/office/drawing/2014/main" id="{231B97CF-FD24-4932-8459-893B1AC73D33}"/>
               </a:ext>
             </a:extLst>
           </p:cNvPr>
@@ -8605,7 +8605,7 @@
     </p:spTree>
     <p:extLst>
       <p:ext uri="{BB962C8B-B14F-4D97-AF65-F5344CB8AC3E}">
-        <p14:creationId xmlns:p14="http://schemas.microsoft.com/office/powerpoint/2010/main" xmlns="" val="2486826778"/>
+        <p14:creationId xmlns="" xmlns:p14="http://schemas.microsoft.com/office/powerpoint/2010/main" val="2486826778"/>
       </p:ext>
     </p:extLst>
   </p:cSld>
@@ -8645,7 +8645,7 @@
           <p:cNvPr id="11" name="Rectangle 10">
             <a:extLst>
               <a:ext uri="{FF2B5EF4-FFF2-40B4-BE49-F238E27FC236}">
-                <a16:creationId xmlns:a16="http://schemas.microsoft.com/office/drawing/2014/main" xmlns="" id="{EB3E033F-4449-40FA-BC85-BD2712D313DD}"/>
+                <a16:creationId xmlns="" xmlns:a16="http://schemas.microsoft.com/office/drawing/2014/main" id="{EB3E033F-4449-40FA-BC85-BD2712D313DD}"/>
               </a:ext>
             </a:extLst>
           </p:cNvPr>
@@ -8699,7 +8699,7 @@
           <p:cNvPr id="10" name="Freeform: Shape 9">
             <a:extLst>
               <a:ext uri="{FF2B5EF4-FFF2-40B4-BE49-F238E27FC236}">
-                <a16:creationId xmlns:a16="http://schemas.microsoft.com/office/drawing/2014/main" xmlns="" id="{63D26743-0505-444C-80B3-E88EE87DF72B}"/>
+                <a16:creationId xmlns="" xmlns:a16="http://schemas.microsoft.com/office/drawing/2014/main" id="{63D26743-0505-444C-80B3-E88EE87DF72B}"/>
               </a:ext>
             </a:extLst>
           </p:cNvPr>
@@ -8822,7 +8822,7 @@
           <p:cNvPr id="18" name="Freeform: Shape 17">
             <a:extLst>
               <a:ext uri="{FF2B5EF4-FFF2-40B4-BE49-F238E27FC236}">
-                <a16:creationId xmlns:a16="http://schemas.microsoft.com/office/drawing/2014/main" xmlns="" id="{E37145E9-AC61-47D5-9288-8789940F81B6}"/>
+                <a16:creationId xmlns="" xmlns:a16="http://schemas.microsoft.com/office/drawing/2014/main" id="{E37145E9-AC61-47D5-9288-8789940F81B6}"/>
               </a:ext>
             </a:extLst>
           </p:cNvPr>
@@ -8974,7 +8974,7 @@
           <p:cNvPr id="12" name="Freeform: Shape 11">
             <a:extLst>
               <a:ext uri="{FF2B5EF4-FFF2-40B4-BE49-F238E27FC236}">
-                <a16:creationId xmlns:a16="http://schemas.microsoft.com/office/drawing/2014/main" xmlns="" id="{A5E2B3ED-9A49-40A7-B8A3-62595FE513F9}"/>
+                <a16:creationId xmlns="" xmlns:a16="http://schemas.microsoft.com/office/drawing/2014/main" id="{A5E2B3ED-9A49-40A7-B8A3-62595FE513F9}"/>
               </a:ext>
             </a:extLst>
           </p:cNvPr>
@@ -9124,7 +9124,7 @@
           <p:cNvPr id="8" name="Freeform: Shape 7">
             <a:extLst>
               <a:ext uri="{FF2B5EF4-FFF2-40B4-BE49-F238E27FC236}">
-                <a16:creationId xmlns:a16="http://schemas.microsoft.com/office/drawing/2014/main" xmlns="" id="{1599AF7E-3E34-4597-AA72-9373A7FDB020}"/>
+                <a16:creationId xmlns="" xmlns:a16="http://schemas.microsoft.com/office/drawing/2014/main" id="{1599AF7E-3E34-4597-AA72-9373A7FDB020}"/>
               </a:ext>
             </a:extLst>
           </p:cNvPr>
@@ -9270,7 +9270,7 @@
           <p:cNvPr id="2" name="Title 1">
             <a:extLst>
               <a:ext uri="{FF2B5EF4-FFF2-40B4-BE49-F238E27FC236}">
-                <a16:creationId xmlns:a16="http://schemas.microsoft.com/office/drawing/2014/main" xmlns="" id="{4A2DF563-7FAC-46B3-B24C-7E45CD89DA2B}"/>
+                <a16:creationId xmlns="" xmlns:a16="http://schemas.microsoft.com/office/drawing/2014/main" id="{4A2DF563-7FAC-46B3-B24C-7E45CD89DA2B}"/>
               </a:ext>
             </a:extLst>
           </p:cNvPr>
@@ -9315,7 +9315,7 @@
           <p:cNvPr id="15" name="Group 14">
             <a:extLst>
               <a:ext uri="{FF2B5EF4-FFF2-40B4-BE49-F238E27FC236}">
-                <a16:creationId xmlns:a16="http://schemas.microsoft.com/office/drawing/2014/main" xmlns="" id="{7732E1E7-45E3-4264-8F26-66758696DD1E}"/>
+                <a16:creationId xmlns="" xmlns:a16="http://schemas.microsoft.com/office/drawing/2014/main" id="{7732E1E7-45E3-4264-8F26-66758696DD1E}"/>
               </a:ext>
             </a:extLst>
           </p:cNvPr>
@@ -9335,7 +9335,7 @@
             <p:cNvPr id="16" name="Freeform: Shape 15">
               <a:extLst>
                 <a:ext uri="{FF2B5EF4-FFF2-40B4-BE49-F238E27FC236}">
-                  <a16:creationId xmlns:a16="http://schemas.microsoft.com/office/drawing/2014/main" xmlns="" id="{2E3DF883-8093-49FA-81E1-E5D77F086A25}"/>
+                  <a16:creationId xmlns="" xmlns:a16="http://schemas.microsoft.com/office/drawing/2014/main" id="{2E3DF883-8093-49FA-81E1-E5D77F086A25}"/>
                 </a:ext>
               </a:extLst>
             </p:cNvPr>
@@ -9425,7 +9425,7 @@
             <p:cNvPr id="17" name="Freeform: Shape 16">
               <a:extLst>
                 <a:ext uri="{FF2B5EF4-FFF2-40B4-BE49-F238E27FC236}">
-                  <a16:creationId xmlns:a16="http://schemas.microsoft.com/office/drawing/2014/main" xmlns="" id="{18944C90-37E5-4BBE-89FF-060627168050}"/>
+                  <a16:creationId xmlns="" xmlns:a16="http://schemas.microsoft.com/office/drawing/2014/main" id="{18944C90-37E5-4BBE-89FF-060627168050}"/>
                 </a:ext>
               </a:extLst>
             </p:cNvPr>
@@ -9524,7 +9524,7 @@
           <p:cNvPr id="6" name="Group 5">
             <a:extLst>
               <a:ext uri="{FF2B5EF4-FFF2-40B4-BE49-F238E27FC236}">
-                <a16:creationId xmlns:a16="http://schemas.microsoft.com/office/drawing/2014/main" xmlns="" id="{D9EBF8BB-A805-4DDB-B459-082F99815B95}"/>
+                <a16:creationId xmlns="" xmlns:a16="http://schemas.microsoft.com/office/drawing/2014/main" id="{D9EBF8BB-A805-4DDB-B459-082F99815B95}"/>
               </a:ext>
             </a:extLst>
           </p:cNvPr>
@@ -9544,7 +9544,7 @@
             <p:cNvPr id="19" name="Rectangle: Single Corner Snipped 18">
               <a:extLst>
                 <a:ext uri="{FF2B5EF4-FFF2-40B4-BE49-F238E27FC236}">
-                  <a16:creationId xmlns:a16="http://schemas.microsoft.com/office/drawing/2014/main" xmlns="" id="{5D638788-DD47-45E7-939A-FA108A818173}"/>
+                  <a16:creationId xmlns="" xmlns:a16="http://schemas.microsoft.com/office/drawing/2014/main" id="{5D638788-DD47-45E7-939A-FA108A818173}"/>
                 </a:ext>
               </a:extLst>
             </p:cNvPr>
@@ -9605,7 +9605,7 @@
             <p:cNvPr id="3" name="Rectangle: Single Corner Snipped 2">
               <a:extLst>
                 <a:ext uri="{FF2B5EF4-FFF2-40B4-BE49-F238E27FC236}">
-                  <a16:creationId xmlns:a16="http://schemas.microsoft.com/office/drawing/2014/main" xmlns="" id="{74BDECEF-EEFE-4332-B3B2-BDE4F82C10FC}"/>
+                  <a16:creationId xmlns="" xmlns:a16="http://schemas.microsoft.com/office/drawing/2014/main" id="{74BDECEF-EEFE-4332-B3B2-BDE4F82C10FC}"/>
                 </a:ext>
               </a:extLst>
             </p:cNvPr>
@@ -9662,7 +9662,7 @@
           <p:cNvPr id="35" name="Freeform: Shape 34">
             <a:extLst>
               <a:ext uri="{FF2B5EF4-FFF2-40B4-BE49-F238E27FC236}">
-                <a16:creationId xmlns:a16="http://schemas.microsoft.com/office/drawing/2014/main" xmlns="" id="{62EEBF51-DCAD-4335-85E9-52801031A1BF}"/>
+                <a16:creationId xmlns="" xmlns:a16="http://schemas.microsoft.com/office/drawing/2014/main" id="{62EEBF51-DCAD-4335-85E9-52801031A1BF}"/>
               </a:ext>
             </a:extLst>
           </p:cNvPr>
@@ -9757,7 +9757,7 @@
           <p:cNvPr id="5" name="Slide Number Placeholder 4">
             <a:extLst>
               <a:ext uri="{FF2B5EF4-FFF2-40B4-BE49-F238E27FC236}">
-                <a16:creationId xmlns:a16="http://schemas.microsoft.com/office/drawing/2014/main" xmlns="" id="{87B51822-97FF-47A7-8E4E-A0F79B4EB237}"/>
+                <a16:creationId xmlns="" xmlns:a16="http://schemas.microsoft.com/office/drawing/2014/main" id="{87B51822-97FF-47A7-8E4E-A0F79B4EB237}"/>
               </a:ext>
             </a:extLst>
           </p:cNvPr>
@@ -9801,7 +9801,7 @@
           <p:cNvPr id="20" name="Picture Placeholder 2">
             <a:extLst>
               <a:ext uri="{FF2B5EF4-FFF2-40B4-BE49-F238E27FC236}">
-                <a16:creationId xmlns:a16="http://schemas.microsoft.com/office/drawing/2014/main" xmlns="" id="{30B3A574-7940-4E35-857E-5CA35A5910E5}"/>
+                <a16:creationId xmlns="" xmlns:a16="http://schemas.microsoft.com/office/drawing/2014/main" id="{30B3A574-7940-4E35-857E-5CA35A5910E5}"/>
               </a:ext>
             </a:extLst>
           </p:cNvPr>
@@ -9877,7 +9877,7 @@
           <p:cNvPr id="21" name="Text Placeholder 3">
             <a:extLst>
               <a:ext uri="{FF2B5EF4-FFF2-40B4-BE49-F238E27FC236}">
-                <a16:creationId xmlns:a16="http://schemas.microsoft.com/office/drawing/2014/main" xmlns="" id="{912B51EA-3E6F-4BF6-BE48-62128AF32B85}"/>
+                <a16:creationId xmlns="" xmlns:a16="http://schemas.microsoft.com/office/drawing/2014/main" id="{912B51EA-3E6F-4BF6-BE48-62128AF32B85}"/>
               </a:ext>
             </a:extLst>
           </p:cNvPr>
@@ -9951,7 +9951,7 @@
     </p:spTree>
     <p:extLst>
       <p:ext uri="{BB962C8B-B14F-4D97-AF65-F5344CB8AC3E}">
-        <p14:creationId xmlns:p14="http://schemas.microsoft.com/office/powerpoint/2010/main" xmlns="" val="1540650178"/>
+        <p14:creationId xmlns="" xmlns:p14="http://schemas.microsoft.com/office/powerpoint/2010/main" val="1540650178"/>
       </p:ext>
     </p:extLst>
   </p:cSld>
@@ -9991,7 +9991,7 @@
           <p:cNvPr id="11" name="Rectangle 10">
             <a:extLst>
               <a:ext uri="{FF2B5EF4-FFF2-40B4-BE49-F238E27FC236}">
-                <a16:creationId xmlns:a16="http://schemas.microsoft.com/office/drawing/2014/main" xmlns="" id="{EB3E033F-4449-40FA-BC85-BD2712D313DD}"/>
+                <a16:creationId xmlns="" xmlns:a16="http://schemas.microsoft.com/office/drawing/2014/main" id="{EB3E033F-4449-40FA-BC85-BD2712D313DD}"/>
               </a:ext>
             </a:extLst>
           </p:cNvPr>
@@ -10045,7 +10045,7 @@
           <p:cNvPr id="10" name="Freeform: Shape 9">
             <a:extLst>
               <a:ext uri="{FF2B5EF4-FFF2-40B4-BE49-F238E27FC236}">
-                <a16:creationId xmlns:a16="http://schemas.microsoft.com/office/drawing/2014/main" xmlns="" id="{63D26743-0505-444C-80B3-E88EE87DF72B}"/>
+                <a16:creationId xmlns="" xmlns:a16="http://schemas.microsoft.com/office/drawing/2014/main" id="{63D26743-0505-444C-80B3-E88EE87DF72B}"/>
               </a:ext>
             </a:extLst>
           </p:cNvPr>
@@ -10168,7 +10168,7 @@
           <p:cNvPr id="18" name="Freeform: Shape 17">
             <a:extLst>
               <a:ext uri="{FF2B5EF4-FFF2-40B4-BE49-F238E27FC236}">
-                <a16:creationId xmlns:a16="http://schemas.microsoft.com/office/drawing/2014/main" xmlns="" id="{E37145E9-AC61-47D5-9288-8789940F81B6}"/>
+                <a16:creationId xmlns="" xmlns:a16="http://schemas.microsoft.com/office/drawing/2014/main" id="{E37145E9-AC61-47D5-9288-8789940F81B6}"/>
               </a:ext>
             </a:extLst>
           </p:cNvPr>
@@ -10320,7 +10320,7 @@
           <p:cNvPr id="12" name="Freeform: Shape 11">
             <a:extLst>
               <a:ext uri="{FF2B5EF4-FFF2-40B4-BE49-F238E27FC236}">
-                <a16:creationId xmlns:a16="http://schemas.microsoft.com/office/drawing/2014/main" xmlns="" id="{A5E2B3ED-9A49-40A7-B8A3-62595FE513F9}"/>
+                <a16:creationId xmlns="" xmlns:a16="http://schemas.microsoft.com/office/drawing/2014/main" id="{A5E2B3ED-9A49-40A7-B8A3-62595FE513F9}"/>
               </a:ext>
             </a:extLst>
           </p:cNvPr>
@@ -10470,7 +10470,7 @@
           <p:cNvPr id="8" name="Freeform: Shape 7">
             <a:extLst>
               <a:ext uri="{FF2B5EF4-FFF2-40B4-BE49-F238E27FC236}">
-                <a16:creationId xmlns:a16="http://schemas.microsoft.com/office/drawing/2014/main" xmlns="" id="{1599AF7E-3E34-4597-AA72-9373A7FDB020}"/>
+                <a16:creationId xmlns="" xmlns:a16="http://schemas.microsoft.com/office/drawing/2014/main" id="{1599AF7E-3E34-4597-AA72-9373A7FDB020}"/>
               </a:ext>
             </a:extLst>
           </p:cNvPr>
@@ -10616,7 +10616,7 @@
           <p:cNvPr id="2" name="Title 1">
             <a:extLst>
               <a:ext uri="{FF2B5EF4-FFF2-40B4-BE49-F238E27FC236}">
-                <a16:creationId xmlns:a16="http://schemas.microsoft.com/office/drawing/2014/main" xmlns="" id="{4A2DF563-7FAC-46B3-B24C-7E45CD89DA2B}"/>
+                <a16:creationId xmlns="" xmlns:a16="http://schemas.microsoft.com/office/drawing/2014/main" id="{4A2DF563-7FAC-46B3-B24C-7E45CD89DA2B}"/>
               </a:ext>
             </a:extLst>
           </p:cNvPr>
@@ -10661,7 +10661,7 @@
           <p:cNvPr id="15" name="Group 14">
             <a:extLst>
               <a:ext uri="{FF2B5EF4-FFF2-40B4-BE49-F238E27FC236}">
-                <a16:creationId xmlns:a16="http://schemas.microsoft.com/office/drawing/2014/main" xmlns="" id="{7732E1E7-45E3-4264-8F26-66758696DD1E}"/>
+                <a16:creationId xmlns="" xmlns:a16="http://schemas.microsoft.com/office/drawing/2014/main" id="{7732E1E7-45E3-4264-8F26-66758696DD1E}"/>
               </a:ext>
             </a:extLst>
           </p:cNvPr>
@@ -10681,7 +10681,7 @@
             <p:cNvPr id="16" name="Freeform: Shape 15">
               <a:extLst>
                 <a:ext uri="{FF2B5EF4-FFF2-40B4-BE49-F238E27FC236}">
-                  <a16:creationId xmlns:a16="http://schemas.microsoft.com/office/drawing/2014/main" xmlns="" id="{2E3DF883-8093-49FA-81E1-E5D77F086A25}"/>
+                  <a16:creationId xmlns="" xmlns:a16="http://schemas.microsoft.com/office/drawing/2014/main" id="{2E3DF883-8093-49FA-81E1-E5D77F086A25}"/>
                 </a:ext>
               </a:extLst>
             </p:cNvPr>
@@ -10771,7 +10771,7 @@
             <p:cNvPr id="17" name="Freeform: Shape 16">
               <a:extLst>
                 <a:ext uri="{FF2B5EF4-FFF2-40B4-BE49-F238E27FC236}">
-                  <a16:creationId xmlns:a16="http://schemas.microsoft.com/office/drawing/2014/main" xmlns="" id="{18944C90-37E5-4BBE-89FF-060627168050}"/>
+                  <a16:creationId xmlns="" xmlns:a16="http://schemas.microsoft.com/office/drawing/2014/main" id="{18944C90-37E5-4BBE-89FF-060627168050}"/>
                 </a:ext>
               </a:extLst>
             </p:cNvPr>
@@ -10870,7 +10870,7 @@
           <p:cNvPr id="6" name="Group 5">
             <a:extLst>
               <a:ext uri="{FF2B5EF4-FFF2-40B4-BE49-F238E27FC236}">
-                <a16:creationId xmlns:a16="http://schemas.microsoft.com/office/drawing/2014/main" xmlns="" id="{D9EBF8BB-A805-4DDB-B459-082F99815B95}"/>
+                <a16:creationId xmlns="" xmlns:a16="http://schemas.microsoft.com/office/drawing/2014/main" id="{D9EBF8BB-A805-4DDB-B459-082F99815B95}"/>
               </a:ext>
             </a:extLst>
           </p:cNvPr>
@@ -10890,7 +10890,7 @@
             <p:cNvPr id="19" name="Rectangle: Single Corner Snipped 18">
               <a:extLst>
                 <a:ext uri="{FF2B5EF4-FFF2-40B4-BE49-F238E27FC236}">
-                  <a16:creationId xmlns:a16="http://schemas.microsoft.com/office/drawing/2014/main" xmlns="" id="{5D638788-DD47-45E7-939A-FA108A818173}"/>
+                  <a16:creationId xmlns="" xmlns:a16="http://schemas.microsoft.com/office/drawing/2014/main" id="{5D638788-DD47-45E7-939A-FA108A818173}"/>
                 </a:ext>
               </a:extLst>
             </p:cNvPr>
@@ -10951,7 +10951,7 @@
             <p:cNvPr id="3" name="Rectangle: Single Corner Snipped 2">
               <a:extLst>
                 <a:ext uri="{FF2B5EF4-FFF2-40B4-BE49-F238E27FC236}">
-                  <a16:creationId xmlns:a16="http://schemas.microsoft.com/office/drawing/2014/main" xmlns="" id="{74BDECEF-EEFE-4332-B3B2-BDE4F82C10FC}"/>
+                  <a16:creationId xmlns="" xmlns:a16="http://schemas.microsoft.com/office/drawing/2014/main" id="{74BDECEF-EEFE-4332-B3B2-BDE4F82C10FC}"/>
                 </a:ext>
               </a:extLst>
             </p:cNvPr>
@@ -11008,7 +11008,7 @@
           <p:cNvPr id="35" name="Freeform: Shape 34">
             <a:extLst>
               <a:ext uri="{FF2B5EF4-FFF2-40B4-BE49-F238E27FC236}">
-                <a16:creationId xmlns:a16="http://schemas.microsoft.com/office/drawing/2014/main" xmlns="" id="{62EEBF51-DCAD-4335-85E9-52801031A1BF}"/>
+                <a16:creationId xmlns="" xmlns:a16="http://schemas.microsoft.com/office/drawing/2014/main" id="{62EEBF51-DCAD-4335-85E9-52801031A1BF}"/>
               </a:ext>
             </a:extLst>
           </p:cNvPr>
@@ -11103,7 +11103,7 @@
           <p:cNvPr id="5" name="Slide Number Placeholder 4">
             <a:extLst>
               <a:ext uri="{FF2B5EF4-FFF2-40B4-BE49-F238E27FC236}">
-                <a16:creationId xmlns:a16="http://schemas.microsoft.com/office/drawing/2014/main" xmlns="" id="{87B51822-97FF-47A7-8E4E-A0F79B4EB237}"/>
+                <a16:creationId xmlns="" xmlns:a16="http://schemas.microsoft.com/office/drawing/2014/main" id="{87B51822-97FF-47A7-8E4E-A0F79B4EB237}"/>
               </a:ext>
             </a:extLst>
           </p:cNvPr>
@@ -11147,7 +11147,7 @@
           <p:cNvPr id="21" name="Text Placeholder 3">
             <a:extLst>
               <a:ext uri="{FF2B5EF4-FFF2-40B4-BE49-F238E27FC236}">
-                <a16:creationId xmlns:a16="http://schemas.microsoft.com/office/drawing/2014/main" xmlns="" id="{912B51EA-3E6F-4BF6-BE48-62128AF32B85}"/>
+                <a16:creationId xmlns="" xmlns:a16="http://schemas.microsoft.com/office/drawing/2014/main" id="{912B51EA-3E6F-4BF6-BE48-62128AF32B85}"/>
               </a:ext>
             </a:extLst>
           </p:cNvPr>
@@ -11223,7 +11223,7 @@
           <p:cNvPr id="22" name="Content Placeholder 2">
             <a:extLst>
               <a:ext uri="{FF2B5EF4-FFF2-40B4-BE49-F238E27FC236}">
-                <a16:creationId xmlns:a16="http://schemas.microsoft.com/office/drawing/2014/main" xmlns="" id="{A015C605-1D30-48BC-A0D6-3B11AF56CC53}"/>
+                <a16:creationId xmlns="" xmlns:a16="http://schemas.microsoft.com/office/drawing/2014/main" id="{A015C605-1D30-48BC-A0D6-3B11AF56CC53}"/>
               </a:ext>
             </a:extLst>
           </p:cNvPr>
@@ -11333,7 +11333,7 @@
     </p:spTree>
     <p:extLst>
       <p:ext uri="{BB962C8B-B14F-4D97-AF65-F5344CB8AC3E}">
-        <p14:creationId xmlns:p14="http://schemas.microsoft.com/office/powerpoint/2010/main" xmlns="" val="1212989540"/>
+        <p14:creationId xmlns="" xmlns:p14="http://schemas.microsoft.com/office/powerpoint/2010/main" val="1212989540"/>
       </p:ext>
     </p:extLst>
   </p:cSld>
@@ -11365,7 +11365,7 @@
           <p:cNvPr id="18" name="Rectangle 17">
             <a:extLst>
               <a:ext uri="{FF2B5EF4-FFF2-40B4-BE49-F238E27FC236}">
-                <a16:creationId xmlns:a16="http://schemas.microsoft.com/office/drawing/2014/main" xmlns="" id="{D4494CD2-CCDD-0248-96F8-741002C44255}"/>
+                <a16:creationId xmlns="" xmlns:a16="http://schemas.microsoft.com/office/drawing/2014/main" id="{D4494CD2-CCDD-0248-96F8-741002C44255}"/>
               </a:ext>
             </a:extLst>
           </p:cNvPr>
@@ -11419,7 +11419,7 @@
           <p:cNvPr id="19" name="Freeform: Shape 9">
             <a:extLst>
               <a:ext uri="{FF2B5EF4-FFF2-40B4-BE49-F238E27FC236}">
-                <a16:creationId xmlns:a16="http://schemas.microsoft.com/office/drawing/2014/main" xmlns="" id="{07077B00-C1EE-7241-B441-7814F92A7EDF}"/>
+                <a16:creationId xmlns="" xmlns:a16="http://schemas.microsoft.com/office/drawing/2014/main" id="{07077B00-C1EE-7241-B441-7814F92A7EDF}"/>
               </a:ext>
             </a:extLst>
           </p:cNvPr>
@@ -11542,7 +11542,7 @@
           <p:cNvPr id="20" name="Freeform: Shape 17">
             <a:extLst>
               <a:ext uri="{FF2B5EF4-FFF2-40B4-BE49-F238E27FC236}">
-                <a16:creationId xmlns:a16="http://schemas.microsoft.com/office/drawing/2014/main" xmlns="" id="{3A1AEBC4-637E-F64C-9192-69AC4BB26D0C}"/>
+                <a16:creationId xmlns="" xmlns:a16="http://schemas.microsoft.com/office/drawing/2014/main" id="{3A1AEBC4-637E-F64C-9192-69AC4BB26D0C}"/>
               </a:ext>
             </a:extLst>
           </p:cNvPr>
@@ -11694,7 +11694,7 @@
           <p:cNvPr id="21" name="Freeform: Shape 11">
             <a:extLst>
               <a:ext uri="{FF2B5EF4-FFF2-40B4-BE49-F238E27FC236}">
-                <a16:creationId xmlns:a16="http://schemas.microsoft.com/office/drawing/2014/main" xmlns="" id="{669A7039-C54C-8E46-9A8B-DDB2547D989C}"/>
+                <a16:creationId xmlns="" xmlns:a16="http://schemas.microsoft.com/office/drawing/2014/main" id="{669A7039-C54C-8E46-9A8B-DDB2547D989C}"/>
               </a:ext>
             </a:extLst>
           </p:cNvPr>
@@ -11844,7 +11844,7 @@
           <p:cNvPr id="22" name="Freeform: Shape 7">
             <a:extLst>
               <a:ext uri="{FF2B5EF4-FFF2-40B4-BE49-F238E27FC236}">
-                <a16:creationId xmlns:a16="http://schemas.microsoft.com/office/drawing/2014/main" xmlns="" id="{4F173B32-87BB-9A40-8C91-4C1EED2B7ABF}"/>
+                <a16:creationId xmlns="" xmlns:a16="http://schemas.microsoft.com/office/drawing/2014/main" id="{4F173B32-87BB-9A40-8C91-4C1EED2B7ABF}"/>
               </a:ext>
             </a:extLst>
           </p:cNvPr>
@@ -11990,7 +11990,7 @@
           <p:cNvPr id="24" name="Group 23">
             <a:extLst>
               <a:ext uri="{FF2B5EF4-FFF2-40B4-BE49-F238E27FC236}">
-                <a16:creationId xmlns:a16="http://schemas.microsoft.com/office/drawing/2014/main" xmlns="" id="{4AC87F4E-12B5-1B42-AFD2-4DB39B7645C9}"/>
+                <a16:creationId xmlns="" xmlns:a16="http://schemas.microsoft.com/office/drawing/2014/main" id="{4AC87F4E-12B5-1B42-AFD2-4DB39B7645C9}"/>
               </a:ext>
             </a:extLst>
           </p:cNvPr>
@@ -12010,7 +12010,7 @@
             <p:cNvPr id="25" name="Freeform: Shape 15">
               <a:extLst>
                 <a:ext uri="{FF2B5EF4-FFF2-40B4-BE49-F238E27FC236}">
-                  <a16:creationId xmlns:a16="http://schemas.microsoft.com/office/drawing/2014/main" xmlns="" id="{03DD8765-59DF-A045-ADB5-E39FAEE153A0}"/>
+                  <a16:creationId xmlns="" xmlns:a16="http://schemas.microsoft.com/office/drawing/2014/main" id="{03DD8765-59DF-A045-ADB5-E39FAEE153A0}"/>
                 </a:ext>
               </a:extLst>
             </p:cNvPr>
@@ -12100,7 +12100,7 @@
             <p:cNvPr id="26" name="Freeform: Shape 16">
               <a:extLst>
                 <a:ext uri="{FF2B5EF4-FFF2-40B4-BE49-F238E27FC236}">
-                  <a16:creationId xmlns:a16="http://schemas.microsoft.com/office/drawing/2014/main" xmlns="" id="{B34B796C-A407-7B4D-B4F0-E58A44FE8DB4}"/>
+                  <a16:creationId xmlns="" xmlns:a16="http://schemas.microsoft.com/office/drawing/2014/main" id="{B34B796C-A407-7B4D-B4F0-E58A44FE8DB4}"/>
                 </a:ext>
               </a:extLst>
             </p:cNvPr>
@@ -12199,7 +12199,7 @@
           <p:cNvPr id="30" name="Freeform: Shape 23">
             <a:extLst>
               <a:ext uri="{FF2B5EF4-FFF2-40B4-BE49-F238E27FC236}">
-                <a16:creationId xmlns:a16="http://schemas.microsoft.com/office/drawing/2014/main" xmlns="" id="{CBE3FDC9-67CB-FA42-B127-A36BFF4678BB}"/>
+                <a16:creationId xmlns="" xmlns:a16="http://schemas.microsoft.com/office/drawing/2014/main" id="{CBE3FDC9-67CB-FA42-B127-A36BFF4678BB}"/>
               </a:ext>
             </a:extLst>
           </p:cNvPr>
@@ -12294,7 +12294,7 @@
           <p:cNvPr id="31" name="Slide Number Placeholder 4">
             <a:extLst>
               <a:ext uri="{FF2B5EF4-FFF2-40B4-BE49-F238E27FC236}">
-                <a16:creationId xmlns:a16="http://schemas.microsoft.com/office/drawing/2014/main" xmlns="" id="{1E902BFF-CA8F-D745-A819-A7BB38B30ED9}"/>
+                <a16:creationId xmlns="" xmlns:a16="http://schemas.microsoft.com/office/drawing/2014/main" id="{1E902BFF-CA8F-D745-A819-A7BB38B30ED9}"/>
               </a:ext>
             </a:extLst>
           </p:cNvPr>
@@ -12336,7 +12336,7 @@
     </p:spTree>
     <p:extLst>
       <p:ext uri="{BB962C8B-B14F-4D97-AF65-F5344CB8AC3E}">
-        <p14:creationId xmlns:p14="http://schemas.microsoft.com/office/powerpoint/2010/main" xmlns="" val="2672304746"/>
+        <p14:creationId xmlns="" xmlns:p14="http://schemas.microsoft.com/office/powerpoint/2010/main" val="2672304746"/>
       </p:ext>
     </p:extLst>
   </p:cSld>
@@ -12368,7 +12368,7 @@
           <p:cNvPr id="21" name="Rectangle 20">
             <a:extLst>
               <a:ext uri="{FF2B5EF4-FFF2-40B4-BE49-F238E27FC236}">
-                <a16:creationId xmlns:a16="http://schemas.microsoft.com/office/drawing/2014/main" xmlns="" id="{6E739168-A5E8-443A-B392-7AD4CF8977AD}"/>
+                <a16:creationId xmlns="" xmlns:a16="http://schemas.microsoft.com/office/drawing/2014/main" id="{6E739168-A5E8-443A-B392-7AD4CF8977AD}"/>
               </a:ext>
             </a:extLst>
           </p:cNvPr>
@@ -12420,7 +12420,7 @@
           <p:cNvPr id="15" name="Freeform: Shape 14">
             <a:extLst>
               <a:ext uri="{FF2B5EF4-FFF2-40B4-BE49-F238E27FC236}">
-                <a16:creationId xmlns:a16="http://schemas.microsoft.com/office/drawing/2014/main" xmlns="" id="{41E10E1E-5268-4F03-BA64-07E19DE26739}"/>
+                <a16:creationId xmlns="" xmlns:a16="http://schemas.microsoft.com/office/drawing/2014/main" id="{41E10E1E-5268-4F03-BA64-07E19DE26739}"/>
               </a:ext>
             </a:extLst>
           </p:cNvPr>
@@ -12557,7 +12557,7 @@
           <p:cNvPr id="16" name="Freeform: Shape 15">
             <a:extLst>
               <a:ext uri="{FF2B5EF4-FFF2-40B4-BE49-F238E27FC236}">
-                <a16:creationId xmlns:a16="http://schemas.microsoft.com/office/drawing/2014/main" xmlns="" id="{B989C45D-BDFF-418F-BE79-03FF70015770}"/>
+                <a16:creationId xmlns="" xmlns:a16="http://schemas.microsoft.com/office/drawing/2014/main" id="{B989C45D-BDFF-418F-BE79-03FF70015770}"/>
               </a:ext>
             </a:extLst>
           </p:cNvPr>
@@ -12721,7 +12721,7 @@
           <p:cNvPr id="20" name="Freeform: Shape 19">
             <a:extLst>
               <a:ext uri="{FF2B5EF4-FFF2-40B4-BE49-F238E27FC236}">
-                <a16:creationId xmlns:a16="http://schemas.microsoft.com/office/drawing/2014/main" xmlns="" id="{0027A677-9ACB-4264-B148-4806678FB83F}"/>
+                <a16:creationId xmlns="" xmlns:a16="http://schemas.microsoft.com/office/drawing/2014/main" id="{0027A677-9ACB-4264-B148-4806678FB83F}"/>
               </a:ext>
             </a:extLst>
           </p:cNvPr>
@@ -12883,7 +12883,7 @@
           <p:cNvPr id="6" name="Group 5">
             <a:extLst>
               <a:ext uri="{FF2B5EF4-FFF2-40B4-BE49-F238E27FC236}">
-                <a16:creationId xmlns:a16="http://schemas.microsoft.com/office/drawing/2014/main" xmlns="" id="{EA7FF9D7-8545-4547-AC77-A0421EEB9B99}"/>
+                <a16:creationId xmlns="" xmlns:a16="http://schemas.microsoft.com/office/drawing/2014/main" id="{EA7FF9D7-8545-4547-AC77-A0421EEB9B99}"/>
               </a:ext>
             </a:extLst>
           </p:cNvPr>
@@ -12903,7 +12903,7 @@
             <p:cNvPr id="17" name="Right Triangle 16">
               <a:extLst>
                 <a:ext uri="{FF2B5EF4-FFF2-40B4-BE49-F238E27FC236}">
-                  <a16:creationId xmlns:a16="http://schemas.microsoft.com/office/drawing/2014/main" xmlns="" id="{8DCD5806-2A2F-4ABF-8057-245681C498E6}"/>
+                  <a16:creationId xmlns="" xmlns:a16="http://schemas.microsoft.com/office/drawing/2014/main" id="{8DCD5806-2A2F-4ABF-8057-245681C498E6}"/>
                 </a:ext>
               </a:extLst>
             </p:cNvPr>
@@ -12957,7 +12957,7 @@
             <p:cNvPr id="18" name="Right Triangle 17">
               <a:extLst>
                 <a:ext uri="{FF2B5EF4-FFF2-40B4-BE49-F238E27FC236}">
-                  <a16:creationId xmlns:a16="http://schemas.microsoft.com/office/drawing/2014/main" xmlns="" id="{3A93038F-E9E4-4FFD-B3DF-28DB7C2C1490}"/>
+                  <a16:creationId xmlns="" xmlns:a16="http://schemas.microsoft.com/office/drawing/2014/main" id="{3A93038F-E9E4-4FFD-B3DF-28DB7C2C1490}"/>
                 </a:ext>
               </a:extLst>
             </p:cNvPr>
@@ -13014,7 +13014,7 @@
             <p:cNvPr id="19" name="Right Triangle 18">
               <a:extLst>
                 <a:ext uri="{FF2B5EF4-FFF2-40B4-BE49-F238E27FC236}">
-                  <a16:creationId xmlns:a16="http://schemas.microsoft.com/office/drawing/2014/main" xmlns="" id="{5DEA1E02-BBD0-4AE3-AF22-433B90272178}"/>
+                  <a16:creationId xmlns="" xmlns:a16="http://schemas.microsoft.com/office/drawing/2014/main" id="{5DEA1E02-BBD0-4AE3-AF22-433B90272178}"/>
                 </a:ext>
               </a:extLst>
             </p:cNvPr>
@@ -13069,7 +13069,7 @@
           <p:cNvPr id="2" name="Title 1">
             <a:extLst>
               <a:ext uri="{FF2B5EF4-FFF2-40B4-BE49-F238E27FC236}">
-                <a16:creationId xmlns:a16="http://schemas.microsoft.com/office/drawing/2014/main" xmlns="" id="{9E597736-C478-4C26-9BAF-205FE31E977C}"/>
+                <a16:creationId xmlns="" xmlns:a16="http://schemas.microsoft.com/office/drawing/2014/main" id="{9E597736-C478-4C26-9BAF-205FE31E977C}"/>
               </a:ext>
             </a:extLst>
           </p:cNvPr>
@@ -13114,7 +13114,7 @@
     </p:spTree>
     <p:extLst>
       <p:ext uri="{BB962C8B-B14F-4D97-AF65-F5344CB8AC3E}">
-        <p14:creationId xmlns:p14="http://schemas.microsoft.com/office/powerpoint/2010/main" xmlns="" val="2236386145"/>
+        <p14:creationId xmlns="" xmlns:p14="http://schemas.microsoft.com/office/powerpoint/2010/main" val="2236386145"/>
       </p:ext>
     </p:extLst>
   </p:cSld>
@@ -13146,7 +13146,7 @@
           <p:cNvPr id="21" name="Rectangle 20">
             <a:extLst>
               <a:ext uri="{FF2B5EF4-FFF2-40B4-BE49-F238E27FC236}">
-                <a16:creationId xmlns:a16="http://schemas.microsoft.com/office/drawing/2014/main" xmlns="" id="{6E739168-A5E8-443A-B392-7AD4CF8977AD}"/>
+                <a16:creationId xmlns="" xmlns:a16="http://schemas.microsoft.com/office/drawing/2014/main" id="{6E739168-A5E8-443A-B392-7AD4CF8977AD}"/>
               </a:ext>
             </a:extLst>
           </p:cNvPr>
@@ -13198,7 +13198,7 @@
           <p:cNvPr id="15" name="Freeform: Shape 14">
             <a:extLst>
               <a:ext uri="{FF2B5EF4-FFF2-40B4-BE49-F238E27FC236}">
-                <a16:creationId xmlns:a16="http://schemas.microsoft.com/office/drawing/2014/main" xmlns="" id="{41E10E1E-5268-4F03-BA64-07E19DE26739}"/>
+                <a16:creationId xmlns="" xmlns:a16="http://schemas.microsoft.com/office/drawing/2014/main" id="{41E10E1E-5268-4F03-BA64-07E19DE26739}"/>
               </a:ext>
             </a:extLst>
           </p:cNvPr>
@@ -13335,7 +13335,7 @@
           <p:cNvPr id="16" name="Freeform: Shape 15">
             <a:extLst>
               <a:ext uri="{FF2B5EF4-FFF2-40B4-BE49-F238E27FC236}">
-                <a16:creationId xmlns:a16="http://schemas.microsoft.com/office/drawing/2014/main" xmlns="" id="{B989C45D-BDFF-418F-BE79-03FF70015770}"/>
+                <a16:creationId xmlns="" xmlns:a16="http://schemas.microsoft.com/office/drawing/2014/main" id="{B989C45D-BDFF-418F-BE79-03FF70015770}"/>
               </a:ext>
             </a:extLst>
           </p:cNvPr>
@@ -13499,7 +13499,7 @@
           <p:cNvPr id="20" name="Freeform: Shape 19">
             <a:extLst>
               <a:ext uri="{FF2B5EF4-FFF2-40B4-BE49-F238E27FC236}">
-                <a16:creationId xmlns:a16="http://schemas.microsoft.com/office/drawing/2014/main" xmlns="" id="{0027A677-9ACB-4264-B148-4806678FB83F}"/>
+                <a16:creationId xmlns="" xmlns:a16="http://schemas.microsoft.com/office/drawing/2014/main" id="{0027A677-9ACB-4264-B148-4806678FB83F}"/>
               </a:ext>
             </a:extLst>
           </p:cNvPr>
@@ -13661,7 +13661,7 @@
           <p:cNvPr id="2" name="Title 1">
             <a:extLst>
               <a:ext uri="{FF2B5EF4-FFF2-40B4-BE49-F238E27FC236}">
-                <a16:creationId xmlns:a16="http://schemas.microsoft.com/office/drawing/2014/main" xmlns="" id="{9E597736-C478-4C26-9BAF-205FE31E977C}"/>
+                <a16:creationId xmlns="" xmlns:a16="http://schemas.microsoft.com/office/drawing/2014/main" id="{9E597736-C478-4C26-9BAF-205FE31E977C}"/>
               </a:ext>
             </a:extLst>
           </p:cNvPr>
@@ -13708,7 +13708,7 @@
           <p:cNvPr id="35" name="Freeform: Shape 34">
             <a:extLst>
               <a:ext uri="{FF2B5EF4-FFF2-40B4-BE49-F238E27FC236}">
-                <a16:creationId xmlns:a16="http://schemas.microsoft.com/office/drawing/2014/main" xmlns="" id="{C024DCDB-C6BF-455E-AAB8-EAF9DAB302A1}"/>
+                <a16:creationId xmlns="" xmlns:a16="http://schemas.microsoft.com/office/drawing/2014/main" id="{C024DCDB-C6BF-455E-AAB8-EAF9DAB302A1}"/>
               </a:ext>
             </a:extLst>
           </p:cNvPr>
@@ -13816,7 +13816,7 @@
           <p:cNvPr id="32" name="Freeform: Shape 31">
             <a:extLst>
               <a:ext uri="{FF2B5EF4-FFF2-40B4-BE49-F238E27FC236}">
-                <a16:creationId xmlns:a16="http://schemas.microsoft.com/office/drawing/2014/main" xmlns="" id="{26AFB47A-5D51-4F9C-B01B-977CE5E3C093}"/>
+                <a16:creationId xmlns="" xmlns:a16="http://schemas.microsoft.com/office/drawing/2014/main" id="{26AFB47A-5D51-4F9C-B01B-977CE5E3C093}"/>
               </a:ext>
             </a:extLst>
           </p:cNvPr>
@@ -13932,7 +13932,7 @@
           <p:cNvPr id="30" name="Freeform: Shape 29">
             <a:extLst>
               <a:ext uri="{FF2B5EF4-FFF2-40B4-BE49-F238E27FC236}">
-                <a16:creationId xmlns:a16="http://schemas.microsoft.com/office/drawing/2014/main" xmlns="" id="{6997A4FF-7390-4173-8ACD-6CF7145AACEC}"/>
+                <a16:creationId xmlns="" xmlns:a16="http://schemas.microsoft.com/office/drawing/2014/main" id="{6997A4FF-7390-4173-8ACD-6CF7145AACEC}"/>
               </a:ext>
             </a:extLst>
           </p:cNvPr>
@@ -14039,7 +14039,7 @@
     </p:spTree>
     <p:extLst>
       <p:ext uri="{BB962C8B-B14F-4D97-AF65-F5344CB8AC3E}">
-        <p14:creationId xmlns:p14="http://schemas.microsoft.com/office/powerpoint/2010/main" xmlns="" val="1218518015"/>
+        <p14:creationId xmlns="" xmlns:p14="http://schemas.microsoft.com/office/powerpoint/2010/main" val="1218518015"/>
       </p:ext>
     </p:extLst>
   </p:cSld>
@@ -14071,7 +14071,7 @@
           <p:cNvPr id="7" name="Rectangle 6">
             <a:extLst>
               <a:ext uri="{FF2B5EF4-FFF2-40B4-BE49-F238E27FC236}">
-                <a16:creationId xmlns:a16="http://schemas.microsoft.com/office/drawing/2014/main" xmlns="" id="{B2838D16-809E-4EB1-8C0C-0E63D8139112}"/>
+                <a16:creationId xmlns="" xmlns:a16="http://schemas.microsoft.com/office/drawing/2014/main" id="{B2838D16-809E-4EB1-8C0C-0E63D8139112}"/>
               </a:ext>
             </a:extLst>
           </p:cNvPr>
@@ -14123,7 +14123,7 @@
           <p:cNvPr id="8" name="Freeform: Shape 7">
             <a:extLst>
               <a:ext uri="{FF2B5EF4-FFF2-40B4-BE49-F238E27FC236}">
-                <a16:creationId xmlns:a16="http://schemas.microsoft.com/office/drawing/2014/main" xmlns="" id="{01FEB333-94B4-4E53-9019-D584810903BB}"/>
+                <a16:creationId xmlns="" xmlns:a16="http://schemas.microsoft.com/office/drawing/2014/main" id="{01FEB333-94B4-4E53-9019-D584810903BB}"/>
               </a:ext>
             </a:extLst>
           </p:cNvPr>
@@ -14244,7 +14244,7 @@
           <p:cNvPr id="9" name="Freeform: Shape 8">
             <a:extLst>
               <a:ext uri="{FF2B5EF4-FFF2-40B4-BE49-F238E27FC236}">
-                <a16:creationId xmlns:a16="http://schemas.microsoft.com/office/drawing/2014/main" xmlns="" id="{A59B9489-0CD9-4DB7-AC82-6E7867F91403}"/>
+                <a16:creationId xmlns="" xmlns:a16="http://schemas.microsoft.com/office/drawing/2014/main" id="{A59B9489-0CD9-4DB7-AC82-6E7867F91403}"/>
               </a:ext>
             </a:extLst>
           </p:cNvPr>
@@ -14384,7 +14384,7 @@
           <p:cNvPr id="10" name="Right Triangle 9">
             <a:extLst>
               <a:ext uri="{FF2B5EF4-FFF2-40B4-BE49-F238E27FC236}">
-                <a16:creationId xmlns:a16="http://schemas.microsoft.com/office/drawing/2014/main" xmlns="" id="{A55D1C76-C591-4FA5-9780-87AB6B37C0FA}"/>
+                <a16:creationId xmlns="" xmlns:a16="http://schemas.microsoft.com/office/drawing/2014/main" id="{A55D1C76-C591-4FA5-9780-87AB6B37C0FA}"/>
               </a:ext>
             </a:extLst>
           </p:cNvPr>
@@ -14438,7 +14438,7 @@
           <p:cNvPr id="11" name="Freeform: Shape 10">
             <a:extLst>
               <a:ext uri="{FF2B5EF4-FFF2-40B4-BE49-F238E27FC236}">
-                <a16:creationId xmlns:a16="http://schemas.microsoft.com/office/drawing/2014/main" xmlns="" id="{A7DC1D12-670F-4235-8791-FA8C2B330871}"/>
+                <a16:creationId xmlns="" xmlns:a16="http://schemas.microsoft.com/office/drawing/2014/main" id="{A7DC1D12-670F-4235-8791-FA8C2B330871}"/>
               </a:ext>
             </a:extLst>
           </p:cNvPr>
@@ -14584,7 +14584,7 @@
           <p:cNvPr id="12" name="Freeform: Shape 11">
             <a:extLst>
               <a:ext uri="{FF2B5EF4-FFF2-40B4-BE49-F238E27FC236}">
-                <a16:creationId xmlns:a16="http://schemas.microsoft.com/office/drawing/2014/main" xmlns="" id="{859569CF-FDAC-47C4-A0F5-296F7117C398}"/>
+                <a16:creationId xmlns="" xmlns:a16="http://schemas.microsoft.com/office/drawing/2014/main" id="{859569CF-FDAC-47C4-A0F5-296F7117C398}"/>
               </a:ext>
             </a:extLst>
           </p:cNvPr>
@@ -14684,7 +14684,7 @@
           <p:cNvPr id="13" name="Freeform: Shape 12">
             <a:extLst>
               <a:ext uri="{FF2B5EF4-FFF2-40B4-BE49-F238E27FC236}">
-                <a16:creationId xmlns:a16="http://schemas.microsoft.com/office/drawing/2014/main" xmlns="" id="{D68D0C72-2B2C-4C85-A091-157853C71784}"/>
+                <a16:creationId xmlns="" xmlns:a16="http://schemas.microsoft.com/office/drawing/2014/main" id="{D68D0C72-2B2C-4C85-A091-157853C71784}"/>
               </a:ext>
             </a:extLst>
           </p:cNvPr>
@@ -14792,7 +14792,7 @@
           <p:cNvPr id="14" name="Freeform: Shape 13">
             <a:extLst>
               <a:ext uri="{FF2B5EF4-FFF2-40B4-BE49-F238E27FC236}">
-                <a16:creationId xmlns:a16="http://schemas.microsoft.com/office/drawing/2014/main" xmlns="" id="{8E25334A-5FE3-4DDA-8D32-4796CCFCAA74}"/>
+                <a16:creationId xmlns="" xmlns:a16="http://schemas.microsoft.com/office/drawing/2014/main" id="{8E25334A-5FE3-4DDA-8D32-4796CCFCAA74}"/>
               </a:ext>
             </a:extLst>
           </p:cNvPr>
@@ -14884,7 +14884,7 @@
           <p:cNvPr id="15" name="Freeform: Shape 14">
             <a:extLst>
               <a:ext uri="{FF2B5EF4-FFF2-40B4-BE49-F238E27FC236}">
-                <a16:creationId xmlns:a16="http://schemas.microsoft.com/office/drawing/2014/main" xmlns="" id="{18818DF1-D7FD-4C0F-875D-7A07E8F75C06}"/>
+                <a16:creationId xmlns="" xmlns:a16="http://schemas.microsoft.com/office/drawing/2014/main" id="{18818DF1-D7FD-4C0F-875D-7A07E8F75C06}"/>
               </a:ext>
             </a:extLst>
           </p:cNvPr>
@@ -14984,7 +14984,7 @@
           <p:cNvPr id="16" name="Group 15">
             <a:extLst>
               <a:ext uri="{FF2B5EF4-FFF2-40B4-BE49-F238E27FC236}">
-                <a16:creationId xmlns:a16="http://schemas.microsoft.com/office/drawing/2014/main" xmlns="" id="{8F9BB384-9E14-4CEA-82C1-21837229D3EF}"/>
+                <a16:creationId xmlns="" xmlns:a16="http://schemas.microsoft.com/office/drawing/2014/main" id="{8F9BB384-9E14-4CEA-82C1-21837229D3EF}"/>
               </a:ext>
             </a:extLst>
           </p:cNvPr>
@@ -15004,7 +15004,7 @@
             <p:cNvPr id="17" name="Freeform: Shape 16">
               <a:extLst>
                 <a:ext uri="{FF2B5EF4-FFF2-40B4-BE49-F238E27FC236}">
-                  <a16:creationId xmlns:a16="http://schemas.microsoft.com/office/drawing/2014/main" xmlns="" id="{0862A81A-959D-4EAB-90ED-DB20759BB397}"/>
+                  <a16:creationId xmlns="" xmlns:a16="http://schemas.microsoft.com/office/drawing/2014/main" id="{0862A81A-959D-4EAB-90ED-DB20759BB397}"/>
                 </a:ext>
               </a:extLst>
             </p:cNvPr>
@@ -15094,7 +15094,7 @@
             <p:cNvPr id="18" name="Freeform: Shape 17">
               <a:extLst>
                 <a:ext uri="{FF2B5EF4-FFF2-40B4-BE49-F238E27FC236}">
-                  <a16:creationId xmlns:a16="http://schemas.microsoft.com/office/drawing/2014/main" xmlns="" id="{AAB9E28C-9422-42BD-AECE-29B44B5D63E2}"/>
+                  <a16:creationId xmlns="" xmlns:a16="http://schemas.microsoft.com/office/drawing/2014/main" id="{AAB9E28C-9422-42BD-AECE-29B44B5D63E2}"/>
                 </a:ext>
               </a:extLst>
             </p:cNvPr>
@@ -15193,7 +15193,7 @@
           <p:cNvPr id="19" name="Group 18">
             <a:extLst>
               <a:ext uri="{FF2B5EF4-FFF2-40B4-BE49-F238E27FC236}">
-                <a16:creationId xmlns:a16="http://schemas.microsoft.com/office/drawing/2014/main" xmlns="" id="{2772239B-C46D-4458-BB4B-DDB12FAB0172}"/>
+                <a16:creationId xmlns="" xmlns:a16="http://schemas.microsoft.com/office/drawing/2014/main" id="{2772239B-C46D-4458-BB4B-DDB12FAB0172}"/>
               </a:ext>
             </a:extLst>
           </p:cNvPr>
@@ -15213,7 +15213,7 @@
             <p:cNvPr id="20" name="Freeform: Shape 19">
               <a:extLst>
                 <a:ext uri="{FF2B5EF4-FFF2-40B4-BE49-F238E27FC236}">
-                  <a16:creationId xmlns:a16="http://schemas.microsoft.com/office/drawing/2014/main" xmlns="" id="{3C8A2A1A-1FB9-4CA1-B74E-B293187E51AA}"/>
+                  <a16:creationId xmlns="" xmlns:a16="http://schemas.microsoft.com/office/drawing/2014/main" id="{3C8A2A1A-1FB9-4CA1-B74E-B293187E51AA}"/>
                 </a:ext>
               </a:extLst>
             </p:cNvPr>
@@ -15303,7 +15303,7 @@
             <p:cNvPr id="21" name="Freeform: Shape 20">
               <a:extLst>
                 <a:ext uri="{FF2B5EF4-FFF2-40B4-BE49-F238E27FC236}">
-                  <a16:creationId xmlns:a16="http://schemas.microsoft.com/office/drawing/2014/main" xmlns="" id="{DF2B18BA-6B43-40FA-A23B-D894D6AB468B}"/>
+                  <a16:creationId xmlns="" xmlns:a16="http://schemas.microsoft.com/office/drawing/2014/main" id="{DF2B18BA-6B43-40FA-A23B-D894D6AB468B}"/>
                 </a:ext>
               </a:extLst>
             </p:cNvPr>
@@ -15402,7 +15402,7 @@
           <p:cNvPr id="3" name="Text Placeholder 2">
             <a:extLst>
               <a:ext uri="{FF2B5EF4-FFF2-40B4-BE49-F238E27FC236}">
-                <a16:creationId xmlns:a16="http://schemas.microsoft.com/office/drawing/2014/main" xmlns="" id="{5E194264-A3F5-42E2-9A63-DCCED0457E1B}"/>
+                <a16:creationId xmlns="" xmlns:a16="http://schemas.microsoft.com/office/drawing/2014/main" id="{5E194264-A3F5-42E2-9A63-DCCED0457E1B}"/>
               </a:ext>
             </a:extLst>
           </p:cNvPr>
@@ -15452,7 +15452,7 @@
           <p:cNvPr id="22" name="Slide Number Placeholder 4">
             <a:extLst>
               <a:ext uri="{FF2B5EF4-FFF2-40B4-BE49-F238E27FC236}">
-                <a16:creationId xmlns:a16="http://schemas.microsoft.com/office/drawing/2014/main" xmlns="" id="{0F332671-6296-47C8-BF26-B2D962F5D03D}"/>
+                <a16:creationId xmlns="" xmlns:a16="http://schemas.microsoft.com/office/drawing/2014/main" id="{0F332671-6296-47C8-BF26-B2D962F5D03D}"/>
               </a:ext>
             </a:extLst>
           </p:cNvPr>
@@ -15496,7 +15496,7 @@
           <p:cNvPr id="23" name="Title 1">
             <a:extLst>
               <a:ext uri="{FF2B5EF4-FFF2-40B4-BE49-F238E27FC236}">
-                <a16:creationId xmlns:a16="http://schemas.microsoft.com/office/drawing/2014/main" xmlns="" id="{7772A652-7229-2B42-B87B-298C31D6F0CB}"/>
+                <a16:creationId xmlns="" xmlns:a16="http://schemas.microsoft.com/office/drawing/2014/main" id="{7772A652-7229-2B42-B87B-298C31D6F0CB}"/>
               </a:ext>
             </a:extLst>
           </p:cNvPr>
@@ -15539,7 +15539,7 @@
     </p:spTree>
     <p:extLst>
       <p:ext uri="{BB962C8B-B14F-4D97-AF65-F5344CB8AC3E}">
-        <p14:creationId xmlns:p14="http://schemas.microsoft.com/office/powerpoint/2010/main" xmlns="" val="1675197494"/>
+        <p14:creationId xmlns="" xmlns:p14="http://schemas.microsoft.com/office/powerpoint/2010/main" val="1675197494"/>
       </p:ext>
     </p:extLst>
   </p:cSld>
@@ -15571,7 +15571,7 @@
           <p:cNvPr id="22" name="Rectangle 21">
             <a:extLst>
               <a:ext uri="{FF2B5EF4-FFF2-40B4-BE49-F238E27FC236}">
-                <a16:creationId xmlns:a16="http://schemas.microsoft.com/office/drawing/2014/main" xmlns="" id="{2CDBB6E5-B91E-4946-9390-E8693855103A}"/>
+                <a16:creationId xmlns="" xmlns:a16="http://schemas.microsoft.com/office/drawing/2014/main" id="{2CDBB6E5-B91E-4946-9390-E8693855103A}"/>
               </a:ext>
             </a:extLst>
           </p:cNvPr>
@@ -15625,7 +15625,7 @@
           <p:cNvPr id="34" name="Freeform: Shape 33">
             <a:extLst>
               <a:ext uri="{FF2B5EF4-FFF2-40B4-BE49-F238E27FC236}">
-                <a16:creationId xmlns:a16="http://schemas.microsoft.com/office/drawing/2014/main" xmlns="" id="{0C3CC1C9-1FA0-4FE4-8984-4A8B3728D674}"/>
+                <a16:creationId xmlns="" xmlns:a16="http://schemas.microsoft.com/office/drawing/2014/main" id="{0C3CC1C9-1FA0-4FE4-8984-4A8B3728D674}"/>
               </a:ext>
             </a:extLst>
           </p:cNvPr>
@@ -15770,7 +15770,7 @@
           <p:cNvPr id="24" name="Freeform: Shape 23">
             <a:extLst>
               <a:ext uri="{FF2B5EF4-FFF2-40B4-BE49-F238E27FC236}">
-                <a16:creationId xmlns:a16="http://schemas.microsoft.com/office/drawing/2014/main" xmlns="" id="{8E049265-431E-48DE-B7F7-4959930171DC}"/>
+                <a16:creationId xmlns="" xmlns:a16="http://schemas.microsoft.com/office/drawing/2014/main" id="{8E049265-431E-48DE-B7F7-4959930171DC}"/>
               </a:ext>
             </a:extLst>
           </p:cNvPr>
@@ -15910,7 +15910,7 @@
           <p:cNvPr id="25" name="Freeform: Shape 24">
             <a:extLst>
               <a:ext uri="{FF2B5EF4-FFF2-40B4-BE49-F238E27FC236}">
-                <a16:creationId xmlns:a16="http://schemas.microsoft.com/office/drawing/2014/main" xmlns="" id="{173E5F2D-1F8E-4DCC-857F-932C6C6539BB}"/>
+                <a16:creationId xmlns="" xmlns:a16="http://schemas.microsoft.com/office/drawing/2014/main" id="{173E5F2D-1F8E-4DCC-857F-932C6C6539BB}"/>
               </a:ext>
             </a:extLst>
           </p:cNvPr>
@@ -16056,7 +16056,7 @@
           <p:cNvPr id="26" name="Group 25">
             <a:extLst>
               <a:ext uri="{FF2B5EF4-FFF2-40B4-BE49-F238E27FC236}">
-                <a16:creationId xmlns:a16="http://schemas.microsoft.com/office/drawing/2014/main" xmlns="" id="{E9318B2B-E019-4078-9EF0-C9D6281AE31B}"/>
+                <a16:creationId xmlns="" xmlns:a16="http://schemas.microsoft.com/office/drawing/2014/main" id="{E9318B2B-E019-4078-9EF0-C9D6281AE31B}"/>
               </a:ext>
             </a:extLst>
           </p:cNvPr>
@@ -16076,7 +16076,7 @@
             <p:cNvPr id="27" name="Freeform: Shape 26">
               <a:extLst>
                 <a:ext uri="{FF2B5EF4-FFF2-40B4-BE49-F238E27FC236}">
-                  <a16:creationId xmlns:a16="http://schemas.microsoft.com/office/drawing/2014/main" xmlns="" id="{D3E625C0-9656-421F-861F-67C8F93362ED}"/>
+                  <a16:creationId xmlns="" xmlns:a16="http://schemas.microsoft.com/office/drawing/2014/main" id="{D3E625C0-9656-421F-861F-67C8F93362ED}"/>
                 </a:ext>
               </a:extLst>
             </p:cNvPr>
@@ -16176,7 +16176,7 @@
             <p:cNvPr id="28" name="Freeform: Shape 27">
               <a:extLst>
                 <a:ext uri="{FF2B5EF4-FFF2-40B4-BE49-F238E27FC236}">
-                  <a16:creationId xmlns:a16="http://schemas.microsoft.com/office/drawing/2014/main" xmlns="" id="{49F8E490-C6E3-4D00-866F-CD85DD88996E}"/>
+                  <a16:creationId xmlns="" xmlns:a16="http://schemas.microsoft.com/office/drawing/2014/main" id="{49F8E490-C6E3-4D00-866F-CD85DD88996E}"/>
                 </a:ext>
               </a:extLst>
             </p:cNvPr>
@@ -16285,7 +16285,7 @@
           <p:cNvPr id="29" name="Freeform: Shape 28">
             <a:extLst>
               <a:ext uri="{FF2B5EF4-FFF2-40B4-BE49-F238E27FC236}">
-                <a16:creationId xmlns:a16="http://schemas.microsoft.com/office/drawing/2014/main" xmlns="" id="{EE8F5B31-1523-46AE-9455-C33DFC1BDDE0}"/>
+                <a16:creationId xmlns="" xmlns:a16="http://schemas.microsoft.com/office/drawing/2014/main" id="{EE8F5B31-1523-46AE-9455-C33DFC1BDDE0}"/>
               </a:ext>
             </a:extLst>
           </p:cNvPr>
@@ -16377,7 +16377,7 @@
           <p:cNvPr id="30" name="Freeform: Shape 29">
             <a:extLst>
               <a:ext uri="{FF2B5EF4-FFF2-40B4-BE49-F238E27FC236}">
-                <a16:creationId xmlns:a16="http://schemas.microsoft.com/office/drawing/2014/main" xmlns="" id="{5D17048F-C2E1-4775-BC32-50BD6219F89D}"/>
+                <a16:creationId xmlns="" xmlns:a16="http://schemas.microsoft.com/office/drawing/2014/main" id="{5D17048F-C2E1-4775-BC32-50BD6219F89D}"/>
               </a:ext>
             </a:extLst>
           </p:cNvPr>
@@ -16477,7 +16477,7 @@
           <p:cNvPr id="31" name="Group 30">
             <a:extLst>
               <a:ext uri="{FF2B5EF4-FFF2-40B4-BE49-F238E27FC236}">
-                <a16:creationId xmlns:a16="http://schemas.microsoft.com/office/drawing/2014/main" xmlns="" id="{EAB002AA-4848-49C8-A834-036F860C79A3}"/>
+                <a16:creationId xmlns="" xmlns:a16="http://schemas.microsoft.com/office/drawing/2014/main" id="{EAB002AA-4848-49C8-A834-036F860C79A3}"/>
               </a:ext>
             </a:extLst>
           </p:cNvPr>
@@ -16497,7 +16497,7 @@
             <p:cNvPr id="32" name="Freeform: Shape 31">
               <a:extLst>
                 <a:ext uri="{FF2B5EF4-FFF2-40B4-BE49-F238E27FC236}">
-                  <a16:creationId xmlns:a16="http://schemas.microsoft.com/office/drawing/2014/main" xmlns="" id="{14B187A8-7F8D-469D-A03B-4F835A5746DE}"/>
+                  <a16:creationId xmlns="" xmlns:a16="http://schemas.microsoft.com/office/drawing/2014/main" id="{14B187A8-7F8D-469D-A03B-4F835A5746DE}"/>
                 </a:ext>
               </a:extLst>
             </p:cNvPr>
@@ -16587,7 +16587,7 @@
             <p:cNvPr id="33" name="Freeform: Shape 32">
               <a:extLst>
                 <a:ext uri="{FF2B5EF4-FFF2-40B4-BE49-F238E27FC236}">
-                  <a16:creationId xmlns:a16="http://schemas.microsoft.com/office/drawing/2014/main" xmlns="" id="{03D871D1-A11A-48FB-82A8-8D61AB5CB85C}"/>
+                  <a16:creationId xmlns="" xmlns:a16="http://schemas.microsoft.com/office/drawing/2014/main" id="{03D871D1-A11A-48FB-82A8-8D61AB5CB85C}"/>
                 </a:ext>
               </a:extLst>
             </p:cNvPr>
@@ -16686,7 +16686,7 @@
           <p:cNvPr id="2" name="Title 1">
             <a:extLst>
               <a:ext uri="{FF2B5EF4-FFF2-40B4-BE49-F238E27FC236}">
-                <a16:creationId xmlns:a16="http://schemas.microsoft.com/office/drawing/2014/main" xmlns="" id="{42374B20-3E42-44AF-BEF1-8AB33067395C}"/>
+                <a16:creationId xmlns="" xmlns:a16="http://schemas.microsoft.com/office/drawing/2014/main" id="{42374B20-3E42-44AF-BEF1-8AB33067395C}"/>
               </a:ext>
             </a:extLst>
           </p:cNvPr>
@@ -16731,7 +16731,7 @@
           <p:cNvPr id="3" name="Text Placeholder 2">
             <a:extLst>
               <a:ext uri="{FF2B5EF4-FFF2-40B4-BE49-F238E27FC236}">
-                <a16:creationId xmlns:a16="http://schemas.microsoft.com/office/drawing/2014/main" xmlns="" id="{5E194264-A3F5-42E2-9A63-DCCED0457E1B}"/>
+                <a16:creationId xmlns="" xmlns:a16="http://schemas.microsoft.com/office/drawing/2014/main" id="{5E194264-A3F5-42E2-9A63-DCCED0457E1B}"/>
               </a:ext>
             </a:extLst>
           </p:cNvPr>
@@ -16781,7 +16781,7 @@
           <p:cNvPr id="35" name="Slide Number Placeholder 4">
             <a:extLst>
               <a:ext uri="{FF2B5EF4-FFF2-40B4-BE49-F238E27FC236}">
-                <a16:creationId xmlns:a16="http://schemas.microsoft.com/office/drawing/2014/main" xmlns="" id="{6F73F836-940E-4B65-A29C-D0869263C935}"/>
+                <a16:creationId xmlns="" xmlns:a16="http://schemas.microsoft.com/office/drawing/2014/main" id="{6F73F836-940E-4B65-A29C-D0869263C935}"/>
               </a:ext>
             </a:extLst>
           </p:cNvPr>
@@ -16823,7 +16823,7 @@
     </p:spTree>
     <p:extLst>
       <p:ext uri="{BB962C8B-B14F-4D97-AF65-F5344CB8AC3E}">
-        <p14:creationId xmlns:p14="http://schemas.microsoft.com/office/powerpoint/2010/main" xmlns="" val="3511478827"/>
+        <p14:creationId xmlns="" xmlns:p14="http://schemas.microsoft.com/office/powerpoint/2010/main" val="3511478827"/>
       </p:ext>
     </p:extLst>
   </p:cSld>
@@ -16855,7 +16855,7 @@
           <p:cNvPr id="22" name="Rectangle 21">
             <a:extLst>
               <a:ext uri="{FF2B5EF4-FFF2-40B4-BE49-F238E27FC236}">
-                <a16:creationId xmlns:a16="http://schemas.microsoft.com/office/drawing/2014/main" xmlns="" id="{2CDBB6E5-B91E-4946-9390-E8693855103A}"/>
+                <a16:creationId xmlns="" xmlns:a16="http://schemas.microsoft.com/office/drawing/2014/main" id="{2CDBB6E5-B91E-4946-9390-E8693855103A}"/>
               </a:ext>
             </a:extLst>
           </p:cNvPr>
@@ -16909,7 +16909,7 @@
           <p:cNvPr id="34" name="Freeform: Shape 33">
             <a:extLst>
               <a:ext uri="{FF2B5EF4-FFF2-40B4-BE49-F238E27FC236}">
-                <a16:creationId xmlns:a16="http://schemas.microsoft.com/office/drawing/2014/main" xmlns="" id="{0C3CC1C9-1FA0-4FE4-8984-4A8B3728D674}"/>
+                <a16:creationId xmlns="" xmlns:a16="http://schemas.microsoft.com/office/drawing/2014/main" id="{0C3CC1C9-1FA0-4FE4-8984-4A8B3728D674}"/>
               </a:ext>
             </a:extLst>
           </p:cNvPr>
@@ -17054,7 +17054,7 @@
           <p:cNvPr id="24" name="Freeform: Shape 23">
             <a:extLst>
               <a:ext uri="{FF2B5EF4-FFF2-40B4-BE49-F238E27FC236}">
-                <a16:creationId xmlns:a16="http://schemas.microsoft.com/office/drawing/2014/main" xmlns="" id="{8E049265-431E-48DE-B7F7-4959930171DC}"/>
+                <a16:creationId xmlns="" xmlns:a16="http://schemas.microsoft.com/office/drawing/2014/main" id="{8E049265-431E-48DE-B7F7-4959930171DC}"/>
               </a:ext>
             </a:extLst>
           </p:cNvPr>
@@ -17194,7 +17194,7 @@
           <p:cNvPr id="25" name="Freeform: Shape 24">
             <a:extLst>
               <a:ext uri="{FF2B5EF4-FFF2-40B4-BE49-F238E27FC236}">
-                <a16:creationId xmlns:a16="http://schemas.microsoft.com/office/drawing/2014/main" xmlns="" id="{173E5F2D-1F8E-4DCC-857F-932C6C6539BB}"/>
+                <a16:creationId xmlns="" xmlns:a16="http://schemas.microsoft.com/office/drawing/2014/main" id="{173E5F2D-1F8E-4DCC-857F-932C6C6539BB}"/>
               </a:ext>
             </a:extLst>
           </p:cNvPr>
@@ -17340,7 +17340,7 @@
           <p:cNvPr id="4" name="Oval 3">
             <a:extLst>
               <a:ext uri="{FF2B5EF4-FFF2-40B4-BE49-F238E27FC236}">
-                <a16:creationId xmlns:a16="http://schemas.microsoft.com/office/drawing/2014/main" xmlns="" id="{ECB4C115-EFF9-405C-98BE-F4077B9730D0}"/>
+                <a16:creationId xmlns="" xmlns:a16="http://schemas.microsoft.com/office/drawing/2014/main" id="{ECB4C115-EFF9-405C-98BE-F4077B9730D0}"/>
               </a:ext>
             </a:extLst>
           </p:cNvPr>
@@ -17398,7 +17398,7 @@
           <p:cNvPr id="18" name="Title 1">
             <a:extLst>
               <a:ext uri="{FF2B5EF4-FFF2-40B4-BE49-F238E27FC236}">
-                <a16:creationId xmlns:a16="http://schemas.microsoft.com/office/drawing/2014/main" xmlns="" id="{C9A300DD-BB54-44ED-A7E4-01CD41EC930F}"/>
+                <a16:creationId xmlns="" xmlns:a16="http://schemas.microsoft.com/office/drawing/2014/main" id="{C9A300DD-BB54-44ED-A7E4-01CD41EC930F}"/>
               </a:ext>
             </a:extLst>
           </p:cNvPr>
@@ -17461,7 +17461,7 @@
           <p:cNvPr id="2" name="Title 1">
             <a:extLst>
               <a:ext uri="{FF2B5EF4-FFF2-40B4-BE49-F238E27FC236}">
-                <a16:creationId xmlns:a16="http://schemas.microsoft.com/office/drawing/2014/main" xmlns="" id="{42374B20-3E42-44AF-BEF1-8AB33067395C}"/>
+                <a16:creationId xmlns="" xmlns:a16="http://schemas.microsoft.com/office/drawing/2014/main" id="{42374B20-3E42-44AF-BEF1-8AB33067395C}"/>
               </a:ext>
             </a:extLst>
           </p:cNvPr>
@@ -17509,7 +17509,7 @@
           <p:cNvPr id="19" name="Slide Number Placeholder 4">
             <a:extLst>
               <a:ext uri="{FF2B5EF4-FFF2-40B4-BE49-F238E27FC236}">
-                <a16:creationId xmlns:a16="http://schemas.microsoft.com/office/drawing/2014/main" xmlns="" id="{A4E6C1FF-5925-42B3-B7F9-0A0031BDAD30}"/>
+                <a16:creationId xmlns="" xmlns:a16="http://schemas.microsoft.com/office/drawing/2014/main" id="{A4E6C1FF-5925-42B3-B7F9-0A0031BDAD30}"/>
               </a:ext>
             </a:extLst>
           </p:cNvPr>
@@ -17551,7 +17551,7 @@
     </p:spTree>
     <p:extLst>
       <p:ext uri="{BB962C8B-B14F-4D97-AF65-F5344CB8AC3E}">
-        <p14:creationId xmlns:p14="http://schemas.microsoft.com/office/powerpoint/2010/main" xmlns="" val="1753169891"/>
+        <p14:creationId xmlns="" xmlns:p14="http://schemas.microsoft.com/office/powerpoint/2010/main" val="1753169891"/>
       </p:ext>
     </p:extLst>
   </p:cSld>
@@ -17591,7 +17591,7 @@
           <p:cNvPr id="11" name="Rectangle 10">
             <a:extLst>
               <a:ext uri="{FF2B5EF4-FFF2-40B4-BE49-F238E27FC236}">
-                <a16:creationId xmlns:a16="http://schemas.microsoft.com/office/drawing/2014/main" xmlns="" id="{EB3E033F-4449-40FA-BC85-BD2712D313DD}"/>
+                <a16:creationId xmlns="" xmlns:a16="http://schemas.microsoft.com/office/drawing/2014/main" id="{EB3E033F-4449-40FA-BC85-BD2712D313DD}"/>
               </a:ext>
             </a:extLst>
           </p:cNvPr>
@@ -17645,7 +17645,7 @@
           <p:cNvPr id="10" name="Freeform: Shape 9">
             <a:extLst>
               <a:ext uri="{FF2B5EF4-FFF2-40B4-BE49-F238E27FC236}">
-                <a16:creationId xmlns:a16="http://schemas.microsoft.com/office/drawing/2014/main" xmlns="" id="{63D26743-0505-444C-80B3-E88EE87DF72B}"/>
+                <a16:creationId xmlns="" xmlns:a16="http://schemas.microsoft.com/office/drawing/2014/main" id="{63D26743-0505-444C-80B3-E88EE87DF72B}"/>
               </a:ext>
             </a:extLst>
           </p:cNvPr>
@@ -17768,7 +17768,7 @@
           <p:cNvPr id="8" name="Freeform: Shape 7">
             <a:extLst>
               <a:ext uri="{FF2B5EF4-FFF2-40B4-BE49-F238E27FC236}">
-                <a16:creationId xmlns:a16="http://schemas.microsoft.com/office/drawing/2014/main" xmlns="" id="{1599AF7E-3E34-4597-AA72-9373A7FDB020}"/>
+                <a16:creationId xmlns="" xmlns:a16="http://schemas.microsoft.com/office/drawing/2014/main" id="{1599AF7E-3E34-4597-AA72-9373A7FDB020}"/>
               </a:ext>
             </a:extLst>
           </p:cNvPr>
@@ -17914,7 +17914,7 @@
           <p:cNvPr id="2" name="Title 1">
             <a:extLst>
               <a:ext uri="{FF2B5EF4-FFF2-40B4-BE49-F238E27FC236}">
-                <a16:creationId xmlns:a16="http://schemas.microsoft.com/office/drawing/2014/main" xmlns="" id="{4A2DF563-7FAC-46B3-B24C-7E45CD89DA2B}"/>
+                <a16:creationId xmlns="" xmlns:a16="http://schemas.microsoft.com/office/drawing/2014/main" id="{4A2DF563-7FAC-46B3-B24C-7E45CD89DA2B}"/>
               </a:ext>
             </a:extLst>
           </p:cNvPr>
@@ -17959,7 +17959,7 @@
           <p:cNvPr id="5" name="Slide Number Placeholder 4">
             <a:extLst>
               <a:ext uri="{FF2B5EF4-FFF2-40B4-BE49-F238E27FC236}">
-                <a16:creationId xmlns:a16="http://schemas.microsoft.com/office/drawing/2014/main" xmlns="" id="{87B51822-97FF-47A7-8E4E-A0F79B4EB237}"/>
+                <a16:creationId xmlns="" xmlns:a16="http://schemas.microsoft.com/office/drawing/2014/main" id="{87B51822-97FF-47A7-8E4E-A0F79B4EB237}"/>
               </a:ext>
             </a:extLst>
           </p:cNvPr>
@@ -18003,7 +18003,7 @@
           <p:cNvPr id="15" name="Group 14">
             <a:extLst>
               <a:ext uri="{FF2B5EF4-FFF2-40B4-BE49-F238E27FC236}">
-                <a16:creationId xmlns:a16="http://schemas.microsoft.com/office/drawing/2014/main" xmlns="" id="{7732E1E7-45E3-4264-8F26-66758696DD1E}"/>
+                <a16:creationId xmlns="" xmlns:a16="http://schemas.microsoft.com/office/drawing/2014/main" id="{7732E1E7-45E3-4264-8F26-66758696DD1E}"/>
               </a:ext>
             </a:extLst>
           </p:cNvPr>
@@ -18023,7 +18023,7 @@
             <p:cNvPr id="16" name="Freeform: Shape 15">
               <a:extLst>
                 <a:ext uri="{FF2B5EF4-FFF2-40B4-BE49-F238E27FC236}">
-                  <a16:creationId xmlns:a16="http://schemas.microsoft.com/office/drawing/2014/main" xmlns="" id="{2E3DF883-8093-49FA-81E1-E5D77F086A25}"/>
+                  <a16:creationId xmlns="" xmlns:a16="http://schemas.microsoft.com/office/drawing/2014/main" id="{2E3DF883-8093-49FA-81E1-E5D77F086A25}"/>
                 </a:ext>
               </a:extLst>
             </p:cNvPr>
@@ -18113,7 +18113,7 @@
             <p:cNvPr id="17" name="Freeform: Shape 16">
               <a:extLst>
                 <a:ext uri="{FF2B5EF4-FFF2-40B4-BE49-F238E27FC236}">
-                  <a16:creationId xmlns:a16="http://schemas.microsoft.com/office/drawing/2014/main" xmlns="" id="{18944C90-37E5-4BBE-89FF-060627168050}"/>
+                  <a16:creationId xmlns="" xmlns:a16="http://schemas.microsoft.com/office/drawing/2014/main" id="{18944C90-37E5-4BBE-89FF-060627168050}"/>
                 </a:ext>
               </a:extLst>
             </p:cNvPr>
@@ -18212,7 +18212,7 @@
           <p:cNvPr id="23" name="Text Placeholder 22">
             <a:extLst>
               <a:ext uri="{FF2B5EF4-FFF2-40B4-BE49-F238E27FC236}">
-                <a16:creationId xmlns:a16="http://schemas.microsoft.com/office/drawing/2014/main" xmlns="" id="{03618670-D1E4-466C-BDB5-FC890AC31457}"/>
+                <a16:creationId xmlns="" xmlns:a16="http://schemas.microsoft.com/office/drawing/2014/main" id="{03618670-D1E4-466C-BDB5-FC890AC31457}"/>
               </a:ext>
             </a:extLst>
           </p:cNvPr>
@@ -18333,7 +18333,7 @@
     </p:spTree>
     <p:extLst>
       <p:ext uri="{BB962C8B-B14F-4D97-AF65-F5344CB8AC3E}">
-        <p14:creationId xmlns:p14="http://schemas.microsoft.com/office/powerpoint/2010/main" xmlns="" val="274574868"/>
+        <p14:creationId xmlns="" xmlns:p14="http://schemas.microsoft.com/office/powerpoint/2010/main" val="274574868"/>
       </p:ext>
     </p:extLst>
   </p:cSld>
@@ -18373,7 +18373,7 @@
           <p:cNvPr id="11" name="Rectangle 10">
             <a:extLst>
               <a:ext uri="{FF2B5EF4-FFF2-40B4-BE49-F238E27FC236}">
-                <a16:creationId xmlns:a16="http://schemas.microsoft.com/office/drawing/2014/main" xmlns="" id="{EB3E033F-4449-40FA-BC85-BD2712D313DD}"/>
+                <a16:creationId xmlns="" xmlns:a16="http://schemas.microsoft.com/office/drawing/2014/main" id="{EB3E033F-4449-40FA-BC85-BD2712D313DD}"/>
               </a:ext>
             </a:extLst>
           </p:cNvPr>
@@ -18427,7 +18427,7 @@
           <p:cNvPr id="10" name="Freeform: Shape 9">
             <a:extLst>
               <a:ext uri="{FF2B5EF4-FFF2-40B4-BE49-F238E27FC236}">
-                <a16:creationId xmlns:a16="http://schemas.microsoft.com/office/drawing/2014/main" xmlns="" id="{63D26743-0505-444C-80B3-E88EE87DF72B}"/>
+                <a16:creationId xmlns="" xmlns:a16="http://schemas.microsoft.com/office/drawing/2014/main" id="{63D26743-0505-444C-80B3-E88EE87DF72B}"/>
               </a:ext>
             </a:extLst>
           </p:cNvPr>
@@ -18550,7 +18550,7 @@
           <p:cNvPr id="18" name="Freeform: Shape 17">
             <a:extLst>
               <a:ext uri="{FF2B5EF4-FFF2-40B4-BE49-F238E27FC236}">
-                <a16:creationId xmlns:a16="http://schemas.microsoft.com/office/drawing/2014/main" xmlns="" id="{E37145E9-AC61-47D5-9288-8789940F81B6}"/>
+                <a16:creationId xmlns="" xmlns:a16="http://schemas.microsoft.com/office/drawing/2014/main" id="{E37145E9-AC61-47D5-9288-8789940F81B6}"/>
               </a:ext>
             </a:extLst>
           </p:cNvPr>
@@ -18702,7 +18702,7 @@
           <p:cNvPr id="12" name="Freeform: Shape 11">
             <a:extLst>
               <a:ext uri="{FF2B5EF4-FFF2-40B4-BE49-F238E27FC236}">
-                <a16:creationId xmlns:a16="http://schemas.microsoft.com/office/drawing/2014/main" xmlns="" id="{A5E2B3ED-9A49-40A7-B8A3-62595FE513F9}"/>
+                <a16:creationId xmlns="" xmlns:a16="http://schemas.microsoft.com/office/drawing/2014/main" id="{A5E2B3ED-9A49-40A7-B8A3-62595FE513F9}"/>
               </a:ext>
             </a:extLst>
           </p:cNvPr>
@@ -18852,7 +18852,7 @@
           <p:cNvPr id="8" name="Freeform: Shape 7">
             <a:extLst>
               <a:ext uri="{FF2B5EF4-FFF2-40B4-BE49-F238E27FC236}">
-                <a16:creationId xmlns:a16="http://schemas.microsoft.com/office/drawing/2014/main" xmlns="" id="{1599AF7E-3E34-4597-AA72-9373A7FDB020}"/>
+                <a16:creationId xmlns="" xmlns:a16="http://schemas.microsoft.com/office/drawing/2014/main" id="{1599AF7E-3E34-4597-AA72-9373A7FDB020}"/>
               </a:ext>
             </a:extLst>
           </p:cNvPr>
@@ -18998,7 +18998,7 @@
           <p:cNvPr id="2" name="Title 1">
             <a:extLst>
               <a:ext uri="{FF2B5EF4-FFF2-40B4-BE49-F238E27FC236}">
-                <a16:creationId xmlns:a16="http://schemas.microsoft.com/office/drawing/2014/main" xmlns="" id="{4A2DF563-7FAC-46B3-B24C-7E45CD89DA2B}"/>
+                <a16:creationId xmlns="" xmlns:a16="http://schemas.microsoft.com/office/drawing/2014/main" id="{4A2DF563-7FAC-46B3-B24C-7E45CD89DA2B}"/>
               </a:ext>
             </a:extLst>
           </p:cNvPr>
@@ -19043,7 +19043,7 @@
           <p:cNvPr id="15" name="Group 14">
             <a:extLst>
               <a:ext uri="{FF2B5EF4-FFF2-40B4-BE49-F238E27FC236}">
-                <a16:creationId xmlns:a16="http://schemas.microsoft.com/office/drawing/2014/main" xmlns="" id="{7732E1E7-45E3-4264-8F26-66758696DD1E}"/>
+                <a16:creationId xmlns="" xmlns:a16="http://schemas.microsoft.com/office/drawing/2014/main" id="{7732E1E7-45E3-4264-8F26-66758696DD1E}"/>
               </a:ext>
             </a:extLst>
           </p:cNvPr>
@@ -19063,7 +19063,7 @@
             <p:cNvPr id="16" name="Freeform: Shape 15">
               <a:extLst>
                 <a:ext uri="{FF2B5EF4-FFF2-40B4-BE49-F238E27FC236}">
-                  <a16:creationId xmlns:a16="http://schemas.microsoft.com/office/drawing/2014/main" xmlns="" id="{2E3DF883-8093-49FA-81E1-E5D77F086A25}"/>
+                  <a16:creationId xmlns="" xmlns:a16="http://schemas.microsoft.com/office/drawing/2014/main" id="{2E3DF883-8093-49FA-81E1-E5D77F086A25}"/>
                 </a:ext>
               </a:extLst>
             </p:cNvPr>
@@ -19153,7 +19153,7 @@
             <p:cNvPr id="17" name="Freeform: Shape 16">
               <a:extLst>
                 <a:ext uri="{FF2B5EF4-FFF2-40B4-BE49-F238E27FC236}">
-                  <a16:creationId xmlns:a16="http://schemas.microsoft.com/office/drawing/2014/main" xmlns="" id="{18944C90-37E5-4BBE-89FF-060627168050}"/>
+                  <a16:creationId xmlns="" xmlns:a16="http://schemas.microsoft.com/office/drawing/2014/main" id="{18944C90-37E5-4BBE-89FF-060627168050}"/>
                 </a:ext>
               </a:extLst>
             </p:cNvPr>
@@ -19252,7 +19252,7 @@
           <p:cNvPr id="6" name="Group 5">
             <a:extLst>
               <a:ext uri="{FF2B5EF4-FFF2-40B4-BE49-F238E27FC236}">
-                <a16:creationId xmlns:a16="http://schemas.microsoft.com/office/drawing/2014/main" xmlns="" id="{D9EBF8BB-A805-4DDB-B459-082F99815B95}"/>
+                <a16:creationId xmlns="" xmlns:a16="http://schemas.microsoft.com/office/drawing/2014/main" id="{D9EBF8BB-A805-4DDB-B459-082F99815B95}"/>
               </a:ext>
             </a:extLst>
           </p:cNvPr>
@@ -19272,7 +19272,7 @@
             <p:cNvPr id="19" name="Rectangle: Single Corner Snipped 18">
               <a:extLst>
                 <a:ext uri="{FF2B5EF4-FFF2-40B4-BE49-F238E27FC236}">
-                  <a16:creationId xmlns:a16="http://schemas.microsoft.com/office/drawing/2014/main" xmlns="" id="{5D638788-DD47-45E7-939A-FA108A818173}"/>
+                  <a16:creationId xmlns="" xmlns:a16="http://schemas.microsoft.com/office/drawing/2014/main" id="{5D638788-DD47-45E7-939A-FA108A818173}"/>
                 </a:ext>
               </a:extLst>
             </p:cNvPr>
@@ -19338,7 +19338,7 @@
             <p:cNvPr id="3" name="Rectangle: Single Corner Snipped 2">
               <a:extLst>
                 <a:ext uri="{FF2B5EF4-FFF2-40B4-BE49-F238E27FC236}">
-                  <a16:creationId xmlns:a16="http://schemas.microsoft.com/office/drawing/2014/main" xmlns="" id="{74BDECEF-EEFE-4332-B3B2-BDE4F82C10FC}"/>
+                  <a16:creationId xmlns="" xmlns:a16="http://schemas.microsoft.com/office/drawing/2014/main" id="{74BDECEF-EEFE-4332-B3B2-BDE4F82C10FC}"/>
                 </a:ext>
               </a:extLst>
             </p:cNvPr>
@@ -19395,7 +19395,7 @@
           <p:cNvPr id="24" name="Freeform: Shape 23">
             <a:extLst>
               <a:ext uri="{FF2B5EF4-FFF2-40B4-BE49-F238E27FC236}">
-                <a16:creationId xmlns:a16="http://schemas.microsoft.com/office/drawing/2014/main" xmlns="" id="{18103E00-7E4A-44CD-81AC-06433CAE1110}"/>
+                <a16:creationId xmlns="" xmlns:a16="http://schemas.microsoft.com/office/drawing/2014/main" id="{18103E00-7E4A-44CD-81AC-06433CAE1110}"/>
               </a:ext>
             </a:extLst>
           </p:cNvPr>
@@ -19490,7 +19490,7 @@
           <p:cNvPr id="5" name="Slide Number Placeholder 4">
             <a:extLst>
               <a:ext uri="{FF2B5EF4-FFF2-40B4-BE49-F238E27FC236}">
-                <a16:creationId xmlns:a16="http://schemas.microsoft.com/office/drawing/2014/main" xmlns="" id="{87B51822-97FF-47A7-8E4E-A0F79B4EB237}"/>
+                <a16:creationId xmlns="" xmlns:a16="http://schemas.microsoft.com/office/drawing/2014/main" id="{87B51822-97FF-47A7-8E4E-A0F79B4EB237}"/>
               </a:ext>
             </a:extLst>
           </p:cNvPr>
@@ -19532,7 +19532,7 @@
     </p:spTree>
     <p:extLst>
       <p:ext uri="{BB962C8B-B14F-4D97-AF65-F5344CB8AC3E}">
-        <p14:creationId xmlns:p14="http://schemas.microsoft.com/office/powerpoint/2010/main" xmlns="" val="4073704932"/>
+        <p14:creationId xmlns="" xmlns:p14="http://schemas.microsoft.com/office/powerpoint/2010/main" val="4073704932"/>
       </p:ext>
     </p:extLst>
   </p:cSld>
@@ -19572,7 +19572,7 @@
           <p:cNvPr id="11" name="Rectangle 10">
             <a:extLst>
               <a:ext uri="{FF2B5EF4-FFF2-40B4-BE49-F238E27FC236}">
-                <a16:creationId xmlns:a16="http://schemas.microsoft.com/office/drawing/2014/main" xmlns="" id="{EB3E033F-4449-40FA-BC85-BD2712D313DD}"/>
+                <a16:creationId xmlns="" xmlns:a16="http://schemas.microsoft.com/office/drawing/2014/main" id="{EB3E033F-4449-40FA-BC85-BD2712D313DD}"/>
               </a:ext>
             </a:extLst>
           </p:cNvPr>
@@ -19626,7 +19626,7 @@
           <p:cNvPr id="10" name="Freeform: Shape 9">
             <a:extLst>
               <a:ext uri="{FF2B5EF4-FFF2-40B4-BE49-F238E27FC236}">
-                <a16:creationId xmlns:a16="http://schemas.microsoft.com/office/drawing/2014/main" xmlns="" id="{63D26743-0505-444C-80B3-E88EE87DF72B}"/>
+                <a16:creationId xmlns="" xmlns:a16="http://schemas.microsoft.com/office/drawing/2014/main" id="{63D26743-0505-444C-80B3-E88EE87DF72B}"/>
               </a:ext>
             </a:extLst>
           </p:cNvPr>
@@ -19749,7 +19749,7 @@
           <p:cNvPr id="18" name="Freeform: Shape 17">
             <a:extLst>
               <a:ext uri="{FF2B5EF4-FFF2-40B4-BE49-F238E27FC236}">
-                <a16:creationId xmlns:a16="http://schemas.microsoft.com/office/drawing/2014/main" xmlns="" id="{E37145E9-AC61-47D5-9288-8789940F81B6}"/>
+                <a16:creationId xmlns="" xmlns:a16="http://schemas.microsoft.com/office/drawing/2014/main" id="{E37145E9-AC61-47D5-9288-8789940F81B6}"/>
               </a:ext>
             </a:extLst>
           </p:cNvPr>
@@ -19901,7 +19901,7 @@
           <p:cNvPr id="12" name="Freeform: Shape 11">
             <a:extLst>
               <a:ext uri="{FF2B5EF4-FFF2-40B4-BE49-F238E27FC236}">
-                <a16:creationId xmlns:a16="http://schemas.microsoft.com/office/drawing/2014/main" xmlns="" id="{A5E2B3ED-9A49-40A7-B8A3-62595FE513F9}"/>
+                <a16:creationId xmlns="" xmlns:a16="http://schemas.microsoft.com/office/drawing/2014/main" id="{A5E2B3ED-9A49-40A7-B8A3-62595FE513F9}"/>
               </a:ext>
             </a:extLst>
           </p:cNvPr>
@@ -20051,7 +20051,7 @@
           <p:cNvPr id="8" name="Freeform: Shape 7">
             <a:extLst>
               <a:ext uri="{FF2B5EF4-FFF2-40B4-BE49-F238E27FC236}">
-                <a16:creationId xmlns:a16="http://schemas.microsoft.com/office/drawing/2014/main" xmlns="" id="{1599AF7E-3E34-4597-AA72-9373A7FDB020}"/>
+                <a16:creationId xmlns="" xmlns:a16="http://schemas.microsoft.com/office/drawing/2014/main" id="{1599AF7E-3E34-4597-AA72-9373A7FDB020}"/>
               </a:ext>
             </a:extLst>
           </p:cNvPr>
@@ -20197,7 +20197,7 @@
           <p:cNvPr id="2" name="Title 1">
             <a:extLst>
               <a:ext uri="{FF2B5EF4-FFF2-40B4-BE49-F238E27FC236}">
-                <a16:creationId xmlns:a16="http://schemas.microsoft.com/office/drawing/2014/main" xmlns="" id="{4A2DF563-7FAC-46B3-B24C-7E45CD89DA2B}"/>
+                <a16:creationId xmlns="" xmlns:a16="http://schemas.microsoft.com/office/drawing/2014/main" id="{4A2DF563-7FAC-46B3-B24C-7E45CD89DA2B}"/>
               </a:ext>
             </a:extLst>
           </p:cNvPr>
@@ -20242,7 +20242,7 @@
           <p:cNvPr id="15" name="Group 14">
             <a:extLst>
               <a:ext uri="{FF2B5EF4-FFF2-40B4-BE49-F238E27FC236}">
-                <a16:creationId xmlns:a16="http://schemas.microsoft.com/office/drawing/2014/main" xmlns="" id="{7732E1E7-45E3-4264-8F26-66758696DD1E}"/>
+                <a16:creationId xmlns="" xmlns:a16="http://schemas.microsoft.com/office/drawing/2014/main" id="{7732E1E7-45E3-4264-8F26-66758696DD1E}"/>
               </a:ext>
             </a:extLst>
           </p:cNvPr>
@@ -20262,7 +20262,7 @@
             <p:cNvPr id="16" name="Freeform: Shape 15">
               <a:extLst>
                 <a:ext uri="{FF2B5EF4-FFF2-40B4-BE49-F238E27FC236}">
-                  <a16:creationId xmlns:a16="http://schemas.microsoft.com/office/drawing/2014/main" xmlns="" id="{2E3DF883-8093-49FA-81E1-E5D77F086A25}"/>
+                  <a16:creationId xmlns="" xmlns:a16="http://schemas.microsoft.com/office/drawing/2014/main" id="{2E3DF883-8093-49FA-81E1-E5D77F086A25}"/>
                 </a:ext>
               </a:extLst>
             </p:cNvPr>
@@ -20352,7 +20352,7 @@
             <p:cNvPr id="17" name="Freeform: Shape 16">
               <a:extLst>
                 <a:ext uri="{FF2B5EF4-FFF2-40B4-BE49-F238E27FC236}">
-                  <a16:creationId xmlns:a16="http://schemas.microsoft.com/office/drawing/2014/main" xmlns="" id="{18944C90-37E5-4BBE-89FF-060627168050}"/>
+                  <a16:creationId xmlns="" xmlns:a16="http://schemas.microsoft.com/office/drawing/2014/main" id="{18944C90-37E5-4BBE-89FF-060627168050}"/>
                 </a:ext>
               </a:extLst>
             </p:cNvPr>
@@ -20451,7 +20451,7 @@
           <p:cNvPr id="6" name="Group 5">
             <a:extLst>
               <a:ext uri="{FF2B5EF4-FFF2-40B4-BE49-F238E27FC236}">
-                <a16:creationId xmlns:a16="http://schemas.microsoft.com/office/drawing/2014/main" xmlns="" id="{D9EBF8BB-A805-4DDB-B459-082F99815B95}"/>
+                <a16:creationId xmlns="" xmlns:a16="http://schemas.microsoft.com/office/drawing/2014/main" id="{D9EBF8BB-A805-4DDB-B459-082F99815B95}"/>
               </a:ext>
             </a:extLst>
           </p:cNvPr>
@@ -20471,7 +20471,7 @@
             <p:cNvPr id="19" name="Rectangle: Single Corner Snipped 18">
               <a:extLst>
                 <a:ext uri="{FF2B5EF4-FFF2-40B4-BE49-F238E27FC236}">
-                  <a16:creationId xmlns:a16="http://schemas.microsoft.com/office/drawing/2014/main" xmlns="" id="{5D638788-DD47-45E7-939A-FA108A818173}"/>
+                  <a16:creationId xmlns="" xmlns:a16="http://schemas.microsoft.com/office/drawing/2014/main" id="{5D638788-DD47-45E7-939A-FA108A818173}"/>
                 </a:ext>
               </a:extLst>
             </p:cNvPr>
@@ -20537,7 +20537,7 @@
             <p:cNvPr id="3" name="Rectangle: Single Corner Snipped 2">
               <a:extLst>
                 <a:ext uri="{FF2B5EF4-FFF2-40B4-BE49-F238E27FC236}">
-                  <a16:creationId xmlns:a16="http://schemas.microsoft.com/office/drawing/2014/main" xmlns="" id="{74BDECEF-EEFE-4332-B3B2-BDE4F82C10FC}"/>
+                  <a16:creationId xmlns="" xmlns:a16="http://schemas.microsoft.com/office/drawing/2014/main" id="{74BDECEF-EEFE-4332-B3B2-BDE4F82C10FC}"/>
                 </a:ext>
               </a:extLst>
             </p:cNvPr>
@@ -20594,7 +20594,7 @@
           <p:cNvPr id="24" name="Freeform: Shape 23">
             <a:extLst>
               <a:ext uri="{FF2B5EF4-FFF2-40B4-BE49-F238E27FC236}">
-                <a16:creationId xmlns:a16="http://schemas.microsoft.com/office/drawing/2014/main" xmlns="" id="{18103E00-7E4A-44CD-81AC-06433CAE1110}"/>
+                <a16:creationId xmlns="" xmlns:a16="http://schemas.microsoft.com/office/drawing/2014/main" id="{18103E00-7E4A-44CD-81AC-06433CAE1110}"/>
               </a:ext>
             </a:extLst>
           </p:cNvPr>
@@ -20689,7 +20689,7 @@
           <p:cNvPr id="5" name="Slide Number Placeholder 4">
             <a:extLst>
               <a:ext uri="{FF2B5EF4-FFF2-40B4-BE49-F238E27FC236}">
-                <a16:creationId xmlns:a16="http://schemas.microsoft.com/office/drawing/2014/main" xmlns="" id="{87B51822-97FF-47A7-8E4E-A0F79B4EB237}"/>
+                <a16:creationId xmlns="" xmlns:a16="http://schemas.microsoft.com/office/drawing/2014/main" id="{87B51822-97FF-47A7-8E4E-A0F79B4EB237}"/>
               </a:ext>
             </a:extLst>
           </p:cNvPr>
@@ -20733,7 +20733,7 @@
           <p:cNvPr id="7" name="Text Placeholder 6">
             <a:extLst>
               <a:ext uri="{FF2B5EF4-FFF2-40B4-BE49-F238E27FC236}">
-                <a16:creationId xmlns:a16="http://schemas.microsoft.com/office/drawing/2014/main" xmlns="" id="{7E0C167E-2626-40DB-AACF-D02543E29BB3}"/>
+                <a16:creationId xmlns="" xmlns:a16="http://schemas.microsoft.com/office/drawing/2014/main" id="{7E0C167E-2626-40DB-AACF-D02543E29BB3}"/>
               </a:ext>
             </a:extLst>
           </p:cNvPr>
@@ -20776,7 +20776,7 @@
     </p:spTree>
     <p:extLst>
       <p:ext uri="{BB962C8B-B14F-4D97-AF65-F5344CB8AC3E}">
-        <p14:creationId xmlns:p14="http://schemas.microsoft.com/office/powerpoint/2010/main" xmlns="" val="2904744868"/>
+        <p14:creationId xmlns="" xmlns:p14="http://schemas.microsoft.com/office/powerpoint/2010/main" val="2904744868"/>
       </p:ext>
     </p:extLst>
   </p:cSld>
@@ -20816,7 +20816,7 @@
           <p:cNvPr id="11" name="Rectangle 10">
             <a:extLst>
               <a:ext uri="{FF2B5EF4-FFF2-40B4-BE49-F238E27FC236}">
-                <a16:creationId xmlns:a16="http://schemas.microsoft.com/office/drawing/2014/main" xmlns="" id="{EB3E033F-4449-40FA-BC85-BD2712D313DD}"/>
+                <a16:creationId xmlns="" xmlns:a16="http://schemas.microsoft.com/office/drawing/2014/main" id="{EB3E033F-4449-40FA-BC85-BD2712D313DD}"/>
               </a:ext>
             </a:extLst>
           </p:cNvPr>
@@ -20870,7 +20870,7 @@
           <p:cNvPr id="10" name="Freeform: Shape 9">
             <a:extLst>
               <a:ext uri="{FF2B5EF4-FFF2-40B4-BE49-F238E27FC236}">
-                <a16:creationId xmlns:a16="http://schemas.microsoft.com/office/drawing/2014/main" xmlns="" id="{63D26743-0505-444C-80B3-E88EE87DF72B}"/>
+                <a16:creationId xmlns="" xmlns:a16="http://schemas.microsoft.com/office/drawing/2014/main" id="{63D26743-0505-444C-80B3-E88EE87DF72B}"/>
               </a:ext>
             </a:extLst>
           </p:cNvPr>
@@ -20993,7 +20993,7 @@
           <p:cNvPr id="18" name="Freeform: Shape 17">
             <a:extLst>
               <a:ext uri="{FF2B5EF4-FFF2-40B4-BE49-F238E27FC236}">
-                <a16:creationId xmlns:a16="http://schemas.microsoft.com/office/drawing/2014/main" xmlns="" id="{E37145E9-AC61-47D5-9288-8789940F81B6}"/>
+                <a16:creationId xmlns="" xmlns:a16="http://schemas.microsoft.com/office/drawing/2014/main" id="{E37145E9-AC61-47D5-9288-8789940F81B6}"/>
               </a:ext>
             </a:extLst>
           </p:cNvPr>
@@ -21145,7 +21145,7 @@
           <p:cNvPr id="12" name="Freeform: Shape 11">
             <a:extLst>
               <a:ext uri="{FF2B5EF4-FFF2-40B4-BE49-F238E27FC236}">
-                <a16:creationId xmlns:a16="http://schemas.microsoft.com/office/drawing/2014/main" xmlns="" id="{A5E2B3ED-9A49-40A7-B8A3-62595FE513F9}"/>
+                <a16:creationId xmlns="" xmlns:a16="http://schemas.microsoft.com/office/drawing/2014/main" id="{A5E2B3ED-9A49-40A7-B8A3-62595FE513F9}"/>
               </a:ext>
             </a:extLst>
           </p:cNvPr>
@@ -21295,7 +21295,7 @@
           <p:cNvPr id="8" name="Freeform: Shape 7">
             <a:extLst>
               <a:ext uri="{FF2B5EF4-FFF2-40B4-BE49-F238E27FC236}">
-                <a16:creationId xmlns:a16="http://schemas.microsoft.com/office/drawing/2014/main" xmlns="" id="{1599AF7E-3E34-4597-AA72-9373A7FDB020}"/>
+                <a16:creationId xmlns="" xmlns:a16="http://schemas.microsoft.com/office/drawing/2014/main" id="{1599AF7E-3E34-4597-AA72-9373A7FDB020}"/>
               </a:ext>
             </a:extLst>
           </p:cNvPr>
@@ -21441,7 +21441,7 @@
           <p:cNvPr id="2" name="Title 1">
             <a:extLst>
               <a:ext uri="{FF2B5EF4-FFF2-40B4-BE49-F238E27FC236}">
-                <a16:creationId xmlns:a16="http://schemas.microsoft.com/office/drawing/2014/main" xmlns="" id="{4A2DF563-7FAC-46B3-B24C-7E45CD89DA2B}"/>
+                <a16:creationId xmlns="" xmlns:a16="http://schemas.microsoft.com/office/drawing/2014/main" id="{4A2DF563-7FAC-46B3-B24C-7E45CD89DA2B}"/>
               </a:ext>
             </a:extLst>
           </p:cNvPr>
@@ -21486,7 +21486,7 @@
           <p:cNvPr id="15" name="Group 14">
             <a:extLst>
               <a:ext uri="{FF2B5EF4-FFF2-40B4-BE49-F238E27FC236}">
-                <a16:creationId xmlns:a16="http://schemas.microsoft.com/office/drawing/2014/main" xmlns="" id="{7732E1E7-45E3-4264-8F26-66758696DD1E}"/>
+                <a16:creationId xmlns="" xmlns:a16="http://schemas.microsoft.com/office/drawing/2014/main" id="{7732E1E7-45E3-4264-8F26-66758696DD1E}"/>
               </a:ext>
             </a:extLst>
           </p:cNvPr>
@@ -21506,7 +21506,7 @@
             <p:cNvPr id="16" name="Freeform: Shape 15">
               <a:extLst>
                 <a:ext uri="{FF2B5EF4-FFF2-40B4-BE49-F238E27FC236}">
-                  <a16:creationId xmlns:a16="http://schemas.microsoft.com/office/drawing/2014/main" xmlns="" id="{2E3DF883-8093-49FA-81E1-E5D77F086A25}"/>
+                  <a16:creationId xmlns="" xmlns:a16="http://schemas.microsoft.com/office/drawing/2014/main" id="{2E3DF883-8093-49FA-81E1-E5D77F086A25}"/>
                 </a:ext>
               </a:extLst>
             </p:cNvPr>
@@ -21596,7 +21596,7 @@
             <p:cNvPr id="17" name="Freeform: Shape 16">
               <a:extLst>
                 <a:ext uri="{FF2B5EF4-FFF2-40B4-BE49-F238E27FC236}">
-                  <a16:creationId xmlns:a16="http://schemas.microsoft.com/office/drawing/2014/main" xmlns="" id="{18944C90-37E5-4BBE-89FF-060627168050}"/>
+                  <a16:creationId xmlns="" xmlns:a16="http://schemas.microsoft.com/office/drawing/2014/main" id="{18944C90-37E5-4BBE-89FF-060627168050}"/>
                 </a:ext>
               </a:extLst>
             </p:cNvPr>
@@ -21695,7 +21695,7 @@
           <p:cNvPr id="6" name="Group 5">
             <a:extLst>
               <a:ext uri="{FF2B5EF4-FFF2-40B4-BE49-F238E27FC236}">
-                <a16:creationId xmlns:a16="http://schemas.microsoft.com/office/drawing/2014/main" xmlns="" id="{D9EBF8BB-A805-4DDB-B459-082F99815B95}"/>
+                <a16:creationId xmlns="" xmlns:a16="http://schemas.microsoft.com/office/drawing/2014/main" id="{D9EBF8BB-A805-4DDB-B459-082F99815B95}"/>
               </a:ext>
             </a:extLst>
           </p:cNvPr>
@@ -21715,7 +21715,7 @@
             <p:cNvPr id="19" name="Rectangle: Single Corner Snipped 18">
               <a:extLst>
                 <a:ext uri="{FF2B5EF4-FFF2-40B4-BE49-F238E27FC236}">
-                  <a16:creationId xmlns:a16="http://schemas.microsoft.com/office/drawing/2014/main" xmlns="" id="{5D638788-DD47-45E7-939A-FA108A818173}"/>
+                  <a16:creationId xmlns="" xmlns:a16="http://schemas.microsoft.com/office/drawing/2014/main" id="{5D638788-DD47-45E7-939A-FA108A818173}"/>
                 </a:ext>
               </a:extLst>
             </p:cNvPr>
@@ -21781,7 +21781,7 @@
             <p:cNvPr id="3" name="Rectangle: Single Corner Snipped 2">
               <a:extLst>
                 <a:ext uri="{FF2B5EF4-FFF2-40B4-BE49-F238E27FC236}">
-                  <a16:creationId xmlns:a16="http://schemas.microsoft.com/office/drawing/2014/main" xmlns="" id="{74BDECEF-EEFE-4332-B3B2-BDE4F82C10FC}"/>
+                  <a16:creationId xmlns="" xmlns:a16="http://schemas.microsoft.com/office/drawing/2014/main" id="{74BDECEF-EEFE-4332-B3B2-BDE4F82C10FC}"/>
                 </a:ext>
               </a:extLst>
             </p:cNvPr>
@@ -21838,7 +21838,7 @@
           <p:cNvPr id="24" name="Freeform: Shape 23">
             <a:extLst>
               <a:ext uri="{FF2B5EF4-FFF2-40B4-BE49-F238E27FC236}">
-                <a16:creationId xmlns:a16="http://schemas.microsoft.com/office/drawing/2014/main" xmlns="" id="{18103E00-7E4A-44CD-81AC-06433CAE1110}"/>
+                <a16:creationId xmlns="" xmlns:a16="http://schemas.microsoft.com/office/drawing/2014/main" id="{18103E00-7E4A-44CD-81AC-06433CAE1110}"/>
               </a:ext>
             </a:extLst>
           </p:cNvPr>
@@ -21933,7 +21933,7 @@
           <p:cNvPr id="5" name="Slide Number Placeholder 4">
             <a:extLst>
               <a:ext uri="{FF2B5EF4-FFF2-40B4-BE49-F238E27FC236}">
-                <a16:creationId xmlns:a16="http://schemas.microsoft.com/office/drawing/2014/main" xmlns="" id="{87B51822-97FF-47A7-8E4E-A0F79B4EB237}"/>
+                <a16:creationId xmlns="" xmlns:a16="http://schemas.microsoft.com/office/drawing/2014/main" id="{87B51822-97FF-47A7-8E4E-A0F79B4EB237}"/>
               </a:ext>
             </a:extLst>
           </p:cNvPr>
@@ -21977,7 +21977,7 @@
           <p:cNvPr id="20" name="Content Placeholder 2">
             <a:extLst>
               <a:ext uri="{FF2B5EF4-FFF2-40B4-BE49-F238E27FC236}">
-                <a16:creationId xmlns:a16="http://schemas.microsoft.com/office/drawing/2014/main" xmlns="" id="{0103A49C-32FF-49E6-86F3-FC2E19517BD5}"/>
+                <a16:creationId xmlns="" xmlns:a16="http://schemas.microsoft.com/office/drawing/2014/main" id="{0103A49C-32FF-49E6-86F3-FC2E19517BD5}"/>
               </a:ext>
             </a:extLst>
           </p:cNvPr>
@@ -22073,7 +22073,7 @@
     </p:spTree>
     <p:extLst>
       <p:ext uri="{BB962C8B-B14F-4D97-AF65-F5344CB8AC3E}">
-        <p14:creationId xmlns:p14="http://schemas.microsoft.com/office/powerpoint/2010/main" xmlns="" val="2636708262"/>
+        <p14:creationId xmlns="" xmlns:p14="http://schemas.microsoft.com/office/powerpoint/2010/main" val="2636708262"/>
       </p:ext>
     </p:extLst>
   </p:cSld>
@@ -22113,7 +22113,7 @@
           <p:cNvPr id="11" name="Rectangle 10">
             <a:extLst>
               <a:ext uri="{FF2B5EF4-FFF2-40B4-BE49-F238E27FC236}">
-                <a16:creationId xmlns:a16="http://schemas.microsoft.com/office/drawing/2014/main" xmlns="" id="{EB3E033F-4449-40FA-BC85-BD2712D313DD}"/>
+                <a16:creationId xmlns="" xmlns:a16="http://schemas.microsoft.com/office/drawing/2014/main" id="{EB3E033F-4449-40FA-BC85-BD2712D313DD}"/>
               </a:ext>
             </a:extLst>
           </p:cNvPr>
@@ -22167,7 +22167,7 @@
           <p:cNvPr id="10" name="Freeform: Shape 9">
             <a:extLst>
               <a:ext uri="{FF2B5EF4-FFF2-40B4-BE49-F238E27FC236}">
-                <a16:creationId xmlns:a16="http://schemas.microsoft.com/office/drawing/2014/main" xmlns="" id="{63D26743-0505-444C-80B3-E88EE87DF72B}"/>
+                <a16:creationId xmlns="" xmlns:a16="http://schemas.microsoft.com/office/drawing/2014/main" id="{63D26743-0505-444C-80B3-E88EE87DF72B}"/>
               </a:ext>
             </a:extLst>
           </p:cNvPr>
@@ -22290,7 +22290,7 @@
           <p:cNvPr id="18" name="Freeform: Shape 17">
             <a:extLst>
               <a:ext uri="{FF2B5EF4-FFF2-40B4-BE49-F238E27FC236}">
-                <a16:creationId xmlns:a16="http://schemas.microsoft.com/office/drawing/2014/main" xmlns="" id="{E37145E9-AC61-47D5-9288-8789940F81B6}"/>
+                <a16:creationId xmlns="" xmlns:a16="http://schemas.microsoft.com/office/drawing/2014/main" id="{E37145E9-AC61-47D5-9288-8789940F81B6}"/>
               </a:ext>
             </a:extLst>
           </p:cNvPr>
@@ -22442,7 +22442,7 @@
           <p:cNvPr id="12" name="Freeform: Shape 11">
             <a:extLst>
               <a:ext uri="{FF2B5EF4-FFF2-40B4-BE49-F238E27FC236}">
-                <a16:creationId xmlns:a16="http://schemas.microsoft.com/office/drawing/2014/main" xmlns="" id="{A5E2B3ED-9A49-40A7-B8A3-62595FE513F9}"/>
+                <a16:creationId xmlns="" xmlns:a16="http://schemas.microsoft.com/office/drawing/2014/main" id="{A5E2B3ED-9A49-40A7-B8A3-62595FE513F9}"/>
               </a:ext>
             </a:extLst>
           </p:cNvPr>
@@ -22592,7 +22592,7 @@
           <p:cNvPr id="8" name="Freeform: Shape 7">
             <a:extLst>
               <a:ext uri="{FF2B5EF4-FFF2-40B4-BE49-F238E27FC236}">
-                <a16:creationId xmlns:a16="http://schemas.microsoft.com/office/drawing/2014/main" xmlns="" id="{1599AF7E-3E34-4597-AA72-9373A7FDB020}"/>
+                <a16:creationId xmlns="" xmlns:a16="http://schemas.microsoft.com/office/drawing/2014/main" id="{1599AF7E-3E34-4597-AA72-9373A7FDB020}"/>
               </a:ext>
             </a:extLst>
           </p:cNvPr>
@@ -22738,7 +22738,7 @@
           <p:cNvPr id="2" name="Title 1">
             <a:extLst>
               <a:ext uri="{FF2B5EF4-FFF2-40B4-BE49-F238E27FC236}">
-                <a16:creationId xmlns:a16="http://schemas.microsoft.com/office/drawing/2014/main" xmlns="" id="{4A2DF563-7FAC-46B3-B24C-7E45CD89DA2B}"/>
+                <a16:creationId xmlns="" xmlns:a16="http://schemas.microsoft.com/office/drawing/2014/main" id="{4A2DF563-7FAC-46B3-B24C-7E45CD89DA2B}"/>
               </a:ext>
             </a:extLst>
           </p:cNvPr>
@@ -22783,7 +22783,7 @@
           <p:cNvPr id="15" name="Group 14">
             <a:extLst>
               <a:ext uri="{FF2B5EF4-FFF2-40B4-BE49-F238E27FC236}">
-                <a16:creationId xmlns:a16="http://schemas.microsoft.com/office/drawing/2014/main" xmlns="" id="{7732E1E7-45E3-4264-8F26-66758696DD1E}"/>
+                <a16:creationId xmlns="" xmlns:a16="http://schemas.microsoft.com/office/drawing/2014/main" id="{7732E1E7-45E3-4264-8F26-66758696DD1E}"/>
               </a:ext>
             </a:extLst>
           </p:cNvPr>
@@ -22803,7 +22803,7 @@
             <p:cNvPr id="16" name="Freeform: Shape 15">
               <a:extLst>
                 <a:ext uri="{FF2B5EF4-FFF2-40B4-BE49-F238E27FC236}">
-                  <a16:creationId xmlns:a16="http://schemas.microsoft.com/office/drawing/2014/main" xmlns="" id="{2E3DF883-8093-49FA-81E1-E5D77F086A25}"/>
+                  <a16:creationId xmlns="" xmlns:a16="http://schemas.microsoft.com/office/drawing/2014/main" id="{2E3DF883-8093-49FA-81E1-E5D77F086A25}"/>
                 </a:ext>
               </a:extLst>
             </p:cNvPr>
@@ -22893,7 +22893,7 @@
             <p:cNvPr id="17" name="Freeform: Shape 16">
               <a:extLst>
                 <a:ext uri="{FF2B5EF4-FFF2-40B4-BE49-F238E27FC236}">
-                  <a16:creationId xmlns:a16="http://schemas.microsoft.com/office/drawing/2014/main" xmlns="" id="{18944C90-37E5-4BBE-89FF-060627168050}"/>
+                  <a16:creationId xmlns="" xmlns:a16="http://schemas.microsoft.com/office/drawing/2014/main" id="{18944C90-37E5-4BBE-89FF-060627168050}"/>
                 </a:ext>
               </a:extLst>
             </p:cNvPr>
@@ -22992,7 +22992,7 @@
           <p:cNvPr id="6" name="Group 5">
             <a:extLst>
               <a:ext uri="{FF2B5EF4-FFF2-40B4-BE49-F238E27FC236}">
-                <a16:creationId xmlns:a16="http://schemas.microsoft.com/office/drawing/2014/main" xmlns="" id="{D9EBF8BB-A805-4DDB-B459-082F99815B95}"/>
+                <a16:creationId xmlns="" xmlns:a16="http://schemas.microsoft.com/office/drawing/2014/main" id="{D9EBF8BB-A805-4DDB-B459-082F99815B95}"/>
               </a:ext>
             </a:extLst>
           </p:cNvPr>
@@ -23012,7 +23012,7 @@
             <p:cNvPr id="19" name="Rectangle: Single Corner Snipped 18">
               <a:extLst>
                 <a:ext uri="{FF2B5EF4-FFF2-40B4-BE49-F238E27FC236}">
-                  <a16:creationId xmlns:a16="http://schemas.microsoft.com/office/drawing/2014/main" xmlns="" id="{5D638788-DD47-45E7-939A-FA108A818173}"/>
+                  <a16:creationId xmlns="" xmlns:a16="http://schemas.microsoft.com/office/drawing/2014/main" id="{5D638788-DD47-45E7-939A-FA108A818173}"/>
                 </a:ext>
               </a:extLst>
             </p:cNvPr>
@@ -23078,7 +23078,7 @@
             <p:cNvPr id="3" name="Rectangle: Single Corner Snipped 2">
               <a:extLst>
                 <a:ext uri="{FF2B5EF4-FFF2-40B4-BE49-F238E27FC236}">
-                  <a16:creationId xmlns:a16="http://schemas.microsoft.com/office/drawing/2014/main" xmlns="" id="{74BDECEF-EEFE-4332-B3B2-BDE4F82C10FC}"/>
+                  <a16:creationId xmlns="" xmlns:a16="http://schemas.microsoft.com/office/drawing/2014/main" id="{74BDECEF-EEFE-4332-B3B2-BDE4F82C10FC}"/>
                 </a:ext>
               </a:extLst>
             </p:cNvPr>
@@ -23135,7 +23135,7 @@
           <p:cNvPr id="24" name="Freeform: Shape 23">
             <a:extLst>
               <a:ext uri="{FF2B5EF4-FFF2-40B4-BE49-F238E27FC236}">
-                <a16:creationId xmlns:a16="http://schemas.microsoft.com/office/drawing/2014/main" xmlns="" id="{18103E00-7E4A-44CD-81AC-06433CAE1110}"/>
+                <a16:creationId xmlns="" xmlns:a16="http://schemas.microsoft.com/office/drawing/2014/main" id="{18103E00-7E4A-44CD-81AC-06433CAE1110}"/>
               </a:ext>
             </a:extLst>
           </p:cNvPr>
@@ -23230,7 +23230,7 @@
           <p:cNvPr id="5" name="Slide Number Placeholder 4">
             <a:extLst>
               <a:ext uri="{FF2B5EF4-FFF2-40B4-BE49-F238E27FC236}">
-                <a16:creationId xmlns:a16="http://schemas.microsoft.com/office/drawing/2014/main" xmlns="" id="{87B51822-97FF-47A7-8E4E-A0F79B4EB237}"/>
+                <a16:creationId xmlns="" xmlns:a16="http://schemas.microsoft.com/office/drawing/2014/main" id="{87B51822-97FF-47A7-8E4E-A0F79B4EB237}"/>
               </a:ext>
             </a:extLst>
           </p:cNvPr>
@@ -23274,7 +23274,7 @@
           <p:cNvPr id="25" name="Text Placeholder 2">
             <a:extLst>
               <a:ext uri="{FF2B5EF4-FFF2-40B4-BE49-F238E27FC236}">
-                <a16:creationId xmlns:a16="http://schemas.microsoft.com/office/drawing/2014/main" xmlns="" id="{7FA80A70-18DE-4DB9-9982-BA75BE54CF93}"/>
+                <a16:creationId xmlns="" xmlns:a16="http://schemas.microsoft.com/office/drawing/2014/main" id="{7FA80A70-18DE-4DB9-9982-BA75BE54CF93}"/>
               </a:ext>
             </a:extLst>
           </p:cNvPr>
@@ -23352,7 +23352,7 @@
           <p:cNvPr id="26" name="Text Placeholder 4">
             <a:extLst>
               <a:ext uri="{FF2B5EF4-FFF2-40B4-BE49-F238E27FC236}">
-                <a16:creationId xmlns:a16="http://schemas.microsoft.com/office/drawing/2014/main" xmlns="" id="{2801C0EF-C078-44B0-AD01-4850E9A65EE0}"/>
+                <a16:creationId xmlns="" xmlns:a16="http://schemas.microsoft.com/office/drawing/2014/main" id="{2801C0EF-C078-44B0-AD01-4850E9A65EE0}"/>
               </a:ext>
             </a:extLst>
           </p:cNvPr>
@@ -23430,7 +23430,7 @@
           <p:cNvPr id="27" name="Content Placeholder 3">
             <a:extLst>
               <a:ext uri="{FF2B5EF4-FFF2-40B4-BE49-F238E27FC236}">
-                <a16:creationId xmlns:a16="http://schemas.microsoft.com/office/drawing/2014/main" xmlns="" id="{7C9DED91-45F6-4308-A085-1EFACA6468CF}"/>
+                <a16:creationId xmlns="" xmlns:a16="http://schemas.microsoft.com/office/drawing/2014/main" id="{7C9DED91-45F6-4308-A085-1EFACA6468CF}"/>
               </a:ext>
             </a:extLst>
           </p:cNvPr>
@@ -23530,7 +23530,7 @@
           <p:cNvPr id="28" name="Content Placeholder 5">
             <a:extLst>
               <a:ext uri="{FF2B5EF4-FFF2-40B4-BE49-F238E27FC236}">
-                <a16:creationId xmlns:a16="http://schemas.microsoft.com/office/drawing/2014/main" xmlns="" id="{0574B5E7-B666-439B-9278-67BE1EA6EBC5}"/>
+                <a16:creationId xmlns="" xmlns:a16="http://schemas.microsoft.com/office/drawing/2014/main" id="{0574B5E7-B666-439B-9278-67BE1EA6EBC5}"/>
               </a:ext>
             </a:extLst>
           </p:cNvPr>
@@ -23628,7 +23628,7 @@
     </p:spTree>
     <p:extLst>
       <p:ext uri="{BB962C8B-B14F-4D97-AF65-F5344CB8AC3E}">
-        <p14:creationId xmlns:p14="http://schemas.microsoft.com/office/powerpoint/2010/main" xmlns="" val="3219167126"/>
+        <p14:creationId xmlns="" xmlns:p14="http://schemas.microsoft.com/office/powerpoint/2010/main" val="3219167126"/>
       </p:ext>
     </p:extLst>
   </p:cSld>
@@ -23665,7 +23665,7 @@
           <p:cNvPr id="2" name="Title Placeholder 1">
             <a:extLst>
               <a:ext uri="{FF2B5EF4-FFF2-40B4-BE49-F238E27FC236}">
-                <a16:creationId xmlns:a16="http://schemas.microsoft.com/office/drawing/2014/main" xmlns="" id="{761B0E15-6FC5-434E-8780-B186D9DB0CD0}"/>
+                <a16:creationId xmlns="" xmlns:a16="http://schemas.microsoft.com/office/drawing/2014/main" id="{761B0E15-6FC5-434E-8780-B186D9DB0CD0}"/>
               </a:ext>
             </a:extLst>
           </p:cNvPr>
@@ -23703,7 +23703,7 @@
           <p:cNvPr id="3" name="Text Placeholder 2">
             <a:extLst>
               <a:ext uri="{FF2B5EF4-FFF2-40B4-BE49-F238E27FC236}">
-                <a16:creationId xmlns:a16="http://schemas.microsoft.com/office/drawing/2014/main" xmlns="" id="{A9C7B128-34F3-405C-B601-8BAFDB43499C}"/>
+                <a16:creationId xmlns="" xmlns:a16="http://schemas.microsoft.com/office/drawing/2014/main" id="{A9C7B128-34F3-405C-B601-8BAFDB43499C}"/>
               </a:ext>
             </a:extLst>
           </p:cNvPr>
@@ -23770,7 +23770,7 @@
           <p:cNvPr id="6" name="Slide Number Placeholder 5">
             <a:extLst>
               <a:ext uri="{FF2B5EF4-FFF2-40B4-BE49-F238E27FC236}">
-                <a16:creationId xmlns:a16="http://schemas.microsoft.com/office/drawing/2014/main" xmlns="" id="{9F5A7754-E8C7-438B-922D-9027C6CF58E2}"/>
+                <a16:creationId xmlns="" xmlns:a16="http://schemas.microsoft.com/office/drawing/2014/main" id="{9F5A7754-E8C7-438B-922D-9027C6CF58E2}"/>
               </a:ext>
             </a:extLst>
           </p:cNvPr>
@@ -23818,7 +23818,7 @@
           <p:cNvPr id="5" name="Rectangle 4">
             <a:extLst>
               <a:ext uri="{FF2B5EF4-FFF2-40B4-BE49-F238E27FC236}">
-                <a16:creationId xmlns:a16="http://schemas.microsoft.com/office/drawing/2014/main" xmlns="" id="{7CDDDB7D-9189-9548-A2B9-81DC62C3C1A3}"/>
+                <a16:creationId xmlns="" xmlns:a16="http://schemas.microsoft.com/office/drawing/2014/main" id="{7CDDDB7D-9189-9548-A2B9-81DC62C3C1A3}"/>
               </a:ext>
             </a:extLst>
           </p:cNvPr>
@@ -23872,7 +23872,7 @@
           <p:cNvPr id="7" name="Freeform: Shape 9">
             <a:extLst>
               <a:ext uri="{FF2B5EF4-FFF2-40B4-BE49-F238E27FC236}">
-                <a16:creationId xmlns:a16="http://schemas.microsoft.com/office/drawing/2014/main" xmlns="" id="{096D8877-6B4A-4540-8927-767DD7401718}"/>
+                <a16:creationId xmlns="" xmlns:a16="http://schemas.microsoft.com/office/drawing/2014/main" id="{096D8877-6B4A-4540-8927-767DD7401718}"/>
               </a:ext>
             </a:extLst>
           </p:cNvPr>
@@ -23995,7 +23995,7 @@
           <p:cNvPr id="8" name="Freeform: Shape 17">
             <a:extLst>
               <a:ext uri="{FF2B5EF4-FFF2-40B4-BE49-F238E27FC236}">
-                <a16:creationId xmlns:a16="http://schemas.microsoft.com/office/drawing/2014/main" xmlns="" id="{5AF2E123-FE0F-8541-8E36-5030C450AA7E}"/>
+                <a16:creationId xmlns="" xmlns:a16="http://schemas.microsoft.com/office/drawing/2014/main" id="{5AF2E123-FE0F-8541-8E36-5030C450AA7E}"/>
               </a:ext>
             </a:extLst>
           </p:cNvPr>
@@ -24147,7 +24147,7 @@
           <p:cNvPr id="9" name="Freeform: Shape 11">
             <a:extLst>
               <a:ext uri="{FF2B5EF4-FFF2-40B4-BE49-F238E27FC236}">
-                <a16:creationId xmlns:a16="http://schemas.microsoft.com/office/drawing/2014/main" xmlns="" id="{E5519D99-3B68-924A-9CD0-14B911711CA8}"/>
+                <a16:creationId xmlns="" xmlns:a16="http://schemas.microsoft.com/office/drawing/2014/main" id="{E5519D99-3B68-924A-9CD0-14B911711CA8}"/>
               </a:ext>
             </a:extLst>
           </p:cNvPr>
@@ -24297,7 +24297,7 @@
           <p:cNvPr id="10" name="Freeform: Shape 7">
             <a:extLst>
               <a:ext uri="{FF2B5EF4-FFF2-40B4-BE49-F238E27FC236}">
-                <a16:creationId xmlns:a16="http://schemas.microsoft.com/office/drawing/2014/main" xmlns="" id="{A09E21A9-FBEF-144C-A152-FE484F3C55C1}"/>
+                <a16:creationId xmlns="" xmlns:a16="http://schemas.microsoft.com/office/drawing/2014/main" id="{A09E21A9-FBEF-144C-A152-FE484F3C55C1}"/>
               </a:ext>
             </a:extLst>
           </p:cNvPr>
@@ -24443,7 +24443,7 @@
           <p:cNvPr id="11" name="Title 1">
             <a:extLst>
               <a:ext uri="{FF2B5EF4-FFF2-40B4-BE49-F238E27FC236}">
-                <a16:creationId xmlns:a16="http://schemas.microsoft.com/office/drawing/2014/main" xmlns="" id="{70C7F2CB-A8CE-1545-A08D-93592C4BAEEA}"/>
+                <a16:creationId xmlns="" xmlns:a16="http://schemas.microsoft.com/office/drawing/2014/main" id="{70C7F2CB-A8CE-1545-A08D-93592C4BAEEA}"/>
               </a:ext>
             </a:extLst>
           </p:cNvPr>
@@ -24499,7 +24499,7 @@
           <p:cNvPr id="12" name="Group 11">
             <a:extLst>
               <a:ext uri="{FF2B5EF4-FFF2-40B4-BE49-F238E27FC236}">
-                <a16:creationId xmlns:a16="http://schemas.microsoft.com/office/drawing/2014/main" xmlns="" id="{7068FCE4-1B47-3C4B-B091-013120A97D09}"/>
+                <a16:creationId xmlns="" xmlns:a16="http://schemas.microsoft.com/office/drawing/2014/main" id="{7068FCE4-1B47-3C4B-B091-013120A97D09}"/>
               </a:ext>
             </a:extLst>
           </p:cNvPr>
@@ -24519,7 +24519,7 @@
             <p:cNvPr id="13" name="Freeform: Shape 15">
               <a:extLst>
                 <a:ext uri="{FF2B5EF4-FFF2-40B4-BE49-F238E27FC236}">
-                  <a16:creationId xmlns:a16="http://schemas.microsoft.com/office/drawing/2014/main" xmlns="" id="{FEC3FDE7-F27E-5E4E-8752-287CAB7792D4}"/>
+                  <a16:creationId xmlns="" xmlns:a16="http://schemas.microsoft.com/office/drawing/2014/main" id="{FEC3FDE7-F27E-5E4E-8752-287CAB7792D4}"/>
                 </a:ext>
               </a:extLst>
             </p:cNvPr>
@@ -24609,7 +24609,7 @@
             <p:cNvPr id="14" name="Freeform: Shape 16">
               <a:extLst>
                 <a:ext uri="{FF2B5EF4-FFF2-40B4-BE49-F238E27FC236}">
-                  <a16:creationId xmlns:a16="http://schemas.microsoft.com/office/drawing/2014/main" xmlns="" id="{81C902DB-0D21-5044-82B6-9E7A70A1BF62}"/>
+                  <a16:creationId xmlns="" xmlns:a16="http://schemas.microsoft.com/office/drawing/2014/main" id="{81C902DB-0D21-5044-82B6-9E7A70A1BF62}"/>
                 </a:ext>
               </a:extLst>
             </p:cNvPr>
@@ -24708,7 +24708,7 @@
           <p:cNvPr id="15" name="Group 14">
             <a:extLst>
               <a:ext uri="{FF2B5EF4-FFF2-40B4-BE49-F238E27FC236}">
-                <a16:creationId xmlns:a16="http://schemas.microsoft.com/office/drawing/2014/main" xmlns="" id="{BE1E08A0-195D-694F-947B-986A76FBB93E}"/>
+                <a16:creationId xmlns="" xmlns:a16="http://schemas.microsoft.com/office/drawing/2014/main" id="{BE1E08A0-195D-694F-947B-986A76FBB93E}"/>
               </a:ext>
             </a:extLst>
           </p:cNvPr>
@@ -24728,7 +24728,7 @@
             <p:cNvPr id="16" name="Rectangle: Single Corner Snipped 18">
               <a:extLst>
                 <a:ext uri="{FF2B5EF4-FFF2-40B4-BE49-F238E27FC236}">
-                  <a16:creationId xmlns:a16="http://schemas.microsoft.com/office/drawing/2014/main" xmlns="" id="{ED5DFFCD-1EE3-E64E-B51F-BD7D72413E0B}"/>
+                  <a16:creationId xmlns="" xmlns:a16="http://schemas.microsoft.com/office/drawing/2014/main" id="{ED5DFFCD-1EE3-E64E-B51F-BD7D72413E0B}"/>
                 </a:ext>
               </a:extLst>
             </p:cNvPr>
@@ -24794,7 +24794,7 @@
             <p:cNvPr id="17" name="Rectangle: Single Corner Snipped 2">
               <a:extLst>
                 <a:ext uri="{FF2B5EF4-FFF2-40B4-BE49-F238E27FC236}">
-                  <a16:creationId xmlns:a16="http://schemas.microsoft.com/office/drawing/2014/main" xmlns="" id="{C12DB3CA-8E64-AA43-BFBE-A2CA9A816DBE}"/>
+                  <a16:creationId xmlns="" xmlns:a16="http://schemas.microsoft.com/office/drawing/2014/main" id="{C12DB3CA-8E64-AA43-BFBE-A2CA9A816DBE}"/>
                 </a:ext>
               </a:extLst>
             </p:cNvPr>
@@ -24851,7 +24851,7 @@
           <p:cNvPr id="18" name="Freeform: Shape 23">
             <a:extLst>
               <a:ext uri="{FF2B5EF4-FFF2-40B4-BE49-F238E27FC236}">
-                <a16:creationId xmlns:a16="http://schemas.microsoft.com/office/drawing/2014/main" xmlns="" id="{A587DEFD-D470-4142-8E0D-A71DDB147C92}"/>
+                <a16:creationId xmlns="" xmlns:a16="http://schemas.microsoft.com/office/drawing/2014/main" id="{A587DEFD-D470-4142-8E0D-A71DDB147C92}"/>
               </a:ext>
             </a:extLst>
           </p:cNvPr>
@@ -24946,7 +24946,7 @@
           <p:cNvPr id="19" name="Slide Number Placeholder 4">
             <a:extLst>
               <a:ext uri="{FF2B5EF4-FFF2-40B4-BE49-F238E27FC236}">
-                <a16:creationId xmlns:a16="http://schemas.microsoft.com/office/drawing/2014/main" xmlns="" id="{7D9BF857-7910-734D-A217-5E3344220AA2}"/>
+                <a16:creationId xmlns="" xmlns:a16="http://schemas.microsoft.com/office/drawing/2014/main" id="{7D9BF857-7910-734D-A217-5E3344220AA2}"/>
               </a:ext>
             </a:extLst>
           </p:cNvPr>
@@ -25074,7 +25074,7 @@
     </p:spTree>
     <p:extLst>
       <p:ext uri="{BB962C8B-B14F-4D97-AF65-F5344CB8AC3E}">
-        <p14:creationId xmlns:p14="http://schemas.microsoft.com/office/powerpoint/2010/main" xmlns="" val="666093331"/>
+        <p14:creationId xmlns="" xmlns:p14="http://schemas.microsoft.com/office/powerpoint/2010/main" val="666093331"/>
       </p:ext>
     </p:extLst>
   </p:cSld>
@@ -25397,7 +25397,7 @@
   </p:txStyles>
   <p:extLst mod="1">
     <p:ext uri="{27BBF7A9-308A-43DC-89C8-2F10F3537804}">
-      <p15:sldGuideLst xmlns:p15="http://schemas.microsoft.com/office/powerpoint/2012/main" xmlns="">
+      <p15:sldGuideLst xmlns="" xmlns:p15="http://schemas.microsoft.com/office/powerpoint/2012/main">
         <p15:guide id="1" orient="horz" pos="2160" userDrawn="1">
           <p15:clr>
             <a:srgbClr val="F26B43"/>
@@ -25688,7 +25688,7 @@
     </p:spTree>
     <p:extLst>
       <p:ext uri="{BB962C8B-B14F-4D97-AF65-F5344CB8AC3E}">
-        <p14:creationId xmlns:p14="http://schemas.microsoft.com/office/powerpoint/2010/main" xmlns="" val="3946934594"/>
+        <p14:creationId xmlns="" xmlns:p14="http://schemas.microsoft.com/office/powerpoint/2010/main" val="3946934594"/>
       </p:ext>
     </p:extLst>
   </p:cSld>
@@ -25730,7 +25730,7 @@
           <p:cNvPr id="7" name="Title 6">
             <a:extLst>
               <a:ext uri="{FF2B5EF4-FFF2-40B4-BE49-F238E27FC236}">
-                <a16:creationId xmlns:a16="http://schemas.microsoft.com/office/drawing/2014/main" xmlns="" id="{7875C19A-1AAE-476A-A316-A2CF92D763D3}"/>
+                <a16:creationId xmlns="" xmlns:a16="http://schemas.microsoft.com/office/drawing/2014/main" id="{7875C19A-1AAE-476A-A316-A2CF92D763D3}"/>
               </a:ext>
             </a:extLst>
           </p:cNvPr>
@@ -25770,7 +25770,7 @@
           <p:cNvPr id="2" name="Slide Number Placeholder 1">
             <a:extLst>
               <a:ext uri="{FF2B5EF4-FFF2-40B4-BE49-F238E27FC236}">
-                <a16:creationId xmlns:a16="http://schemas.microsoft.com/office/drawing/2014/main" xmlns="" id="{BE9800F6-D571-48C4-8466-12AA1ADB6599}"/>
+                <a16:creationId xmlns="" xmlns:a16="http://schemas.microsoft.com/office/drawing/2014/main" id="{BE9800F6-D571-48C4-8466-12AA1ADB6599}"/>
               </a:ext>
             </a:extLst>
           </p:cNvPr>
@@ -25798,7 +25798,7 @@
     </p:spTree>
     <p:extLst>
       <p:ext uri="{BB962C8B-B14F-4D97-AF65-F5344CB8AC3E}">
-        <p14:creationId xmlns:p14="http://schemas.microsoft.com/office/powerpoint/2010/main" xmlns="" val="3733486012"/>
+        <p14:creationId xmlns="" xmlns:p14="http://schemas.microsoft.com/office/powerpoint/2010/main" val="3733486012"/>
       </p:ext>
     </p:extLst>
   </p:cSld>
@@ -25806,7 +25806,7 @@
     <a:masterClrMapping/>
   </p:clrMapOvr>
   <mc:AlternateContent xmlns:mc="http://schemas.openxmlformats.org/markup-compatibility/2006">
-    <mc:Choice xmlns:p14="http://schemas.microsoft.com/office/powerpoint/2010/main" xmlns="" Requires="p14">
+    <mc:Choice xmlns="" xmlns:p14="http://schemas.microsoft.com/office/powerpoint/2010/main" Requires="p14">
       <p:transition spd="med" p14:dur="700">
         <p:fade/>
       </p:transition>
@@ -25842,7 +25842,7 @@
           <p:cNvPr id="7" name="Title 6">
             <a:extLst>
               <a:ext uri="{FF2B5EF4-FFF2-40B4-BE49-F238E27FC236}">
-                <a16:creationId xmlns:a16="http://schemas.microsoft.com/office/drawing/2014/main" xmlns="" id="{7875C19A-1AAE-476A-A316-A2CF92D763D3}"/>
+                <a16:creationId xmlns="" xmlns:a16="http://schemas.microsoft.com/office/drawing/2014/main" id="{7875C19A-1AAE-476A-A316-A2CF92D763D3}"/>
               </a:ext>
             </a:extLst>
           </p:cNvPr>
@@ -25894,7 +25894,7 @@
           <p:cNvPr id="10" name="Text Placeholder 9">
             <a:extLst>
               <a:ext uri="{FF2B5EF4-FFF2-40B4-BE49-F238E27FC236}">
-                <a16:creationId xmlns:a16="http://schemas.microsoft.com/office/drawing/2014/main" xmlns="" id="{EF2BC084-E6DB-4DE7-B309-042A85EBA700}"/>
+                <a16:creationId xmlns="" xmlns:a16="http://schemas.microsoft.com/office/drawing/2014/main" id="{EF2BC084-E6DB-4DE7-B309-042A85EBA700}"/>
               </a:ext>
             </a:extLst>
           </p:cNvPr>
@@ -25932,7 +25932,7 @@
           <p:cNvPr id="2" name="Slide Number Placeholder 1">
             <a:extLst>
               <a:ext uri="{FF2B5EF4-FFF2-40B4-BE49-F238E27FC236}">
-                <a16:creationId xmlns:a16="http://schemas.microsoft.com/office/drawing/2014/main" xmlns="" id="{BE9800F6-D571-48C4-8466-12AA1ADB6599}"/>
+                <a16:creationId xmlns="" xmlns:a16="http://schemas.microsoft.com/office/drawing/2014/main" id="{BE9800F6-D571-48C4-8466-12AA1ADB6599}"/>
               </a:ext>
             </a:extLst>
           </p:cNvPr>
@@ -25960,7 +25960,7 @@
     </p:spTree>
     <p:extLst>
       <p:ext uri="{BB962C8B-B14F-4D97-AF65-F5344CB8AC3E}">
-        <p14:creationId xmlns:p14="http://schemas.microsoft.com/office/powerpoint/2010/main" xmlns="" val="3733486012"/>
+        <p14:creationId xmlns="" xmlns:p14="http://schemas.microsoft.com/office/powerpoint/2010/main" val="3733486012"/>
       </p:ext>
     </p:extLst>
   </p:cSld>
@@ -25968,7 +25968,7 @@
     <a:masterClrMapping/>
   </p:clrMapOvr>
   <mc:AlternateContent xmlns:mc="http://schemas.openxmlformats.org/markup-compatibility/2006">
-    <mc:Choice xmlns:p14="http://schemas.microsoft.com/office/powerpoint/2010/main" xmlns="" Requires="p14">
+    <mc:Choice xmlns="" xmlns:p14="http://schemas.microsoft.com/office/powerpoint/2010/main" Requires="p14">
       <p:transition spd="med" p14:dur="700">
         <p:fade/>
       </p:transition>
@@ -26011,7 +26011,7 @@
           <p:cNvPr id="7" name="Title 6">
             <a:extLst>
               <a:ext uri="{FF2B5EF4-FFF2-40B4-BE49-F238E27FC236}">
-                <a16:creationId xmlns:a16="http://schemas.microsoft.com/office/drawing/2014/main" xmlns="" id="{7875C19A-1AAE-476A-A316-A2CF92D763D3}"/>
+                <a16:creationId xmlns="" xmlns:a16="http://schemas.microsoft.com/office/drawing/2014/main" id="{7875C19A-1AAE-476A-A316-A2CF92D763D3}"/>
               </a:ext>
             </a:extLst>
           </p:cNvPr>
@@ -26063,7 +26063,7 @@
           <p:cNvPr id="10" name="Text Placeholder 9">
             <a:extLst>
               <a:ext uri="{FF2B5EF4-FFF2-40B4-BE49-F238E27FC236}">
-                <a16:creationId xmlns:a16="http://schemas.microsoft.com/office/drawing/2014/main" xmlns="" id="{EF2BC084-E6DB-4DE7-B309-042A85EBA700}"/>
+                <a16:creationId xmlns="" xmlns:a16="http://schemas.microsoft.com/office/drawing/2014/main" id="{EF2BC084-E6DB-4DE7-B309-042A85EBA700}"/>
               </a:ext>
             </a:extLst>
           </p:cNvPr>
@@ -26106,7 +26106,7 @@
           <p:cNvPr id="2" name="Slide Number Placeholder 1">
             <a:extLst>
               <a:ext uri="{FF2B5EF4-FFF2-40B4-BE49-F238E27FC236}">
-                <a16:creationId xmlns:a16="http://schemas.microsoft.com/office/drawing/2014/main" xmlns="" id="{BE9800F6-D571-48C4-8466-12AA1ADB6599}"/>
+                <a16:creationId xmlns="" xmlns:a16="http://schemas.microsoft.com/office/drawing/2014/main" id="{BE9800F6-D571-48C4-8466-12AA1ADB6599}"/>
               </a:ext>
             </a:extLst>
           </p:cNvPr>
@@ -26160,7 +26160,7 @@
     </p:spTree>
     <p:extLst>
       <p:ext uri="{BB962C8B-B14F-4D97-AF65-F5344CB8AC3E}">
-        <p14:creationId xmlns:p14="http://schemas.microsoft.com/office/powerpoint/2010/main" xmlns="" val="3733486012"/>
+        <p14:creationId xmlns="" xmlns:p14="http://schemas.microsoft.com/office/powerpoint/2010/main" val="3733486012"/>
       </p:ext>
     </p:extLst>
   </p:cSld>
@@ -26168,7 +26168,7 @@
     <a:masterClrMapping/>
   </p:clrMapOvr>
   <mc:AlternateContent xmlns:mc="http://schemas.openxmlformats.org/markup-compatibility/2006">
-    <mc:Choice xmlns:p14="http://schemas.microsoft.com/office/powerpoint/2010/main" xmlns="" Requires="p14">
+    <mc:Choice xmlns="" xmlns:p14="http://schemas.microsoft.com/office/powerpoint/2010/main" Requires="p14">
       <p:transition spd="med" p14:dur="700">
         <p:fade/>
       </p:transition>
@@ -26235,7 +26235,7 @@
           <p:cNvPr id="5" name="Text Placeholder 9">
             <a:extLst>
               <a:ext uri="{FF2B5EF4-FFF2-40B4-BE49-F238E27FC236}">
-                <a16:creationId xmlns:a16="http://schemas.microsoft.com/office/drawing/2014/main" xmlns="" id="{EF2BC084-E6DB-4DE7-B309-042A85EBA700}"/>
+                <a16:creationId xmlns="" xmlns:a16="http://schemas.microsoft.com/office/drawing/2014/main" id="{EF2BC084-E6DB-4DE7-B309-042A85EBA700}"/>
               </a:ext>
             </a:extLst>
           </p:cNvPr>
@@ -26267,14 +26267,7 @@
                 <a:latin typeface="Times New Roman" panose="02020603050405020304" charset="0"/>
                 <a:cs typeface="Times New Roman" panose="02020603050405020304" charset="0"/>
               </a:rPr>
-              <a:t>Data Pre-Processing</a:t>
-            </a:r>
-            <a:r>
-              <a:rPr lang="en-IN" sz="2600" dirty="0" smtClean="0">
-                <a:latin typeface="Times New Roman" panose="02020603050405020304" charset="0"/>
-                <a:cs typeface="Times New Roman" panose="02020603050405020304" charset="0"/>
-              </a:rPr>
-              <a:t>.</a:t>
+              <a:t>Data Pre-Processing.</a:t>
             </a:r>
           </a:p>
           <a:p>
@@ -26294,34 +26287,14 @@
                 <a:latin typeface="Times New Roman" panose="02020603050405020304" charset="0"/>
                 <a:cs typeface="Times New Roman" panose="02020603050405020304" charset="0"/>
               </a:rPr>
-              <a:t>Dealing with NULL values.</a:t>
-            </a:r>
-          </a:p>
-          <a:p>
-            <a:pPr lvl="2"/>
-            <a:r>
-              <a:rPr lang="en-IN" sz="2400" dirty="0" smtClean="0">
-                <a:latin typeface="Times New Roman" panose="02020603050405020304" charset="0"/>
-                <a:cs typeface="Times New Roman" panose="02020603050405020304" charset="0"/>
-              </a:rPr>
-              <a:t>Add new columns.</a:t>
-            </a:r>
-          </a:p>
-          <a:p>
-            <a:pPr lvl="1"/>
-            <a:r>
-              <a:rPr lang="en-IN" sz="2600" dirty="0" smtClean="0">
-                <a:latin typeface="Times New Roman" panose="02020603050405020304" charset="0"/>
-                <a:cs typeface="Times New Roman" panose="02020603050405020304" charset="0"/>
-              </a:rPr>
-              <a:t>Register / </a:t>
+              <a:t>Dealing with NULL </a:t>
             </a:r>
             <a:r>
               <a:rPr lang="en-IN" sz="2600" dirty="0" smtClean="0">
                 <a:latin typeface="Times New Roman" panose="02020603050405020304" charset="0"/>
                 <a:cs typeface="Times New Roman" panose="02020603050405020304" charset="0"/>
               </a:rPr>
-              <a:t>Login.</a:t>
+              <a:t>values.</a:t>
             </a:r>
           </a:p>
           <a:p>
@@ -26331,8 +26304,50 @@
                 <a:latin typeface="Times New Roman" panose="02020603050405020304" charset="0"/>
                 <a:cs typeface="Times New Roman" panose="02020603050405020304" charset="0"/>
               </a:rPr>
-              <a:t>Model Training</a:t>
+              <a:t>Data </a:t>
             </a:r>
+            <a:r>
+              <a:rPr lang="en-IN" sz="2400" dirty="0" smtClean="0">
+                <a:latin typeface="Times New Roman" panose="02020603050405020304" charset="0"/>
+                <a:cs typeface="Times New Roman" panose="02020603050405020304" charset="0"/>
+              </a:rPr>
+              <a:t>Transformation.</a:t>
+            </a:r>
+          </a:p>
+          <a:p>
+            <a:pPr lvl="3"/>
+            <a:r>
+              <a:rPr lang="en-IN" sz="2600" dirty="0" smtClean="0">
+                <a:latin typeface="Times New Roman" panose="02020603050405020304" charset="0"/>
+                <a:cs typeface="Times New Roman" panose="02020603050405020304" charset="0"/>
+              </a:rPr>
+              <a:t>Attribute </a:t>
+            </a:r>
+            <a:r>
+              <a:rPr lang="en-IN" sz="2600" dirty="0" smtClean="0">
+                <a:latin typeface="Times New Roman" panose="02020603050405020304" charset="0"/>
+                <a:cs typeface="Times New Roman" panose="02020603050405020304" charset="0"/>
+              </a:rPr>
+              <a:t>Selection.</a:t>
+            </a:r>
+            <a:endParaRPr lang="en-IN" sz="2600" dirty="0" smtClean="0">
+              <a:latin typeface="Times New Roman" panose="02020603050405020304" charset="0"/>
+              <a:cs typeface="Times New Roman" panose="02020603050405020304" charset="0"/>
+            </a:endParaRPr>
+          </a:p>
+          <a:p>
+            <a:pPr lvl="1"/>
+            <a:r>
+              <a:rPr lang="en-IN" sz="2400" dirty="0" smtClean="0">
+                <a:latin typeface="Times New Roman" panose="02020603050405020304" charset="0"/>
+                <a:cs typeface="Times New Roman" panose="02020603050405020304" charset="0"/>
+              </a:rPr>
+              <a:t>Model Training.</a:t>
+            </a:r>
+            <a:endParaRPr lang="en-IN" sz="2400" dirty="0" smtClean="0">
+              <a:latin typeface="Times New Roman" panose="02020603050405020304" charset="0"/>
+              <a:cs typeface="Times New Roman" panose="02020603050405020304" charset="0"/>
+            </a:endParaRPr>
           </a:p>
           <a:p>
             <a:pPr lvl="1"/>
@@ -26348,8 +26363,15 @@
                 <a:latin typeface="Times New Roman" panose="02020603050405020304" charset="0"/>
                 <a:cs typeface="Times New Roman" panose="02020603050405020304" charset="0"/>
               </a:rPr>
-              <a:t>website.</a:t>
+              <a:t>website (User Interface).</a:t>
             </a:r>
+          </a:p>
+          <a:p>
+            <a:pPr lvl="1"/>
+            <a:endParaRPr lang="en-IN" sz="2400" dirty="0" smtClean="0">
+              <a:latin typeface="Times New Roman" panose="02020603050405020304" charset="0"/>
+              <a:cs typeface="Times New Roman" panose="02020603050405020304" charset="0"/>
+            </a:endParaRPr>
           </a:p>
           <a:p>
             <a:pPr>
@@ -26380,7 +26402,7 @@
           <p:cNvPr id="6" name="Title 6">
             <a:extLst>
               <a:ext uri="{FF2B5EF4-FFF2-40B4-BE49-F238E27FC236}">
-                <a16:creationId xmlns:a16="http://schemas.microsoft.com/office/drawing/2014/main" xmlns="" id="{7875C19A-1AAE-476A-A316-A2CF92D763D3}"/>
+                <a16:creationId xmlns="" xmlns:a16="http://schemas.microsoft.com/office/drawing/2014/main" id="{7875C19A-1AAE-476A-A316-A2CF92D763D3}"/>
               </a:ext>
             </a:extLst>
           </p:cNvPr>
@@ -26457,7 +26479,7 @@
           <p:cNvPr id="7" name="Title 6">
             <a:extLst>
               <a:ext uri="{FF2B5EF4-FFF2-40B4-BE49-F238E27FC236}">
-                <a16:creationId xmlns:a16="http://schemas.microsoft.com/office/drawing/2014/main" xmlns="" id="{7875C19A-1AAE-476A-A316-A2CF92D763D3}"/>
+                <a16:creationId xmlns="" xmlns:a16="http://schemas.microsoft.com/office/drawing/2014/main" id="{7875C19A-1AAE-476A-A316-A2CF92D763D3}"/>
               </a:ext>
             </a:extLst>
           </p:cNvPr>
@@ -26509,7 +26531,7 @@
           <p:cNvPr id="10" name="Text Placeholder 9">
             <a:extLst>
               <a:ext uri="{FF2B5EF4-FFF2-40B4-BE49-F238E27FC236}">
-                <a16:creationId xmlns:a16="http://schemas.microsoft.com/office/drawing/2014/main" xmlns="" id="{EF2BC084-E6DB-4DE7-B309-042A85EBA700}"/>
+                <a16:creationId xmlns="" xmlns:a16="http://schemas.microsoft.com/office/drawing/2014/main" id="{EF2BC084-E6DB-4DE7-B309-042A85EBA700}"/>
               </a:ext>
             </a:extLst>
           </p:cNvPr>
@@ -26569,7 +26591,21 @@
                 <a:latin typeface="Times New Roman" panose="02020603050405020304" charset="0"/>
                 <a:cs typeface="Times New Roman" panose="02020603050405020304" charset="0"/>
               </a:rPr>
-              <a:t>In this module we had cleaned our dataset if it gas any null values using following techniques..</a:t>
+              <a:t>In this module we had cleaned our dataset if it </a:t>
+            </a:r>
+            <a:r>
+              <a:rPr lang="en-IN" sz="2400" dirty="0" smtClean="0">
+                <a:latin typeface="Times New Roman" panose="02020603050405020304" charset="0"/>
+                <a:cs typeface="Times New Roman" panose="02020603050405020304" charset="0"/>
+              </a:rPr>
+              <a:t>has </a:t>
+            </a:r>
+            <a:r>
+              <a:rPr lang="en-IN" sz="2400" dirty="0" smtClean="0">
+                <a:latin typeface="Times New Roman" panose="02020603050405020304" charset="0"/>
+                <a:cs typeface="Times New Roman" panose="02020603050405020304" charset="0"/>
+              </a:rPr>
+              <a:t>any null values using following techniques..</a:t>
             </a:r>
           </a:p>
           <a:p>
@@ -26599,7 +26635,7 @@
           <p:cNvPr id="2" name="Slide Number Placeholder 1">
             <a:extLst>
               <a:ext uri="{FF2B5EF4-FFF2-40B4-BE49-F238E27FC236}">
-                <a16:creationId xmlns:a16="http://schemas.microsoft.com/office/drawing/2014/main" xmlns="" id="{BE9800F6-D571-48C4-8466-12AA1ADB6599}"/>
+                <a16:creationId xmlns="" xmlns:a16="http://schemas.microsoft.com/office/drawing/2014/main" id="{BE9800F6-D571-48C4-8466-12AA1ADB6599}"/>
               </a:ext>
             </a:extLst>
           </p:cNvPr>
@@ -26627,7 +26663,7 @@
     </p:spTree>
     <p:extLst>
       <p:ext uri="{BB962C8B-B14F-4D97-AF65-F5344CB8AC3E}">
-        <p14:creationId xmlns:p14="http://schemas.microsoft.com/office/powerpoint/2010/main" xmlns="" val="3733486012"/>
+        <p14:creationId xmlns="" xmlns:p14="http://schemas.microsoft.com/office/powerpoint/2010/main" val="3733486012"/>
       </p:ext>
     </p:extLst>
   </p:cSld>
@@ -26635,7 +26671,7 @@
     <a:masterClrMapping/>
   </p:clrMapOvr>
   <mc:AlternateContent xmlns:mc="http://schemas.openxmlformats.org/markup-compatibility/2006">
-    <mc:Choice xmlns:p14="http://schemas.microsoft.com/office/powerpoint/2010/main" xmlns="" Requires="p14">
+    <mc:Choice xmlns="" xmlns:p14="http://schemas.microsoft.com/office/powerpoint/2010/main" Requires="p14">
       <p:transition spd="med" p14:dur="700">
         <p:fade/>
       </p:transition>
@@ -26678,7 +26714,7 @@
           <p:cNvPr id="7" name="Title 6">
             <a:extLst>
               <a:ext uri="{FF2B5EF4-FFF2-40B4-BE49-F238E27FC236}">
-                <a16:creationId xmlns:a16="http://schemas.microsoft.com/office/drawing/2014/main" xmlns="" id="{7875C19A-1AAE-476A-A316-A2CF92D763D3}"/>
+                <a16:creationId xmlns="" xmlns:a16="http://schemas.microsoft.com/office/drawing/2014/main" id="{7875C19A-1AAE-476A-A316-A2CF92D763D3}"/>
               </a:ext>
             </a:extLst>
           </p:cNvPr>
@@ -26730,7 +26766,7 @@
           <p:cNvPr id="10" name="Text Placeholder 9">
             <a:extLst>
               <a:ext uri="{FF2B5EF4-FFF2-40B4-BE49-F238E27FC236}">
-                <a16:creationId xmlns:a16="http://schemas.microsoft.com/office/drawing/2014/main" xmlns="" id="{EF2BC084-E6DB-4DE7-B309-042A85EBA700}"/>
+                <a16:creationId xmlns="" xmlns:a16="http://schemas.microsoft.com/office/drawing/2014/main" id="{EF2BC084-E6DB-4DE7-B309-042A85EBA700}"/>
               </a:ext>
             </a:extLst>
           </p:cNvPr>
@@ -26790,8 +26826,29 @@
                 <a:latin typeface="Times New Roman" panose="02020603050405020304" charset="0"/>
                 <a:cs typeface="Times New Roman" panose="02020603050405020304" charset="0"/>
               </a:rPr>
-              <a:t>In this strategy we had add some new columns to our data set from existing ones to have look inside from data.</a:t>
+              <a:t>In this strategy we had add some new columns to our data set from existing ones to have look inside from data</a:t>
             </a:r>
+            <a:r>
+              <a:rPr lang="en-IN" sz="2400" dirty="0" smtClean="0">
+                <a:latin typeface="Times New Roman" panose="02020603050405020304" charset="0"/>
+                <a:cs typeface="Times New Roman" panose="02020603050405020304" charset="0"/>
+              </a:rPr>
+              <a:t>.</a:t>
+            </a:r>
+          </a:p>
+          <a:p>
+            <a:pPr marL="1428750" lvl="2" indent="-514350"/>
+            <a:r>
+              <a:rPr lang="en-US" sz="2400" dirty="0" smtClean="0">
+                <a:latin typeface="Times New Roman" panose="02020603050405020304" charset="0"/>
+                <a:cs typeface="Times New Roman" panose="02020603050405020304" charset="0"/>
+              </a:rPr>
+              <a:t>Aggregate function can be used on two or more columns to have new column that may have highly positive or highly negative correlation with target value.</a:t>
+            </a:r>
+            <a:endParaRPr lang="en-IN" sz="2400" dirty="0" smtClean="0">
+              <a:latin typeface="Times New Roman" panose="02020603050405020304" charset="0"/>
+              <a:cs typeface="Times New Roman" panose="02020603050405020304" charset="0"/>
+            </a:endParaRPr>
           </a:p>
           <a:p>
             <a:pPr marL="1428750" lvl="2" indent="-514350">
@@ -26804,8 +26861,7 @@
           </a:p>
           <a:p>
             <a:pPr marL="514350" indent="-514350">
-              <a:buFont typeface="Wingdings" pitchFamily="2" charset="2"/>
-              <a:buChar char="Ø"/>
+              <a:buNone/>
             </a:pPr>
             <a:endParaRPr lang="en-IN" sz="2400" dirty="0" smtClean="0">
               <a:latin typeface="Times New Roman" panose="02020603050405020304" charset="0"/>
@@ -26819,7 +26875,7 @@
           <p:cNvPr id="2" name="Slide Number Placeholder 1">
             <a:extLst>
               <a:ext uri="{FF2B5EF4-FFF2-40B4-BE49-F238E27FC236}">
-                <a16:creationId xmlns:a16="http://schemas.microsoft.com/office/drawing/2014/main" xmlns="" id="{BE9800F6-D571-48C4-8466-12AA1ADB6599}"/>
+                <a16:creationId xmlns="" xmlns:a16="http://schemas.microsoft.com/office/drawing/2014/main" id="{BE9800F6-D571-48C4-8466-12AA1ADB6599}"/>
               </a:ext>
             </a:extLst>
           </p:cNvPr>
@@ -26847,7 +26903,7 @@
     </p:spTree>
     <p:extLst>
       <p:ext uri="{BB962C8B-B14F-4D97-AF65-F5344CB8AC3E}">
-        <p14:creationId xmlns:p14="http://schemas.microsoft.com/office/powerpoint/2010/main" xmlns="" val="3733486012"/>
+        <p14:creationId xmlns="" xmlns:p14="http://schemas.microsoft.com/office/powerpoint/2010/main" val="3733486012"/>
       </p:ext>
     </p:extLst>
   </p:cSld>
@@ -26855,7 +26911,7 @@
     <a:masterClrMapping/>
   </p:clrMapOvr>
   <mc:AlternateContent xmlns:mc="http://schemas.openxmlformats.org/markup-compatibility/2006">
-    <mc:Choice xmlns:p14="http://schemas.microsoft.com/office/powerpoint/2010/main" xmlns="" Requires="p14">
+    <mc:Choice xmlns="" xmlns:p14="http://schemas.microsoft.com/office/powerpoint/2010/main" Requires="p14">
       <p:transition spd="med" p14:dur="700">
         <p:fade/>
       </p:transition>
@@ -26898,7 +26954,7 @@
           <p:cNvPr id="7" name="Title 6">
             <a:extLst>
               <a:ext uri="{FF2B5EF4-FFF2-40B4-BE49-F238E27FC236}">
-                <a16:creationId xmlns:a16="http://schemas.microsoft.com/office/drawing/2014/main" xmlns="" id="{7875C19A-1AAE-476A-A316-A2CF92D763D3}"/>
+                <a16:creationId xmlns="" xmlns:a16="http://schemas.microsoft.com/office/drawing/2014/main" id="{7875C19A-1AAE-476A-A316-A2CF92D763D3}"/>
               </a:ext>
             </a:extLst>
           </p:cNvPr>
@@ -26950,7 +27006,7 @@
           <p:cNvPr id="10" name="Text Placeholder 9">
             <a:extLst>
               <a:ext uri="{FF2B5EF4-FFF2-40B4-BE49-F238E27FC236}">
-                <a16:creationId xmlns:a16="http://schemas.microsoft.com/office/drawing/2014/main" xmlns="" id="{EF2BC084-E6DB-4DE7-B309-042A85EBA700}"/>
+                <a16:creationId xmlns="" xmlns:a16="http://schemas.microsoft.com/office/drawing/2014/main" id="{EF2BC084-E6DB-4DE7-B309-042A85EBA700}"/>
               </a:ext>
             </a:extLst>
           </p:cNvPr>
@@ -26964,7 +27020,7 @@
         <p:spPr>
           <a:xfrm>
             <a:off x="393700" y="1625385"/>
-            <a:ext cx="9867900" cy="4775415"/>
+            <a:ext cx="9898380" cy="4856695"/>
           </a:xfrm>
         </p:spPr>
         <p:txBody>
@@ -26980,45 +27036,96 @@
                 <a:latin typeface="Times New Roman" panose="02020603050405020304" charset="0"/>
                 <a:cs typeface="Times New Roman" panose="02020603050405020304" charset="0"/>
               </a:rPr>
-              <a:t>Register / </a:t>
+              <a:t>Model Training.</a:t>
             </a:r>
+          </a:p>
+          <a:p>
+            <a:pPr marL="971550" lvl="1" indent="-514350"/>
             <a:r>
-              <a:rPr lang="en-IN" sz="2800" b="1" dirty="0" smtClean="0">
+              <a:rPr lang="en-US" sz="2600" dirty="0" smtClean="0">
                 <a:latin typeface="Times New Roman" panose="02020603050405020304" charset="0"/>
                 <a:cs typeface="Times New Roman" panose="02020603050405020304" charset="0"/>
               </a:rPr>
-              <a:t>Login.</a:t>
+              <a:t>Now data is all set to be trained. </a:t>
             </a:r>
-          </a:p>
-          <a:p>
-            <a:pPr marL="971550" lvl="1" indent="-514350"/>
             <a:r>
-              <a:rPr lang="en-IN" sz="2400" dirty="0" smtClean="0">
+              <a:rPr lang="en-US" sz="2600" dirty="0" smtClean="0">
                 <a:latin typeface="Times New Roman" panose="02020603050405020304" charset="0"/>
                 <a:cs typeface="Times New Roman" panose="02020603050405020304" charset="0"/>
               </a:rPr>
-              <a:t>In this module we had designed one simple website.</a:t>
+              <a:t>But How….?? </a:t>
             </a:r>
+            <a:endParaRPr lang="en-US" sz="2600" dirty="0" smtClean="0">
+              <a:latin typeface="Times New Roman" panose="02020603050405020304" charset="0"/>
+              <a:cs typeface="Times New Roman" panose="02020603050405020304" charset="0"/>
+            </a:endParaRPr>
           </a:p>
           <a:p>
             <a:pPr marL="971550" lvl="1" indent="-514350"/>
             <a:r>
-              <a:rPr lang="en-IN" sz="2400" dirty="0" smtClean="0">
+              <a:rPr lang="en-US" sz="2600" dirty="0" smtClean="0">
                 <a:latin typeface="Times New Roman" panose="02020603050405020304" charset="0"/>
                 <a:cs typeface="Times New Roman" panose="02020603050405020304" charset="0"/>
               </a:rPr>
-              <a:t>We had added static home page.</a:t>
+              <a:t>So</a:t>
             </a:r>
-          </a:p>
-          <a:p>
-            <a:pPr marL="971550" lvl="1" indent="-514350"/>
             <a:r>
-              <a:rPr lang="en-IN" sz="2400" dirty="0" smtClean="0">
+              <a:rPr lang="en-US" sz="2600" dirty="0" smtClean="0">
                 <a:latin typeface="Times New Roman" panose="02020603050405020304" charset="0"/>
                 <a:cs typeface="Times New Roman" panose="02020603050405020304" charset="0"/>
               </a:rPr>
-              <a:t>We had also added Signup / Login page just to insure that only registered user can accesses our website.</a:t>
+              <a:t>, it is required to select an appropriate training method to train model. </a:t>
             </a:r>
+            <a:endParaRPr lang="en-US" sz="2600" dirty="0" smtClean="0">
+              <a:latin typeface="Times New Roman" panose="02020603050405020304" charset="0"/>
+              <a:cs typeface="Times New Roman" panose="02020603050405020304" charset="0"/>
+            </a:endParaRPr>
+          </a:p>
+          <a:p>
+            <a:pPr marL="971550" lvl="1" indent="-514350"/>
+            <a:r>
+              <a:rPr lang="en-US" sz="2600" dirty="0" smtClean="0">
+                <a:latin typeface="Times New Roman" panose="02020603050405020304" charset="0"/>
+                <a:cs typeface="Times New Roman" panose="02020603050405020304" charset="0"/>
+              </a:rPr>
+              <a:t>So</a:t>
+            </a:r>
+            <a:r>
+              <a:rPr lang="en-US" sz="2600" dirty="0" smtClean="0">
+                <a:latin typeface="Times New Roman" panose="02020603050405020304" charset="0"/>
+                <a:cs typeface="Times New Roman" panose="02020603050405020304" charset="0"/>
+              </a:rPr>
+              <a:t>, understanding relationship between various set of attributes using histograms, pie charts, bar graphs, etc can help one to select best method to train model </a:t>
+            </a:r>
+            <a:endParaRPr lang="en-US" sz="2600" dirty="0" smtClean="0">
+              <a:latin typeface="Times New Roman" panose="02020603050405020304" charset="0"/>
+              <a:cs typeface="Times New Roman" panose="02020603050405020304" charset="0"/>
+            </a:endParaRPr>
+          </a:p>
+          <a:p>
+            <a:pPr marL="971550" lvl="1" indent="-514350">
+              <a:buNone/>
+            </a:pPr>
+            <a:endParaRPr lang="en-IN" sz="2600" dirty="0" smtClean="0">
+              <a:latin typeface="Times New Roman" panose="02020603050405020304" charset="0"/>
+              <a:cs typeface="Times New Roman" panose="02020603050405020304" charset="0"/>
+            </a:endParaRPr>
+          </a:p>
+          <a:p>
+            <a:pPr marL="971550" lvl="2" indent="-514350"/>
+            <a:endParaRPr lang="en-IN" sz="2600" b="1" dirty="0" smtClean="0">
+              <a:latin typeface="Times New Roman" panose="02020603050405020304" charset="0"/>
+              <a:cs typeface="Times New Roman" panose="02020603050405020304" charset="0"/>
+            </a:endParaRPr>
+          </a:p>
+          <a:p>
+            <a:pPr marL="971550" lvl="1" indent="-514350">
+              <a:buNone/>
+            </a:pPr>
+            <a:endParaRPr lang="en-IN" sz="2400" dirty="0" smtClean="0">
+              <a:latin typeface="Times New Roman" panose="02020603050405020304" charset="0"/>
+              <a:cs typeface="Times New Roman" panose="02020603050405020304" charset="0"/>
+            </a:endParaRPr>
           </a:p>
           <a:p>
             <a:pPr marL="1428750" lvl="2" indent="-514350">
@@ -27046,7 +27153,7 @@
           <p:cNvPr id="2" name="Slide Number Placeholder 1">
             <a:extLst>
               <a:ext uri="{FF2B5EF4-FFF2-40B4-BE49-F238E27FC236}">
-                <a16:creationId xmlns:a16="http://schemas.microsoft.com/office/drawing/2014/main" xmlns="" id="{BE9800F6-D571-48C4-8466-12AA1ADB6599}"/>
+                <a16:creationId xmlns="" xmlns:a16="http://schemas.microsoft.com/office/drawing/2014/main" id="{BE9800F6-D571-48C4-8466-12AA1ADB6599}"/>
               </a:ext>
             </a:extLst>
           </p:cNvPr>
@@ -27074,7 +27181,7 @@
     </p:spTree>
     <p:extLst>
       <p:ext uri="{BB962C8B-B14F-4D97-AF65-F5344CB8AC3E}">
-        <p14:creationId xmlns:p14="http://schemas.microsoft.com/office/powerpoint/2010/main" xmlns="" val="3733486012"/>
+        <p14:creationId xmlns="" xmlns:p14="http://schemas.microsoft.com/office/powerpoint/2010/main" val="3733486012"/>
       </p:ext>
     </p:extLst>
   </p:cSld>
@@ -27082,7 +27189,7 @@
     <a:masterClrMapping/>
   </p:clrMapOvr>
   <mc:AlternateContent xmlns:mc="http://schemas.openxmlformats.org/markup-compatibility/2006">
-    <mc:Choice xmlns:p14="http://schemas.microsoft.com/office/powerpoint/2010/main" xmlns="" Requires="p14">
+    <mc:Choice xmlns="" xmlns:p14="http://schemas.microsoft.com/office/powerpoint/2010/main" Requires="p14">
       <p:transition spd="med" p14:dur="700">
         <p:fade/>
       </p:transition>
@@ -27125,7 +27232,7 @@
           <p:cNvPr id="7" name="Title 6">
             <a:extLst>
               <a:ext uri="{FF2B5EF4-FFF2-40B4-BE49-F238E27FC236}">
-                <a16:creationId xmlns:a16="http://schemas.microsoft.com/office/drawing/2014/main" xmlns="" id="{7875C19A-1AAE-476A-A316-A2CF92D763D3}"/>
+                <a16:creationId xmlns="" xmlns:a16="http://schemas.microsoft.com/office/drawing/2014/main" id="{7875C19A-1AAE-476A-A316-A2CF92D763D3}"/>
               </a:ext>
             </a:extLst>
           </p:cNvPr>
@@ -27177,7 +27284,7 @@
           <p:cNvPr id="10" name="Text Placeholder 9">
             <a:extLst>
               <a:ext uri="{FF2B5EF4-FFF2-40B4-BE49-F238E27FC236}">
-                <a16:creationId xmlns:a16="http://schemas.microsoft.com/office/drawing/2014/main" xmlns="" id="{EF2BC084-E6DB-4DE7-B309-042A85EBA700}"/>
+                <a16:creationId xmlns="" xmlns:a16="http://schemas.microsoft.com/office/drawing/2014/main" id="{EF2BC084-E6DB-4DE7-B309-042A85EBA700}"/>
               </a:ext>
             </a:extLst>
           </p:cNvPr>
@@ -27191,7 +27298,7 @@
         <p:spPr>
           <a:xfrm>
             <a:off x="393700" y="1625385"/>
-            <a:ext cx="9898380" cy="4856695"/>
+            <a:ext cx="9867900" cy="4775415"/>
           </a:xfrm>
         </p:spPr>
         <p:txBody>
@@ -27207,73 +27314,139 @@
                 <a:latin typeface="Times New Roman" panose="02020603050405020304" charset="0"/>
                 <a:cs typeface="Times New Roman" panose="02020603050405020304" charset="0"/>
               </a:rPr>
-              <a:t>Model Training.</a:t>
+              <a:t>Designing </a:t>
             </a:r>
-          </a:p>
-          <a:p>
-            <a:pPr marL="971550" lvl="1" indent="-514350"/>
-            <a:r>
-              <a:rPr lang="en-IN" sz="2400" dirty="0" smtClean="0">
-                <a:latin typeface="Times New Roman" panose="02020603050405020304" charset="0"/>
-                <a:cs typeface="Times New Roman" panose="02020603050405020304" charset="0"/>
-              </a:rPr>
-              <a:t>In this module we will train our data using Linear Regression.</a:t>
-            </a:r>
-          </a:p>
-          <a:p>
-            <a:pPr marL="514350" lvl="1" indent="-514350">
-              <a:lnSpc>
-                <a:spcPct val="150000"/>
-              </a:lnSpc>
-              <a:buFont typeface="Wingdings" pitchFamily="2" charset="2"/>
-              <a:buChar char="Ø"/>
-            </a:pPr>
             <a:r>
               <a:rPr lang="en-IN" sz="2800" b="1" dirty="0" smtClean="0">
                 <a:latin typeface="Times New Roman" panose="02020603050405020304" charset="0"/>
                 <a:cs typeface="Times New Roman" panose="02020603050405020304" charset="0"/>
               </a:rPr>
-              <a:t>Designing some html pages for website.</a:t>
+              <a:t>for website (User Interface</a:t>
             </a:r>
-          </a:p>
-          <a:p>
-            <a:pPr marL="971550" lvl="2" indent="-514350"/>
             <a:r>
-              <a:rPr lang="en-IN" sz="2600" dirty="0" smtClean="0">
+              <a:rPr lang="en-IN" sz="2800" b="1" dirty="0" smtClean="0">
                 <a:latin typeface="Times New Roman" panose="02020603050405020304" charset="0"/>
                 <a:cs typeface="Times New Roman" panose="02020603050405020304" charset="0"/>
               </a:rPr>
-              <a:t>In this module we need to design html page that will take input from user (parameters of the house).</a:t>
+              <a:t>).</a:t>
             </a:r>
-          </a:p>
-          <a:p>
-            <a:pPr marL="971550" lvl="2" indent="-514350"/>
+            <a:endParaRPr lang="en-IN" sz="2800" b="1" dirty="0" smtClean="0">
+              <a:latin typeface="Times New Roman" panose="02020603050405020304" charset="0"/>
+              <a:cs typeface="Times New Roman" panose="02020603050405020304" charset="0"/>
+            </a:endParaRPr>
+          </a:p>
+          <a:p>
+            <a:pPr marL="971550" lvl="1" indent="-514350"/>
             <a:r>
-              <a:rPr lang="en-IN" sz="2600" dirty="0" smtClean="0">
+              <a:rPr lang="en-US" sz="2400" dirty="0" smtClean="0">
                 <a:latin typeface="Times New Roman" panose="02020603050405020304" charset="0"/>
                 <a:cs typeface="Times New Roman" panose="02020603050405020304" charset="0"/>
               </a:rPr>
-              <a:t>Then we need to attach our trained model to this website.</a:t>
+              <a:t>One simple website has been created to deploy this model</a:t>
             </a:r>
-          </a:p>
-          <a:p>
-            <a:pPr marL="971550" lvl="2" indent="-514350"/>
-            <a:endParaRPr lang="en-IN" sz="2600" b="1" dirty="0" smtClean="0">
+            <a:r>
+              <a:rPr lang="en-US" sz="2400" dirty="0" smtClean="0">
+                <a:latin typeface="Times New Roman" panose="02020603050405020304" charset="0"/>
+                <a:cs typeface="Times New Roman" panose="02020603050405020304" charset="0"/>
+              </a:rPr>
+              <a:t>.</a:t>
+            </a:r>
+          </a:p>
+          <a:p>
+            <a:pPr marL="971550" lvl="1" indent="-514350"/>
+            <a:r>
+              <a:rPr lang="en-US" sz="2400" dirty="0" smtClean="0">
+                <a:latin typeface="Times New Roman" panose="02020603050405020304" charset="0"/>
+                <a:cs typeface="Times New Roman" panose="02020603050405020304" charset="0"/>
+              </a:rPr>
+              <a:t>Django </a:t>
+            </a:r>
+            <a:r>
+              <a:rPr lang="en-US" sz="2400" dirty="0" smtClean="0">
+                <a:latin typeface="Times New Roman" panose="02020603050405020304" charset="0"/>
+                <a:cs typeface="Times New Roman" panose="02020603050405020304" charset="0"/>
+              </a:rPr>
+              <a:t>framework is used for </a:t>
+            </a:r>
+            <a:r>
+              <a:rPr lang="en-US" sz="2400" dirty="0" smtClean="0">
+                <a:latin typeface="Times New Roman" panose="02020603050405020304" charset="0"/>
+                <a:cs typeface="Times New Roman" panose="02020603050405020304" charset="0"/>
+              </a:rPr>
+              <a:t>same.</a:t>
+            </a:r>
+          </a:p>
+          <a:p>
+            <a:pPr marL="971550" lvl="1" indent="-514350"/>
+            <a:r>
+              <a:rPr lang="en-US" sz="2400" dirty="0" smtClean="0">
+                <a:latin typeface="Times New Roman" panose="02020603050405020304" charset="0"/>
+                <a:cs typeface="Times New Roman" panose="02020603050405020304" charset="0"/>
+              </a:rPr>
+              <a:t>Login/Sign </a:t>
+            </a:r>
+            <a:r>
+              <a:rPr lang="en-US" sz="2400" dirty="0" smtClean="0">
+                <a:latin typeface="Times New Roman" panose="02020603050405020304" charset="0"/>
+                <a:cs typeface="Times New Roman" panose="02020603050405020304" charset="0"/>
+              </a:rPr>
+              <a:t>Up functionality are there in the </a:t>
+            </a:r>
+            <a:r>
+              <a:rPr lang="en-US" sz="2400" dirty="0" smtClean="0">
+                <a:latin typeface="Times New Roman" panose="02020603050405020304" charset="0"/>
+                <a:cs typeface="Times New Roman" panose="02020603050405020304" charset="0"/>
+              </a:rPr>
+              <a:t>website.</a:t>
+            </a:r>
+          </a:p>
+          <a:p>
+            <a:pPr marL="971550" lvl="1" indent="-514350"/>
+            <a:r>
+              <a:rPr lang="en-US" sz="2400" dirty="0" smtClean="0">
+                <a:latin typeface="Times New Roman" panose="02020603050405020304" charset="0"/>
+                <a:cs typeface="Times New Roman" panose="02020603050405020304" charset="0"/>
+              </a:rPr>
+              <a:t>User </a:t>
+            </a:r>
+            <a:r>
+              <a:rPr lang="en-US" sz="2400" dirty="0" smtClean="0">
+                <a:latin typeface="Times New Roman" panose="02020603050405020304" charset="0"/>
+                <a:cs typeface="Times New Roman" panose="02020603050405020304" charset="0"/>
+              </a:rPr>
+              <a:t>can easily login and then only he/she will be able to predict price of the </a:t>
+            </a:r>
+            <a:r>
+              <a:rPr lang="en-US" sz="2400" dirty="0" smtClean="0">
+                <a:latin typeface="Times New Roman" panose="02020603050405020304" charset="0"/>
+                <a:cs typeface="Times New Roman" panose="02020603050405020304" charset="0"/>
+              </a:rPr>
+              <a:t>house.</a:t>
+            </a:r>
+          </a:p>
+          <a:p>
+            <a:pPr marL="971550" lvl="1" indent="-514350"/>
+            <a:r>
+              <a:rPr lang="en-US" sz="2400" dirty="0" smtClean="0">
+                <a:latin typeface="Times New Roman" panose="02020603050405020304" charset="0"/>
+                <a:cs typeface="Times New Roman" panose="02020603050405020304" charset="0"/>
+              </a:rPr>
+              <a:t>As </a:t>
+            </a:r>
+            <a:r>
+              <a:rPr lang="en-US" sz="2400" dirty="0" smtClean="0">
+                <a:latin typeface="Times New Roman" panose="02020603050405020304" charset="0"/>
+                <a:cs typeface="Times New Roman" panose="02020603050405020304" charset="0"/>
+              </a:rPr>
+              <a:t>a database, Django inbuilt SQLite is used.</a:t>
+            </a:r>
+            <a:endParaRPr lang="en-US" sz="2400" dirty="0" smtClean="0">
               <a:latin typeface="Times New Roman" panose="02020603050405020304" charset="0"/>
               <a:cs typeface="Times New Roman" panose="02020603050405020304" charset="0"/>
             </a:endParaRPr>
           </a:p>
           <a:p>
             <a:pPr marL="971550" lvl="1" indent="-514350">
-              <a:buNone/>
-            </a:pPr>
-            <a:endParaRPr lang="en-IN" sz="2400" dirty="0" smtClean="0">
-              <a:latin typeface="Times New Roman" panose="02020603050405020304" charset="0"/>
-              <a:cs typeface="Times New Roman" panose="02020603050405020304" charset="0"/>
-            </a:endParaRPr>
-          </a:p>
-          <a:p>
-            <a:pPr marL="1428750" lvl="2" indent="-514350">
               <a:buNone/>
             </a:pPr>
             <a:endParaRPr lang="en-IN" sz="2200" b="1" dirty="0" smtClean="0">
@@ -27298,7 +27471,7 @@
           <p:cNvPr id="2" name="Slide Number Placeholder 1">
             <a:extLst>
               <a:ext uri="{FF2B5EF4-FFF2-40B4-BE49-F238E27FC236}">
-                <a16:creationId xmlns:a16="http://schemas.microsoft.com/office/drawing/2014/main" xmlns="" id="{BE9800F6-D571-48C4-8466-12AA1ADB6599}"/>
+                <a16:creationId xmlns="" xmlns:a16="http://schemas.microsoft.com/office/drawing/2014/main" id="{BE9800F6-D571-48C4-8466-12AA1ADB6599}"/>
               </a:ext>
             </a:extLst>
           </p:cNvPr>
@@ -27326,7 +27499,7 @@
     </p:spTree>
     <p:extLst>
       <p:ext uri="{BB962C8B-B14F-4D97-AF65-F5344CB8AC3E}">
-        <p14:creationId xmlns:p14="http://schemas.microsoft.com/office/powerpoint/2010/main" xmlns="" val="3733486012"/>
+        <p14:creationId xmlns="" xmlns:p14="http://schemas.microsoft.com/office/powerpoint/2010/main" val="3733486012"/>
       </p:ext>
     </p:extLst>
   </p:cSld>
@@ -27334,7 +27507,7 @@
     <a:masterClrMapping/>
   </p:clrMapOvr>
   <mc:AlternateContent xmlns:mc="http://schemas.openxmlformats.org/markup-compatibility/2006">
-    <mc:Choice xmlns:p14="http://schemas.microsoft.com/office/powerpoint/2010/main" xmlns="" Requires="p14">
+    <mc:Choice xmlns="" xmlns:p14="http://schemas.microsoft.com/office/powerpoint/2010/main" Requires="p14">
       <p:transition spd="med" p14:dur="700">
         <p:fade/>
       </p:transition>
@@ -27427,7 +27600,7 @@
           <p:cNvPr id="6" name="Title 6">
             <a:extLst>
               <a:ext uri="{FF2B5EF4-FFF2-40B4-BE49-F238E27FC236}">
-                <a16:creationId xmlns:a16="http://schemas.microsoft.com/office/drawing/2014/main" xmlns="" id="{7875C19A-1AAE-476A-A316-A2CF92D763D3}"/>
+                <a16:creationId xmlns="" xmlns:a16="http://schemas.microsoft.com/office/drawing/2014/main" id="{7875C19A-1AAE-476A-A316-A2CF92D763D3}"/>
               </a:ext>
             </a:extLst>
           </p:cNvPr>
@@ -27677,7 +27850,7 @@
   <a:extraClrSchemeLst/>
   <a:extLst>
     <a:ext uri="{05A4C25C-085E-4340-85A3-A5531E510DB2}">
-      <thm15:themeFamily xmlns:thm15="http://schemas.microsoft.com/office/thememl/2012/main" xmlns="" name="TF66687569_Modern blue presentation_AAS_v5" id="{C7B59113-CD15-4341-96CA-86E715D5BE98}" vid="{5A8FDAEB-3DF3-4B3C-A708-49813F8D6F85}"/>
+      <thm15:themeFamily xmlns="" xmlns:thm15="http://schemas.microsoft.com/office/thememl/2012/main" name="TF66687569_Modern blue presentation_AAS_v5" id="{C7B59113-CD15-4341-96CA-86E715D5BE98}" vid="{5A8FDAEB-3DF3-4B3C-A708-49813F8D6F85}"/>
     </a:ext>
   </a:extLst>
 </a:theme>
@@ -27972,7 +28145,7 @@
   <a:extraClrSchemeLst/>
   <a:extLst>
     <a:ext uri="{05A4C25C-085E-4340-85A3-A5531E510DB2}">
-      <thm15:themeFamily xmlns:thm15="http://schemas.microsoft.com/office/thememl/2012/main" xmlns="" name="Office Theme" id="{62F939B6-93AF-4DB8-9C6B-D6C7DFDC589F}" vid="{4A3C46E8-61CC-4603-A589-7422A47A8E4A}"/>
+      <thm15:themeFamily xmlns="" xmlns:thm15="http://schemas.microsoft.com/office/thememl/2012/main" name="Office Theme" id="{62F939B6-93AF-4DB8-9C6B-D6C7DFDC589F}" vid="{4A3C46E8-61CC-4603-A589-7422A47A8E4A}"/>
     </a:ext>
   </a:extLst>
 </a:theme>
@@ -28267,30 +28440,13 @@
   <a:extraClrSchemeLst/>
   <a:extLst>
     <a:ext uri="{05A4C25C-085E-4340-85A3-A5531E510DB2}">
-      <thm15:themeFamily xmlns:thm15="http://schemas.microsoft.com/office/thememl/2012/main" xmlns="" name="Office Theme" id="{62F939B6-93AF-4DB8-9C6B-D6C7DFDC589F}" vid="{4A3C46E8-61CC-4603-A589-7422A47A8E4A}"/>
+      <thm15:themeFamily xmlns="" xmlns:thm15="http://schemas.microsoft.com/office/thememl/2012/main" name="Office Theme" id="{62F939B6-93AF-4DB8-9C6B-D6C7DFDC589F}" vid="{4A3C46E8-61CC-4603-A589-7422A47A8E4A}"/>
     </a:ext>
   </a:extLst>
 </a:theme>
 </file>
 
 <file path=customXml/item1.xml><?xml version="1.0" encoding="utf-8"?>
-<p:properties xmlns:p="http://schemas.microsoft.com/office/2006/metadata/properties" xmlns:xsi="http://www.w3.org/2001/XMLSchema-instance" xmlns:pc="http://schemas.microsoft.com/office/infopath/2007/PartnerControls">
-  <documentManagement>
-    <MediaServiceKeyPoints xmlns="71af3243-3dd4-4a8d-8c0d-dd76da1f02a5" xsi:nil="true"/>
-  </documentManagement>
-</p:properties>
-</file>
-
-<file path=customXml/item2.xml><?xml version="1.0" encoding="utf-8"?>
-<?mso-contentType ?>
-<FormTemplates xmlns="http://schemas.microsoft.com/sharepoint/v3/contenttype/forms">
-  <Display>DocumentLibraryForm</Display>
-  <Edit>DocumentLibraryForm</Edit>
-  <New>DocumentLibraryForm</New>
-</FormTemplates>
-</file>
-
-<file path=customXml/item3.xml><?xml version="1.0" encoding="utf-8"?>
 <ct:contentTypeSchema xmlns:ct="http://schemas.microsoft.com/office/2006/metadata/contentType" xmlns:ma="http://schemas.microsoft.com/office/2006/metadata/properties/metaAttributes" ct:_="" ma:_="" ma:contentTypeName="Document" ma:contentTypeID="0x01010079F111ED35F8CC479449609E8A0923A6" ma:contentTypeVersion="11" ma:contentTypeDescription="Create a new document." ma:contentTypeScope="" ma:versionID="96291512c1ee715ab617f4c07df79fc1">
   <xsd:schema xmlns:xsd="http://www.w3.org/2001/XMLSchema" xmlns:xs="http://www.w3.org/2001/XMLSchema" xmlns:p="http://schemas.microsoft.com/office/2006/metadata/properties" xmlns:ns2="71af3243-3dd4-4a8d-8c0d-dd76da1f02a5" xmlns:ns3="16c05727-aa75-4e4a-9b5f-8a80a1165891" targetNamespace="http://schemas.microsoft.com/office/2006/metadata/properties" ma:root="true" ma:fieldsID="8256c27c40ca5c40ce1cf6c44f0205df" ns2:_="" ns3:_="">
     <xsd:import namespace="71af3243-3dd4-4a8d-8c0d-dd76da1f02a5"/>
@@ -28501,25 +28657,24 @@
 </ct:contentTypeSchema>
 </file>
 
-<file path=customXml/itemProps1.xml><?xml version="1.0" encoding="utf-8"?>
-<ds:datastoreItem xmlns:ds="http://schemas.openxmlformats.org/officeDocument/2006/customXml" ds:itemID="{F5757914-1161-4661-9696-421FD6935CDD}">
-  <ds:schemaRefs>
-    <ds:schemaRef ds:uri="http://schemas.microsoft.com/office/2006/metadata/properties"/>
-    <ds:schemaRef ds:uri="http://schemas.microsoft.com/office/infopath/2007/PartnerControls"/>
-    <ds:schemaRef ds:uri="71af3243-3dd4-4a8d-8c0d-dd76da1f02a5"/>
-  </ds:schemaRefs>
-</ds:datastoreItem>
+<file path=customXml/item2.xml><?xml version="1.0" encoding="utf-8"?>
+<?mso-contentType ?>
+<FormTemplates xmlns="http://schemas.microsoft.com/sharepoint/v3/contenttype/forms">
+  <Display>DocumentLibraryForm</Display>
+  <Edit>DocumentLibraryForm</Edit>
+  <New>DocumentLibraryForm</New>
+</FormTemplates>
 </file>
 
-<file path=customXml/itemProps2.xml><?xml version="1.0" encoding="utf-8"?>
-<ds:datastoreItem xmlns:ds="http://schemas.openxmlformats.org/officeDocument/2006/customXml" ds:itemID="{5B26E0C9-B2AA-42E6-97B6-E1B7D9EAF129}">
-  <ds:schemaRefs>
-    <ds:schemaRef ds:uri="http://schemas.microsoft.com/sharepoint/v3/contenttype/forms"/>
-  </ds:schemaRefs>
-</ds:datastoreItem>
+<file path=customXml/item3.xml><?xml version="1.0" encoding="utf-8"?>
+<p:properties xmlns:p="http://schemas.microsoft.com/office/2006/metadata/properties" xmlns:xsi="http://www.w3.org/2001/XMLSchema-instance" xmlns:pc="http://schemas.microsoft.com/office/infopath/2007/PartnerControls">
+  <documentManagement>
+    <MediaServiceKeyPoints xmlns="71af3243-3dd4-4a8d-8c0d-dd76da1f02a5" xsi:nil="true"/>
+  </documentManagement>
+</p:properties>
 </file>
 
-<file path=customXml/itemProps3.xml><?xml version="1.0" encoding="utf-8"?>
+<file path=customXml/itemProps1.xml><?xml version="1.0" encoding="utf-8"?>
 <ds:datastoreItem xmlns:ds="http://schemas.openxmlformats.org/officeDocument/2006/customXml" ds:itemID="{4C103400-4A22-4E35-B588-4C4D42638959}">
   <ds:schemaRefs>
     <ds:schemaRef ds:uri="http://schemas.microsoft.com/office/2006/metadata/contentType"/>
@@ -28536,4 +28691,22 @@
     <ds:schemaRef ds:uri="http://schemas.microsoft.com/internal/obd"/>
   </ds:schemaRefs>
 </ds:datastoreItem>
+</file>
+
+<file path=customXml/itemProps2.xml><?xml version="1.0" encoding="utf-8"?>
+<ds:datastoreItem xmlns:ds="http://schemas.openxmlformats.org/officeDocument/2006/customXml" ds:itemID="{5B26E0C9-B2AA-42E6-97B6-E1B7D9EAF129}">
+  <ds:schemaRefs>
+    <ds:schemaRef ds:uri="http://schemas.microsoft.com/sharepoint/v3/contenttype/forms"/>
+  </ds:schemaRefs>
+</ds:datastoreItem>
+</file>
+
+<file path=customXml/itemProps3.xml><?xml version="1.0" encoding="utf-8"?>
+<ds:datastoreItem xmlns:ds="http://schemas.openxmlformats.org/officeDocument/2006/customXml" ds:itemID="{F5757914-1161-4661-9696-421FD6935CDD}">
+  <ds:schemaRefs>
+    <ds:schemaRef ds:uri="http://schemas.microsoft.com/office/2006/metadata/properties"/>
+    <ds:schemaRef ds:uri="http://schemas.microsoft.com/office/infopath/2007/PartnerControls"/>
+    <ds:schemaRef ds:uri="71af3243-3dd4-4a8d-8c0d-dd76da1f02a5"/>
+  </ds:schemaRefs>
+</ds:datastoreItem>
 </file>